--- a/presentation/Class_1_Introduction/Class_1_Introduction.pptx
+++ b/presentation/Class_1_Introduction/Class_1_Introduction.pptx
@@ -7,10 +7,10 @@
     <p:sldMasterId id="2147483860" r:id="rId3"/>
   </p:sldMasterIdLst>
   <p:notesMasterIdLst>
-    <p:notesMasterId r:id="rId45"/>
+    <p:notesMasterId r:id="rId46"/>
   </p:notesMasterIdLst>
   <p:handoutMasterIdLst>
-    <p:handoutMasterId r:id="rId46"/>
+    <p:handoutMasterId r:id="rId47"/>
   </p:handoutMasterIdLst>
   <p:sldIdLst>
     <p:sldId id="256" r:id="rId4"/>
@@ -27,33 +27,34 @@
     <p:sldId id="409" r:id="rId15"/>
     <p:sldId id="410" r:id="rId16"/>
     <p:sldId id="362" r:id="rId17"/>
-    <p:sldId id="364" r:id="rId18"/>
-    <p:sldId id="395" r:id="rId19"/>
-    <p:sldId id="405" r:id="rId20"/>
-    <p:sldId id="406" r:id="rId21"/>
-    <p:sldId id="407" r:id="rId22"/>
-    <p:sldId id="408" r:id="rId23"/>
-    <p:sldId id="411" r:id="rId24"/>
-    <p:sldId id="413" r:id="rId25"/>
-    <p:sldId id="412" r:id="rId26"/>
-    <p:sldId id="415" r:id="rId27"/>
-    <p:sldId id="414" r:id="rId28"/>
-    <p:sldId id="416" r:id="rId29"/>
-    <p:sldId id="423" r:id="rId30"/>
-    <p:sldId id="429" r:id="rId31"/>
-    <p:sldId id="419" r:id="rId32"/>
-    <p:sldId id="420" r:id="rId33"/>
-    <p:sldId id="418" r:id="rId34"/>
-    <p:sldId id="422" r:id="rId35"/>
-    <p:sldId id="264" r:id="rId36"/>
-    <p:sldId id="397" r:id="rId37"/>
-    <p:sldId id="372" r:id="rId38"/>
-    <p:sldId id="421" r:id="rId39"/>
-    <p:sldId id="287" r:id="rId40"/>
-    <p:sldId id="288" r:id="rId41"/>
-    <p:sldId id="266" r:id="rId42"/>
-    <p:sldId id="371" r:id="rId43"/>
-    <p:sldId id="403" r:id="rId44"/>
+    <p:sldId id="430" r:id="rId18"/>
+    <p:sldId id="364" r:id="rId19"/>
+    <p:sldId id="395" r:id="rId20"/>
+    <p:sldId id="405" r:id="rId21"/>
+    <p:sldId id="406" r:id="rId22"/>
+    <p:sldId id="407" r:id="rId23"/>
+    <p:sldId id="408" r:id="rId24"/>
+    <p:sldId id="411" r:id="rId25"/>
+    <p:sldId id="413" r:id="rId26"/>
+    <p:sldId id="412" r:id="rId27"/>
+    <p:sldId id="415" r:id="rId28"/>
+    <p:sldId id="414" r:id="rId29"/>
+    <p:sldId id="416" r:id="rId30"/>
+    <p:sldId id="423" r:id="rId31"/>
+    <p:sldId id="429" r:id="rId32"/>
+    <p:sldId id="419" r:id="rId33"/>
+    <p:sldId id="420" r:id="rId34"/>
+    <p:sldId id="418" r:id="rId35"/>
+    <p:sldId id="422" r:id="rId36"/>
+    <p:sldId id="264" r:id="rId37"/>
+    <p:sldId id="397" r:id="rId38"/>
+    <p:sldId id="372" r:id="rId39"/>
+    <p:sldId id="421" r:id="rId40"/>
+    <p:sldId id="287" r:id="rId41"/>
+    <p:sldId id="288" r:id="rId42"/>
+    <p:sldId id="266" r:id="rId43"/>
+    <p:sldId id="371" r:id="rId44"/>
+    <p:sldId id="403" r:id="rId45"/>
   </p:sldIdLst>
   <p:sldSz cx="12192000" cy="6858000"/>
   <p:notesSz cx="7102475" cy="9388475"/>
@@ -273,7 +274,7 @@
           <a:p>
             <a:fld id="{A7D9A7DC-F1CD-4708-A473-876A4B3B8934}" type="datetime1">
               <a:rPr lang="en-US" smtClean="0"/>
-              <a:t>7/3/2022</a:t>
+              <a:t>7/10/2022</a:t>
             </a:fld>
             <a:endParaRPr lang="en-US" dirty="0"/>
           </a:p>
@@ -457,7 +458,7 @@
           <a:p>
             <a:fld id="{A596092B-28C7-44D1-B902-5437B333DFB7}" type="datetime1">
               <a:rPr lang="en-US" smtClean="0"/>
-              <a:t>7/3/2022</a:t>
+              <a:t>7/10/2022</a:t>
             </a:fld>
             <a:endParaRPr lang="en-US" dirty="0"/>
           </a:p>
@@ -815,7 +816,7 @@
           <a:p>
             <a:fld id="{A596092B-28C7-44D1-B902-5437B333DFB7}" type="datetime1">
               <a:rPr lang="en-US" smtClean="0"/>
-              <a:t>7/3/2022</a:t>
+              <a:t>7/10/2022</a:t>
             </a:fld>
             <a:endParaRPr lang="en-US" dirty="0"/>
           </a:p>
@@ -969,7 +970,7 @@
           <a:p>
             <a:fld id="{A596092B-28C7-44D1-B902-5437B333DFB7}" type="datetime1">
               <a:rPr lang="en-US" smtClean="0"/>
-              <a:t>7/3/2022</a:t>
+              <a:t>7/10/2022</a:t>
             </a:fld>
             <a:endParaRPr lang="en-US" dirty="0"/>
           </a:p>
@@ -1129,7 +1130,7 @@
           <a:p>
             <a:fld id="{A596092B-28C7-44D1-B902-5437B333DFB7}" type="datetime1">
               <a:rPr lang="en-US" smtClean="0"/>
-              <a:t>7/3/2022</a:t>
+              <a:t>7/10/2022</a:t>
             </a:fld>
             <a:endParaRPr lang="en-US" dirty="0"/>
           </a:p>
@@ -1283,7 +1284,7 @@
           <a:p>
             <a:fld id="{A596092B-28C7-44D1-B902-5437B333DFB7}" type="datetime1">
               <a:rPr lang="en-US" smtClean="0"/>
-              <a:t>7/3/2022</a:t>
+              <a:t>7/10/2022</a:t>
             </a:fld>
             <a:endParaRPr lang="en-US" dirty="0"/>
           </a:p>
@@ -1437,7 +1438,7 @@
           <a:p>
             <a:fld id="{A596092B-28C7-44D1-B902-5437B333DFB7}" type="datetime1">
               <a:rPr lang="en-US" smtClean="0"/>
-              <a:t>7/3/2022</a:t>
+              <a:t>7/10/2022</a:t>
             </a:fld>
             <a:endParaRPr lang="en-US" dirty="0"/>
           </a:p>
@@ -1545,7 +1546,10 @@
           <a:bodyPr/>
           <a:lstStyle/>
           <a:p>
-            <a:endParaRPr lang="en-US" dirty="0"/>
+            <a:r>
+              <a:rPr lang="en-US" dirty="0"/>
+              <a:t>Who hasn't downloaded python (from www.python.org)?</a:t>
+            </a:r>
           </a:p>
         </p:txBody>
       </p:sp>
@@ -1588,7 +1592,7 @@
           <a:p>
             <a:fld id="{A596092B-28C7-44D1-B902-5437B333DFB7}" type="datetime1">
               <a:rPr lang="en-US" smtClean="0"/>
-              <a:t>7/3/2022</a:t>
+              <a:t>7/10/2022</a:t>
             </a:fld>
             <a:endParaRPr lang="en-US" dirty="0"/>
           </a:p>
@@ -1642,7 +1646,7 @@
     </p:spTree>
     <p:extLst>
       <p:ext uri="{BB962C8B-B14F-4D97-AF65-F5344CB8AC3E}">
-        <p14:creationId xmlns:p14="http://schemas.microsoft.com/office/powerpoint/2010/main" val="1504592814"/>
+        <p14:creationId xmlns:p14="http://schemas.microsoft.com/office/powerpoint/2010/main" val="494118978"/>
       </p:ext>
     </p:extLst>
   </p:cSld>
@@ -1715,16 +1719,8 @@
           <a:bodyPr/>
           <a:lstStyle/>
           <a:p>
-            <a:pPr defTabSz="471145">
-              <a:defRPr/>
-            </a:pPr>
-            <a:r>
-              <a:rPr lang="en-US" dirty="0">
-                <a:solidFill>
-                  <a:prstClr val="black"/>
-                </a:solidFill>
-                <a:latin typeface="Calibri" panose="020F0502020204030204"/>
-              </a:rPr>
+            <a:r>
+              <a:rPr lang="en-US" dirty="0"/>
               <a:t>Introduction to Programming using Python</a:t>
             </a:r>
           </a:p>
@@ -1745,27 +1741,11 @@
           <a:bodyPr/>
           <a:lstStyle/>
           <a:p>
-            <a:pPr defTabSz="471145">
-              <a:defRPr/>
-            </a:pPr>
             <a:fld id="{A596092B-28C7-44D1-B902-5437B333DFB7}" type="datetime1">
-              <a:rPr lang="en-US">
-                <a:solidFill>
-                  <a:prstClr val="black"/>
-                </a:solidFill>
-                <a:latin typeface="Calibri" panose="020F0502020204030204"/>
-              </a:rPr>
-              <a:pPr defTabSz="471145">
-                <a:defRPr/>
-              </a:pPr>
-              <a:t>7/3/2022</a:t>
+              <a:rPr lang="en-US" smtClean="0"/>
+              <a:t>7/10/2022</a:t>
             </a:fld>
-            <a:endParaRPr lang="en-US" dirty="0">
-              <a:solidFill>
-                <a:prstClr val="black"/>
-              </a:solidFill>
-              <a:latin typeface="Calibri" panose="020F0502020204030204"/>
-            </a:endParaRPr>
+            <a:endParaRPr lang="en-US" dirty="0"/>
           </a:p>
         </p:txBody>
       </p:sp>
@@ -1784,16 +1764,8 @@
           <a:bodyPr/>
           <a:lstStyle/>
           <a:p>
-            <a:pPr defTabSz="471145">
-              <a:defRPr/>
-            </a:pPr>
-            <a:r>
-              <a:rPr lang="en-US" dirty="0">
-                <a:solidFill>
-                  <a:prstClr val="black"/>
-                </a:solidFill>
-                <a:latin typeface="Calibri" panose="020F0502020204030204"/>
-              </a:rPr>
+            <a:r>
+              <a:rPr lang="en-US" dirty="0"/>
               <a:t>raysmith@alum.mit.edu</a:t>
             </a:r>
           </a:p>
@@ -1814,34 +1786,18 @@
           <a:bodyPr/>
           <a:lstStyle/>
           <a:p>
-            <a:pPr defTabSz="471145">
-              <a:defRPr/>
-            </a:pPr>
             <a:fld id="{BA791329-992B-4F83-8435-C33B0EC26DB3}" type="slidenum">
-              <a:rPr lang="en-US">
-                <a:solidFill>
-                  <a:prstClr val="black"/>
-                </a:solidFill>
-                <a:latin typeface="Calibri" panose="020F0502020204030204"/>
-              </a:rPr>
-              <a:pPr defTabSz="471145">
-                <a:defRPr/>
-              </a:pPr>
+              <a:rPr lang="en-US" smtClean="0"/>
               <a:t>16</a:t>
             </a:fld>
-            <a:endParaRPr lang="en-US" dirty="0">
-              <a:solidFill>
-                <a:prstClr val="black"/>
-              </a:solidFill>
-              <a:latin typeface="Calibri" panose="020F0502020204030204"/>
-            </a:endParaRPr>
+            <a:endParaRPr lang="en-US" dirty="0"/>
           </a:p>
         </p:txBody>
       </p:sp>
     </p:spTree>
     <p:extLst>
       <p:ext uri="{BB962C8B-B14F-4D97-AF65-F5344CB8AC3E}">
-        <p14:creationId xmlns:p14="http://schemas.microsoft.com/office/powerpoint/2010/main" val="1885946231"/>
+        <p14:creationId xmlns:p14="http://schemas.microsoft.com/office/powerpoint/2010/main" val="1504592814"/>
       </p:ext>
     </p:extLst>
   </p:cSld>
@@ -1914,8 +1870,16 @@
           <a:bodyPr/>
           <a:lstStyle/>
           <a:p>
-            <a:r>
-              <a:rPr lang="en-US" dirty="0"/>
+            <a:pPr defTabSz="471145">
+              <a:defRPr/>
+            </a:pPr>
+            <a:r>
+              <a:rPr lang="en-US" dirty="0">
+                <a:solidFill>
+                  <a:prstClr val="black"/>
+                </a:solidFill>
+                <a:latin typeface="Calibri" panose="020F0502020204030204"/>
+              </a:rPr>
               <a:t>Introduction to Programming using Python</a:t>
             </a:r>
           </a:p>
@@ -1936,11 +1900,27 @@
           <a:bodyPr/>
           <a:lstStyle/>
           <a:p>
+            <a:pPr defTabSz="471145">
+              <a:defRPr/>
+            </a:pPr>
             <a:fld id="{A596092B-28C7-44D1-B902-5437B333DFB7}" type="datetime1">
-              <a:rPr lang="en-US" smtClean="0"/>
-              <a:t>7/3/2022</a:t>
+              <a:rPr lang="en-US">
+                <a:solidFill>
+                  <a:prstClr val="black"/>
+                </a:solidFill>
+                <a:latin typeface="Calibri" panose="020F0502020204030204"/>
+              </a:rPr>
+              <a:pPr defTabSz="471145">
+                <a:defRPr/>
+              </a:pPr>
+              <a:t>7/10/2022</a:t>
             </a:fld>
-            <a:endParaRPr lang="en-US" dirty="0"/>
+            <a:endParaRPr lang="en-US" dirty="0">
+              <a:solidFill>
+                <a:prstClr val="black"/>
+              </a:solidFill>
+              <a:latin typeface="Calibri" panose="020F0502020204030204"/>
+            </a:endParaRPr>
           </a:p>
         </p:txBody>
       </p:sp>
@@ -1959,8 +1939,16 @@
           <a:bodyPr/>
           <a:lstStyle/>
           <a:p>
-            <a:r>
-              <a:rPr lang="en-US" dirty="0"/>
+            <a:pPr defTabSz="471145">
+              <a:defRPr/>
+            </a:pPr>
+            <a:r>
+              <a:rPr lang="en-US" dirty="0">
+                <a:solidFill>
+                  <a:prstClr val="black"/>
+                </a:solidFill>
+                <a:latin typeface="Calibri" panose="020F0502020204030204"/>
+              </a:rPr>
               <a:t>raysmith@alum.mit.edu</a:t>
             </a:r>
           </a:p>
@@ -1981,18 +1969,34 @@
           <a:bodyPr/>
           <a:lstStyle/>
           <a:p>
+            <a:pPr defTabSz="471145">
+              <a:defRPr/>
+            </a:pPr>
             <a:fld id="{BA791329-992B-4F83-8435-C33B0EC26DB3}" type="slidenum">
-              <a:rPr lang="en-US" smtClean="0"/>
+              <a:rPr lang="en-US">
+                <a:solidFill>
+                  <a:prstClr val="black"/>
+                </a:solidFill>
+                <a:latin typeface="Calibri" panose="020F0502020204030204"/>
+              </a:rPr>
+              <a:pPr defTabSz="471145">
+                <a:defRPr/>
+              </a:pPr>
               <a:t>17</a:t>
             </a:fld>
-            <a:endParaRPr lang="en-US" dirty="0"/>
+            <a:endParaRPr lang="en-US" dirty="0">
+              <a:solidFill>
+                <a:prstClr val="black"/>
+              </a:solidFill>
+              <a:latin typeface="Calibri" panose="020F0502020204030204"/>
+            </a:endParaRPr>
           </a:p>
         </p:txBody>
       </p:sp>
     </p:spTree>
     <p:extLst>
       <p:ext uri="{BB962C8B-B14F-4D97-AF65-F5344CB8AC3E}">
-        <p14:creationId xmlns:p14="http://schemas.microsoft.com/office/powerpoint/2010/main" val="3624409778"/>
+        <p14:creationId xmlns:p14="http://schemas.microsoft.com/office/powerpoint/2010/main" val="1885946231"/>
       </p:ext>
     </p:extLst>
   </p:cSld>
@@ -2089,7 +2093,7 @@
           <a:p>
             <a:fld id="{A596092B-28C7-44D1-B902-5437B333DFB7}" type="datetime1">
               <a:rPr lang="en-US" smtClean="0"/>
-              <a:t>7/3/2022</a:t>
+              <a:t>7/10/2022</a:t>
             </a:fld>
             <a:endParaRPr lang="en-US" dirty="0"/>
           </a:p>
@@ -2134,7 +2138,7 @@
           <a:p>
             <a:fld id="{BA791329-992B-4F83-8435-C33B0EC26DB3}" type="slidenum">
               <a:rPr lang="en-US" smtClean="0"/>
-              <a:t>19</a:t>
+              <a:t>18</a:t>
             </a:fld>
             <a:endParaRPr lang="en-US" dirty="0"/>
           </a:p>
@@ -2143,7 +2147,7 @@
     </p:spTree>
     <p:extLst>
       <p:ext uri="{BB962C8B-B14F-4D97-AF65-F5344CB8AC3E}">
-        <p14:creationId xmlns:p14="http://schemas.microsoft.com/office/powerpoint/2010/main" val="2993040239"/>
+        <p14:creationId xmlns:p14="http://schemas.microsoft.com/office/powerpoint/2010/main" val="3624409778"/>
       </p:ext>
     </p:extLst>
   </p:cSld>
@@ -2197,24 +2201,6 @@
           <a:bodyPr/>
           <a:lstStyle/>
           <a:p>
-            <a:r>
-              <a:rPr lang="en-US" dirty="0"/>
-              <a:t>What sort of programs are there?  Could there be?</a:t>
-            </a:r>
-          </a:p>
-          <a:p>
-            <a:r>
-              <a:rPr lang="en-US" dirty="0"/>
-              <a:t>Calculators – financial, industrial</a:t>
-            </a:r>
-          </a:p>
-          <a:p>
-            <a:r>
-              <a:rPr lang="en-US" dirty="0"/>
-              <a:t>Games</a:t>
-            </a:r>
-          </a:p>
-          <a:p>
             <a:endParaRPr lang="en-US" dirty="0"/>
           </a:p>
         </p:txBody>
@@ -2258,7 +2244,7 @@
           <a:p>
             <a:fld id="{A596092B-28C7-44D1-B902-5437B333DFB7}" type="datetime1">
               <a:rPr lang="en-US" smtClean="0"/>
-              <a:t>7/3/2022</a:t>
+              <a:t>7/10/2022</a:t>
             </a:fld>
             <a:endParaRPr lang="en-US" dirty="0"/>
           </a:p>
@@ -2303,7 +2289,7 @@
           <a:p>
             <a:fld id="{BA791329-992B-4F83-8435-C33B0EC26DB3}" type="slidenum">
               <a:rPr lang="en-US" smtClean="0"/>
-              <a:t>33</a:t>
+              <a:t>20</a:t>
             </a:fld>
             <a:endParaRPr lang="en-US" dirty="0"/>
           </a:p>
@@ -2312,7 +2298,7 @@
     </p:spTree>
     <p:extLst>
       <p:ext uri="{BB962C8B-B14F-4D97-AF65-F5344CB8AC3E}">
-        <p14:creationId xmlns:p14="http://schemas.microsoft.com/office/powerpoint/2010/main" val="4128196182"/>
+        <p14:creationId xmlns:p14="http://schemas.microsoft.com/office/powerpoint/2010/main" val="2993040239"/>
       </p:ext>
     </p:extLst>
   </p:cSld>
@@ -2368,26 +2354,23 @@
           <a:p>
             <a:r>
               <a:rPr lang="en-US" dirty="0"/>
-              <a:t>Demonstrate: exercises/twenty_questions_dev/iteration_7.py</a:t>
+              <a:t>What sort of programs are there?  Could there be?</a:t>
             </a:r>
           </a:p>
           <a:p>
             <a:r>
               <a:rPr lang="en-US" dirty="0"/>
-              <a:t>Have the class play/guess.</a:t>
+              <a:t>Calculators – financial, industrial</a:t>
             </a:r>
           </a:p>
           <a:p>
             <a:r>
               <a:rPr lang="en-US" dirty="0"/>
-              <a:t>What improvements / extensions to this program?</a:t>
-            </a:r>
-          </a:p>
-          <a:p>
-            <a:r>
-              <a:rPr lang="en-US" dirty="0"/>
-              <a:t>What should we be able to do with programs?</a:t>
-            </a:r>
+              <a:t>Games</a:t>
+            </a:r>
+          </a:p>
+          <a:p>
+            <a:endParaRPr lang="en-US" dirty="0"/>
           </a:p>
         </p:txBody>
       </p:sp>
@@ -2430,7 +2413,7 @@
           <a:p>
             <a:fld id="{A596092B-28C7-44D1-B902-5437B333DFB7}" type="datetime1">
               <a:rPr lang="en-US" smtClean="0"/>
-              <a:t>7/3/2022</a:t>
+              <a:t>7/10/2022</a:t>
             </a:fld>
             <a:endParaRPr lang="en-US" dirty="0"/>
           </a:p>
@@ -2484,7 +2467,7 @@
     </p:spTree>
     <p:extLst>
       <p:ext uri="{BB962C8B-B14F-4D97-AF65-F5344CB8AC3E}">
-        <p14:creationId xmlns:p14="http://schemas.microsoft.com/office/powerpoint/2010/main" val="1047706779"/>
+        <p14:creationId xmlns:p14="http://schemas.microsoft.com/office/powerpoint/2010/main" val="4128196182"/>
       </p:ext>
     </p:extLst>
   </p:cSld>
@@ -2599,7 +2582,7 @@
           <a:p>
             <a:fld id="{A596092B-28C7-44D1-B902-5437B333DFB7}" type="datetime1">
               <a:rPr lang="en-US" smtClean="0"/>
-              <a:t>7/3/2022</a:t>
+              <a:t>7/10/2022</a:t>
             </a:fld>
             <a:endParaRPr lang="en-US" dirty="0"/>
           </a:p>
@@ -2709,23 +2692,26 @@
           <a:p>
             <a:r>
               <a:rPr lang="en-US" dirty="0"/>
-              <a:t>What sort of programs are there?  Could there be?</a:t>
+              <a:t>Demonstrate: exercises/twenty_questions_dev/iteration_7.py</a:t>
             </a:r>
           </a:p>
           <a:p>
             <a:r>
               <a:rPr lang="en-US" dirty="0"/>
-              <a:t>Calculators – financial, industrial</a:t>
+              <a:t>Have the class play/guess.</a:t>
             </a:r>
           </a:p>
           <a:p>
             <a:r>
               <a:rPr lang="en-US" dirty="0"/>
-              <a:t>Games</a:t>
-            </a:r>
-          </a:p>
-          <a:p>
-            <a:endParaRPr lang="en-US" dirty="0"/>
+              <a:t>What improvements / extensions to this program?</a:t>
+            </a:r>
+          </a:p>
+          <a:p>
+            <a:r>
+              <a:rPr lang="en-US" dirty="0"/>
+              <a:t>What should we be able to do with programs?</a:t>
+            </a:r>
           </a:p>
         </p:txBody>
       </p:sp>
@@ -2768,7 +2754,7 @@
           <a:p>
             <a:fld id="{A596092B-28C7-44D1-B902-5437B333DFB7}" type="datetime1">
               <a:rPr lang="en-US" smtClean="0"/>
-              <a:t>7/3/2022</a:t>
+              <a:t>7/10/2022</a:t>
             </a:fld>
             <a:endParaRPr lang="en-US" dirty="0"/>
           </a:p>
@@ -2822,7 +2808,7 @@
     </p:spTree>
     <p:extLst>
       <p:ext uri="{BB962C8B-B14F-4D97-AF65-F5344CB8AC3E}">
-        <p14:creationId xmlns:p14="http://schemas.microsoft.com/office/powerpoint/2010/main" val="3789307819"/>
+        <p14:creationId xmlns:p14="http://schemas.microsoft.com/office/powerpoint/2010/main" val="1047706779"/>
       </p:ext>
     </p:extLst>
   </p:cSld>
@@ -2878,64 +2864,19 @@
           <a:p>
             <a:r>
               <a:rPr lang="en-US" dirty="0"/>
-              <a:t>What is iteration?</a:t>
+              <a:t>What sort of programs are there?  Could there be?</a:t>
             </a:r>
           </a:p>
           <a:p>
             <a:r>
               <a:rPr lang="en-US" dirty="0"/>
-              <a:t>Why iterate?</a:t>
+              <a:t>Calculators – financial, industrial</a:t>
             </a:r>
           </a:p>
           <a:p>
             <a:r>
               <a:rPr lang="en-US" dirty="0"/>
-              <a:t>Why use file name "iteration_1.py"?  Our first choices were first.py, second.py, ….</a:t>
-            </a:r>
-          </a:p>
-          <a:p>
-            <a:r>
-              <a:rPr lang="en-US" dirty="0"/>
-              <a:t>Any problems with iteration?</a:t>
-            </a:r>
-          </a:p>
-          <a:p>
-            <a:endParaRPr lang="en-US" dirty="0"/>
-          </a:p>
-          <a:p>
-            <a:r>
-              <a:rPr lang="en-US" dirty="0"/>
-              <a:t>What's in a game?</a:t>
-            </a:r>
-          </a:p>
-          <a:p>
-            <a:r>
-              <a:rPr lang="en-US" dirty="0"/>
-              <a:t>  goals</a:t>
-            </a:r>
-          </a:p>
-          <a:p>
-            <a:r>
-              <a:rPr lang="en-US" dirty="0"/>
-              <a:t>  interaction</a:t>
-            </a:r>
-          </a:p>
-          <a:p>
-            <a:r>
-              <a:rPr lang="en-US" dirty="0"/>
-              <a:t>    input</a:t>
-            </a:r>
-          </a:p>
-          <a:p>
-            <a:r>
-              <a:rPr lang="en-US" dirty="0"/>
-              <a:t>    output</a:t>
-            </a:r>
-          </a:p>
-          <a:p>
-            <a:r>
-              <a:rPr lang="en-US" dirty="0"/>
-              <a:t>  beginning, middle, end</a:t>
+              <a:t>Games</a:t>
             </a:r>
           </a:p>
           <a:p>
@@ -2982,7 +2923,7 @@
           <a:p>
             <a:fld id="{A596092B-28C7-44D1-B902-5437B333DFB7}" type="datetime1">
               <a:rPr lang="en-US" smtClean="0"/>
-              <a:t>7/3/2022</a:t>
+              <a:t>7/10/2022</a:t>
             </a:fld>
             <a:endParaRPr lang="en-US" dirty="0"/>
           </a:p>
@@ -3027,7 +2968,7 @@
           <a:p>
             <a:fld id="{BA791329-992B-4F83-8435-C33B0EC26DB3}" type="slidenum">
               <a:rPr lang="en-US" smtClean="0"/>
-              <a:t>37</a:t>
+              <a:t>36</a:t>
             </a:fld>
             <a:endParaRPr lang="en-US" dirty="0"/>
           </a:p>
@@ -3036,7 +2977,7 @@
     </p:spTree>
     <p:extLst>
       <p:ext uri="{BB962C8B-B14F-4D97-AF65-F5344CB8AC3E}">
-        <p14:creationId xmlns:p14="http://schemas.microsoft.com/office/powerpoint/2010/main" val="2510060251"/>
+        <p14:creationId xmlns:p14="http://schemas.microsoft.com/office/powerpoint/2010/main" val="3789307819"/>
       </p:ext>
     </p:extLst>
   </p:cSld>
@@ -3092,14 +3033,68 @@
           <a:p>
             <a:r>
               <a:rPr lang="en-US" dirty="0"/>
-              <a:t>You're going to do this.</a:t>
+              <a:t>What is iteration?</a:t>
             </a:r>
           </a:p>
           <a:p>
             <a:r>
               <a:rPr lang="en-US" dirty="0"/>
-              <a:t>I'm showing some hints.</a:t>
-            </a:r>
+              <a:t>Why iterate?</a:t>
+            </a:r>
+          </a:p>
+          <a:p>
+            <a:r>
+              <a:rPr lang="en-US" dirty="0"/>
+              <a:t>Why use file name "iteration_1.py"?  Our first choices were first.py, second.py, ….</a:t>
+            </a:r>
+          </a:p>
+          <a:p>
+            <a:r>
+              <a:rPr lang="en-US" dirty="0"/>
+              <a:t>Any problems with iteration?</a:t>
+            </a:r>
+          </a:p>
+          <a:p>
+            <a:endParaRPr lang="en-US" dirty="0"/>
+          </a:p>
+          <a:p>
+            <a:r>
+              <a:rPr lang="en-US" dirty="0"/>
+              <a:t>What's in a game?</a:t>
+            </a:r>
+          </a:p>
+          <a:p>
+            <a:r>
+              <a:rPr lang="en-US" dirty="0"/>
+              <a:t>  goals</a:t>
+            </a:r>
+          </a:p>
+          <a:p>
+            <a:r>
+              <a:rPr lang="en-US" dirty="0"/>
+              <a:t>  interaction</a:t>
+            </a:r>
+          </a:p>
+          <a:p>
+            <a:r>
+              <a:rPr lang="en-US" dirty="0"/>
+              <a:t>    input</a:t>
+            </a:r>
+          </a:p>
+          <a:p>
+            <a:r>
+              <a:rPr lang="en-US" dirty="0"/>
+              <a:t>    output</a:t>
+            </a:r>
+          </a:p>
+          <a:p>
+            <a:r>
+              <a:rPr lang="en-US" dirty="0"/>
+              <a:t>  beginning, middle, end</a:t>
+            </a:r>
+          </a:p>
+          <a:p>
+            <a:endParaRPr lang="en-US" dirty="0"/>
           </a:p>
         </p:txBody>
       </p:sp>
@@ -3142,7 +3137,7 @@
           <a:p>
             <a:fld id="{A596092B-28C7-44D1-B902-5437B333DFB7}" type="datetime1">
               <a:rPr lang="en-US" smtClean="0"/>
-              <a:t>7/3/2022</a:t>
+              <a:t>7/10/2022</a:t>
             </a:fld>
             <a:endParaRPr lang="en-US" dirty="0"/>
           </a:p>
@@ -3196,7 +3191,7 @@
     </p:spTree>
     <p:extLst>
       <p:ext uri="{BB962C8B-B14F-4D97-AF65-F5344CB8AC3E}">
-        <p14:creationId xmlns:p14="http://schemas.microsoft.com/office/powerpoint/2010/main" val="1058959967"/>
+        <p14:creationId xmlns:p14="http://schemas.microsoft.com/office/powerpoint/2010/main" val="2510060251"/>
       </p:ext>
     </p:extLst>
   </p:cSld>
@@ -3252,35 +3247,14 @@
           <a:p>
             <a:r>
               <a:rPr lang="en-US" dirty="0"/>
-              <a:t>What do we get from doing this iteration?</a:t>
+              <a:t>You're going to do this.</a:t>
             </a:r>
           </a:p>
           <a:p>
             <a:r>
               <a:rPr lang="en-US" dirty="0"/>
-              <a:t>  learning</a:t>
-            </a:r>
-          </a:p>
-          <a:p>
-            <a:r>
-              <a:rPr lang="en-US" dirty="0"/>
-              <a:t>  testing</a:t>
-            </a:r>
-          </a:p>
-          <a:p>
-            <a:r>
-              <a:rPr lang="en-US" dirty="0"/>
-              <a:t>  early fun?</a:t>
-            </a:r>
-          </a:p>
-          <a:p>
-            <a:r>
-              <a:rPr lang="en-US" dirty="0"/>
-              <a:t>What does it cost us?</a:t>
-            </a:r>
-          </a:p>
-          <a:p>
-            <a:endParaRPr lang="en-US" dirty="0"/>
+              <a:t>I'm showing some hints.</a:t>
+            </a:r>
           </a:p>
         </p:txBody>
       </p:sp>
@@ -3323,7 +3297,7 @@
           <a:p>
             <a:fld id="{A596092B-28C7-44D1-B902-5437B333DFB7}" type="datetime1">
               <a:rPr lang="en-US" smtClean="0"/>
-              <a:t>7/3/2022</a:t>
+              <a:t>7/10/2022</a:t>
             </a:fld>
             <a:endParaRPr lang="en-US" dirty="0"/>
           </a:p>
@@ -3377,7 +3351,7 @@
     </p:spTree>
     <p:extLst>
       <p:ext uri="{BB962C8B-B14F-4D97-AF65-F5344CB8AC3E}">
-        <p14:creationId xmlns:p14="http://schemas.microsoft.com/office/powerpoint/2010/main" val="3030457380"/>
+        <p14:creationId xmlns:p14="http://schemas.microsoft.com/office/powerpoint/2010/main" val="1058959967"/>
       </p:ext>
     </p:extLst>
   </p:cSld>
@@ -3433,8 +3407,35 @@
           <a:p>
             <a:r>
               <a:rPr lang="en-US" dirty="0"/>
-              <a:t>Let's take a quick look.</a:t>
-            </a:r>
+              <a:t>What do we get from doing this iteration?</a:t>
+            </a:r>
+          </a:p>
+          <a:p>
+            <a:r>
+              <a:rPr lang="en-US" dirty="0"/>
+              <a:t>  learning</a:t>
+            </a:r>
+          </a:p>
+          <a:p>
+            <a:r>
+              <a:rPr lang="en-US" dirty="0"/>
+              <a:t>  testing</a:t>
+            </a:r>
+          </a:p>
+          <a:p>
+            <a:r>
+              <a:rPr lang="en-US" dirty="0"/>
+              <a:t>  early fun?</a:t>
+            </a:r>
+          </a:p>
+          <a:p>
+            <a:r>
+              <a:rPr lang="en-US" dirty="0"/>
+              <a:t>What does it cost us?</a:t>
+            </a:r>
+          </a:p>
+          <a:p>
+            <a:endParaRPr lang="en-US" dirty="0"/>
           </a:p>
         </p:txBody>
       </p:sp>
@@ -3477,7 +3478,7 @@
           <a:p>
             <a:fld id="{A596092B-28C7-44D1-B902-5437B333DFB7}" type="datetime1">
               <a:rPr lang="en-US" smtClean="0"/>
-              <a:t>7/3/2022</a:t>
+              <a:t>7/10/2022</a:t>
             </a:fld>
             <a:endParaRPr lang="en-US" dirty="0"/>
           </a:p>
@@ -3531,7 +3532,7 @@
     </p:spTree>
     <p:extLst>
       <p:ext uri="{BB962C8B-B14F-4D97-AF65-F5344CB8AC3E}">
-        <p14:creationId xmlns:p14="http://schemas.microsoft.com/office/powerpoint/2010/main" val="1267870868"/>
+        <p14:creationId xmlns:p14="http://schemas.microsoft.com/office/powerpoint/2010/main" val="3030457380"/>
       </p:ext>
     </p:extLst>
   </p:cSld>
@@ -3585,7 +3586,10 @@
           <a:bodyPr/>
           <a:lstStyle/>
           <a:p>
-            <a:endParaRPr lang="en-US" dirty="0"/>
+            <a:r>
+              <a:rPr lang="en-US" dirty="0"/>
+              <a:t>Let's take a quick look.</a:t>
+            </a:r>
           </a:p>
         </p:txBody>
       </p:sp>
@@ -3628,7 +3632,7 @@
           <a:p>
             <a:fld id="{A596092B-28C7-44D1-B902-5437B333DFB7}" type="datetime1">
               <a:rPr lang="en-US" smtClean="0"/>
-              <a:t>7/3/2022</a:t>
+              <a:t>7/10/2022</a:t>
             </a:fld>
             <a:endParaRPr lang="en-US" dirty="0"/>
           </a:p>
@@ -3674,6 +3678,157 @@
             <a:fld id="{BA791329-992B-4F83-8435-C33B0EC26DB3}" type="slidenum">
               <a:rPr lang="en-US" smtClean="0"/>
               <a:t>41</a:t>
+            </a:fld>
+            <a:endParaRPr lang="en-US" dirty="0"/>
+          </a:p>
+        </p:txBody>
+      </p:sp>
+    </p:spTree>
+    <p:extLst>
+      <p:ext uri="{BB962C8B-B14F-4D97-AF65-F5344CB8AC3E}">
+        <p14:creationId xmlns:p14="http://schemas.microsoft.com/office/powerpoint/2010/main" val="1267870868"/>
+      </p:ext>
+    </p:extLst>
+  </p:cSld>
+  <p:clrMapOvr>
+    <a:masterClrMapping/>
+  </p:clrMapOvr>
+</p:notes>
+</file>
+
+<file path=ppt/notesSlides/notesSlide26.xml><?xml version="1.0" encoding="utf-8"?>
+<p:notes xmlns:a="http://schemas.openxmlformats.org/drawingml/2006/main" xmlns:r="http://schemas.openxmlformats.org/officeDocument/2006/relationships" xmlns:p="http://schemas.openxmlformats.org/presentationml/2006/main">
+  <p:cSld>
+    <p:spTree>
+      <p:nvGrpSpPr>
+        <p:cNvPr id="1" name=""/>
+        <p:cNvGrpSpPr/>
+        <p:nvPr/>
+      </p:nvGrpSpPr>
+      <p:grpSpPr>
+        <a:xfrm>
+          <a:off x="0" y="0"/>
+          <a:ext cx="0" cy="0"/>
+          <a:chOff x="0" y="0"/>
+          <a:chExt cx="0" cy="0"/>
+        </a:xfrm>
+      </p:grpSpPr>
+      <p:sp>
+        <p:nvSpPr>
+          <p:cNvPr id="2" name="Slide Image Placeholder 1"/>
+          <p:cNvSpPr>
+            <a:spLocks noGrp="1" noRot="1" noChangeAspect="1"/>
+          </p:cNvSpPr>
+          <p:nvPr>
+            <p:ph type="sldImg"/>
+          </p:nvPr>
+        </p:nvSpPr>
+        <p:spPr/>
+      </p:sp>
+      <p:sp>
+        <p:nvSpPr>
+          <p:cNvPr id="3" name="Notes Placeholder 2"/>
+          <p:cNvSpPr>
+            <a:spLocks noGrp="1"/>
+          </p:cNvSpPr>
+          <p:nvPr>
+            <p:ph type="body" idx="1"/>
+          </p:nvPr>
+        </p:nvSpPr>
+        <p:spPr/>
+        <p:txBody>
+          <a:bodyPr/>
+          <a:lstStyle/>
+          <a:p>
+            <a:endParaRPr lang="en-US" dirty="0"/>
+          </a:p>
+        </p:txBody>
+      </p:sp>
+      <p:sp>
+        <p:nvSpPr>
+          <p:cNvPr id="4" name="Header Placeholder 3"/>
+          <p:cNvSpPr>
+            <a:spLocks noGrp="1"/>
+          </p:cNvSpPr>
+          <p:nvPr>
+            <p:ph type="hdr" sz="quarter" idx="10"/>
+          </p:nvPr>
+        </p:nvSpPr>
+        <p:spPr/>
+        <p:txBody>
+          <a:bodyPr/>
+          <a:lstStyle/>
+          <a:p>
+            <a:r>
+              <a:rPr lang="en-US" dirty="0"/>
+              <a:t>Introduction to Programming using Python</a:t>
+            </a:r>
+          </a:p>
+        </p:txBody>
+      </p:sp>
+      <p:sp>
+        <p:nvSpPr>
+          <p:cNvPr id="5" name="Date Placeholder 4"/>
+          <p:cNvSpPr>
+            <a:spLocks noGrp="1"/>
+          </p:cNvSpPr>
+          <p:nvPr>
+            <p:ph type="dt" idx="11"/>
+          </p:nvPr>
+        </p:nvSpPr>
+        <p:spPr/>
+        <p:txBody>
+          <a:bodyPr/>
+          <a:lstStyle/>
+          <a:p>
+            <a:fld id="{A596092B-28C7-44D1-B902-5437B333DFB7}" type="datetime1">
+              <a:rPr lang="en-US" smtClean="0"/>
+              <a:t>7/10/2022</a:t>
+            </a:fld>
+            <a:endParaRPr lang="en-US" dirty="0"/>
+          </a:p>
+        </p:txBody>
+      </p:sp>
+      <p:sp>
+        <p:nvSpPr>
+          <p:cNvPr id="6" name="Footer Placeholder 5"/>
+          <p:cNvSpPr>
+            <a:spLocks noGrp="1"/>
+          </p:cNvSpPr>
+          <p:nvPr>
+            <p:ph type="ftr" sz="quarter" idx="12"/>
+          </p:nvPr>
+        </p:nvSpPr>
+        <p:spPr/>
+        <p:txBody>
+          <a:bodyPr/>
+          <a:lstStyle/>
+          <a:p>
+            <a:r>
+              <a:rPr lang="en-US" dirty="0"/>
+              <a:t>raysmith@alum.mit.edu</a:t>
+            </a:r>
+          </a:p>
+        </p:txBody>
+      </p:sp>
+      <p:sp>
+        <p:nvSpPr>
+          <p:cNvPr id="7" name="Slide Number Placeholder 6"/>
+          <p:cNvSpPr>
+            <a:spLocks noGrp="1"/>
+          </p:cNvSpPr>
+          <p:nvPr>
+            <p:ph type="sldNum" sz="quarter" idx="13"/>
+          </p:nvPr>
+        </p:nvSpPr>
+        <p:spPr/>
+        <p:txBody>
+          <a:bodyPr/>
+          <a:lstStyle/>
+          <a:p>
+            <a:fld id="{BA791329-992B-4F83-8435-C33B0EC26DB3}" type="slidenum">
+              <a:rPr lang="en-US" smtClean="0"/>
+              <a:t>42</a:t>
             </a:fld>
             <a:endParaRPr lang="en-US" dirty="0"/>
           </a:p>
@@ -3782,7 +3937,7 @@
           <a:p>
             <a:fld id="{A596092B-28C7-44D1-B902-5437B333DFB7}" type="datetime1">
               <a:rPr lang="en-US" smtClean="0"/>
-              <a:t>7/3/2022</a:t>
+              <a:t>7/10/2022</a:t>
             </a:fld>
             <a:endParaRPr lang="en-US" dirty="0"/>
           </a:p>
@@ -3936,7 +4091,7 @@
           <a:p>
             <a:fld id="{A596092B-28C7-44D1-B902-5437B333DFB7}" type="datetime1">
               <a:rPr lang="en-US" smtClean="0"/>
-              <a:t>7/3/2022</a:t>
+              <a:t>7/10/2022</a:t>
             </a:fld>
             <a:endParaRPr lang="en-US" dirty="0"/>
           </a:p>
@@ -4087,7 +4242,7 @@
           <a:p>
             <a:fld id="{A596092B-28C7-44D1-B902-5437B333DFB7}" type="datetime1">
               <a:rPr lang="en-US" smtClean="0"/>
-              <a:t>7/3/2022</a:t>
+              <a:t>7/10/2022</a:t>
             </a:fld>
             <a:endParaRPr lang="en-US" dirty="0"/>
           </a:p>
@@ -4247,7 +4402,7 @@
           <a:p>
             <a:fld id="{A596092B-28C7-44D1-B902-5437B333DFB7}" type="datetime1">
               <a:rPr lang="en-US" smtClean="0"/>
-              <a:t>7/3/2022</a:t>
+              <a:t>7/10/2022</a:t>
             </a:fld>
             <a:endParaRPr lang="en-US" dirty="0"/>
           </a:p>
@@ -4407,7 +4562,7 @@
           <a:p>
             <a:fld id="{A596092B-28C7-44D1-B902-5437B333DFB7}" type="datetime1">
               <a:rPr lang="en-US" smtClean="0"/>
-              <a:t>7/3/2022</a:t>
+              <a:t>7/10/2022</a:t>
             </a:fld>
             <a:endParaRPr lang="en-US" dirty="0"/>
           </a:p>
@@ -4567,7 +4722,7 @@
           <a:p>
             <a:fld id="{A596092B-28C7-44D1-B902-5437B333DFB7}" type="datetime1">
               <a:rPr lang="en-US" smtClean="0"/>
-              <a:t>7/3/2022</a:t>
+              <a:t>7/10/2022</a:t>
             </a:fld>
             <a:endParaRPr lang="en-US" dirty="0"/>
           </a:p>
@@ -4727,7 +4882,7 @@
           <a:p>
             <a:fld id="{A596092B-28C7-44D1-B902-5437B333DFB7}" type="datetime1">
               <a:rPr lang="en-US" smtClean="0"/>
-              <a:t>7/3/2022</a:t>
+              <a:t>7/10/2022</a:t>
             </a:fld>
             <a:endParaRPr lang="en-US" dirty="0"/>
           </a:p>
@@ -5512,7 +5667,7 @@
           <a:p>
             <a:fld id="{B1DF5501-EE91-4443-9D3B-24E6F28D34E2}" type="datetime1">
               <a:rPr lang="en-US" smtClean="0"/>
-              <a:t>7/3/2022</a:t>
+              <a:t>7/10/2022</a:t>
             </a:fld>
             <a:endParaRPr lang="en-US" dirty="0"/>
           </a:p>
@@ -5787,7 +5942,7 @@
           <a:p>
             <a:fld id="{E954E1E9-8456-43AD-BA28-861520D256B9}" type="datetime1">
               <a:rPr lang="en-US" smtClean="0"/>
-              <a:t>7/3/2022</a:t>
+              <a:t>7/10/2022</a:t>
             </a:fld>
             <a:endParaRPr lang="en-US" dirty="0"/>
           </a:p>
@@ -6105,7 +6260,7 @@
           <a:p>
             <a:fld id="{FAF31E0C-AAFD-4E63-B3AE-16CD757951F4}" type="datetime1">
               <a:rPr lang="en-US" smtClean="0"/>
-              <a:t>7/3/2022</a:t>
+              <a:t>7/10/2022</a:t>
             </a:fld>
             <a:endParaRPr lang="en-US" dirty="0"/>
           </a:p>
@@ -6450,7 +6605,7 @@
           <a:p>
             <a:fld id="{000084FF-4715-4B6E-BD22-453621E5873F}" type="datetime1">
               <a:rPr lang="en-US" smtClean="0"/>
-              <a:t>7/3/2022</a:t>
+              <a:t>7/10/2022</a:t>
             </a:fld>
             <a:endParaRPr lang="en-US" dirty="0"/>
           </a:p>
@@ -6768,7 +6923,7 @@
           <a:p>
             <a:fld id="{6AC37F8D-4DF5-4AB6-A766-5A84B3D74A3B}" type="datetime1">
               <a:rPr lang="en-US" smtClean="0"/>
-              <a:t>7/3/2022</a:t>
+              <a:t>7/10/2022</a:t>
             </a:fld>
             <a:endParaRPr lang="en-US" dirty="0"/>
           </a:p>
@@ -7165,7 +7320,7 @@
           <a:p>
             <a:fld id="{1BF3CD1A-162D-40B2-9B22-9056F77C27F2}" type="datetime1">
               <a:rPr lang="en-US" smtClean="0"/>
-              <a:t>7/3/2022</a:t>
+              <a:t>7/10/2022</a:t>
             </a:fld>
             <a:endParaRPr lang="en-US" dirty="0"/>
           </a:p>
@@ -7339,7 +7494,7 @@
           <a:p>
             <a:fld id="{D42E4200-B1E5-4E39-8279-05DD69810A37}" type="datetime1">
               <a:rPr lang="en-US" smtClean="0"/>
-              <a:t>7/3/2022</a:t>
+              <a:t>7/10/2022</a:t>
             </a:fld>
             <a:endParaRPr lang="en-US" dirty="0"/>
           </a:p>
@@ -7522,7 +7677,7 @@
           <a:p>
             <a:fld id="{47CF7895-00AC-42E5-9790-7B0E3CE09DF2}" type="datetime1">
               <a:rPr lang="en-US" smtClean="0"/>
-              <a:t>7/3/2022</a:t>
+              <a:t>7/10/2022</a:t>
             </a:fld>
             <a:endParaRPr lang="en-US" dirty="0"/>
           </a:p>
@@ -7725,7 +7880,7 @@
           <a:p>
             <a:fld id="{B1DF5501-EE91-4443-9D3B-24E6F28D34E2}" type="datetime1">
               <a:rPr lang="en-US" smtClean="0"/>
-              <a:t>7/3/2022</a:t>
+              <a:t>7/10/2022</a:t>
             </a:fld>
             <a:endParaRPr lang="en-US" dirty="0"/>
           </a:p>
@@ -7951,7 +8106,7 @@
           <a:p>
             <a:fld id="{A7119916-CD40-456D-ABE3-55F8822671F7}" type="datetime1">
               <a:rPr lang="en-US" smtClean="0"/>
-              <a:t>7/3/2022</a:t>
+              <a:t>7/10/2022</a:t>
             </a:fld>
             <a:endParaRPr lang="en-US" dirty="0"/>
           </a:p>
@@ -8233,7 +8388,7 @@
           <a:p>
             <a:fld id="{3F9A13D6-B8C2-463B-B3F7-C62E098B328E}" type="datetime1">
               <a:rPr lang="en-US" smtClean="0"/>
-              <a:t>7/3/2022</a:t>
+              <a:t>7/10/2022</a:t>
             </a:fld>
             <a:endParaRPr lang="en-US" dirty="0"/>
           </a:p>
@@ -8449,7 +8604,7 @@
           <a:p>
             <a:fld id="{059A67F1-3EA0-4026-BE6A-31EE4E1B1DB5}" type="datetime1">
               <a:rPr lang="en-US" smtClean="0"/>
-              <a:t>7/3/2022</a:t>
+              <a:t>7/10/2022</a:t>
             </a:fld>
             <a:endParaRPr lang="en-US" dirty="0"/>
           </a:p>
@@ -8715,7 +8870,7 @@
           <a:p>
             <a:fld id="{D2B63420-31EE-4E4B-911C-2601B14D9FDD}" type="datetime1">
               <a:rPr lang="en-US" smtClean="0"/>
-              <a:t>7/3/2022</a:t>
+              <a:t>7/10/2022</a:t>
             </a:fld>
             <a:endParaRPr lang="en-US" dirty="0"/>
           </a:p>
@@ -9134,7 +9289,7 @@
           <a:p>
             <a:fld id="{2DD8986D-86F8-41E6-8CFF-8C91AEF92622}" type="datetime1">
               <a:rPr lang="en-US" smtClean="0"/>
-              <a:t>7/3/2022</a:t>
+              <a:t>7/10/2022</a:t>
             </a:fld>
             <a:endParaRPr lang="en-US" dirty="0"/>
           </a:p>
@@ -9286,7 +9441,7 @@
           <a:p>
             <a:fld id="{BA885161-032E-4C6A-8EDA-39D168DF18E4}" type="datetime1">
               <a:rPr lang="en-US" smtClean="0"/>
-              <a:t>7/3/2022</a:t>
+              <a:t>7/10/2022</a:t>
             </a:fld>
             <a:endParaRPr lang="en-US" dirty="0"/>
           </a:p>
@@ -9415,7 +9570,7 @@
           <a:p>
             <a:fld id="{958E6740-E523-48D9-9C4E-6F218E87BAF3}" type="datetime1">
               <a:rPr lang="en-US" smtClean="0"/>
-              <a:t>7/3/2022</a:t>
+              <a:t>7/10/2022</a:t>
             </a:fld>
             <a:endParaRPr lang="en-US" dirty="0"/>
           </a:p>
@@ -9669,7 +9824,7 @@
           <a:p>
             <a:fld id="{6121D4CA-FF09-4CB8-8D51-2613D19A0F2E}" type="datetime1">
               <a:rPr lang="en-US" smtClean="0"/>
-              <a:t>7/3/2022</a:t>
+              <a:t>7/10/2022</a:t>
             </a:fld>
             <a:endParaRPr lang="en-US" dirty="0"/>
           </a:p>
@@ -10116,7 +10271,7 @@
           <a:p>
             <a:fld id="{8C4779EA-AEA7-43B3-9B65-A77E9A890421}" type="datetime1">
               <a:rPr lang="en-US" smtClean="0"/>
-              <a:t>7/3/2022</a:t>
+              <a:t>7/10/2022</a:t>
             </a:fld>
             <a:endParaRPr lang="en-US" dirty="0"/>
           </a:p>
@@ -10325,7 +10480,7 @@
           <a:p>
             <a:fld id="{D42E4200-B1E5-4E39-8279-05DD69810A37}" type="datetime1">
               <a:rPr lang="en-US" smtClean="0"/>
-              <a:t>7/3/2022</a:t>
+              <a:t>7/10/2022</a:t>
             </a:fld>
             <a:endParaRPr lang="en-US" dirty="0"/>
           </a:p>
@@ -10543,7 +10698,7 @@
           <a:p>
             <a:fld id="{47CF7895-00AC-42E5-9790-7B0E3CE09DF2}" type="datetime1">
               <a:rPr lang="en-US" smtClean="0"/>
-              <a:t>7/3/2022</a:t>
+              <a:t>7/10/2022</a:t>
             </a:fld>
             <a:endParaRPr lang="en-US" dirty="0"/>
           </a:p>
@@ -10769,7 +10924,7 @@
           <a:p>
             <a:fld id="{B1DF5501-EE91-4443-9D3B-24E6F28D34E2}" type="datetime1">
               <a:rPr lang="en-US" smtClean="0"/>
-              <a:t>7/3/2022</a:t>
+              <a:t>7/10/2022</a:t>
             </a:fld>
             <a:endParaRPr lang="en-US" dirty="0"/>
           </a:p>
@@ -10954,7 +11109,7 @@
           <a:p>
             <a:fld id="{A7119916-CD40-456D-ABE3-55F8822671F7}" type="datetime1">
               <a:rPr lang="en-US" smtClean="0"/>
-              <a:t>7/3/2022</a:t>
+              <a:t>7/10/2022</a:t>
             </a:fld>
             <a:endParaRPr lang="en-US" dirty="0"/>
           </a:p>
@@ -11204,7 +11359,7 @@
           <a:p>
             <a:fld id="{3F9A13D6-B8C2-463B-B3F7-C62E098B328E}" type="datetime1">
               <a:rPr lang="en-US" smtClean="0"/>
-              <a:t>7/3/2022</a:t>
+              <a:t>7/10/2022</a:t>
             </a:fld>
             <a:endParaRPr lang="en-US" dirty="0"/>
           </a:p>
@@ -11453,7 +11608,7 @@
           <a:p>
             <a:fld id="{3F9A13D6-B8C2-463B-B3F7-C62E098B328E}" type="datetime1">
               <a:rPr lang="en-US" smtClean="0"/>
-              <a:t>7/3/2022</a:t>
+              <a:t>7/10/2022</a:t>
             </a:fld>
             <a:endParaRPr lang="en-US" dirty="0"/>
           </a:p>
@@ -11688,7 +11843,7 @@
           <a:p>
             <a:fld id="{D2B63420-31EE-4E4B-911C-2601B14D9FDD}" type="datetime1">
               <a:rPr lang="en-US" smtClean="0"/>
-              <a:t>7/3/2022</a:t>
+              <a:t>7/10/2022</a:t>
             </a:fld>
             <a:endParaRPr lang="en-US" dirty="0"/>
           </a:p>
@@ -12058,7 +12213,7 @@
           <a:p>
             <a:fld id="{2DD8986D-86F8-41E6-8CFF-8C91AEF92622}" type="datetime1">
               <a:rPr lang="en-US" smtClean="0"/>
-              <a:t>7/3/2022</a:t>
+              <a:t>7/10/2022</a:t>
             </a:fld>
             <a:endParaRPr lang="en-US" dirty="0"/>
           </a:p>
@@ -12179,7 +12334,7 @@
           <a:p>
             <a:fld id="{BA885161-032E-4C6A-8EDA-39D168DF18E4}" type="datetime1">
               <a:rPr lang="en-US" smtClean="0"/>
-              <a:t>7/3/2022</a:t>
+              <a:t>7/10/2022</a:t>
             </a:fld>
             <a:endParaRPr lang="en-US" dirty="0"/>
           </a:p>
@@ -12277,7 +12432,7 @@
           <a:p>
             <a:fld id="{958E6740-E523-48D9-9C4E-6F218E87BAF3}" type="datetime1">
               <a:rPr lang="en-US" smtClean="0"/>
-              <a:t>7/3/2022</a:t>
+              <a:t>7/10/2022</a:t>
             </a:fld>
             <a:endParaRPr lang="en-US" dirty="0"/>
           </a:p>
@@ -12557,7 +12712,7 @@
           <a:p>
             <a:fld id="{6121D4CA-FF09-4CB8-8D51-2613D19A0F2E}" type="datetime1">
               <a:rPr lang="en-US" smtClean="0"/>
-              <a:t>7/3/2022</a:t>
+              <a:t>7/10/2022</a:t>
             </a:fld>
             <a:endParaRPr lang="en-US" dirty="0"/>
           </a:p>
@@ -12816,7 +12971,7 @@
           <a:p>
             <a:fld id="{8C4779EA-AEA7-43B3-9B65-A77E9A890421}" type="datetime1">
               <a:rPr lang="en-US" smtClean="0"/>
-              <a:t>7/3/2022</a:t>
+              <a:t>7/10/2022</a:t>
             </a:fld>
             <a:endParaRPr lang="en-US" dirty="0"/>
           </a:p>
@@ -12989,7 +13144,7 @@
           <a:p>
             <a:fld id="{D42E4200-B1E5-4E39-8279-05DD69810A37}" type="datetime1">
               <a:rPr lang="en-US" smtClean="0"/>
-              <a:t>7/3/2022</a:t>
+              <a:t>7/10/2022</a:t>
             </a:fld>
             <a:endParaRPr lang="en-US" dirty="0"/>
           </a:p>
@@ -13172,7 +13327,7 @@
           <a:p>
             <a:fld id="{47CF7895-00AC-42E5-9790-7B0E3CE09DF2}" type="datetime1">
               <a:rPr lang="en-US" smtClean="0"/>
-              <a:t>7/3/2022</a:t>
+              <a:t>7/10/2022</a:t>
             </a:fld>
             <a:endParaRPr lang="en-US" dirty="0"/>
           </a:p>
@@ -13406,7 +13561,7 @@
           <a:p>
             <a:fld id="{D2B63420-31EE-4E4B-911C-2601B14D9FDD}" type="datetime1">
               <a:rPr lang="en-US" smtClean="0"/>
-              <a:t>7/3/2022</a:t>
+              <a:t>7/10/2022</a:t>
             </a:fld>
             <a:endParaRPr lang="en-US" dirty="0"/>
           </a:p>
@@ -13783,7 +13938,7 @@
           <a:p>
             <a:fld id="{2DD8986D-86F8-41E6-8CFF-8C91AEF92622}" type="datetime1">
               <a:rPr lang="en-US" smtClean="0"/>
-              <a:t>7/3/2022</a:t>
+              <a:t>7/10/2022</a:t>
             </a:fld>
             <a:endParaRPr lang="en-US" dirty="0"/>
           </a:p>
@@ -13909,7 +14064,7 @@
           <a:p>
             <a:fld id="{BA885161-032E-4C6A-8EDA-39D168DF18E4}" type="datetime1">
               <a:rPr lang="en-US" smtClean="0"/>
-              <a:t>7/3/2022</a:t>
+              <a:t>7/10/2022</a:t>
             </a:fld>
             <a:endParaRPr lang="en-US" dirty="0"/>
           </a:p>
@@ -14007,7 +14162,7 @@
           <a:p>
             <a:fld id="{958E6740-E523-48D9-9C4E-6F218E87BAF3}" type="datetime1">
               <a:rPr lang="en-US" smtClean="0"/>
-              <a:t>7/3/2022</a:t>
+              <a:t>7/10/2022</a:t>
             </a:fld>
             <a:endParaRPr lang="en-US" dirty="0"/>
           </a:p>
@@ -14265,7 +14420,7 @@
           <a:p>
             <a:fld id="{6121D4CA-FF09-4CB8-8D51-2613D19A0F2E}" type="datetime1">
               <a:rPr lang="en-US" smtClean="0"/>
-              <a:t>7/3/2022</a:t>
+              <a:t>7/10/2022</a:t>
             </a:fld>
             <a:endParaRPr lang="en-US" dirty="0"/>
           </a:p>
@@ -14530,7 +14685,7 @@
           <a:p>
             <a:fld id="{8C4779EA-AEA7-43B3-9B65-A77E9A890421}" type="datetime1">
               <a:rPr lang="en-US" smtClean="0"/>
-              <a:t>7/3/2022</a:t>
+              <a:t>7/10/2022</a:t>
             </a:fld>
             <a:endParaRPr lang="en-US" dirty="0"/>
           </a:p>
@@ -15275,7 +15430,7 @@
           <a:p>
             <a:fld id="{059A67F1-3EA0-4026-BE6A-31EE4E1B1DB5}" type="datetime1">
               <a:rPr lang="en-US" smtClean="0"/>
-              <a:t>7/3/2022</a:t>
+              <a:t>7/10/2022</a:t>
             </a:fld>
             <a:endParaRPr lang="en-US" dirty="0"/>
           </a:p>
@@ -16017,7 +16172,7 @@
           <a:p>
             <a:fld id="{059A67F1-3EA0-4026-BE6A-31EE4E1B1DB5}" type="datetime1">
               <a:rPr lang="en-US" smtClean="0"/>
-              <a:t>7/3/2022</a:t>
+              <a:t>7/10/2022</a:t>
             </a:fld>
             <a:endParaRPr lang="en-US" dirty="0"/>
           </a:p>
@@ -16643,7 +16798,7 @@
           <a:p>
             <a:fld id="{059A67F1-3EA0-4026-BE6A-31EE4E1B1DB5}" type="datetime1">
               <a:rPr lang="en-US" smtClean="0"/>
-              <a:t>7/3/2022</a:t>
+              <a:t>7/10/2022</a:t>
             </a:fld>
             <a:endParaRPr lang="en-US" dirty="0"/>
           </a:p>
@@ -17121,7 +17276,7 @@
           <a:p>
             <a:fld id="{0F09E55C-CECE-4F47-839C-0667B2307420}" type="datetime1">
               <a:rPr lang="en-US" smtClean="0"/>
-              <a:t>7/3/2022</a:t>
+              <a:t>7/10/2022</a:t>
             </a:fld>
             <a:endParaRPr lang="en-US" dirty="0"/>
           </a:p>
@@ -17401,7 +17556,7 @@
           <a:p>
             <a:fld id="{A7119916-CD40-456D-ABE3-55F8822671F7}" type="datetime1">
               <a:rPr lang="en-US" smtClean="0"/>
-              <a:t>7/3/2022</a:t>
+              <a:t>7/10/2022</a:t>
             </a:fld>
             <a:endParaRPr lang="en-US" dirty="0"/>
           </a:p>
@@ -17574,17 +17729,53 @@
           <a:p>
             <a:r>
               <a:rPr lang="en-US" sz="4000" dirty="0"/>
-              <a:t>The language, PYTHON,  is a way</a:t>
+              <a:t>The </a:t>
+            </a:r>
+            <a:r>
+              <a:rPr lang="en-US" sz="4000" dirty="0">
+                <a:solidFill>
+                  <a:schemeClr val="accent1"/>
+                </a:solidFill>
+              </a:rPr>
+              <a:t>language</a:t>
+            </a:r>
+            <a:r>
+              <a:rPr lang="en-US" sz="4000" dirty="0"/>
+              <a:t>, PYTHON,  is a way</a:t>
             </a:r>
           </a:p>
           <a:p>
             <a:pPr lvl="1"/>
             <a:r>
+              <a:rPr lang="en-US" sz="4000" dirty="0">
+                <a:solidFill>
+                  <a:schemeClr val="accent1"/>
+                </a:solidFill>
+              </a:rPr>
+              <a:t>Popular</a:t>
+            </a:r>
+            <a:r>
               <a:rPr lang="en-US" sz="4000" dirty="0"/>
-              <a:t>Popular, Powerful, and </a:t>
-            </a:r>
-            <a:r>
-              <a:rPr lang="en-US" sz="4000" i="1" dirty="0"/>
+              <a:t>, </a:t>
+            </a:r>
+            <a:r>
+              <a:rPr lang="en-US" sz="4000" dirty="0">
+                <a:solidFill>
+                  <a:schemeClr val="accent1"/>
+                </a:solidFill>
+              </a:rPr>
+              <a:t>Powerful</a:t>
+            </a:r>
+            <a:r>
+              <a:rPr lang="en-US" sz="4000" dirty="0"/>
+              <a:t>, and </a:t>
+            </a:r>
+            <a:r>
+              <a:rPr lang="en-US" sz="4000" i="1" dirty="0">
+                <a:solidFill>
+                  <a:schemeClr val="accent1"/>
+                </a:solidFill>
+              </a:rPr>
               <a:t>EASY</a:t>
             </a:r>
           </a:p>
@@ -17598,8 +17789,12 @@
           <a:p>
             <a:pPr lvl="2"/>
             <a:r>
-              <a:rPr lang="en-US" sz="4000" i="1" dirty="0"/>
-              <a:t>You don’t have to know it all to do a lot</a:t>
+              <a:rPr lang="en-US" sz="4000" i="1" dirty="0">
+                <a:solidFill>
+                  <a:schemeClr val="accent1"/>
+                </a:solidFill>
+              </a:rPr>
+              <a:t>Don’t have to know it all to do a lot</a:t>
             </a:r>
           </a:p>
         </p:txBody>
@@ -17632,7 +17827,7 @@
           <a:p>
             <a:fld id="{52E41419-A9A0-4E48-99EF-6542B4AE3C79}" type="datetime1">
               <a:rPr lang="en-US" smtClean="0"/>
-              <a:t>7/3/2022</a:t>
+              <a:t>7/10/2022</a:t>
             </a:fld>
             <a:endParaRPr lang="en-US" dirty="0"/>
           </a:p>
@@ -17826,28 +18021,48 @@
           <a:p>
             <a:pPr lvl="1"/>
             <a:r>
-              <a:rPr lang="en-US" sz="3400" dirty="0"/>
-              <a:t>A lot fewer words, punctuation… </a:t>
+              <a:rPr lang="en-US" sz="4000" dirty="0"/>
+              <a:t>Lot fewer words, punctuation… </a:t>
             </a:r>
           </a:p>
           <a:p>
             <a:pPr lvl="1"/>
             <a:r>
-              <a:rPr lang="en-US" sz="3400" dirty="0"/>
-              <a:t>Need to be precise</a:t>
+              <a:rPr lang="en-US" sz="4000" dirty="0"/>
+              <a:t>Need to be </a:t>
+            </a:r>
+            <a:r>
+              <a:rPr lang="en-US" sz="4000" dirty="0">
+                <a:solidFill>
+                  <a:schemeClr val="accent1"/>
+                </a:solidFill>
+              </a:rPr>
+              <a:t>precise</a:t>
             </a:r>
           </a:p>
           <a:p>
             <a:pPr lvl="1"/>
             <a:r>
-              <a:rPr lang="en-US" sz="3400" dirty="0"/>
-              <a:t>Say exactly what you want</a:t>
+              <a:rPr lang="en-US" sz="4000" dirty="0"/>
+              <a:t>Say </a:t>
+            </a:r>
+            <a:r>
+              <a:rPr lang="en-US" sz="4000" dirty="0">
+                <a:solidFill>
+                  <a:schemeClr val="accent1"/>
+                </a:solidFill>
+              </a:rPr>
+              <a:t>exactly</a:t>
+            </a:r>
+            <a:r>
+              <a:rPr lang="en-US" sz="4000" dirty="0"/>
+              <a:t> what you want</a:t>
             </a:r>
           </a:p>
           <a:p>
             <a:pPr lvl="1"/>
             <a:r>
-              <a:rPr lang="en-US" sz="3400" dirty="0"/>
+              <a:rPr lang="en-US" sz="4000" dirty="0"/>
               <a:t>Python can't ask you again</a:t>
             </a:r>
           </a:p>
@@ -17881,7 +18096,7 @@
           <a:p>
             <a:fld id="{A7119916-CD40-456D-ABE3-55F8822671F7}" type="datetime1">
               <a:rPr lang="en-US" smtClean="0"/>
-              <a:t>7/3/2022</a:t>
+              <a:t>7/10/2022</a:t>
             </a:fld>
             <a:endParaRPr lang="en-US" dirty="0"/>
           </a:p>
@@ -18003,19 +18218,20 @@
         </p:nvSpPr>
         <p:spPr/>
         <p:txBody>
-          <a:bodyPr/>
+          <a:bodyPr>
+            <a:normAutofit/>
+          </a:bodyPr>
           <a:lstStyle/>
           <a:p>
             <a:pPr algn="ctr"/>
             <a:r>
-              <a:rPr lang="en-US" dirty="0"/>
+              <a:rPr lang="en-US" sz="5400" dirty="0"/>
               <a:t>Learn by </a:t>
             </a:r>
             <a:r>
-              <a:rPr lang="en-US" b="1" dirty="0"/>
+              <a:rPr lang="en-US" sz="6600" b="1" dirty="0"/>
               <a:t>DOING</a:t>
             </a:r>
-            <a:endParaRPr lang="en-US" sz="2800" b="1" dirty="0"/>
           </a:p>
         </p:txBody>
       </p:sp>
@@ -18044,10 +18260,10 @@
           <a:p>
             <a:pPr lvl="0"/>
             <a:r>
-              <a:rPr lang="en-US" sz="3600" dirty="0"/>
+              <a:rPr lang="en-US" sz="4400" dirty="0"/>
               <a:t>Start with readymade programs</a:t>
             </a:r>
-            <a:endParaRPr lang="en-US" sz="3600" dirty="0">
+            <a:endParaRPr lang="en-US" sz="4400" dirty="0">
               <a:solidFill>
                 <a:schemeClr val="accent2"/>
               </a:solidFill>
@@ -18056,7 +18272,7 @@
           <a:p>
             <a:pPr lvl="1"/>
             <a:r>
-              <a:rPr lang="en-US" sz="3600" dirty="0">
+              <a:rPr lang="en-US" sz="4400" dirty="0">
                 <a:solidFill>
                   <a:schemeClr val="tx1"/>
                 </a:solidFill>
@@ -18064,7 +18280,7 @@
               <a:t>Run </a:t>
             </a:r>
             <a:r>
-              <a:rPr lang="en-US" sz="3600" dirty="0">
+              <a:rPr lang="en-US" sz="4400" dirty="0">
                 <a:solidFill>
                   <a:schemeClr val="accent2"/>
                 </a:solidFill>
@@ -18072,18 +18288,18 @@
               <a:t>unchanged</a:t>
             </a:r>
             <a:r>
-              <a:rPr lang="en-US" sz="3600" dirty="0">
+              <a:rPr lang="en-US" sz="4400" dirty="0">
                 <a:solidFill>
                   <a:schemeClr val="tx1"/>
                 </a:solidFill>
               </a:rPr>
-              <a:t> and see results</a:t>
+              <a:t> - see results</a:t>
             </a:r>
           </a:p>
           <a:p>
             <a:pPr lvl="1"/>
             <a:r>
-              <a:rPr lang="en-US" sz="3600" dirty="0">
+              <a:rPr lang="en-US" sz="4400" dirty="0">
                 <a:solidFill>
                   <a:schemeClr val="tx1"/>
                 </a:solidFill>
@@ -18091,7 +18307,7 @@
               <a:t>Make </a:t>
             </a:r>
             <a:r>
-              <a:rPr lang="en-US" sz="3600" dirty="0">
+              <a:rPr lang="en-US" sz="4400" dirty="0">
                 <a:solidFill>
                   <a:schemeClr val="accent2"/>
                 </a:solidFill>
@@ -18099,7 +18315,7 @@
               <a:t>small</a:t>
             </a:r>
             <a:r>
-              <a:rPr lang="en-US" sz="3600" dirty="0">
+              <a:rPr lang="en-US" sz="4400" dirty="0">
                 <a:solidFill>
                   <a:schemeClr val="tx1"/>
                 </a:solidFill>
@@ -18110,7 +18326,7 @@
           <a:p>
             <a:pPr lvl="1"/>
             <a:r>
-              <a:rPr lang="en-US" sz="3600" dirty="0">
+              <a:rPr lang="en-US" sz="4400" dirty="0">
                 <a:solidFill>
                   <a:schemeClr val="tx1"/>
                 </a:solidFill>
@@ -18148,7 +18364,7 @@
           <a:p>
             <a:fld id="{F8F3720D-B69F-4A94-83B7-6D73A5F7EAD8}" type="datetime1">
               <a:rPr lang="en-US" smtClean="0"/>
-              <a:t>7/3/2022</a:t>
+              <a:t>7/10/2022</a:t>
             </a:fld>
             <a:endParaRPr lang="en-US" dirty="0"/>
           </a:p>
@@ -18319,13 +18535,13 @@
         <p:spPr/>
         <p:txBody>
           <a:bodyPr>
-            <a:normAutofit/>
+            <a:noAutofit/>
           </a:bodyPr>
           <a:lstStyle/>
           <a:p>
             <a:pPr lvl="1"/>
             <a:r>
-              <a:rPr lang="en-US" sz="3000" dirty="0">
+              <a:rPr lang="en-US" sz="4000" dirty="0">
                 <a:solidFill>
                   <a:schemeClr val="accent2"/>
                 </a:solidFill>
@@ -18333,7 +18549,7 @@
               <a:t>I</a:t>
             </a:r>
             <a:r>
-              <a:rPr lang="en-US" sz="2600" dirty="0">
+              <a:rPr lang="en-US" sz="4000" dirty="0">
                 <a:solidFill>
                   <a:schemeClr val="tx1"/>
                 </a:solidFill>
@@ -18341,23 +18557,15 @@
               <a:t>ntegrated</a:t>
             </a:r>
             <a:r>
-              <a:rPr lang="en-US" sz="2600" dirty="0">
+              <a:rPr lang="en-US" sz="4000" dirty="0">
                 <a:solidFill>
                   <a:schemeClr val="accent2"/>
                 </a:solidFill>
               </a:rPr>
-              <a:t> </a:t>
-            </a:r>
-            <a:r>
-              <a:rPr lang="en-US" sz="3000" dirty="0">
-                <a:solidFill>
-                  <a:schemeClr val="accent2"/>
-                </a:solidFill>
-              </a:rPr>
-              <a:t>D</a:t>
-            </a:r>
-            <a:r>
-              <a:rPr lang="en-US" sz="2600" dirty="0">
+              <a:t> D</a:t>
+            </a:r>
+            <a:r>
+              <a:rPr lang="en-US" sz="4000" dirty="0">
                 <a:solidFill>
                   <a:schemeClr val="tx1"/>
                 </a:solidFill>
@@ -18365,23 +18573,15 @@
               <a:t>evelopment and</a:t>
             </a:r>
             <a:r>
-              <a:rPr lang="en-US" sz="2600" dirty="0">
+              <a:rPr lang="en-US" sz="4000" dirty="0">
                 <a:solidFill>
                   <a:schemeClr val="accent2"/>
                 </a:solidFill>
               </a:rPr>
-              <a:t> </a:t>
-            </a:r>
-            <a:r>
-              <a:rPr lang="en-US" sz="3000" dirty="0">
-                <a:solidFill>
-                  <a:schemeClr val="accent2"/>
-                </a:solidFill>
-              </a:rPr>
-              <a:t>L</a:t>
-            </a:r>
-            <a:r>
-              <a:rPr lang="en-US" sz="2600" dirty="0">
+              <a:t> L</a:t>
+            </a:r>
+            <a:r>
+              <a:rPr lang="en-US" sz="4000" dirty="0">
                 <a:solidFill>
                   <a:schemeClr val="tx1"/>
                 </a:solidFill>
@@ -18389,23 +18589,15 @@
               <a:t>earning</a:t>
             </a:r>
             <a:r>
-              <a:rPr lang="en-US" sz="2600" dirty="0">
+              <a:rPr lang="en-US" sz="4000" dirty="0">
                 <a:solidFill>
                   <a:schemeClr val="accent2"/>
                 </a:solidFill>
               </a:rPr>
-              <a:t> </a:t>
-            </a:r>
-            <a:r>
-              <a:rPr lang="en-US" sz="3000" dirty="0">
-                <a:solidFill>
-                  <a:schemeClr val="accent2"/>
-                </a:solidFill>
-              </a:rPr>
-              <a:t>E</a:t>
-            </a:r>
-            <a:r>
-              <a:rPr lang="en-US" sz="2600" dirty="0">
+              <a:t> E</a:t>
+            </a:r>
+            <a:r>
+              <a:rPr lang="en-US" sz="4000" dirty="0">
                 <a:solidFill>
                   <a:schemeClr val="tx1"/>
                 </a:solidFill>
@@ -18416,34 +18608,34 @@
           <a:p>
             <a:pPr lvl="1"/>
             <a:r>
-              <a:rPr lang="en-US" sz="2600" dirty="0">
+              <a:rPr lang="en-US" sz="4000" dirty="0">
                 <a:solidFill>
                   <a:schemeClr val="tx1"/>
                 </a:solidFill>
               </a:rPr>
-              <a:t>Interactive execution of Python</a:t>
+              <a:t>Interactive execution</a:t>
             </a:r>
           </a:p>
           <a:p>
             <a:pPr lvl="1"/>
             <a:r>
-              <a:rPr lang="en-US" sz="2600" dirty="0">
+              <a:rPr lang="en-US" sz="4000" dirty="0">
                 <a:solidFill>
                   <a:schemeClr val="tx1"/>
                 </a:solidFill>
               </a:rPr>
-              <a:t>Python Program editor and execution (we used it)</a:t>
+              <a:t>Program Edit and Run</a:t>
             </a:r>
           </a:p>
           <a:p>
             <a:pPr lvl="1"/>
             <a:r>
-              <a:rPr lang="en-US" sz="2600" dirty="0">
+              <a:rPr lang="en-US" sz="4000" dirty="0">
                 <a:solidFill>
                   <a:schemeClr val="tx1"/>
                 </a:solidFill>
               </a:rPr>
-              <a:t>Lots of documentation, examples, help</a:t>
+              <a:t>Documentation, Examples, Help</a:t>
             </a:r>
           </a:p>
         </p:txBody>
@@ -18476,7 +18668,7 @@
           <a:p>
             <a:fld id="{F8F3720D-B69F-4A94-83B7-6D73A5F7EAD8}" type="datetime1">
               <a:rPr lang="en-US" smtClean="0"/>
-              <a:t>7/3/2022</a:t>
+              <a:t>7/10/2022</a:t>
             </a:fld>
             <a:endParaRPr lang="en-US" dirty="0"/>
           </a:p>
@@ -18563,6 +18755,309 @@
 </file>
 
 <file path=ppt/slides/slide15.xml><?xml version="1.0" encoding="utf-8"?>
+<p:sld xmlns:a="http://schemas.openxmlformats.org/drawingml/2006/main" xmlns:r="http://schemas.openxmlformats.org/officeDocument/2006/relationships" xmlns:p="http://schemas.openxmlformats.org/presentationml/2006/main">
+  <p:cSld>
+    <p:spTree>
+      <p:nvGrpSpPr>
+        <p:cNvPr id="1" name=""/>
+        <p:cNvGrpSpPr/>
+        <p:nvPr/>
+      </p:nvGrpSpPr>
+      <p:grpSpPr>
+        <a:xfrm>
+          <a:off x="0" y="0"/>
+          <a:ext cx="0" cy="0"/>
+          <a:chOff x="0" y="0"/>
+          <a:chExt cx="0" cy="0"/>
+        </a:xfrm>
+      </p:grpSpPr>
+      <p:sp>
+        <p:nvSpPr>
+          <p:cNvPr id="2" name="Title 1">
+            <a:extLst>
+              <a:ext uri="{FF2B5EF4-FFF2-40B4-BE49-F238E27FC236}">
+                <a16:creationId xmlns:a16="http://schemas.microsoft.com/office/drawing/2014/main" id="{0BA4A5E0-0A11-4B04-AE87-BCC201BEFE32}"/>
+              </a:ext>
+            </a:extLst>
+          </p:cNvPr>
+          <p:cNvSpPr>
+            <a:spLocks noGrp="1"/>
+          </p:cNvSpPr>
+          <p:nvPr>
+            <p:ph type="title"/>
+          </p:nvPr>
+        </p:nvSpPr>
+        <p:spPr/>
+        <p:txBody>
+          <a:bodyPr/>
+          <a:lstStyle/>
+          <a:p>
+            <a:pPr lvl="0" algn="ctr"/>
+            <a:r>
+              <a:rPr lang="en-US" sz="3600" dirty="0">
+                <a:solidFill>
+                  <a:schemeClr val="accent2"/>
+                </a:solidFill>
+              </a:rPr>
+              <a:t>IDLE</a:t>
+            </a:r>
+            <a:br>
+              <a:rPr lang="en-US" sz="3600" dirty="0">
+                <a:solidFill>
+                  <a:schemeClr val="accent2"/>
+                </a:solidFill>
+              </a:rPr>
+            </a:br>
+            <a:r>
+              <a:rPr lang="en-US" sz="3600" dirty="0"/>
+              <a:t>IDLE Shell – A sandbox for exploration</a:t>
+            </a:r>
+            <a:endParaRPr lang="en-US" sz="3600" dirty="0">
+              <a:solidFill>
+                <a:schemeClr val="accent2"/>
+              </a:solidFill>
+            </a:endParaRPr>
+          </a:p>
+        </p:txBody>
+      </p:sp>
+      <p:sp>
+        <p:nvSpPr>
+          <p:cNvPr id="3" name="Content Placeholder 2">
+            <a:extLst>
+              <a:ext uri="{FF2B5EF4-FFF2-40B4-BE49-F238E27FC236}">
+                <a16:creationId xmlns:a16="http://schemas.microsoft.com/office/drawing/2014/main" id="{93EFB20D-DC17-4635-B45F-E3F0F86C6EDE}"/>
+              </a:ext>
+            </a:extLst>
+          </p:cNvPr>
+          <p:cNvSpPr>
+            <a:spLocks noGrp="1"/>
+          </p:cNvSpPr>
+          <p:nvPr>
+            <p:ph idx="1"/>
+          </p:nvPr>
+        </p:nvSpPr>
+        <p:spPr>
+          <a:xfrm>
+            <a:off x="677334" y="1718631"/>
+            <a:ext cx="8596668" cy="4322731"/>
+          </a:xfrm>
+        </p:spPr>
+        <p:txBody>
+          <a:bodyPr>
+            <a:noAutofit/>
+          </a:bodyPr>
+          <a:lstStyle/>
+          <a:p>
+            <a:pPr marL="457200" lvl="1" indent="0">
+              <a:buNone/>
+            </a:pPr>
+            <a:r>
+              <a:rPr lang="en-US" sz="4000" b="1" dirty="0">
+                <a:solidFill>
+                  <a:schemeClr val="tx1"/>
+                </a:solidFill>
+              </a:rPr>
+              <a:t>Python 3.10.2 …</a:t>
+            </a:r>
+          </a:p>
+          <a:p>
+            <a:pPr marL="457200" lvl="1" indent="0">
+              <a:buNone/>
+            </a:pPr>
+            <a:r>
+              <a:rPr lang="en-US" sz="4000" b="1" dirty="0">
+                <a:solidFill>
+                  <a:schemeClr val="tx1"/>
+                </a:solidFill>
+              </a:rPr>
+              <a:t>Type "help", …</a:t>
+            </a:r>
+          </a:p>
+          <a:p>
+            <a:pPr marL="457200" lvl="1" indent="0">
+              <a:buNone/>
+            </a:pPr>
+            <a:r>
+              <a:rPr lang="en-US" sz="4000" b="1" dirty="0">
+                <a:solidFill>
+                  <a:schemeClr val="accent3"/>
+                </a:solidFill>
+              </a:rPr>
+              <a:t>&gt;&gt;&gt;</a:t>
+            </a:r>
+            <a:r>
+              <a:rPr lang="en-US" sz="4000" b="1" dirty="0">
+                <a:solidFill>
+                  <a:schemeClr val="tx1"/>
+                </a:solidFill>
+              </a:rPr>
+              <a:t> 2+2</a:t>
+            </a:r>
+          </a:p>
+          <a:p>
+            <a:pPr marL="457200" lvl="1" indent="0">
+              <a:buNone/>
+            </a:pPr>
+            <a:r>
+              <a:rPr lang="en-US" sz="4000" b="1" dirty="0">
+                <a:solidFill>
+                  <a:srgbClr val="0070C0"/>
+                </a:solidFill>
+              </a:rPr>
+              <a:t>4</a:t>
+            </a:r>
+          </a:p>
+          <a:p>
+            <a:pPr marL="457200" lvl="1" indent="0">
+              <a:buNone/>
+            </a:pPr>
+            <a:r>
+              <a:rPr lang="en-US" sz="4000" b="1" dirty="0">
+                <a:solidFill>
+                  <a:schemeClr val="accent3"/>
+                </a:solidFill>
+              </a:rPr>
+              <a:t>&gt;&gt;&gt; </a:t>
+            </a:r>
+            <a:r>
+              <a:rPr lang="en-US" sz="4000" b="1" dirty="0">
+                <a:solidFill>
+                  <a:schemeClr val="tx1"/>
+                </a:solidFill>
+              </a:rPr>
+              <a:t>1**3 + 12**3 == 9**3 + 10**3</a:t>
+            </a:r>
+          </a:p>
+          <a:p>
+            <a:pPr marL="457200" lvl="1" indent="0">
+              <a:buNone/>
+            </a:pPr>
+            <a:r>
+              <a:rPr lang="en-US" sz="4000" b="1" dirty="0">
+                <a:solidFill>
+                  <a:srgbClr val="0070C0"/>
+                </a:solidFill>
+              </a:rPr>
+              <a:t>True</a:t>
+            </a:r>
+          </a:p>
+        </p:txBody>
+      </p:sp>
+      <p:sp>
+        <p:nvSpPr>
+          <p:cNvPr id="4" name="Date Placeholder 3">
+            <a:extLst>
+              <a:ext uri="{FF2B5EF4-FFF2-40B4-BE49-F238E27FC236}">
+                <a16:creationId xmlns:a16="http://schemas.microsoft.com/office/drawing/2014/main" id="{A903BDC9-0814-4AA6-9895-50902B68BD6C}"/>
+              </a:ext>
+            </a:extLst>
+          </p:cNvPr>
+          <p:cNvSpPr>
+            <a:spLocks noGrp="1"/>
+          </p:cNvSpPr>
+          <p:nvPr>
+            <p:ph type="dt" sz="half" idx="10"/>
+          </p:nvPr>
+        </p:nvSpPr>
+        <p:spPr>
+          <a:xfrm>
+            <a:off x="7205133" y="6041362"/>
+            <a:ext cx="911939" cy="365125"/>
+          </a:xfrm>
+        </p:spPr>
+        <p:txBody>
+          <a:bodyPr/>
+          <a:lstStyle/>
+          <a:p>
+            <a:fld id="{F8F3720D-B69F-4A94-83B7-6D73A5F7EAD8}" type="datetime1">
+              <a:rPr lang="en-US" smtClean="0"/>
+              <a:t>7/10/2022</a:t>
+            </a:fld>
+            <a:endParaRPr lang="en-US" dirty="0"/>
+          </a:p>
+        </p:txBody>
+      </p:sp>
+      <p:sp>
+        <p:nvSpPr>
+          <p:cNvPr id="7" name="Footer Placeholder 6">
+            <a:extLst>
+              <a:ext uri="{FF2B5EF4-FFF2-40B4-BE49-F238E27FC236}">
+                <a16:creationId xmlns:a16="http://schemas.microsoft.com/office/drawing/2014/main" id="{4FEC4169-6935-4699-B53D-ED94C7AD714C}"/>
+              </a:ext>
+            </a:extLst>
+          </p:cNvPr>
+          <p:cNvSpPr>
+            <a:spLocks noGrp="1"/>
+          </p:cNvSpPr>
+          <p:nvPr>
+            <p:ph type="ftr" sz="quarter" idx="11"/>
+          </p:nvPr>
+        </p:nvSpPr>
+        <p:spPr>
+          <a:xfrm>
+            <a:off x="677334" y="6041362"/>
+            <a:ext cx="6297612" cy="365125"/>
+          </a:xfrm>
+        </p:spPr>
+        <p:txBody>
+          <a:bodyPr/>
+          <a:lstStyle/>
+          <a:p>
+            <a:r>
+              <a:rPr lang="en-US" dirty="0"/>
+              <a:t>raysmith@alum.mit.edu</a:t>
+            </a:r>
+          </a:p>
+        </p:txBody>
+      </p:sp>
+      <p:sp>
+        <p:nvSpPr>
+          <p:cNvPr id="6" name="Slide Number Placeholder 5">
+            <a:extLst>
+              <a:ext uri="{FF2B5EF4-FFF2-40B4-BE49-F238E27FC236}">
+                <a16:creationId xmlns:a16="http://schemas.microsoft.com/office/drawing/2014/main" id="{19DA09FD-6FF8-43F9-9B99-DE4E9ED6544F}"/>
+              </a:ext>
+            </a:extLst>
+          </p:cNvPr>
+          <p:cNvSpPr>
+            <a:spLocks noGrp="1"/>
+          </p:cNvSpPr>
+          <p:nvPr>
+            <p:ph type="sldNum" sz="quarter" idx="12"/>
+          </p:nvPr>
+        </p:nvSpPr>
+        <p:spPr>
+          <a:xfrm>
+            <a:off x="8590663" y="6041362"/>
+            <a:ext cx="683339" cy="365125"/>
+          </a:xfrm>
+        </p:spPr>
+        <p:txBody>
+          <a:bodyPr/>
+          <a:lstStyle/>
+          <a:p>
+            <a:fld id="{6D22F896-40B5-4ADD-8801-0D06FADFA095}" type="slidenum">
+              <a:rPr lang="en-US" smtClean="0"/>
+              <a:t>15</a:t>
+            </a:fld>
+            <a:endParaRPr lang="en-US" dirty="0"/>
+          </a:p>
+        </p:txBody>
+      </p:sp>
+    </p:spTree>
+    <p:extLst>
+      <p:ext uri="{BB962C8B-B14F-4D97-AF65-F5344CB8AC3E}">
+        <p14:creationId xmlns:p14="http://schemas.microsoft.com/office/powerpoint/2010/main" val="1743670153"/>
+      </p:ext>
+    </p:extLst>
+  </p:cSld>
+  <p:clrMapOvr>
+    <a:masterClrMapping/>
+  </p:clrMapOvr>
+</p:sld>
+</file>
+
+<file path=ppt/slides/slide16.xml><?xml version="1.0" encoding="utf-8"?>
 <p:sld xmlns:a="http://schemas.openxmlformats.org/drawingml/2006/main" xmlns:r="http://schemas.openxmlformats.org/officeDocument/2006/relationships" xmlns:p="http://schemas.openxmlformats.org/presentationml/2006/main">
   <p:cSld>
     <p:bg>
@@ -18718,7 +19213,7 @@
           <a:p>
             <a:fld id="{0B07C6D0-642C-4A40-B0F1-13ED56048173}" type="datetime1">
               <a:rPr lang="en-US" smtClean="0"/>
-              <a:t>7/3/2022</a:t>
+              <a:t>7/10/2022</a:t>
             </a:fld>
             <a:endParaRPr lang="en-US" dirty="0"/>
           </a:p>
@@ -18775,7 +19270,7 @@
           <a:p>
             <a:fld id="{6D22F896-40B5-4ADD-8801-0D06FADFA095}" type="slidenum">
               <a:rPr lang="en-US" smtClean="0"/>
-              <a:t>15</a:t>
+              <a:t>16</a:t>
             </a:fld>
             <a:endParaRPr lang="en-US" dirty="0"/>
           </a:p>
@@ -18794,7 +19289,7 @@
 </p:sld>
 </file>
 
-<file path=ppt/slides/slide16.xml><?xml version="1.0" encoding="utf-8"?>
+<file path=ppt/slides/slide17.xml><?xml version="1.0" encoding="utf-8"?>
 <p:sld xmlns:a="http://schemas.openxmlformats.org/drawingml/2006/main" xmlns:r="http://schemas.openxmlformats.org/officeDocument/2006/relationships" xmlns:p="http://schemas.openxmlformats.org/presentationml/2006/main">
   <p:cSld>
     <p:bg>
@@ -19010,7 +19505,7 @@
                 <a:tabLst/>
                 <a:defRPr/>
               </a:pPr>
-              <a:t>7/3/2022</a:t>
+              <a:t>7/10/2022</a:t>
             </a:fld>
             <a:endParaRPr kumimoji="0" lang="en-US" sz="900" b="0" i="0" u="none" strike="noStrike" kern="1200" cap="none" spc="0" normalizeH="0" baseline="0" noProof="0" dirty="0">
               <a:ln>
@@ -19161,7 +19656,7 @@
                 <a:tabLst/>
                 <a:defRPr/>
               </a:pPr>
-              <a:t>16</a:t>
+              <a:t>17</a:t>
             </a:fld>
             <a:endParaRPr kumimoji="0" lang="en-US" sz="900" b="0" i="0" u="none" strike="noStrike" kern="1200" cap="none" spc="0" normalizeH="0" baseline="0" noProof="0" dirty="0">
               <a:ln>
@@ -19193,7 +19688,7 @@
 </p:sld>
 </file>
 
-<file path=ppt/slides/slide17.xml><?xml version="1.0" encoding="utf-8"?>
+<file path=ppt/slides/slide18.xml><?xml version="1.0" encoding="utf-8"?>
 <p:sld xmlns:a="http://schemas.openxmlformats.org/drawingml/2006/main" xmlns:r="http://schemas.openxmlformats.org/officeDocument/2006/relationships" xmlns:p="http://schemas.openxmlformats.org/presentationml/2006/main">
   <p:cSld>
     <p:spTree>
@@ -19327,7 +19822,7 @@
           <a:p>
             <a:fld id="{0B07C6D0-642C-4A40-B0F1-13ED56048173}" type="datetime1">
               <a:rPr lang="en-US" smtClean="0"/>
-              <a:t>7/3/2022</a:t>
+              <a:t>7/10/2022</a:t>
             </a:fld>
             <a:endParaRPr lang="en-US" dirty="0"/>
           </a:p>
@@ -19361,7 +19856,7 @@
           <a:p>
             <a:fld id="{6D22F896-40B5-4ADD-8801-0D06FADFA095}" type="slidenum">
               <a:rPr lang="en-US" smtClean="0"/>
-              <a:t>17</a:t>
+              <a:t>18</a:t>
             </a:fld>
             <a:endParaRPr lang="en-US" dirty="0"/>
           </a:p>
@@ -19443,196 +19938,6 @@
 </p:sld>
 </file>
 
-<file path=ppt/slides/slide18.xml><?xml version="1.0" encoding="utf-8"?>
-<p:sld xmlns:a="http://schemas.openxmlformats.org/drawingml/2006/main" xmlns:r="http://schemas.openxmlformats.org/officeDocument/2006/relationships" xmlns:p="http://schemas.openxmlformats.org/presentationml/2006/main">
-  <p:cSld>
-    <p:spTree>
-      <p:nvGrpSpPr>
-        <p:cNvPr id="1" name=""/>
-        <p:cNvGrpSpPr/>
-        <p:nvPr/>
-      </p:nvGrpSpPr>
-      <p:grpSpPr>
-        <a:xfrm>
-          <a:off x="0" y="0"/>
-          <a:ext cx="0" cy="0"/>
-          <a:chOff x="0" y="0"/>
-          <a:chExt cx="0" cy="0"/>
-        </a:xfrm>
-      </p:grpSpPr>
-      <p:sp>
-        <p:nvSpPr>
-          <p:cNvPr id="2" name="Title 1">
-            <a:extLst>
-              <a:ext uri="{FF2B5EF4-FFF2-40B4-BE49-F238E27FC236}">
-                <a16:creationId xmlns:a16="http://schemas.microsoft.com/office/drawing/2014/main" id="{AE319D87-30AB-4A72-9F67-2E7E2EC950DC}"/>
-              </a:ext>
-            </a:extLst>
-          </p:cNvPr>
-          <p:cNvSpPr>
-            <a:spLocks noGrp="1"/>
-          </p:cNvSpPr>
-          <p:nvPr>
-            <p:ph type="title"/>
-          </p:nvPr>
-        </p:nvSpPr>
-        <p:spPr/>
-        <p:txBody>
-          <a:bodyPr/>
-          <a:lstStyle/>
-          <a:p>
-            <a:pPr algn="ctr"/>
-            <a:r>
-              <a:rPr lang="en-US" dirty="0"/>
-              <a:t>First Program</a:t>
-            </a:r>
-          </a:p>
-        </p:txBody>
-      </p:sp>
-      <p:pic>
-        <p:nvPicPr>
-          <p:cNvPr id="8" name="Content Placeholder 7">
-            <a:extLst>
-              <a:ext uri="{FF2B5EF4-FFF2-40B4-BE49-F238E27FC236}">
-                <a16:creationId xmlns:a16="http://schemas.microsoft.com/office/drawing/2014/main" id="{321E8734-63E6-48A2-BD03-0D8EC5AA1914}"/>
-              </a:ext>
-            </a:extLst>
-          </p:cNvPr>
-          <p:cNvPicPr>
-            <a:picLocks noGrp="1" noChangeAspect="1"/>
-          </p:cNvPicPr>
-          <p:nvPr>
-            <p:ph idx="1"/>
-          </p:nvPr>
-        </p:nvPicPr>
-        <p:blipFill>
-          <a:blip r:embed="rId2"/>
-          <a:stretch>
-            <a:fillRect/>
-          </a:stretch>
-        </p:blipFill>
-        <p:spPr>
-          <a:xfrm>
-            <a:off x="1894796" y="2160588"/>
-            <a:ext cx="6162445" cy="3881437"/>
-          </a:xfrm>
-        </p:spPr>
-      </p:pic>
-      <p:sp>
-        <p:nvSpPr>
-          <p:cNvPr id="4" name="Date Placeholder 3">
-            <a:extLst>
-              <a:ext uri="{FF2B5EF4-FFF2-40B4-BE49-F238E27FC236}">
-                <a16:creationId xmlns:a16="http://schemas.microsoft.com/office/drawing/2014/main" id="{5ADC2D2B-20A7-4D72-B2CF-B5FD5C6247FC}"/>
-              </a:ext>
-            </a:extLst>
-          </p:cNvPr>
-          <p:cNvSpPr>
-            <a:spLocks noGrp="1"/>
-          </p:cNvSpPr>
-          <p:nvPr>
-            <p:ph type="dt" sz="half" idx="10"/>
-          </p:nvPr>
-        </p:nvSpPr>
-        <p:spPr>
-          <a:xfrm>
-            <a:off x="7205133" y="6041362"/>
-            <a:ext cx="911939" cy="365125"/>
-          </a:xfrm>
-        </p:spPr>
-        <p:txBody>
-          <a:bodyPr/>
-          <a:lstStyle/>
-          <a:p>
-            <a:fld id="{A7119916-CD40-456D-ABE3-55F8822671F7}" type="datetime1">
-              <a:rPr lang="en-US" smtClean="0"/>
-              <a:t>7/3/2022</a:t>
-            </a:fld>
-            <a:endParaRPr lang="en-US" dirty="0"/>
-          </a:p>
-        </p:txBody>
-      </p:sp>
-      <p:sp>
-        <p:nvSpPr>
-          <p:cNvPr id="5" name="Footer Placeholder 4">
-            <a:extLst>
-              <a:ext uri="{FF2B5EF4-FFF2-40B4-BE49-F238E27FC236}">
-                <a16:creationId xmlns:a16="http://schemas.microsoft.com/office/drawing/2014/main" id="{293E27BA-8A98-45DB-98B3-69E4633C8247}"/>
-              </a:ext>
-            </a:extLst>
-          </p:cNvPr>
-          <p:cNvSpPr>
-            <a:spLocks noGrp="1"/>
-          </p:cNvSpPr>
-          <p:nvPr>
-            <p:ph type="ftr" sz="quarter" idx="11"/>
-          </p:nvPr>
-        </p:nvSpPr>
-        <p:spPr>
-          <a:xfrm>
-            <a:off x="677334" y="6041362"/>
-            <a:ext cx="6297612" cy="365125"/>
-          </a:xfrm>
-        </p:spPr>
-        <p:txBody>
-          <a:bodyPr/>
-          <a:lstStyle/>
-          <a:p>
-            <a:r>
-              <a:rPr lang="en-US"/>
-              <a:t>raysmith@alum.mit.edu</a:t>
-            </a:r>
-            <a:endParaRPr lang="en-US" dirty="0"/>
-          </a:p>
-        </p:txBody>
-      </p:sp>
-      <p:sp>
-        <p:nvSpPr>
-          <p:cNvPr id="6" name="Slide Number Placeholder 5">
-            <a:extLst>
-              <a:ext uri="{FF2B5EF4-FFF2-40B4-BE49-F238E27FC236}">
-                <a16:creationId xmlns:a16="http://schemas.microsoft.com/office/drawing/2014/main" id="{93A8911F-6A99-4D8B-989A-35219FCE9C99}"/>
-              </a:ext>
-            </a:extLst>
-          </p:cNvPr>
-          <p:cNvSpPr>
-            <a:spLocks noGrp="1"/>
-          </p:cNvSpPr>
-          <p:nvPr>
-            <p:ph type="sldNum" sz="quarter" idx="12"/>
-          </p:nvPr>
-        </p:nvSpPr>
-        <p:spPr>
-          <a:xfrm>
-            <a:off x="8590663" y="6041362"/>
-            <a:ext cx="683339" cy="365125"/>
-          </a:xfrm>
-        </p:spPr>
-        <p:txBody>
-          <a:bodyPr/>
-          <a:lstStyle/>
-          <a:p>
-            <a:fld id="{6D22F896-40B5-4ADD-8801-0D06FADFA095}" type="slidenum">
-              <a:rPr lang="en-US" smtClean="0"/>
-              <a:t>18</a:t>
-            </a:fld>
-            <a:endParaRPr lang="en-US" dirty="0"/>
-          </a:p>
-        </p:txBody>
-      </p:sp>
-    </p:spTree>
-    <p:extLst>
-      <p:ext uri="{BB962C8B-B14F-4D97-AF65-F5344CB8AC3E}">
-        <p14:creationId xmlns:p14="http://schemas.microsoft.com/office/powerpoint/2010/main" val="3845058860"/>
-      </p:ext>
-    </p:extLst>
-  </p:cSld>
-  <p:clrMapOvr>
-    <a:masterClrMapping/>
-  </p:clrMapOvr>
-</p:sld>
-</file>
-
 <file path=ppt/slides/slide19.xml><?xml version="1.0" encoding="utf-8"?>
 <p:sld xmlns:a="http://schemas.openxmlformats.org/drawingml/2006/main" xmlns:r="http://schemas.openxmlformats.org/officeDocument/2006/relationships" xmlns:p="http://schemas.openxmlformats.org/presentationml/2006/main">
   <p:cSld>
@@ -19655,7 +19960,7 @@
           <p:cNvPr id="2" name="Title 1">
             <a:extLst>
               <a:ext uri="{FF2B5EF4-FFF2-40B4-BE49-F238E27FC236}">
-                <a16:creationId xmlns:a16="http://schemas.microsoft.com/office/drawing/2014/main" id="{5CAA3B7D-9381-43ED-A32C-2277435F2CDD}"/>
+                <a16:creationId xmlns:a16="http://schemas.microsoft.com/office/drawing/2014/main" id="{AE319D87-30AB-4A72-9F67-2E7E2EC950DC}"/>
               </a:ext>
             </a:extLst>
           </p:cNvPr>
@@ -19674,76 +19979,46 @@
             <a:pPr algn="ctr"/>
             <a:r>
               <a:rPr lang="en-US" dirty="0"/>
-              <a:t>Run Opened Program</a:t>
-            </a:r>
-          </a:p>
-        </p:txBody>
-      </p:sp>
-      <p:sp>
-        <p:nvSpPr>
-          <p:cNvPr id="3" name="Content Placeholder 2">
+              <a:t>First Program</a:t>
+            </a:r>
+          </a:p>
+        </p:txBody>
+      </p:sp>
+      <p:pic>
+        <p:nvPicPr>
+          <p:cNvPr id="8" name="Content Placeholder 7">
             <a:extLst>
               <a:ext uri="{FF2B5EF4-FFF2-40B4-BE49-F238E27FC236}">
-                <a16:creationId xmlns:a16="http://schemas.microsoft.com/office/drawing/2014/main" id="{1D81E776-9422-4365-A33A-3CCD46A05CC3}"/>
+                <a16:creationId xmlns:a16="http://schemas.microsoft.com/office/drawing/2014/main" id="{321E8734-63E6-48A2-BD03-0D8EC5AA1914}"/>
               </a:ext>
             </a:extLst>
           </p:cNvPr>
-          <p:cNvSpPr>
-            <a:spLocks noGrp="1"/>
-          </p:cNvSpPr>
+          <p:cNvPicPr>
+            <a:picLocks noGrp="1" noChangeAspect="1"/>
+          </p:cNvPicPr>
           <p:nvPr>
             <p:ph idx="1"/>
           </p:nvPr>
-        </p:nvSpPr>
-        <p:spPr/>
-        <p:txBody>
-          <a:bodyPr>
-            <a:noAutofit/>
-          </a:bodyPr>
-          <a:lstStyle/>
-          <a:p>
-            <a:r>
-              <a:rPr lang="en-US" sz="3600" dirty="0">
-                <a:sym typeface="Wingdings" panose="05000000000000000000" pitchFamily="2" charset="2"/>
-              </a:rPr>
-              <a:t>Run  Run Module</a:t>
-            </a:r>
-          </a:p>
-          <a:p>
-            <a:r>
-              <a:rPr lang="en-US" sz="3600" dirty="0">
-                <a:sym typeface="Wingdings" panose="05000000000000000000" pitchFamily="2" charset="2"/>
-              </a:rPr>
-              <a:t>Program runs, printing on IDLE console</a:t>
-            </a:r>
-          </a:p>
-          <a:p>
-            <a:pPr marL="400050" lvl="1" indent="0" algn="ctr">
-              <a:buNone/>
-            </a:pPr>
-            <a:r>
-              <a:rPr lang="en-US" sz="3400" dirty="0">
-                <a:solidFill>
-                  <a:srgbClr val="00B0F0"/>
-                </a:solidFill>
-                <a:sym typeface="Wingdings" panose="05000000000000000000" pitchFamily="2" charset="2"/>
-              </a:rPr>
-              <a:t>Hello World</a:t>
-            </a:r>
-          </a:p>
-          <a:p>
-            <a:endParaRPr lang="en-US" sz="3600" dirty="0">
-              <a:sym typeface="Wingdings" panose="05000000000000000000" pitchFamily="2" charset="2"/>
-            </a:endParaRPr>
-          </a:p>
-        </p:txBody>
-      </p:sp>
+        </p:nvPicPr>
+        <p:blipFill>
+          <a:blip r:embed="rId2"/>
+          <a:stretch>
+            <a:fillRect/>
+          </a:stretch>
+        </p:blipFill>
+        <p:spPr>
+          <a:xfrm>
+            <a:off x="1894796" y="2160588"/>
+            <a:ext cx="6162445" cy="3881437"/>
+          </a:xfrm>
+        </p:spPr>
+      </p:pic>
       <p:sp>
         <p:nvSpPr>
           <p:cNvPr id="4" name="Date Placeholder 3">
             <a:extLst>
               <a:ext uri="{FF2B5EF4-FFF2-40B4-BE49-F238E27FC236}">
-                <a16:creationId xmlns:a16="http://schemas.microsoft.com/office/drawing/2014/main" id="{F2834057-1D33-411A-BE2E-189ADCD4DF02}"/>
+                <a16:creationId xmlns:a16="http://schemas.microsoft.com/office/drawing/2014/main" id="{5ADC2D2B-20A7-4D72-B2CF-B5FD5C6247FC}"/>
               </a:ext>
             </a:extLst>
           </p:cNvPr>
@@ -19756,7 +20031,7 @@
         </p:nvSpPr>
         <p:spPr>
           <a:xfrm>
-            <a:off x="6658723" y="6041361"/>
+            <a:off x="7205133" y="6041362"/>
             <a:ext cx="911939" cy="365125"/>
           </a:xfrm>
         </p:spPr>
@@ -19764,10 +20039,44 @@
           <a:bodyPr/>
           <a:lstStyle/>
           <a:p>
-            <a:fld id="{0B07C6D0-642C-4A40-B0F1-13ED56048173}" type="datetime1">
+            <a:fld id="{A7119916-CD40-456D-ABE3-55F8822671F7}" type="datetime1">
               <a:rPr lang="en-US" smtClean="0"/>
-              <a:t>7/3/2022</a:t>
+              <a:t>7/10/2022</a:t>
             </a:fld>
+            <a:endParaRPr lang="en-US" dirty="0"/>
+          </a:p>
+        </p:txBody>
+      </p:sp>
+      <p:sp>
+        <p:nvSpPr>
+          <p:cNvPr id="5" name="Footer Placeholder 4">
+            <a:extLst>
+              <a:ext uri="{FF2B5EF4-FFF2-40B4-BE49-F238E27FC236}">
+                <a16:creationId xmlns:a16="http://schemas.microsoft.com/office/drawing/2014/main" id="{293E27BA-8A98-45DB-98B3-69E4633C8247}"/>
+              </a:ext>
+            </a:extLst>
+          </p:cNvPr>
+          <p:cNvSpPr>
+            <a:spLocks noGrp="1"/>
+          </p:cNvSpPr>
+          <p:nvPr>
+            <p:ph type="ftr" sz="quarter" idx="11"/>
+          </p:nvPr>
+        </p:nvSpPr>
+        <p:spPr>
+          <a:xfrm>
+            <a:off x="677334" y="6041362"/>
+            <a:ext cx="6297612" cy="365125"/>
+          </a:xfrm>
+        </p:spPr>
+        <p:txBody>
+          <a:bodyPr/>
+          <a:lstStyle/>
+          <a:p>
+            <a:r>
+              <a:rPr lang="en-US"/>
+              <a:t>raysmith@alum.mit.edu</a:t>
+            </a:r>
             <a:endParaRPr lang="en-US" dirty="0"/>
           </a:p>
         </p:txBody>
@@ -19777,7 +20086,7 @@
           <p:cNvPr id="6" name="Slide Number Placeholder 5">
             <a:extLst>
               <a:ext uri="{FF2B5EF4-FFF2-40B4-BE49-F238E27FC236}">
-                <a16:creationId xmlns:a16="http://schemas.microsoft.com/office/drawing/2014/main" id="{F4ECCAD4-12C8-4A68-9A85-D8DAB02AC562}"/>
+                <a16:creationId xmlns:a16="http://schemas.microsoft.com/office/drawing/2014/main" id="{93A8911F-6A99-4D8B-989A-35219FCE9C99}"/>
               </a:ext>
             </a:extLst>
           </p:cNvPr>
@@ -19806,43 +20115,10 @@
           </a:p>
         </p:txBody>
       </p:sp>
-      <p:sp>
-        <p:nvSpPr>
-          <p:cNvPr id="7" name="Footer Placeholder 6">
-            <a:extLst>
-              <a:ext uri="{FF2B5EF4-FFF2-40B4-BE49-F238E27FC236}">
-                <a16:creationId xmlns:a16="http://schemas.microsoft.com/office/drawing/2014/main" id="{FD1D6018-04FB-4D4B-8481-8BDBCB82B3A2}"/>
-              </a:ext>
-            </a:extLst>
-          </p:cNvPr>
-          <p:cNvSpPr>
-            <a:spLocks noGrp="1"/>
-          </p:cNvSpPr>
-          <p:nvPr>
-            <p:ph type="ftr" sz="quarter" idx="11"/>
-          </p:nvPr>
-        </p:nvSpPr>
-        <p:spPr>
-          <a:xfrm>
-            <a:off x="677334" y="6041362"/>
-            <a:ext cx="6297612" cy="365125"/>
-          </a:xfrm>
-        </p:spPr>
-        <p:txBody>
-          <a:bodyPr/>
-          <a:lstStyle/>
-          <a:p>
-            <a:r>
-              <a:rPr lang="en-US" dirty="0"/>
-              <a:t>raysmith@alum.mit.edu</a:t>
-            </a:r>
-          </a:p>
-        </p:txBody>
-      </p:sp>
     </p:spTree>
     <p:extLst>
       <p:ext uri="{BB962C8B-B14F-4D97-AF65-F5344CB8AC3E}">
-        <p14:creationId xmlns:p14="http://schemas.microsoft.com/office/powerpoint/2010/main" val="33830201"/>
+        <p14:creationId xmlns:p14="http://schemas.microsoft.com/office/powerpoint/2010/main" val="3845058860"/>
       </p:ext>
     </p:extLst>
   </p:cSld>
@@ -19962,7 +20238,7 @@
                   <a:schemeClr val="accent2"/>
                 </a:solidFill>
               </a:rPr>
-              <a:t>DOING</a:t>
+              <a:t>DOING – Have Fun!</a:t>
             </a:r>
           </a:p>
           <a:p>
@@ -19998,7 +20274,7 @@
           <a:p>
             <a:fld id="{17F33E47-61B9-4B4D-8325-8788C9EC3005}" type="datetime1">
               <a:rPr lang="en-US" smtClean="0"/>
-              <a:t>7/3/2022</a:t>
+              <a:t>7/10/2022</a:t>
             </a:fld>
             <a:endParaRPr lang="en-US" dirty="0"/>
           </a:p>
@@ -20133,7 +20409,7 @@
           <p:cNvPr id="2" name="Title 1">
             <a:extLst>
               <a:ext uri="{FF2B5EF4-FFF2-40B4-BE49-F238E27FC236}">
-                <a16:creationId xmlns:a16="http://schemas.microsoft.com/office/drawing/2014/main" id="{B7B505C2-FFE7-44CF-98FD-D75BCAC10484}"/>
+                <a16:creationId xmlns:a16="http://schemas.microsoft.com/office/drawing/2014/main" id="{5CAA3B7D-9381-43ED-A32C-2277435F2CDD}"/>
               </a:ext>
             </a:extLst>
           </p:cNvPr>
@@ -20146,54 +20422,82 @@
         </p:nvSpPr>
         <p:spPr/>
         <p:txBody>
-          <a:bodyPr>
-            <a:normAutofit/>
-          </a:bodyPr>
+          <a:bodyPr/>
           <a:lstStyle/>
           <a:p>
             <a:pPr algn="ctr"/>
             <a:r>
               <a:rPr lang="en-US" dirty="0"/>
-              <a:t>Output listed on IDLE Shell</a:t>
-            </a:r>
-          </a:p>
-        </p:txBody>
-      </p:sp>
-      <p:pic>
-        <p:nvPicPr>
-          <p:cNvPr id="8" name="Content Placeholder 7">
+              <a:t>Run Opened Program</a:t>
+            </a:r>
+          </a:p>
+        </p:txBody>
+      </p:sp>
+      <p:sp>
+        <p:nvSpPr>
+          <p:cNvPr id="3" name="Content Placeholder 2">
             <a:extLst>
               <a:ext uri="{FF2B5EF4-FFF2-40B4-BE49-F238E27FC236}">
-                <a16:creationId xmlns:a16="http://schemas.microsoft.com/office/drawing/2014/main" id="{0C23287E-8D19-49DB-A3AF-AC823AF2BB76}"/>
+                <a16:creationId xmlns:a16="http://schemas.microsoft.com/office/drawing/2014/main" id="{1D81E776-9422-4365-A33A-3CCD46A05CC3}"/>
               </a:ext>
             </a:extLst>
           </p:cNvPr>
-          <p:cNvPicPr>
-            <a:picLocks noGrp="1" noChangeAspect="1"/>
-          </p:cNvPicPr>
+          <p:cNvSpPr>
+            <a:spLocks noGrp="1"/>
+          </p:cNvSpPr>
           <p:nvPr>
             <p:ph idx="1"/>
           </p:nvPr>
-        </p:nvPicPr>
-        <p:blipFill>
-          <a:blip r:embed="rId2"/>
-          <a:stretch>
-            <a:fillRect/>
-          </a:stretch>
-        </p:blipFill>
-        <p:spPr>
-          <a:xfrm>
-            <a:off x="1313695" y="2160588"/>
-            <a:ext cx="7324647" cy="3881437"/>
-          </a:xfrm>
-        </p:spPr>
-      </p:pic>
+        </p:nvSpPr>
+        <p:spPr/>
+        <p:txBody>
+          <a:bodyPr>
+            <a:noAutofit/>
+          </a:bodyPr>
+          <a:lstStyle/>
+          <a:p>
+            <a:r>
+              <a:rPr lang="en-US" sz="3600" dirty="0">
+                <a:sym typeface="Wingdings" panose="05000000000000000000" pitchFamily="2" charset="2"/>
+              </a:rPr>
+              <a:t>Run  Run Module</a:t>
+            </a:r>
+          </a:p>
+          <a:p>
+            <a:r>
+              <a:rPr lang="en-US" sz="3600" dirty="0">
+                <a:sym typeface="Wingdings" panose="05000000000000000000" pitchFamily="2" charset="2"/>
+              </a:rPr>
+              <a:t>Program runs, printing on IDLE console</a:t>
+            </a:r>
+          </a:p>
+          <a:p>
+            <a:pPr marL="400050" lvl="1" indent="0" algn="ctr">
+              <a:buNone/>
+            </a:pPr>
+            <a:r>
+              <a:rPr lang="en-US" sz="3400" dirty="0">
+                <a:solidFill>
+                  <a:srgbClr val="00B0F0"/>
+                </a:solidFill>
+                <a:sym typeface="Wingdings" panose="05000000000000000000" pitchFamily="2" charset="2"/>
+              </a:rPr>
+              <a:t>Hello World</a:t>
+            </a:r>
+          </a:p>
+          <a:p>
+            <a:endParaRPr lang="en-US" sz="3600" dirty="0">
+              <a:sym typeface="Wingdings" panose="05000000000000000000" pitchFamily="2" charset="2"/>
+            </a:endParaRPr>
+          </a:p>
+        </p:txBody>
+      </p:sp>
       <p:sp>
         <p:nvSpPr>
           <p:cNvPr id="4" name="Date Placeholder 3">
             <a:extLst>
               <a:ext uri="{FF2B5EF4-FFF2-40B4-BE49-F238E27FC236}">
-                <a16:creationId xmlns:a16="http://schemas.microsoft.com/office/drawing/2014/main" id="{F0C9428F-0400-42F9-A7D2-F45E0777D090}"/>
+                <a16:creationId xmlns:a16="http://schemas.microsoft.com/office/drawing/2014/main" id="{F2834057-1D33-411A-BE2E-189ADCD4DF02}"/>
               </a:ext>
             </a:extLst>
           </p:cNvPr>
@@ -20206,7 +20510,7 @@
         </p:nvSpPr>
         <p:spPr>
           <a:xfrm>
-            <a:off x="7205133" y="6041362"/>
+            <a:off x="6658723" y="6041361"/>
             <a:ext cx="911939" cy="365125"/>
           </a:xfrm>
         </p:spPr>
@@ -20214,9 +20518,9 @@
           <a:bodyPr/>
           <a:lstStyle/>
           <a:p>
-            <a:fld id="{A7119916-CD40-456D-ABE3-55F8822671F7}" type="datetime1">
+            <a:fld id="{0B07C6D0-642C-4A40-B0F1-13ED56048173}" type="datetime1">
               <a:rPr lang="en-US" smtClean="0"/>
-              <a:t>7/3/2022</a:t>
+              <a:t>7/10/2022</a:t>
             </a:fld>
             <a:endParaRPr lang="en-US" dirty="0"/>
           </a:p>
@@ -20224,10 +20528,44 @@
       </p:sp>
       <p:sp>
         <p:nvSpPr>
-          <p:cNvPr id="5" name="Footer Placeholder 4">
+          <p:cNvPr id="6" name="Slide Number Placeholder 5">
             <a:extLst>
               <a:ext uri="{FF2B5EF4-FFF2-40B4-BE49-F238E27FC236}">
-                <a16:creationId xmlns:a16="http://schemas.microsoft.com/office/drawing/2014/main" id="{B0328448-005F-45C0-9DBA-3F9398CD51DC}"/>
+                <a16:creationId xmlns:a16="http://schemas.microsoft.com/office/drawing/2014/main" id="{F4ECCAD4-12C8-4A68-9A85-D8DAB02AC562}"/>
+              </a:ext>
+            </a:extLst>
+          </p:cNvPr>
+          <p:cNvSpPr>
+            <a:spLocks noGrp="1"/>
+          </p:cNvSpPr>
+          <p:nvPr>
+            <p:ph type="sldNum" sz="quarter" idx="12"/>
+          </p:nvPr>
+        </p:nvSpPr>
+        <p:spPr>
+          <a:xfrm>
+            <a:off x="8590663" y="6041362"/>
+            <a:ext cx="683339" cy="365125"/>
+          </a:xfrm>
+        </p:spPr>
+        <p:txBody>
+          <a:bodyPr/>
+          <a:lstStyle/>
+          <a:p>
+            <a:fld id="{6D22F896-40B5-4ADD-8801-0D06FADFA095}" type="slidenum">
+              <a:rPr lang="en-US" smtClean="0"/>
+              <a:t>20</a:t>
+            </a:fld>
+            <a:endParaRPr lang="en-US" dirty="0"/>
+          </a:p>
+        </p:txBody>
+      </p:sp>
+      <p:sp>
+        <p:nvSpPr>
+          <p:cNvPr id="7" name="Footer Placeholder 6">
+            <a:extLst>
+              <a:ext uri="{FF2B5EF4-FFF2-40B4-BE49-F238E27FC236}">
+                <a16:creationId xmlns:a16="http://schemas.microsoft.com/office/drawing/2014/main" id="{FD1D6018-04FB-4D4B-8481-8BDBCB82B3A2}"/>
               </a:ext>
             </a:extLst>
           </p:cNvPr>
@@ -20249,51 +20587,16 @@
           <a:lstStyle/>
           <a:p>
             <a:r>
-              <a:rPr lang="en-US"/>
+              <a:rPr lang="en-US" dirty="0"/>
               <a:t>raysmith@alum.mit.edu</a:t>
             </a:r>
-            <a:endParaRPr lang="en-US" dirty="0"/>
-          </a:p>
-        </p:txBody>
-      </p:sp>
-      <p:sp>
-        <p:nvSpPr>
-          <p:cNvPr id="6" name="Slide Number Placeholder 5">
-            <a:extLst>
-              <a:ext uri="{FF2B5EF4-FFF2-40B4-BE49-F238E27FC236}">
-                <a16:creationId xmlns:a16="http://schemas.microsoft.com/office/drawing/2014/main" id="{3EDF5F0D-C132-4777-B66A-87935E83CFDC}"/>
-              </a:ext>
-            </a:extLst>
-          </p:cNvPr>
-          <p:cNvSpPr>
-            <a:spLocks noGrp="1"/>
-          </p:cNvSpPr>
-          <p:nvPr>
-            <p:ph type="sldNum" sz="quarter" idx="12"/>
-          </p:nvPr>
-        </p:nvSpPr>
-        <p:spPr>
-          <a:xfrm>
-            <a:off x="8590663" y="6041362"/>
-            <a:ext cx="683339" cy="365125"/>
-          </a:xfrm>
-        </p:spPr>
-        <p:txBody>
-          <a:bodyPr/>
-          <a:lstStyle/>
-          <a:p>
-            <a:fld id="{6D22F896-40B5-4ADD-8801-0D06FADFA095}" type="slidenum">
-              <a:rPr lang="en-US" smtClean="0"/>
-              <a:t>20</a:t>
-            </a:fld>
-            <a:endParaRPr lang="en-US" dirty="0"/>
           </a:p>
         </p:txBody>
       </p:sp>
     </p:spTree>
     <p:extLst>
       <p:ext uri="{BB962C8B-B14F-4D97-AF65-F5344CB8AC3E}">
-        <p14:creationId xmlns:p14="http://schemas.microsoft.com/office/powerpoint/2010/main" val="3010401519"/>
+        <p14:creationId xmlns:p14="http://schemas.microsoft.com/office/powerpoint/2010/main" val="33830201"/>
       </p:ext>
     </p:extLst>
   </p:cSld>
@@ -20325,7 +20628,7 @@
           <p:cNvPr id="2" name="Title 1">
             <a:extLst>
               <a:ext uri="{FF2B5EF4-FFF2-40B4-BE49-F238E27FC236}">
-                <a16:creationId xmlns:a16="http://schemas.microsoft.com/office/drawing/2014/main" id="{A1451616-5323-4BC9-9BA1-16D0561D4D75}"/>
+                <a16:creationId xmlns:a16="http://schemas.microsoft.com/office/drawing/2014/main" id="{B7B505C2-FFE7-44CF-98FD-D75BCAC10484}"/>
               </a:ext>
             </a:extLst>
           </p:cNvPr>
@@ -20338,105 +20641,54 @@
         </p:nvSpPr>
         <p:spPr/>
         <p:txBody>
-          <a:bodyPr/>
-          <a:lstStyle/>
-          <a:p>
+          <a:bodyPr>
+            <a:normAutofit/>
+          </a:bodyPr>
+          <a:lstStyle/>
+          <a:p>
+            <a:pPr algn="ctr"/>
             <a:r>
               <a:rPr lang="en-US" dirty="0"/>
-              <a:t>Additional Samples</a:t>
-            </a:r>
-          </a:p>
-        </p:txBody>
-      </p:sp>
-      <p:sp>
-        <p:nvSpPr>
-          <p:cNvPr id="3" name="Content Placeholder 2">
+              <a:t>Output listed on IDLE Shell</a:t>
+            </a:r>
+          </a:p>
+        </p:txBody>
+      </p:sp>
+      <p:pic>
+        <p:nvPicPr>
+          <p:cNvPr id="8" name="Content Placeholder 7">
             <a:extLst>
               <a:ext uri="{FF2B5EF4-FFF2-40B4-BE49-F238E27FC236}">
-                <a16:creationId xmlns:a16="http://schemas.microsoft.com/office/drawing/2014/main" id="{70297D9E-20C6-43DA-810A-A7F7DC01E00C}"/>
+                <a16:creationId xmlns:a16="http://schemas.microsoft.com/office/drawing/2014/main" id="{0C23287E-8D19-49DB-A3AF-AC823AF2BB76}"/>
               </a:ext>
             </a:extLst>
           </p:cNvPr>
-          <p:cNvSpPr>
-            <a:spLocks noGrp="1"/>
-          </p:cNvSpPr>
+          <p:cNvPicPr>
+            <a:picLocks noGrp="1" noChangeAspect="1"/>
+          </p:cNvPicPr>
           <p:nvPr>
             <p:ph idx="1"/>
           </p:nvPr>
-        </p:nvSpPr>
+        </p:nvPicPr>
+        <p:blipFill>
+          <a:blip r:embed="rId2"/>
+          <a:stretch>
+            <a:fillRect/>
+          </a:stretch>
+        </p:blipFill>
         <p:spPr>
           <a:xfrm>
-            <a:off x="677334" y="1727201"/>
-            <a:ext cx="8596668" cy="4314162"/>
+            <a:off x="1313695" y="2160588"/>
+            <a:ext cx="7324647" cy="3881437"/>
           </a:xfrm>
         </p:spPr>
-        <p:txBody>
-          <a:bodyPr>
-            <a:normAutofit/>
-          </a:bodyPr>
-          <a:lstStyle/>
-          <a:p>
-            <a:pPr marL="0" indent="0">
-              <a:buNone/>
-            </a:pPr>
-            <a:r>
-              <a:rPr lang="en-US" sz="2800" dirty="0">
-                <a:solidFill>
-                  <a:schemeClr val="accent1"/>
-                </a:solidFill>
-                <a:sym typeface="Wingdings" panose="05000000000000000000" pitchFamily="2" charset="2"/>
-              </a:rPr>
-              <a:t>… /Intro…/my_work/</a:t>
-            </a:r>
-            <a:endParaRPr lang="en-US" sz="2800" dirty="0">
-              <a:solidFill>
-                <a:schemeClr val="accent1"/>
-              </a:solidFill>
-            </a:endParaRPr>
-          </a:p>
-          <a:p>
-            <a:pPr lvl="1"/>
-            <a:r>
-              <a:rPr lang="en-US" sz="2600" dirty="0"/>
-              <a:t>Don't be square – square.py, square_loop.py</a:t>
-            </a:r>
-          </a:p>
-          <a:p>
-            <a:pPr lvl="1"/>
-            <a:r>
-              <a:rPr lang="en-US" sz="2600" dirty="0"/>
-              <a:t>Be a star… spokes.py</a:t>
-            </a:r>
-          </a:p>
-          <a:p>
-            <a:pPr lvl="1"/>
-            <a:r>
-              <a:rPr lang="en-US" sz="2600" dirty="0"/>
-              <a:t>Some input… some_input.py</a:t>
-            </a:r>
-          </a:p>
-          <a:p>
-            <a:pPr lvl="1"/>
-            <a:r>
-              <a:rPr lang="en-US" sz="2600" dirty="0"/>
-              <a:t>Some time… sometime.py</a:t>
-            </a:r>
-          </a:p>
-          <a:p>
-            <a:pPr lvl="1"/>
-            <a:r>
-              <a:rPr lang="en-US" sz="2600" dirty="0"/>
-              <a:t>A little dramatics… starry_night.py</a:t>
-            </a:r>
-          </a:p>
-        </p:txBody>
-      </p:sp>
+      </p:pic>
       <p:sp>
         <p:nvSpPr>
           <p:cNvPr id="4" name="Date Placeholder 3">
             <a:extLst>
               <a:ext uri="{FF2B5EF4-FFF2-40B4-BE49-F238E27FC236}">
-                <a16:creationId xmlns:a16="http://schemas.microsoft.com/office/drawing/2014/main" id="{238250BF-1F3B-4C08-8BFE-551B946B9693}"/>
+                <a16:creationId xmlns:a16="http://schemas.microsoft.com/office/drawing/2014/main" id="{F0C9428F-0400-42F9-A7D2-F45E0777D090}"/>
               </a:ext>
             </a:extLst>
           </p:cNvPr>
@@ -20459,7 +20711,7 @@
           <a:p>
             <a:fld id="{A7119916-CD40-456D-ABE3-55F8822671F7}" type="datetime1">
               <a:rPr lang="en-US" smtClean="0"/>
-              <a:t>7/3/2022</a:t>
+              <a:t>7/10/2022</a:t>
             </a:fld>
             <a:endParaRPr lang="en-US" dirty="0"/>
           </a:p>
@@ -20470,7 +20722,7 @@
           <p:cNvPr id="5" name="Footer Placeholder 4">
             <a:extLst>
               <a:ext uri="{FF2B5EF4-FFF2-40B4-BE49-F238E27FC236}">
-                <a16:creationId xmlns:a16="http://schemas.microsoft.com/office/drawing/2014/main" id="{4BDDA229-1F8C-4AE9-9C33-92C9D36399DF}"/>
+                <a16:creationId xmlns:a16="http://schemas.microsoft.com/office/drawing/2014/main" id="{B0328448-005F-45C0-9DBA-3F9398CD51DC}"/>
               </a:ext>
             </a:extLst>
           </p:cNvPr>
@@ -20504,7 +20756,7 @@
           <p:cNvPr id="6" name="Slide Number Placeholder 5">
             <a:extLst>
               <a:ext uri="{FF2B5EF4-FFF2-40B4-BE49-F238E27FC236}">
-                <a16:creationId xmlns:a16="http://schemas.microsoft.com/office/drawing/2014/main" id="{DEF59B95-D9A4-43FE-9E96-F52D1691EC73}"/>
+                <a16:creationId xmlns:a16="http://schemas.microsoft.com/office/drawing/2014/main" id="{3EDF5F0D-C132-4777-B66A-87935E83CFDC}"/>
               </a:ext>
             </a:extLst>
           </p:cNvPr>
@@ -20536,7 +20788,7 @@
     </p:spTree>
     <p:extLst>
       <p:ext uri="{BB962C8B-B14F-4D97-AF65-F5344CB8AC3E}">
-        <p14:creationId xmlns:p14="http://schemas.microsoft.com/office/powerpoint/2010/main" val="2915659980"/>
+        <p14:creationId xmlns:p14="http://schemas.microsoft.com/office/powerpoint/2010/main" val="3010401519"/>
       </p:ext>
     </p:extLst>
   </p:cSld>
@@ -20568,7 +20820,7 @@
           <p:cNvPr id="2" name="Title 1">
             <a:extLst>
               <a:ext uri="{FF2B5EF4-FFF2-40B4-BE49-F238E27FC236}">
-                <a16:creationId xmlns:a16="http://schemas.microsoft.com/office/drawing/2014/main" id="{E83B82BD-CFC1-4C0B-91E0-7BB837436557}"/>
+                <a16:creationId xmlns:a16="http://schemas.microsoft.com/office/drawing/2014/main" id="{A1451616-5323-4BC9-9BA1-16D0561D4D75}"/>
               </a:ext>
             </a:extLst>
           </p:cNvPr>
@@ -20581,30 +20833,14 @@
         </p:nvSpPr>
         <p:spPr/>
         <p:txBody>
-          <a:bodyPr/>
-          <a:lstStyle/>
-          <a:p>
-            <a:pPr algn="ctr"/>
-            <a:r>
-              <a:rPr lang="en-US" dirty="0"/>
-              <a:t>Python </a:t>
-            </a:r>
-            <a:r>
-              <a:rPr lang="en-US" dirty="0">
-                <a:sym typeface="Wingdings" panose="05000000000000000000" pitchFamily="2" charset="2"/>
-              </a:rPr>
-              <a:t></a:t>
-            </a:r>
-            <a:r>
-              <a:rPr lang="en-US" dirty="0"/>
-              <a:t> English</a:t>
-            </a:r>
-            <a:br>
-              <a:rPr lang="en-US" dirty="0"/>
-            </a:br>
-            <a:r>
-              <a:rPr lang="en-US" dirty="0"/>
-              <a:t>A lot in common</a:t>
+          <a:bodyPr>
+            <a:normAutofit/>
+          </a:bodyPr>
+          <a:lstStyle/>
+          <a:p>
+            <a:r>
+              <a:rPr lang="en-US" sz="4800" dirty="0"/>
+              <a:t>Additional Samples</a:t>
             </a:r>
           </a:p>
         </p:txBody>
@@ -20614,7 +20850,7 @@
           <p:cNvPr id="3" name="Content Placeholder 2">
             <a:extLst>
               <a:ext uri="{FF2B5EF4-FFF2-40B4-BE49-F238E27FC236}">
-                <a16:creationId xmlns:a16="http://schemas.microsoft.com/office/drawing/2014/main" id="{DEFCFCC9-485A-41BE-AE58-1A1FDF221B1D}"/>
+                <a16:creationId xmlns:a16="http://schemas.microsoft.com/office/drawing/2014/main" id="{70297D9E-20C6-43DA-810A-A7F7DC01E00C}"/>
               </a:ext>
             </a:extLst>
           </p:cNvPr>
@@ -20625,132 +20861,109 @@
             <p:ph idx="1"/>
           </p:nvPr>
         </p:nvSpPr>
-        <p:spPr/>
+        <p:spPr>
+          <a:xfrm>
+            <a:off x="677334" y="1727201"/>
+            <a:ext cx="8596668" cy="4314162"/>
+          </a:xfrm>
+        </p:spPr>
         <p:txBody>
           <a:bodyPr>
-            <a:normAutofit fontScale="92500" lnSpcReduction="10000"/>
+            <a:normAutofit/>
           </a:bodyPr>
           <a:lstStyle/>
           <a:p>
-            <a:r>
-              <a:rPr lang="en-US" sz="3600" dirty="0"/>
-              <a:t>Arithmetic</a:t>
-            </a:r>
-            <a:r>
-              <a:rPr lang="en-US" dirty="0"/>
-              <a:t>:</a:t>
-            </a:r>
-          </a:p>
-          <a:p>
-            <a:pPr lvl="1"/>
-            <a:r>
-              <a:rPr lang="en-US" sz="3200" dirty="0"/>
-              <a:t>1 2 3 4 5 6 7 8 9 10... 3.1415</a:t>
-            </a:r>
-          </a:p>
-          <a:p>
-            <a:pPr lvl="1"/>
-            <a:r>
-              <a:rPr lang="en-US" sz="3400" b="1" dirty="0"/>
-              <a:t>+</a:t>
-            </a:r>
-            <a:r>
-              <a:rPr lang="en-US" sz="3400" dirty="0"/>
-              <a:t> add, </a:t>
-            </a:r>
-            <a:r>
-              <a:rPr lang="en-US" sz="3400" b="1" dirty="0"/>
-              <a:t>-</a:t>
-            </a:r>
-            <a:r>
-              <a:rPr lang="en-US" sz="3400" dirty="0"/>
-              <a:t> subtract, </a:t>
-            </a:r>
-            <a:r>
-              <a:rPr lang="en-US" sz="3400" b="1" dirty="0"/>
-              <a:t>*</a:t>
-            </a:r>
-            <a:r>
-              <a:rPr lang="en-US" sz="3400" dirty="0"/>
-              <a:t> multiply, </a:t>
-            </a:r>
-            <a:r>
-              <a:rPr lang="en-US" sz="3400" b="1" dirty="0"/>
-              <a:t>/</a:t>
-            </a:r>
-            <a:r>
-              <a:rPr lang="en-US" sz="3400" dirty="0"/>
-              <a:t> divide</a:t>
-            </a:r>
-          </a:p>
-          <a:p>
-            <a:pPr lvl="1"/>
-            <a:r>
-              <a:rPr lang="en-US" sz="3400" b="1" dirty="0"/>
-              <a:t>=</a:t>
-            </a:r>
-            <a:r>
-              <a:rPr lang="en-US" sz="3400" dirty="0"/>
-              <a:t> assign one thing to another</a:t>
-            </a:r>
-          </a:p>
-          <a:p>
-            <a:pPr lvl="1"/>
-            <a:r>
-              <a:rPr lang="en-US" sz="3400" b="1" dirty="0"/>
-              <a:t>&gt;</a:t>
-            </a:r>
-            <a:r>
-              <a:rPr lang="en-US" sz="3400" dirty="0"/>
-              <a:t> greater, </a:t>
-            </a:r>
-            <a:r>
-              <a:rPr lang="en-US" sz="3400" b="1" dirty="0"/>
-              <a:t>&lt;</a:t>
-            </a:r>
-            <a:r>
-              <a:rPr lang="en-US" sz="3400" dirty="0"/>
-              <a:t> less, </a:t>
-            </a:r>
-            <a:r>
-              <a:rPr lang="en-US" sz="3400" b="1" dirty="0"/>
-              <a:t>==</a:t>
-            </a:r>
-            <a:r>
-              <a:rPr lang="en-US" sz="3400" dirty="0"/>
-              <a:t> equal (</a:t>
-            </a:r>
-            <a:r>
-              <a:rPr lang="en-US" sz="3400" b="1" dirty="0"/>
-              <a:t>=</a:t>
-            </a:r>
-            <a:r>
-              <a:rPr lang="en-US" sz="3400" dirty="0"/>
-              <a:t> was taken)</a:t>
-            </a:r>
-          </a:p>
-          <a:p>
-            <a:pPr lvl="1"/>
-            <a:r>
-              <a:rPr lang="en-US" sz="3400" i="1" dirty="0"/>
-              <a:t>name</a:t>
-            </a:r>
-            <a:r>
-              <a:rPr lang="en-US" sz="3400" b="1" dirty="0"/>
-              <a:t>()</a:t>
-            </a:r>
-            <a:r>
-              <a:rPr lang="en-US" sz="3400" dirty="0"/>
-              <a:t> – functions do something</a:t>
-            </a:r>
-          </a:p>
-          <a:p>
-            <a:pPr marL="1828800" lvl="4" indent="0">
+            <a:pPr marL="0" indent="0">
               <a:buNone/>
             </a:pPr>
             <a:r>
-              <a:rPr lang="en-US" sz="2800" dirty="0"/>
-              <a:t>may return a value</a:t>
+              <a:rPr lang="en-US" sz="2800" dirty="0">
+                <a:solidFill>
+                  <a:schemeClr val="accent1"/>
+                </a:solidFill>
+                <a:sym typeface="Wingdings" panose="05000000000000000000" pitchFamily="2" charset="2"/>
+              </a:rPr>
+              <a:t>… /Intro…/my_work/</a:t>
+            </a:r>
+            <a:endParaRPr lang="en-US" sz="2800" dirty="0">
+              <a:solidFill>
+                <a:schemeClr val="accent1"/>
+              </a:solidFill>
+            </a:endParaRPr>
+          </a:p>
+          <a:p>
+            <a:pPr lvl="1"/>
+            <a:r>
+              <a:rPr lang="en-US" sz="3200" dirty="0">
+                <a:solidFill>
+                  <a:schemeClr val="accent1"/>
+                </a:solidFill>
+              </a:rPr>
+              <a:t>Don't be square… </a:t>
+            </a:r>
+            <a:r>
+              <a:rPr lang="en-US" sz="3200" dirty="0"/>
+              <a:t>square.py, square_loop.py</a:t>
+            </a:r>
+          </a:p>
+          <a:p>
+            <a:pPr lvl="1"/>
+            <a:r>
+              <a:rPr lang="en-US" sz="3200" dirty="0">
+                <a:solidFill>
+                  <a:schemeClr val="accent1"/>
+                </a:solidFill>
+              </a:rPr>
+              <a:t>Be a star… </a:t>
+            </a:r>
+            <a:r>
+              <a:rPr lang="en-US" sz="3200" dirty="0"/>
+              <a:t>spokes.py</a:t>
+            </a:r>
+          </a:p>
+          <a:p>
+            <a:pPr lvl="1"/>
+            <a:r>
+              <a:rPr lang="en-US" sz="3200" dirty="0">
+                <a:solidFill>
+                  <a:schemeClr val="accent1"/>
+                </a:solidFill>
+              </a:rPr>
+              <a:t>Some input… </a:t>
+            </a:r>
+            <a:r>
+              <a:rPr lang="en-US" sz="3200" dirty="0"/>
+              <a:t>some_input.py</a:t>
+            </a:r>
+          </a:p>
+          <a:p>
+            <a:pPr lvl="1"/>
+            <a:r>
+              <a:rPr lang="en-US" sz="3200" dirty="0">
+                <a:solidFill>
+                  <a:schemeClr val="accent1"/>
+                </a:solidFill>
+              </a:rPr>
+              <a:t>Some time… </a:t>
+            </a:r>
+            <a:r>
+              <a:rPr lang="en-US" sz="3200" dirty="0"/>
+              <a:t>sometime.py</a:t>
+            </a:r>
+          </a:p>
+          <a:p>
+            <a:pPr lvl="1"/>
+            <a:r>
+              <a:rPr lang="en-US" sz="3200" dirty="0">
+                <a:solidFill>
+                  <a:schemeClr val="accent1"/>
+                </a:solidFill>
+              </a:rPr>
+              <a:t>A little dramatics… </a:t>
+            </a:r>
+            <a:r>
+              <a:rPr lang="en-US" sz="3200" dirty="0"/>
+              <a:t>starry_night.py</a:t>
             </a:r>
           </a:p>
         </p:txBody>
@@ -20760,7 +20973,7 @@
           <p:cNvPr id="4" name="Date Placeholder 3">
             <a:extLst>
               <a:ext uri="{FF2B5EF4-FFF2-40B4-BE49-F238E27FC236}">
-                <a16:creationId xmlns:a16="http://schemas.microsoft.com/office/drawing/2014/main" id="{6ECA05AC-D797-47E4-AB77-1DEF7CAB0B37}"/>
+                <a16:creationId xmlns:a16="http://schemas.microsoft.com/office/drawing/2014/main" id="{238250BF-1F3B-4C08-8BFE-551B946B9693}"/>
               </a:ext>
             </a:extLst>
           </p:cNvPr>
@@ -20783,7 +20996,7 @@
           <a:p>
             <a:fld id="{A7119916-CD40-456D-ABE3-55F8822671F7}" type="datetime1">
               <a:rPr lang="en-US" smtClean="0"/>
-              <a:t>7/3/2022</a:t>
+              <a:t>7/10/2022</a:t>
             </a:fld>
             <a:endParaRPr lang="en-US" dirty="0"/>
           </a:p>
@@ -20794,7 +21007,7 @@
           <p:cNvPr id="5" name="Footer Placeholder 4">
             <a:extLst>
               <a:ext uri="{FF2B5EF4-FFF2-40B4-BE49-F238E27FC236}">
-                <a16:creationId xmlns:a16="http://schemas.microsoft.com/office/drawing/2014/main" id="{719D31A8-D18D-4EF5-8CEE-E101A4835F30}"/>
+                <a16:creationId xmlns:a16="http://schemas.microsoft.com/office/drawing/2014/main" id="{4BDDA229-1F8C-4AE9-9C33-92C9D36399DF}"/>
               </a:ext>
             </a:extLst>
           </p:cNvPr>
@@ -20828,7 +21041,7 @@
           <p:cNvPr id="6" name="Slide Number Placeholder 5">
             <a:extLst>
               <a:ext uri="{FF2B5EF4-FFF2-40B4-BE49-F238E27FC236}">
-                <a16:creationId xmlns:a16="http://schemas.microsoft.com/office/drawing/2014/main" id="{C2E3EA07-576C-4EAA-ABC5-90111EA4E539}"/>
+                <a16:creationId xmlns:a16="http://schemas.microsoft.com/office/drawing/2014/main" id="{DEF59B95-D9A4-43FE-9E96-F52D1691EC73}"/>
               </a:ext>
             </a:extLst>
           </p:cNvPr>
@@ -20860,7 +21073,7 @@
     </p:spTree>
     <p:extLst>
       <p:ext uri="{BB962C8B-B14F-4D97-AF65-F5344CB8AC3E}">
-        <p14:creationId xmlns:p14="http://schemas.microsoft.com/office/powerpoint/2010/main" val="2388216565"/>
+        <p14:creationId xmlns:p14="http://schemas.microsoft.com/office/powerpoint/2010/main" val="2915659980"/>
       </p:ext>
     </p:extLst>
   </p:cSld>
@@ -20951,12 +21164,14 @@
         </p:nvSpPr>
         <p:spPr/>
         <p:txBody>
-          <a:bodyPr/>
+          <a:bodyPr>
+            <a:normAutofit fontScale="92500" lnSpcReduction="10000"/>
+          </a:bodyPr>
           <a:lstStyle/>
           <a:p>
             <a:r>
               <a:rPr lang="en-US" sz="3600" dirty="0"/>
-              <a:t>Key words</a:t>
+              <a:t>Arithmetic</a:t>
             </a:r>
             <a:r>
               <a:rPr lang="en-US" dirty="0"/>
@@ -20966,80 +21181,114 @@
           <a:p>
             <a:pPr lvl="1"/>
             <a:r>
-              <a:rPr lang="en-US" sz="3200" dirty="0">
-                <a:solidFill>
-                  <a:schemeClr val="accent3"/>
-                </a:solidFill>
-              </a:rPr>
-              <a:t>if</a:t>
-            </a:r>
-            <a:r>
               <a:rPr lang="en-US" sz="3200" dirty="0"/>
-              <a:t>  - choose</a:t>
+              <a:t>1 2 3 4 5 6 7 8 9 10... 3.1415</a:t>
             </a:r>
           </a:p>
           <a:p>
             <a:pPr lvl="1"/>
             <a:r>
-              <a:rPr lang="en-US" sz="3200" dirty="0">
-                <a:solidFill>
-                  <a:schemeClr val="accent3"/>
-                </a:solidFill>
-              </a:rPr>
-              <a:t>else</a:t>
-            </a:r>
-            <a:r>
-              <a:rPr lang="en-US" sz="3200" dirty="0"/>
-              <a:t> – or not</a:t>
+              <a:rPr lang="en-US" sz="3400" b="1" dirty="0"/>
+              <a:t>+</a:t>
+            </a:r>
+            <a:r>
+              <a:rPr lang="en-US" sz="3400" dirty="0"/>
+              <a:t> add, </a:t>
+            </a:r>
+            <a:r>
+              <a:rPr lang="en-US" sz="3400" b="1" dirty="0"/>
+              <a:t>-</a:t>
+            </a:r>
+            <a:r>
+              <a:rPr lang="en-US" sz="3400" dirty="0"/>
+              <a:t> subtract, </a:t>
+            </a:r>
+            <a:r>
+              <a:rPr lang="en-US" sz="3400" b="1" dirty="0"/>
+              <a:t>*</a:t>
+            </a:r>
+            <a:r>
+              <a:rPr lang="en-US" sz="3400" dirty="0"/>
+              <a:t> multiply, </a:t>
+            </a:r>
+            <a:r>
+              <a:rPr lang="en-US" sz="3400" b="1" dirty="0"/>
+              <a:t>/</a:t>
+            </a:r>
+            <a:r>
+              <a:rPr lang="en-US" sz="3400" dirty="0"/>
+              <a:t> divide</a:t>
             </a:r>
           </a:p>
           <a:p>
             <a:pPr lvl="1"/>
             <a:r>
-              <a:rPr lang="en-US" sz="3200" dirty="0">
-                <a:solidFill>
-                  <a:schemeClr val="accent3"/>
-                </a:solidFill>
-              </a:rPr>
-              <a:t>while</a:t>
-            </a:r>
-            <a:r>
-              <a:rPr lang="en-US" sz="3200" dirty="0"/>
-              <a:t> – do while something is true</a:t>
+              <a:rPr lang="en-US" sz="3400" b="1" dirty="0"/>
+              <a:t>=</a:t>
+            </a:r>
+            <a:r>
+              <a:rPr lang="en-US" sz="3400" dirty="0"/>
+              <a:t> assign one thing to another</a:t>
             </a:r>
           </a:p>
           <a:p>
             <a:pPr lvl="1"/>
             <a:r>
-              <a:rPr lang="en-US" sz="3200" dirty="0">
-                <a:solidFill>
-                  <a:schemeClr val="accent3"/>
-                </a:solidFill>
-              </a:rPr>
-              <a:t>for</a:t>
-            </a:r>
-            <a:r>
-              <a:rPr lang="en-US" sz="3200" dirty="0"/>
-              <a:t> – do for a list of items</a:t>
+              <a:rPr lang="en-US" sz="3400" b="1" dirty="0"/>
+              <a:t>&gt;</a:t>
+            </a:r>
+            <a:r>
+              <a:rPr lang="en-US" sz="3400" dirty="0"/>
+              <a:t> greater, </a:t>
+            </a:r>
+            <a:r>
+              <a:rPr lang="en-US" sz="3400" b="1" dirty="0"/>
+              <a:t>&lt;</a:t>
+            </a:r>
+            <a:r>
+              <a:rPr lang="en-US" sz="3400" dirty="0"/>
+              <a:t> less, </a:t>
+            </a:r>
+            <a:r>
+              <a:rPr lang="en-US" sz="3400" b="1" dirty="0"/>
+              <a:t>==</a:t>
+            </a:r>
+            <a:r>
+              <a:rPr lang="en-US" sz="3400" dirty="0"/>
+              <a:t> equal (</a:t>
+            </a:r>
+            <a:r>
+              <a:rPr lang="en-US" sz="3400" b="1" dirty="0"/>
+              <a:t>=</a:t>
+            </a:r>
+            <a:r>
+              <a:rPr lang="en-US" sz="3400" dirty="0"/>
+              <a:t> was taken)</a:t>
             </a:r>
           </a:p>
           <a:p>
             <a:pPr lvl="1"/>
             <a:r>
-              <a:rPr lang="en-US" sz="3200" dirty="0">
-                <a:solidFill>
-                  <a:srgbClr val="7030A0"/>
-                </a:solidFill>
-              </a:rPr>
-              <a:t>print</a:t>
-            </a:r>
-            <a:r>
-              <a:rPr lang="en-US" sz="3200" dirty="0"/>
-              <a:t> – print things</a:t>
-            </a:r>
-          </a:p>
-          <a:p>
-            <a:endParaRPr lang="en-US" dirty="0"/>
+              <a:rPr lang="en-US" sz="3400" i="1" dirty="0"/>
+              <a:t>name</a:t>
+            </a:r>
+            <a:r>
+              <a:rPr lang="en-US" sz="3400" b="1" dirty="0"/>
+              <a:t>()</a:t>
+            </a:r>
+            <a:r>
+              <a:rPr lang="en-US" sz="3400" dirty="0"/>
+              <a:t> – functions do something</a:t>
+            </a:r>
+          </a:p>
+          <a:p>
+            <a:pPr marL="1828800" lvl="4" indent="0">
+              <a:buNone/>
+            </a:pPr>
+            <a:r>
+              <a:rPr lang="en-US" sz="2800" dirty="0"/>
+              <a:t>may return a value</a:t>
+            </a:r>
           </a:p>
         </p:txBody>
       </p:sp>
@@ -21071,7 +21320,7 @@
           <a:p>
             <a:fld id="{A7119916-CD40-456D-ABE3-55F8822671F7}" type="datetime1">
               <a:rPr lang="en-US" smtClean="0"/>
-              <a:t>7/3/2022</a:t>
+              <a:t>7/10/2022</a:t>
             </a:fld>
             <a:endParaRPr lang="en-US" dirty="0"/>
           </a:p>
@@ -21148,7 +21397,7 @@
     </p:spTree>
     <p:extLst>
       <p:ext uri="{BB962C8B-B14F-4D97-AF65-F5344CB8AC3E}">
-        <p14:creationId xmlns:p14="http://schemas.microsoft.com/office/powerpoint/2010/main" val="263590746"/>
+        <p14:creationId xmlns:p14="http://schemas.microsoft.com/office/powerpoint/2010/main" val="2388216565"/>
       </p:ext>
     </p:extLst>
   </p:cSld>
@@ -21244,57 +21493,90 @@
           <a:p>
             <a:r>
               <a:rPr lang="en-US" sz="3600" dirty="0"/>
-              <a:t>Key words - </a:t>
-            </a:r>
-            <a:r>
-              <a:rPr lang="en-US" sz="1600" dirty="0"/>
-              <a:t>continued</a:t>
+              <a:t>Key words</a:t>
+            </a:r>
+            <a:r>
+              <a:rPr lang="en-US" dirty="0"/>
+              <a:t>:</a:t>
             </a:r>
           </a:p>
           <a:p>
             <a:pPr lvl="1"/>
             <a:r>
-              <a:rPr lang="en-US" sz="3600" dirty="0">
+              <a:rPr lang="en-US" sz="3200" dirty="0">
                 <a:solidFill>
                   <a:schemeClr val="accent3"/>
                 </a:solidFill>
               </a:rPr>
-              <a:t>in</a:t>
-            </a:r>
-            <a:r>
-              <a:rPr lang="en-US" sz="3600" dirty="0"/>
-              <a:t> – within a list or string</a:t>
+              <a:t>if</a:t>
+            </a:r>
+            <a:r>
+              <a:rPr lang="en-US" sz="3200" dirty="0"/>
+              <a:t>  - choose</a:t>
             </a:r>
           </a:p>
           <a:p>
             <a:pPr lvl="1"/>
             <a:r>
-              <a:rPr lang="en-US" sz="3400" dirty="0">
+              <a:rPr lang="en-US" sz="3200" dirty="0">
                 <a:solidFill>
                   <a:schemeClr val="accent3"/>
                 </a:solidFill>
               </a:rPr>
-              <a:t>import</a:t>
-            </a:r>
-            <a:r>
-              <a:rPr lang="en-US" sz="3400" dirty="0"/>
-              <a:t> – bring in from elsewhere</a:t>
+              <a:t>else</a:t>
+            </a:r>
+            <a:r>
+              <a:rPr lang="en-US" sz="3200" dirty="0"/>
+              <a:t> – or not</a:t>
             </a:r>
           </a:p>
           <a:p>
             <a:pPr lvl="1"/>
             <a:r>
-              <a:rPr lang="en-US" sz="3400" dirty="0">
+              <a:rPr lang="en-US" sz="3200" dirty="0">
                 <a:solidFill>
                   <a:schemeClr val="accent3"/>
                 </a:solidFill>
               </a:rPr>
-              <a:t>from</a:t>
-            </a:r>
-            <a:r>
-              <a:rPr lang="en-US" sz="3400" dirty="0"/>
-              <a:t> – where we got something</a:t>
-            </a:r>
+              <a:t>while</a:t>
+            </a:r>
+            <a:r>
+              <a:rPr lang="en-US" sz="3200" dirty="0"/>
+              <a:t> – do while something is true</a:t>
+            </a:r>
+          </a:p>
+          <a:p>
+            <a:pPr lvl="1"/>
+            <a:r>
+              <a:rPr lang="en-US" sz="3200" dirty="0">
+                <a:solidFill>
+                  <a:schemeClr val="accent3"/>
+                </a:solidFill>
+              </a:rPr>
+              <a:t>for</a:t>
+            </a:r>
+            <a:r>
+              <a:rPr lang="en-US" sz="3200" dirty="0"/>
+              <a:t> – do for a list of items</a:t>
+            </a:r>
+          </a:p>
+          <a:p>
+            <a:pPr lvl="1"/>
+            <a:r>
+              <a:rPr lang="en-US" sz="3200" dirty="0">
+                <a:solidFill>
+                  <a:srgbClr val="7030A0"/>
+                </a:solidFill>
+              </a:rPr>
+              <a:t>print</a:t>
+            </a:r>
+            <a:r>
+              <a:rPr lang="en-US" sz="3200" dirty="0"/>
+              <a:t> – print things</a:t>
+            </a:r>
+          </a:p>
+          <a:p>
+            <a:endParaRPr lang="en-US" dirty="0"/>
           </a:p>
         </p:txBody>
       </p:sp>
@@ -21326,7 +21608,7 @@
           <a:p>
             <a:fld id="{A7119916-CD40-456D-ABE3-55F8822671F7}" type="datetime1">
               <a:rPr lang="en-US" smtClean="0"/>
-              <a:t>7/3/2022</a:t>
+              <a:t>7/10/2022</a:t>
             </a:fld>
             <a:endParaRPr lang="en-US" dirty="0"/>
           </a:p>
@@ -21403,7 +21685,7 @@
     </p:spTree>
     <p:extLst>
       <p:ext uri="{BB962C8B-B14F-4D97-AF65-F5344CB8AC3E}">
-        <p14:creationId xmlns:p14="http://schemas.microsoft.com/office/powerpoint/2010/main" val="987768309"/>
+        <p14:creationId xmlns:p14="http://schemas.microsoft.com/office/powerpoint/2010/main" val="263590746"/>
       </p:ext>
     </p:extLst>
   </p:cSld>
@@ -21471,19 +21753,7 @@
             </a:br>
             <a:r>
               <a:rPr lang="en-US" dirty="0"/>
-              <a:t>A </a:t>
-            </a:r>
-            <a:r>
-              <a:rPr lang="en-US" b="1" dirty="0"/>
-              <a:t>lot</a:t>
-            </a:r>
-            <a:r>
-              <a:rPr lang="en-US" dirty="0"/>
-              <a:t> in </a:t>
-            </a:r>
-            <a:r>
-              <a:rPr lang="en-US" b="1" dirty="0"/>
-              <a:t>common</a:t>
+              <a:t>A lot in common</a:t>
             </a:r>
           </a:p>
         </p:txBody>
@@ -21511,99 +21781,57 @@
           <a:p>
             <a:r>
               <a:rPr lang="en-US" sz="3600" dirty="0"/>
-              <a:t>Punctuation:</a:t>
+              <a:t>Key words - </a:t>
+            </a:r>
+            <a:r>
+              <a:rPr lang="en-US" sz="1600" dirty="0"/>
+              <a:t>continued</a:t>
             </a:r>
           </a:p>
           <a:p>
             <a:pPr lvl="1"/>
             <a:r>
-              <a:rPr lang="en-US" sz="3400" dirty="0"/>
-              <a:t>Indentation – groups process indented</a:t>
-            </a:r>
-            <a:endParaRPr lang="en-US" dirty="0"/>
+              <a:rPr lang="en-US" sz="3600" dirty="0">
+                <a:solidFill>
+                  <a:schemeClr val="accent3"/>
+                </a:solidFill>
+              </a:rPr>
+              <a:t>in</a:t>
+            </a:r>
+            <a:r>
+              <a:rPr lang="en-US" sz="3600" dirty="0"/>
+              <a:t> – within a list or string</a:t>
+            </a:r>
           </a:p>
           <a:p>
             <a:pPr lvl="1"/>
-            <a:r>
-              <a:rPr lang="en-US" sz="3400" b="1" dirty="0"/>
-              <a:t>[</a:t>
-            </a:r>
-            <a:r>
-              <a:rPr lang="en-US" sz="3400" dirty="0"/>
-              <a:t> stuff </a:t>
-            </a:r>
-            <a:r>
-              <a:rPr lang="en-US" sz="3400" b="1" dirty="0"/>
-              <a:t>]</a:t>
-            </a:r>
-            <a:r>
-              <a:rPr lang="en-US" sz="3400" dirty="0"/>
-              <a:t> – grouping items</a:t>
-            </a:r>
-          </a:p>
-          <a:p>
-            <a:pPr lvl="1"/>
-            <a:r>
-              <a:rPr lang="en-US" sz="3400" b="1" dirty="0"/>
-              <a:t>(</a:t>
-            </a:r>
-            <a:r>
-              <a:rPr lang="en-US" sz="3400" dirty="0"/>
-              <a:t> stuff </a:t>
-            </a:r>
-            <a:r>
-              <a:rPr lang="en-US" sz="3400" b="1" dirty="0"/>
-              <a:t>)</a:t>
-            </a:r>
-            <a:r>
-              <a:rPr lang="en-US" sz="3400" dirty="0"/>
-              <a:t> – grouping items</a:t>
-            </a:r>
-          </a:p>
-          <a:p>
-            <a:pPr lvl="1"/>
-            <a:r>
-              <a:rPr lang="en-US" sz="3400" b="1" dirty="0"/>
-              <a:t>"</a:t>
-            </a:r>
             <a:r>
               <a:rPr lang="en-US" sz="3400" dirty="0">
                 <a:solidFill>
-                  <a:schemeClr val="accent2"/>
+                  <a:schemeClr val="accent3"/>
                 </a:solidFill>
               </a:rPr>
-              <a:t>stuff here is taken literally</a:t>
-            </a:r>
-            <a:r>
-              <a:rPr lang="en-US" sz="3400" b="1" dirty="0"/>
-              <a:t>"</a:t>
+              <a:t>import</a:t>
+            </a:r>
+            <a:r>
+              <a:rPr lang="en-US" sz="3400" dirty="0"/>
+              <a:t> – bring in from elsewhere</a:t>
             </a:r>
           </a:p>
           <a:p>
             <a:pPr lvl="1"/>
             <a:r>
-              <a:rPr lang="en-US" sz="3400" b="1" dirty="0">
+              <a:rPr lang="en-US" sz="3400" dirty="0">
                 <a:solidFill>
-                  <a:schemeClr val="accent2"/>
+                  <a:schemeClr val="accent3"/>
                 </a:solidFill>
               </a:rPr>
-              <a:t>'</a:t>
-            </a:r>
-            <a:r>
-              <a:rPr lang="en-US" sz="3400" dirty="0">
-                <a:solidFill>
-                  <a:schemeClr val="accent2"/>
-                </a:solidFill>
-              </a:rPr>
-              <a:t>The same here as in "here" </a:t>
-            </a:r>
-            <a:r>
-              <a:rPr lang="en-US" sz="3400" b="1" dirty="0"/>
-              <a:t>'</a:t>
-            </a:r>
-          </a:p>
-          <a:p>
-            <a:endParaRPr lang="en-US" sz="3600" dirty="0"/>
+              <a:t>from</a:t>
+            </a:r>
+            <a:r>
+              <a:rPr lang="en-US" sz="3400" dirty="0"/>
+              <a:t> – where we got something</a:t>
+            </a:r>
           </a:p>
         </p:txBody>
       </p:sp>
@@ -21635,7 +21863,7 @@
           <a:p>
             <a:fld id="{A7119916-CD40-456D-ABE3-55F8822671F7}" type="datetime1">
               <a:rPr lang="en-US" smtClean="0"/>
-              <a:t>7/3/2022</a:t>
+              <a:t>7/10/2022</a:t>
             </a:fld>
             <a:endParaRPr lang="en-US" dirty="0"/>
           </a:p>
@@ -21712,7 +21940,7 @@
     </p:spTree>
     <p:extLst>
       <p:ext uri="{BB962C8B-B14F-4D97-AF65-F5344CB8AC3E}">
-        <p14:creationId xmlns:p14="http://schemas.microsoft.com/office/powerpoint/2010/main" val="3874803299"/>
+        <p14:creationId xmlns:p14="http://schemas.microsoft.com/office/powerpoint/2010/main" val="987768309"/>
       </p:ext>
     </p:extLst>
   </p:cSld>
@@ -21779,28 +22007,12 @@
               <a:rPr lang="en-US" dirty="0"/>
             </a:br>
             <a:r>
-              <a:rPr lang="en-US" b="1" dirty="0">
-                <a:solidFill>
-                  <a:schemeClr val="accent2"/>
-                </a:solidFill>
-              </a:rPr>
-              <a:t>Different</a:t>
+              <a:rPr lang="en-US" dirty="0"/>
+              <a:t>A </a:t>
             </a:r>
             <a:r>
               <a:rPr lang="en-US" b="1" dirty="0"/>
-              <a:t> </a:t>
-            </a:r>
-            <a:r>
-              <a:rPr lang="en-US" dirty="0"/>
-              <a:t>/ </a:t>
-            </a:r>
-            <a:r>
-              <a:rPr lang="en-US" b="1" dirty="0">
-                <a:solidFill>
-                  <a:schemeClr val="accent2"/>
-                </a:solidFill>
-              </a:rPr>
-              <a:t>New</a:t>
+              <a:t>lot</a:t>
             </a:r>
             <a:r>
               <a:rPr lang="en-US" dirty="0"/>
@@ -21808,7 +22020,7 @@
             </a:r>
             <a:r>
               <a:rPr lang="en-US" b="1" dirty="0"/>
-              <a:t>Python</a:t>
+              <a:t>common</a:t>
             </a:r>
           </a:p>
         </p:txBody>
@@ -21842,61 +22054,89 @@
           <a:p>
             <a:pPr lvl="1"/>
             <a:r>
+              <a:rPr lang="en-US" sz="3400" dirty="0"/>
+              <a:t>Indentation – groups process indented</a:t>
+            </a:r>
+            <a:endParaRPr lang="en-US" dirty="0"/>
+          </a:p>
+          <a:p>
+            <a:pPr lvl="1"/>
+            <a:r>
               <a:rPr lang="en-US" sz="3400" b="1" dirty="0"/>
-              <a:t>#</a:t>
+              <a:t>[</a:t>
             </a:r>
             <a:r>
               <a:rPr lang="en-US" sz="3400" dirty="0"/>
-              <a:t> - </a:t>
+              <a:t> stuff </a:t>
+            </a:r>
+            <a:r>
+              <a:rPr lang="en-US" sz="3400" b="1" dirty="0"/>
+              <a:t>]</a:t>
+            </a:r>
+            <a:r>
+              <a:rPr lang="en-US" sz="3400" dirty="0"/>
+              <a:t> – grouping items</a:t>
+            </a:r>
+          </a:p>
+          <a:p>
+            <a:pPr lvl="1"/>
+            <a:r>
+              <a:rPr lang="en-US" sz="3400" b="1" dirty="0"/>
+              <a:t>(</a:t>
+            </a:r>
+            <a:r>
+              <a:rPr lang="en-US" sz="3400" dirty="0"/>
+              <a:t> stuff </a:t>
+            </a:r>
+            <a:r>
+              <a:rPr lang="en-US" sz="3400" b="1" dirty="0"/>
+              <a:t>)</a:t>
+            </a:r>
+            <a:r>
+              <a:rPr lang="en-US" sz="3400" dirty="0"/>
+              <a:t> – grouping items</a:t>
+            </a:r>
+          </a:p>
+          <a:p>
+            <a:pPr lvl="1"/>
+            <a:r>
+              <a:rPr lang="en-US" sz="3400" b="1" dirty="0"/>
+              <a:t>"</a:t>
             </a:r>
             <a:r>
               <a:rPr lang="en-US" sz="3400" dirty="0">
                 <a:solidFill>
-                  <a:srgbClr val="FF0000"/>
+                  <a:schemeClr val="accent2"/>
                 </a:solidFill>
               </a:rPr>
-              <a:t>python</a:t>
-            </a:r>
-            <a:r>
-              <a:rPr lang="en-US" sz="3400" dirty="0"/>
-              <a:t> </a:t>
+              <a:t>stuff here is taken literally</a:t>
+            </a:r>
+            <a:r>
+              <a:rPr lang="en-US" sz="3400" b="1" dirty="0"/>
+              <a:t>"</a:t>
+            </a:r>
+          </a:p>
+          <a:p>
+            <a:pPr lvl="1"/>
+            <a:r>
+              <a:rPr lang="en-US" sz="3400" b="1" dirty="0">
+                <a:solidFill>
+                  <a:schemeClr val="accent2"/>
+                </a:solidFill>
+              </a:rPr>
+              <a:t>'</a:t>
             </a:r>
             <a:r>
               <a:rPr lang="en-US" sz="3400" dirty="0">
                 <a:solidFill>
-                  <a:schemeClr val="tx1"/>
+                  <a:schemeClr val="accent2"/>
                 </a:solidFill>
               </a:rPr>
-              <a:t>disregards to end of line</a:t>
-            </a:r>
-          </a:p>
-          <a:p>
-            <a:pPr lvl="1"/>
+              <a:t>The same here as in "here" </a:t>
+            </a:r>
             <a:r>
               <a:rPr lang="en-US" sz="3400" b="1" dirty="0"/>
-              <a:t>=</a:t>
-            </a:r>
-            <a:r>
-              <a:rPr lang="en-US" sz="3400" dirty="0"/>
-              <a:t> - assign value from right to left</a:t>
-            </a:r>
-          </a:p>
-          <a:p>
-            <a:pPr lvl="1"/>
-            <a:r>
-              <a:rPr lang="en-US" sz="3400" b="1" dirty="0"/>
-              <a:t>==</a:t>
-            </a:r>
-            <a:r>
-              <a:rPr lang="en-US" sz="3400" dirty="0"/>
-              <a:t> - test for equality (not big change)</a:t>
-            </a:r>
-          </a:p>
-          <a:p>
-            <a:pPr lvl="1"/>
-            <a:r>
-              <a:rPr lang="en-US" sz="3400" dirty="0"/>
-              <a:t>Indentation level is VERY IMPORTANT</a:t>
+              <a:t>'</a:t>
             </a:r>
           </a:p>
           <a:p>
@@ -21932,7 +22172,7 @@
           <a:p>
             <a:fld id="{A7119916-CD40-456D-ABE3-55F8822671F7}" type="datetime1">
               <a:rPr lang="en-US" smtClean="0"/>
-              <a:t>7/3/2022</a:t>
+              <a:t>7/10/2022</a:t>
             </a:fld>
             <a:endParaRPr lang="en-US" dirty="0"/>
           </a:p>
@@ -22001,6 +22241,303 @@
             <a:fld id="{6D22F896-40B5-4ADD-8801-0D06FADFA095}" type="slidenum">
               <a:rPr lang="en-US" smtClean="0"/>
               <a:t>26</a:t>
+            </a:fld>
+            <a:endParaRPr lang="en-US" dirty="0"/>
+          </a:p>
+        </p:txBody>
+      </p:sp>
+    </p:spTree>
+    <p:extLst>
+      <p:ext uri="{BB962C8B-B14F-4D97-AF65-F5344CB8AC3E}">
+        <p14:creationId xmlns:p14="http://schemas.microsoft.com/office/powerpoint/2010/main" val="3874803299"/>
+      </p:ext>
+    </p:extLst>
+  </p:cSld>
+  <p:clrMapOvr>
+    <a:masterClrMapping/>
+  </p:clrMapOvr>
+</p:sld>
+</file>
+
+<file path=ppt/slides/slide27.xml><?xml version="1.0" encoding="utf-8"?>
+<p:sld xmlns:a="http://schemas.openxmlformats.org/drawingml/2006/main" xmlns:r="http://schemas.openxmlformats.org/officeDocument/2006/relationships" xmlns:p="http://schemas.openxmlformats.org/presentationml/2006/main">
+  <p:cSld>
+    <p:spTree>
+      <p:nvGrpSpPr>
+        <p:cNvPr id="1" name=""/>
+        <p:cNvGrpSpPr/>
+        <p:nvPr/>
+      </p:nvGrpSpPr>
+      <p:grpSpPr>
+        <a:xfrm>
+          <a:off x="0" y="0"/>
+          <a:ext cx="0" cy="0"/>
+          <a:chOff x="0" y="0"/>
+          <a:chExt cx="0" cy="0"/>
+        </a:xfrm>
+      </p:grpSpPr>
+      <p:sp>
+        <p:nvSpPr>
+          <p:cNvPr id="2" name="Title 1">
+            <a:extLst>
+              <a:ext uri="{FF2B5EF4-FFF2-40B4-BE49-F238E27FC236}">
+                <a16:creationId xmlns:a16="http://schemas.microsoft.com/office/drawing/2014/main" id="{E83B82BD-CFC1-4C0B-91E0-7BB837436557}"/>
+              </a:ext>
+            </a:extLst>
+          </p:cNvPr>
+          <p:cNvSpPr>
+            <a:spLocks noGrp="1"/>
+          </p:cNvSpPr>
+          <p:nvPr>
+            <p:ph type="title"/>
+          </p:nvPr>
+        </p:nvSpPr>
+        <p:spPr/>
+        <p:txBody>
+          <a:bodyPr/>
+          <a:lstStyle/>
+          <a:p>
+            <a:pPr algn="ctr"/>
+            <a:r>
+              <a:rPr lang="en-US" dirty="0"/>
+              <a:t>Python </a:t>
+            </a:r>
+            <a:r>
+              <a:rPr lang="en-US" dirty="0">
+                <a:sym typeface="Wingdings" panose="05000000000000000000" pitchFamily="2" charset="2"/>
+              </a:rPr>
+              <a:t></a:t>
+            </a:r>
+            <a:r>
+              <a:rPr lang="en-US" dirty="0"/>
+              <a:t> English</a:t>
+            </a:r>
+            <a:br>
+              <a:rPr lang="en-US" dirty="0"/>
+            </a:br>
+            <a:r>
+              <a:rPr lang="en-US" b="1" dirty="0">
+                <a:solidFill>
+                  <a:schemeClr val="accent2"/>
+                </a:solidFill>
+              </a:rPr>
+              <a:t>Different</a:t>
+            </a:r>
+            <a:r>
+              <a:rPr lang="en-US" b="1" dirty="0"/>
+              <a:t> </a:t>
+            </a:r>
+            <a:r>
+              <a:rPr lang="en-US" dirty="0"/>
+              <a:t>/ </a:t>
+            </a:r>
+            <a:r>
+              <a:rPr lang="en-US" b="1" dirty="0">
+                <a:solidFill>
+                  <a:schemeClr val="accent2"/>
+                </a:solidFill>
+              </a:rPr>
+              <a:t>New</a:t>
+            </a:r>
+            <a:r>
+              <a:rPr lang="en-US" dirty="0"/>
+              <a:t> in </a:t>
+            </a:r>
+            <a:r>
+              <a:rPr lang="en-US" b="1" dirty="0"/>
+              <a:t>Python</a:t>
+            </a:r>
+          </a:p>
+        </p:txBody>
+      </p:sp>
+      <p:sp>
+        <p:nvSpPr>
+          <p:cNvPr id="3" name="Content Placeholder 2">
+            <a:extLst>
+              <a:ext uri="{FF2B5EF4-FFF2-40B4-BE49-F238E27FC236}">
+                <a16:creationId xmlns:a16="http://schemas.microsoft.com/office/drawing/2014/main" id="{DEFCFCC9-485A-41BE-AE58-1A1FDF221B1D}"/>
+              </a:ext>
+            </a:extLst>
+          </p:cNvPr>
+          <p:cNvSpPr>
+            <a:spLocks noGrp="1"/>
+          </p:cNvSpPr>
+          <p:nvPr>
+            <p:ph idx="1"/>
+          </p:nvPr>
+        </p:nvSpPr>
+        <p:spPr/>
+        <p:txBody>
+          <a:bodyPr/>
+          <a:lstStyle/>
+          <a:p>
+            <a:r>
+              <a:rPr lang="en-US" sz="3600" dirty="0"/>
+              <a:t>Punctuation:</a:t>
+            </a:r>
+          </a:p>
+          <a:p>
+            <a:pPr lvl="1"/>
+            <a:r>
+              <a:rPr lang="en-US" sz="3400" b="1" dirty="0"/>
+              <a:t>#</a:t>
+            </a:r>
+            <a:r>
+              <a:rPr lang="en-US" sz="3400" dirty="0"/>
+              <a:t> - </a:t>
+            </a:r>
+            <a:r>
+              <a:rPr lang="en-US" sz="3400" dirty="0">
+                <a:solidFill>
+                  <a:srgbClr val="FF0000"/>
+                </a:solidFill>
+              </a:rPr>
+              <a:t>python</a:t>
+            </a:r>
+            <a:r>
+              <a:rPr lang="en-US" sz="3400" dirty="0"/>
+              <a:t> </a:t>
+            </a:r>
+            <a:r>
+              <a:rPr lang="en-US" sz="3400" dirty="0">
+                <a:solidFill>
+                  <a:schemeClr val="tx1"/>
+                </a:solidFill>
+              </a:rPr>
+              <a:t>disregards to end of line</a:t>
+            </a:r>
+          </a:p>
+          <a:p>
+            <a:pPr lvl="1"/>
+            <a:r>
+              <a:rPr lang="en-US" sz="3400" b="1" dirty="0"/>
+              <a:t>=</a:t>
+            </a:r>
+            <a:r>
+              <a:rPr lang="en-US" sz="3400" dirty="0"/>
+              <a:t> - assign value from right to left</a:t>
+            </a:r>
+          </a:p>
+          <a:p>
+            <a:pPr lvl="1"/>
+            <a:r>
+              <a:rPr lang="en-US" sz="3400" b="1" dirty="0"/>
+              <a:t>==</a:t>
+            </a:r>
+            <a:r>
+              <a:rPr lang="en-US" sz="3400" dirty="0"/>
+              <a:t> - test for equality (not big change)</a:t>
+            </a:r>
+          </a:p>
+          <a:p>
+            <a:pPr lvl="1"/>
+            <a:r>
+              <a:rPr lang="en-US" sz="3400" dirty="0"/>
+              <a:t>Indentation level is VERY IMPORTANT</a:t>
+            </a:r>
+          </a:p>
+          <a:p>
+            <a:endParaRPr lang="en-US" sz="3600" dirty="0"/>
+          </a:p>
+        </p:txBody>
+      </p:sp>
+      <p:sp>
+        <p:nvSpPr>
+          <p:cNvPr id="4" name="Date Placeholder 3">
+            <a:extLst>
+              <a:ext uri="{FF2B5EF4-FFF2-40B4-BE49-F238E27FC236}">
+                <a16:creationId xmlns:a16="http://schemas.microsoft.com/office/drawing/2014/main" id="{6ECA05AC-D797-47E4-AB77-1DEF7CAB0B37}"/>
+              </a:ext>
+            </a:extLst>
+          </p:cNvPr>
+          <p:cNvSpPr>
+            <a:spLocks noGrp="1"/>
+          </p:cNvSpPr>
+          <p:nvPr>
+            <p:ph type="dt" sz="half" idx="10"/>
+          </p:nvPr>
+        </p:nvSpPr>
+        <p:spPr>
+          <a:xfrm>
+            <a:off x="7205133" y="6041362"/>
+            <a:ext cx="911939" cy="365125"/>
+          </a:xfrm>
+        </p:spPr>
+        <p:txBody>
+          <a:bodyPr/>
+          <a:lstStyle/>
+          <a:p>
+            <a:fld id="{A7119916-CD40-456D-ABE3-55F8822671F7}" type="datetime1">
+              <a:rPr lang="en-US" smtClean="0"/>
+              <a:t>7/10/2022</a:t>
+            </a:fld>
+            <a:endParaRPr lang="en-US" dirty="0"/>
+          </a:p>
+        </p:txBody>
+      </p:sp>
+      <p:sp>
+        <p:nvSpPr>
+          <p:cNvPr id="5" name="Footer Placeholder 4">
+            <a:extLst>
+              <a:ext uri="{FF2B5EF4-FFF2-40B4-BE49-F238E27FC236}">
+                <a16:creationId xmlns:a16="http://schemas.microsoft.com/office/drawing/2014/main" id="{719D31A8-D18D-4EF5-8CEE-E101A4835F30}"/>
+              </a:ext>
+            </a:extLst>
+          </p:cNvPr>
+          <p:cNvSpPr>
+            <a:spLocks noGrp="1"/>
+          </p:cNvSpPr>
+          <p:nvPr>
+            <p:ph type="ftr" sz="quarter" idx="11"/>
+          </p:nvPr>
+        </p:nvSpPr>
+        <p:spPr>
+          <a:xfrm>
+            <a:off x="677334" y="6041362"/>
+            <a:ext cx="6297612" cy="365125"/>
+          </a:xfrm>
+        </p:spPr>
+        <p:txBody>
+          <a:bodyPr/>
+          <a:lstStyle/>
+          <a:p>
+            <a:r>
+              <a:rPr lang="en-US"/>
+              <a:t>raysmith@alum.mit.edu</a:t>
+            </a:r>
+            <a:endParaRPr lang="en-US" dirty="0"/>
+          </a:p>
+        </p:txBody>
+      </p:sp>
+      <p:sp>
+        <p:nvSpPr>
+          <p:cNvPr id="6" name="Slide Number Placeholder 5">
+            <a:extLst>
+              <a:ext uri="{FF2B5EF4-FFF2-40B4-BE49-F238E27FC236}">
+                <a16:creationId xmlns:a16="http://schemas.microsoft.com/office/drawing/2014/main" id="{C2E3EA07-576C-4EAA-ABC5-90111EA4E539}"/>
+              </a:ext>
+            </a:extLst>
+          </p:cNvPr>
+          <p:cNvSpPr>
+            <a:spLocks noGrp="1"/>
+          </p:cNvSpPr>
+          <p:nvPr>
+            <p:ph type="sldNum" sz="quarter" idx="12"/>
+          </p:nvPr>
+        </p:nvSpPr>
+        <p:spPr>
+          <a:xfrm>
+            <a:off x="8590663" y="6041362"/>
+            <a:ext cx="683339" cy="365125"/>
+          </a:xfrm>
+        </p:spPr>
+        <p:txBody>
+          <a:bodyPr/>
+          <a:lstStyle/>
+          <a:p>
+            <a:fld id="{6D22F896-40B5-4ADD-8801-0D06FADFA095}" type="slidenum">
+              <a:rPr lang="en-US" smtClean="0"/>
+              <a:t>27</a:t>
             </a:fld>
             <a:endParaRPr lang="en-US" dirty="0"/>
           </a:p>
@@ -22019,7 +22556,7 @@
 </p:sld>
 </file>
 
-<file path=ppt/slides/slide27.xml><?xml version="1.0" encoding="utf-8"?>
+<file path=ppt/slides/slide28.xml><?xml version="1.0" encoding="utf-8"?>
 <p:sld xmlns:a="http://schemas.openxmlformats.org/drawingml/2006/main" xmlns:r="http://schemas.openxmlformats.org/officeDocument/2006/relationships" xmlns:p="http://schemas.openxmlformats.org/presentationml/2006/main">
   <p:cSld>
     <p:spTree>
@@ -22324,7 +22861,7 @@
                 <a:tabLst/>
                 <a:defRPr/>
               </a:pPr>
-              <a:t>7/3/2022</a:t>
+              <a:t>7/10/2022</a:t>
             </a:fld>
             <a:endParaRPr kumimoji="0" lang="en-US" sz="900" b="0" i="0" u="none" strike="noStrike" kern="1200" cap="none" spc="0" normalizeH="0" baseline="0" noProof="0" dirty="0">
               <a:ln>
@@ -22501,7 +23038,7 @@
                 <a:tabLst/>
                 <a:defRPr/>
               </a:pPr>
-              <a:t>27</a:t>
+              <a:t>28</a:t>
             </a:fld>
             <a:endParaRPr kumimoji="0" lang="en-US" sz="900" b="0" i="0" u="none" strike="noStrike" kern="1200" cap="none" spc="0" normalizeH="0" baseline="0" noProof="0" dirty="0">
               <a:ln>
@@ -22524,281 +23061,6 @@
     <p:extLst>
       <p:ext uri="{BB962C8B-B14F-4D97-AF65-F5344CB8AC3E}">
         <p14:creationId xmlns:p14="http://schemas.microsoft.com/office/powerpoint/2010/main" val="2625684359"/>
-      </p:ext>
-    </p:extLst>
-  </p:cSld>
-  <p:clrMapOvr>
-    <a:masterClrMapping/>
-  </p:clrMapOvr>
-</p:sld>
-</file>
-
-<file path=ppt/slides/slide28.xml><?xml version="1.0" encoding="utf-8"?>
-<p:sld xmlns:a="http://schemas.openxmlformats.org/drawingml/2006/main" xmlns:r="http://schemas.openxmlformats.org/officeDocument/2006/relationships" xmlns:p="http://schemas.openxmlformats.org/presentationml/2006/main">
-  <p:cSld>
-    <p:spTree>
-      <p:nvGrpSpPr>
-        <p:cNvPr id="1" name=""/>
-        <p:cNvGrpSpPr/>
-        <p:nvPr/>
-      </p:nvGrpSpPr>
-      <p:grpSpPr>
-        <a:xfrm>
-          <a:off x="0" y="0"/>
-          <a:ext cx="0" cy="0"/>
-          <a:chOff x="0" y="0"/>
-          <a:chExt cx="0" cy="0"/>
-        </a:xfrm>
-      </p:grpSpPr>
-      <p:sp>
-        <p:nvSpPr>
-          <p:cNvPr id="2" name="Title 1">
-            <a:extLst>
-              <a:ext uri="{FF2B5EF4-FFF2-40B4-BE49-F238E27FC236}">
-                <a16:creationId xmlns:a16="http://schemas.microsoft.com/office/drawing/2014/main" id="{E83B82BD-CFC1-4C0B-91E0-7BB837436557}"/>
-              </a:ext>
-            </a:extLst>
-          </p:cNvPr>
-          <p:cNvSpPr>
-            <a:spLocks noGrp="1"/>
-          </p:cNvSpPr>
-          <p:nvPr>
-            <p:ph type="title"/>
-          </p:nvPr>
-        </p:nvSpPr>
-        <p:spPr/>
-        <p:txBody>
-          <a:bodyPr/>
-          <a:lstStyle/>
-          <a:p>
-            <a:pPr algn="ctr"/>
-            <a:r>
-              <a:rPr lang="en-US" dirty="0"/>
-              <a:t>Python </a:t>
-            </a:r>
-            <a:r>
-              <a:rPr lang="en-US" dirty="0">
-                <a:sym typeface="Wingdings" panose="05000000000000000000" pitchFamily="2" charset="2"/>
-              </a:rPr>
-              <a:t></a:t>
-            </a:r>
-            <a:r>
-              <a:rPr lang="en-US" dirty="0"/>
-              <a:t> English</a:t>
-            </a:r>
-            <a:br>
-              <a:rPr lang="en-US" dirty="0"/>
-            </a:br>
-            <a:r>
-              <a:rPr lang="en-US" b="1" dirty="0"/>
-              <a:t>Different </a:t>
-            </a:r>
-            <a:r>
-              <a:rPr lang="en-US" dirty="0"/>
-              <a:t>/ </a:t>
-            </a:r>
-            <a:r>
-              <a:rPr lang="en-US" b="1" dirty="0"/>
-              <a:t>New</a:t>
-            </a:r>
-            <a:r>
-              <a:rPr lang="en-US" dirty="0"/>
-              <a:t> to </a:t>
-            </a:r>
-            <a:r>
-              <a:rPr lang="en-US" b="1" dirty="0"/>
-              <a:t>Python</a:t>
-            </a:r>
-            <a:endParaRPr lang="en-US" sz="2400" dirty="0"/>
-          </a:p>
-        </p:txBody>
-      </p:sp>
-      <p:sp>
-        <p:nvSpPr>
-          <p:cNvPr id="3" name="Content Placeholder 2">
-            <a:extLst>
-              <a:ext uri="{FF2B5EF4-FFF2-40B4-BE49-F238E27FC236}">
-                <a16:creationId xmlns:a16="http://schemas.microsoft.com/office/drawing/2014/main" id="{DEFCFCC9-485A-41BE-AE58-1A1FDF221B1D}"/>
-              </a:ext>
-            </a:extLst>
-          </p:cNvPr>
-          <p:cNvSpPr>
-            <a:spLocks noGrp="1"/>
-          </p:cNvSpPr>
-          <p:nvPr>
-            <p:ph idx="1"/>
-          </p:nvPr>
-        </p:nvSpPr>
-        <p:spPr/>
-        <p:txBody>
-          <a:bodyPr>
-            <a:normAutofit/>
-          </a:bodyPr>
-          <a:lstStyle/>
-          <a:p>
-            <a:pPr marL="457200" lvl="1" indent="0">
-              <a:buNone/>
-            </a:pPr>
-            <a:r>
-              <a:rPr lang="en-US" sz="3400" dirty="0"/>
-              <a:t>indention:</a:t>
-            </a:r>
-          </a:p>
-          <a:p>
-            <a:pPr marL="1314450" lvl="3" indent="0">
-              <a:buNone/>
-            </a:pPr>
-            <a:r>
-              <a:rPr lang="en-US" sz="3000" dirty="0"/>
-              <a:t>Things indented</a:t>
-            </a:r>
-          </a:p>
-          <a:p>
-            <a:pPr marL="1314450" lvl="3" indent="0">
-              <a:buNone/>
-            </a:pPr>
-            <a:r>
-              <a:rPr lang="en-US" sz="3000" dirty="0"/>
-              <a:t>to the </a:t>
-            </a:r>
-            <a:r>
-              <a:rPr lang="en-US" sz="3000" dirty="0">
-                <a:solidFill>
-                  <a:schemeClr val="accent2"/>
-                </a:solidFill>
-              </a:rPr>
-              <a:t>same</a:t>
-            </a:r>
-            <a:r>
-              <a:rPr lang="en-US" sz="3000" dirty="0"/>
-              <a:t> level</a:t>
-            </a:r>
-          </a:p>
-          <a:p>
-            <a:pPr marL="1314450" lvl="3" indent="0">
-              <a:buNone/>
-            </a:pPr>
-            <a:r>
-              <a:rPr lang="en-US" sz="3000" dirty="0"/>
-              <a:t>are executed </a:t>
-            </a:r>
-            <a:r>
-              <a:rPr lang="en-US" sz="3000" dirty="0">
-                <a:solidFill>
-                  <a:schemeClr val="accent2"/>
-                </a:solidFill>
-              </a:rPr>
-              <a:t>together</a:t>
-            </a:r>
-          </a:p>
-        </p:txBody>
-      </p:sp>
-      <p:sp>
-        <p:nvSpPr>
-          <p:cNvPr id="4" name="Date Placeholder 3">
-            <a:extLst>
-              <a:ext uri="{FF2B5EF4-FFF2-40B4-BE49-F238E27FC236}">
-                <a16:creationId xmlns:a16="http://schemas.microsoft.com/office/drawing/2014/main" id="{6ECA05AC-D797-47E4-AB77-1DEF7CAB0B37}"/>
-              </a:ext>
-            </a:extLst>
-          </p:cNvPr>
-          <p:cNvSpPr>
-            <a:spLocks noGrp="1"/>
-          </p:cNvSpPr>
-          <p:nvPr>
-            <p:ph type="dt" sz="half" idx="10"/>
-          </p:nvPr>
-        </p:nvSpPr>
-        <p:spPr>
-          <a:xfrm>
-            <a:off x="7205133" y="6041362"/>
-            <a:ext cx="911939" cy="365125"/>
-          </a:xfrm>
-        </p:spPr>
-        <p:txBody>
-          <a:bodyPr/>
-          <a:lstStyle/>
-          <a:p>
-            <a:fld id="{A7119916-CD40-456D-ABE3-55F8822671F7}" type="datetime1">
-              <a:rPr lang="en-US" smtClean="0"/>
-              <a:t>7/3/2022</a:t>
-            </a:fld>
-            <a:endParaRPr lang="en-US" dirty="0"/>
-          </a:p>
-        </p:txBody>
-      </p:sp>
-      <p:sp>
-        <p:nvSpPr>
-          <p:cNvPr id="5" name="Footer Placeholder 4">
-            <a:extLst>
-              <a:ext uri="{FF2B5EF4-FFF2-40B4-BE49-F238E27FC236}">
-                <a16:creationId xmlns:a16="http://schemas.microsoft.com/office/drawing/2014/main" id="{719D31A8-D18D-4EF5-8CEE-E101A4835F30}"/>
-              </a:ext>
-            </a:extLst>
-          </p:cNvPr>
-          <p:cNvSpPr>
-            <a:spLocks noGrp="1"/>
-          </p:cNvSpPr>
-          <p:nvPr>
-            <p:ph type="ftr" sz="quarter" idx="11"/>
-          </p:nvPr>
-        </p:nvSpPr>
-        <p:spPr>
-          <a:xfrm>
-            <a:off x="677334" y="6041362"/>
-            <a:ext cx="6297612" cy="365125"/>
-          </a:xfrm>
-        </p:spPr>
-        <p:txBody>
-          <a:bodyPr/>
-          <a:lstStyle/>
-          <a:p>
-            <a:r>
-              <a:rPr lang="en-US"/>
-              <a:t>raysmith@alum.mit.edu</a:t>
-            </a:r>
-            <a:endParaRPr lang="en-US" dirty="0"/>
-          </a:p>
-        </p:txBody>
-      </p:sp>
-      <p:sp>
-        <p:nvSpPr>
-          <p:cNvPr id="6" name="Slide Number Placeholder 5">
-            <a:extLst>
-              <a:ext uri="{FF2B5EF4-FFF2-40B4-BE49-F238E27FC236}">
-                <a16:creationId xmlns:a16="http://schemas.microsoft.com/office/drawing/2014/main" id="{C2E3EA07-576C-4EAA-ABC5-90111EA4E539}"/>
-              </a:ext>
-            </a:extLst>
-          </p:cNvPr>
-          <p:cNvSpPr>
-            <a:spLocks noGrp="1"/>
-          </p:cNvSpPr>
-          <p:nvPr>
-            <p:ph type="sldNum" sz="quarter" idx="12"/>
-          </p:nvPr>
-        </p:nvSpPr>
-        <p:spPr>
-          <a:xfrm>
-            <a:off x="8590663" y="6041362"/>
-            <a:ext cx="683339" cy="365125"/>
-          </a:xfrm>
-        </p:spPr>
-        <p:txBody>
-          <a:bodyPr/>
-          <a:lstStyle/>
-          <a:p>
-            <a:fld id="{6D22F896-40B5-4ADD-8801-0D06FADFA095}" type="slidenum">
-              <a:rPr lang="en-US" smtClean="0"/>
-              <a:t>28</a:t>
-            </a:fld>
-            <a:endParaRPr lang="en-US" dirty="0"/>
-          </a:p>
-        </p:txBody>
-      </p:sp>
-    </p:spTree>
-    <p:extLst>
-      <p:ext uri="{BB962C8B-B14F-4D97-AF65-F5344CB8AC3E}">
-        <p14:creationId xmlns:p14="http://schemas.microsoft.com/office/powerpoint/2010/main" val="3857817437"/>
       </p:ext>
     </p:extLst>
   </p:cSld>
@@ -22878,13 +23140,13 @@
             </a:r>
             <a:r>
               <a:rPr lang="en-US" dirty="0"/>
-              <a:t> in </a:t>
+              <a:t> to </a:t>
             </a:r>
             <a:r>
               <a:rPr lang="en-US" b="1" dirty="0"/>
               <a:t>Python</a:t>
             </a:r>
-            <a:endParaRPr lang="en-US" sz="2400" b="1" dirty="0"/>
+            <a:endParaRPr lang="en-US" sz="2400" dirty="0"/>
           </a:p>
         </p:txBody>
       </p:sp>
@@ -22907,64 +23169,63 @@
         <p:spPr/>
         <p:txBody>
           <a:bodyPr>
-            <a:normAutofit fontScale="92500" lnSpcReduction="20000"/>
+            <a:normAutofit/>
           </a:bodyPr>
           <a:lstStyle/>
           <a:p>
-            <a:r>
-              <a:rPr lang="en-US" sz="3600" dirty="0"/>
-              <a:t>variables:</a:t>
-            </a:r>
-          </a:p>
-          <a:p>
-            <a:pPr lvl="1"/>
-            <a:r>
-              <a:rPr lang="en-US" sz="3400" dirty="0"/>
-              <a:t>named place in which you can store stuff, e.g. number, string</a:t>
-            </a:r>
-          </a:p>
-          <a:p>
-            <a:pPr lvl="1"/>
-            <a:r>
-              <a:rPr lang="en-US" sz="3400" dirty="0"/>
-              <a:t>names start with a-z_ followed by any number of 0-9,a-z,_ letters</a:t>
-            </a:r>
-          </a:p>
-          <a:p>
-            <a:pPr lvl="1"/>
-            <a:r>
-              <a:rPr lang="en-US" sz="3400" dirty="0"/>
-              <a:t>Initialized by </a:t>
-            </a:r>
-            <a:r>
-              <a:rPr lang="en-US" sz="3400" i="1" dirty="0"/>
-              <a:t>variable_name </a:t>
-            </a:r>
-            <a:r>
-              <a:rPr lang="en-US" sz="3400" dirty="0"/>
-              <a:t>= </a:t>
-            </a:r>
-            <a:r>
-              <a:rPr lang="en-US" sz="3400" i="1" dirty="0"/>
-              <a:t>value</a:t>
-            </a:r>
-          </a:p>
-          <a:p>
-            <a:pPr marL="1371600" lvl="3" indent="0">
+            <a:pPr marL="457200" lvl="1" indent="0">
               <a:buNone/>
             </a:pPr>
             <a:r>
-              <a:rPr lang="en-US" sz="3000" i="1" dirty="0"/>
-              <a:t>min_value = 10</a:t>
-            </a:r>
-          </a:p>
-          <a:p>
-            <a:pPr marL="1371600" lvl="3" indent="0">
+              <a:rPr lang="en-US" sz="3400" dirty="0"/>
+              <a:t>indention:</a:t>
+            </a:r>
+          </a:p>
+          <a:p>
+            <a:pPr marL="1314450" lvl="3" indent="0">
               <a:buNone/>
             </a:pPr>
             <a:r>
-              <a:rPr lang="en-US" sz="3000" i="1" dirty="0"/>
-              <a:t>max_value = min_value + 15</a:t>
+              <a:rPr lang="en-US" sz="3000" dirty="0"/>
+              <a:t>Things indented</a:t>
+            </a:r>
+          </a:p>
+          <a:p>
+            <a:pPr marL="1314450" lvl="3" indent="0">
+              <a:buNone/>
+            </a:pPr>
+            <a:r>
+              <a:rPr lang="en-US" sz="3000" dirty="0"/>
+              <a:t>to the </a:t>
+            </a:r>
+            <a:r>
+              <a:rPr lang="en-US" sz="3000" dirty="0">
+                <a:solidFill>
+                  <a:schemeClr val="accent2"/>
+                </a:solidFill>
+              </a:rPr>
+              <a:t>same</a:t>
+            </a:r>
+            <a:r>
+              <a:rPr lang="en-US" sz="3000" dirty="0"/>
+              <a:t> level</a:t>
+            </a:r>
+          </a:p>
+          <a:p>
+            <a:pPr marL="1314450" lvl="3" indent="0">
+              <a:buNone/>
+            </a:pPr>
+            <a:r>
+              <a:rPr lang="en-US" sz="3000" dirty="0"/>
+              <a:t>are executed </a:t>
+            </a:r>
+            <a:r>
+              <a:rPr lang="en-US" sz="3000" dirty="0">
+                <a:solidFill>
+                  <a:schemeClr val="accent2"/>
+                </a:solidFill>
+              </a:rPr>
+              <a:t>together</a:t>
             </a:r>
           </a:p>
         </p:txBody>
@@ -22997,7 +23258,7 @@
           <a:p>
             <a:fld id="{A7119916-CD40-456D-ABE3-55F8822671F7}" type="datetime1">
               <a:rPr lang="en-US" smtClean="0"/>
-              <a:t>7/3/2022</a:t>
+              <a:t>7/10/2022</a:t>
             </a:fld>
             <a:endParaRPr lang="en-US" dirty="0"/>
           </a:p>
@@ -23074,7 +23335,7 @@
     </p:spTree>
     <p:extLst>
       <p:ext uri="{BB962C8B-B14F-4D97-AF65-F5344CB8AC3E}">
-        <p14:creationId xmlns:p14="http://schemas.microsoft.com/office/powerpoint/2010/main" val="11027790"/>
+        <p14:creationId xmlns:p14="http://schemas.microsoft.com/office/powerpoint/2010/main" val="3857817437"/>
       </p:ext>
     </p:extLst>
   </p:cSld>
@@ -23206,7 +23467,7 @@
           <a:p>
             <a:fld id="{B428F5A7-20F3-4981-866F-DD0AA3B623E8}" type="datetime1">
               <a:rPr lang="en-US" smtClean="0"/>
-              <a:t>7/3/2022</a:t>
+              <a:t>7/10/2022</a:t>
             </a:fld>
             <a:endParaRPr lang="en-US" dirty="0"/>
           </a:p>
@@ -23348,11 +23609,11 @@
               <a:rPr lang="en-US" dirty="0">
                 <a:sym typeface="Wingdings" panose="05000000000000000000" pitchFamily="2" charset="2"/>
               </a:rPr>
-              <a:t> </a:t>
+              <a:t></a:t>
             </a:r>
             <a:r>
               <a:rPr lang="en-US" dirty="0"/>
-              <a:t>English</a:t>
+              <a:t> English</a:t>
             </a:r>
             <a:br>
               <a:rPr lang="en-US" dirty="0"/>
@@ -23400,62 +23661,64 @@
         <p:spPr/>
         <p:txBody>
           <a:bodyPr>
-            <a:normAutofit/>
+            <a:normAutofit fontScale="92500" lnSpcReduction="20000"/>
           </a:bodyPr>
           <a:lstStyle/>
           <a:p>
             <a:r>
               <a:rPr lang="en-US" sz="3600" dirty="0"/>
-              <a:t>lists:</a:t>
+              <a:t>variables:</a:t>
             </a:r>
           </a:p>
           <a:p>
             <a:pPr lvl="1"/>
             <a:r>
               <a:rPr lang="en-US" sz="3400" dirty="0"/>
-              <a:t>A group of things, numbers, strings, other lists</a:t>
+              <a:t>named place in which you can store stuff, e.g. number, string</a:t>
             </a:r>
           </a:p>
           <a:p>
             <a:pPr lvl="1"/>
             <a:r>
               <a:rPr lang="en-US" sz="3400" dirty="0"/>
-              <a:t>Created by: </a:t>
-            </a:r>
-            <a:r>
-              <a:rPr lang="en-US" sz="3400" b="1" dirty="0"/>
-              <a:t>[</a:t>
-            </a:r>
+              <a:t>names start with a-z_ followed by any number of 0-9,a-z,_ letters</a:t>
+            </a:r>
+          </a:p>
+          <a:p>
+            <a:pPr lvl="1"/>
             <a:r>
               <a:rPr lang="en-US" sz="3400" dirty="0"/>
-              <a:t> </a:t>
+              <a:t>Initialized by </a:t>
             </a:r>
             <a:r>
               <a:rPr lang="en-US" sz="3400" i="1" dirty="0"/>
-              <a:t>comma separated list </a:t>
-            </a:r>
-            <a:r>
-              <a:rPr lang="en-US" sz="3400" b="1" dirty="0"/>
-              <a:t>]</a:t>
-            </a:r>
-          </a:p>
-          <a:p>
-            <a:pPr lvl="2"/>
-            <a:r>
-              <a:rPr lang="en-US" sz="3200" dirty="0"/>
-              <a:t>Example: colors = </a:t>
-            </a:r>
-            <a:r>
-              <a:rPr lang="en-US" sz="3200" b="1" dirty="0"/>
-              <a:t>[</a:t>
-            </a:r>
-            <a:r>
-              <a:rPr lang="en-US" sz="3200" dirty="0"/>
-              <a:t>"red", "orange", "yellow" </a:t>
-            </a:r>
-            <a:r>
-              <a:rPr lang="en-US" sz="3200" b="1" dirty="0"/>
-              <a:t>]</a:t>
+              <a:t>variable_name </a:t>
+            </a:r>
+            <a:r>
+              <a:rPr lang="en-US" sz="3400" dirty="0"/>
+              <a:t>= </a:t>
+            </a:r>
+            <a:r>
+              <a:rPr lang="en-US" sz="3400" i="1" dirty="0"/>
+              <a:t>value</a:t>
+            </a:r>
+          </a:p>
+          <a:p>
+            <a:pPr marL="1371600" lvl="3" indent="0">
+              <a:buNone/>
+            </a:pPr>
+            <a:r>
+              <a:rPr lang="en-US" sz="3000" i="1" dirty="0"/>
+              <a:t>min_value = 10</a:t>
+            </a:r>
+          </a:p>
+          <a:p>
+            <a:pPr marL="1371600" lvl="3" indent="0">
+              <a:buNone/>
+            </a:pPr>
+            <a:r>
+              <a:rPr lang="en-US" sz="3000" i="1" dirty="0"/>
+              <a:t>max_value = min_value + 15</a:t>
             </a:r>
           </a:p>
         </p:txBody>
@@ -23488,7 +23751,7 @@
           <a:p>
             <a:fld id="{A7119916-CD40-456D-ABE3-55F8822671F7}" type="datetime1">
               <a:rPr lang="en-US" smtClean="0"/>
-              <a:t>7/3/2022</a:t>
+              <a:t>7/10/2022</a:t>
             </a:fld>
             <a:endParaRPr lang="en-US" dirty="0"/>
           </a:p>
@@ -23565,7 +23828,7 @@
     </p:spTree>
     <p:extLst>
       <p:ext uri="{BB962C8B-B14F-4D97-AF65-F5344CB8AC3E}">
-        <p14:creationId xmlns:p14="http://schemas.microsoft.com/office/powerpoint/2010/main" val="629467400"/>
+        <p14:creationId xmlns:p14="http://schemas.microsoft.com/office/powerpoint/2010/main" val="11027790"/>
       </p:ext>
     </p:extLst>
   </p:cSld>
@@ -23597,7 +23860,7 @@
           <p:cNvPr id="2" name="Title 1">
             <a:extLst>
               <a:ext uri="{FF2B5EF4-FFF2-40B4-BE49-F238E27FC236}">
-                <a16:creationId xmlns:a16="http://schemas.microsoft.com/office/drawing/2014/main" id="{CE62F95E-DF5D-4B66-8E37-A74A997B2E27}"/>
+                <a16:creationId xmlns:a16="http://schemas.microsoft.com/office/drawing/2014/main" id="{E83B82BD-CFC1-4C0B-91E0-7BB837436557}"/>
               </a:ext>
             </a:extLst>
           </p:cNvPr>
@@ -23616,15 +23879,42 @@
             <a:pPr algn="ctr"/>
             <a:r>
               <a:rPr lang="en-US" dirty="0"/>
-              <a:t>Some samples of basics</a:t>
+              <a:t>Python </a:t>
+            </a:r>
+            <a:r>
+              <a:rPr lang="en-US" dirty="0">
+                <a:sym typeface="Wingdings" panose="05000000000000000000" pitchFamily="2" charset="2"/>
+              </a:rPr>
+              <a:t> </a:t>
+            </a:r>
+            <a:r>
+              <a:rPr lang="en-US" dirty="0"/>
+              <a:t>English</a:t>
             </a:r>
             <a:br>
               <a:rPr lang="en-US" dirty="0"/>
             </a:br>
             <a:r>
+              <a:rPr lang="en-US" b="1" dirty="0"/>
+              <a:t>Different </a:t>
+            </a:r>
+            <a:r>
               <a:rPr lang="en-US" dirty="0"/>
-              <a:t>see …Intro…/exercises/*</a:t>
-            </a:r>
+              <a:t>/ </a:t>
+            </a:r>
+            <a:r>
+              <a:rPr lang="en-US" b="1" dirty="0"/>
+              <a:t>New</a:t>
+            </a:r>
+            <a:r>
+              <a:rPr lang="en-US" dirty="0"/>
+              <a:t> in </a:t>
+            </a:r>
+            <a:r>
+              <a:rPr lang="en-US" b="1" dirty="0"/>
+              <a:t>Python</a:t>
+            </a:r>
+            <a:endParaRPr lang="en-US" sz="2400" b="1" dirty="0"/>
           </a:p>
         </p:txBody>
       </p:sp>
@@ -23633,7 +23923,7 @@
           <p:cNvPr id="3" name="Content Placeholder 2">
             <a:extLst>
               <a:ext uri="{FF2B5EF4-FFF2-40B4-BE49-F238E27FC236}">
-                <a16:creationId xmlns:a16="http://schemas.microsoft.com/office/drawing/2014/main" id="{28482D6D-EBD4-4465-B59E-6AF4E6776D97}"/>
+                <a16:creationId xmlns:a16="http://schemas.microsoft.com/office/drawing/2014/main" id="{DEFCFCC9-485A-41BE-AE58-1A1FDF221B1D}"/>
               </a:ext>
             </a:extLst>
           </p:cNvPr>
@@ -23646,113 +23936,64 @@
         </p:nvSpPr>
         <p:spPr/>
         <p:txBody>
-          <a:bodyPr/>
-          <a:lstStyle/>
-          <a:p>
-            <a:pPr marL="0" indent="0">
-              <a:buNone/>
-            </a:pPr>
+          <a:bodyPr>
+            <a:normAutofit/>
+          </a:bodyPr>
+          <a:lstStyle/>
+          <a:p>
+            <a:r>
+              <a:rPr lang="en-US" sz="3600" dirty="0"/>
+              <a:t>lists:</a:t>
+            </a:r>
+          </a:p>
+          <a:p>
+            <a:pPr lvl="1"/>
+            <a:r>
+              <a:rPr lang="en-US" sz="3400" dirty="0"/>
+              <a:t>A group of things, numbers, strings, other lists</a:t>
+            </a:r>
+          </a:p>
+          <a:p>
+            <a:pPr lvl="1"/>
+            <a:r>
+              <a:rPr lang="en-US" sz="3400" dirty="0"/>
+              <a:t>Created by: </a:t>
+            </a:r>
+            <a:r>
+              <a:rPr lang="en-US" sz="3400" b="1" dirty="0"/>
+              <a:t>[</a:t>
+            </a:r>
+            <a:r>
+              <a:rPr lang="en-US" sz="3400" dirty="0"/>
+              <a:t> </a:t>
+            </a:r>
+            <a:r>
+              <a:rPr lang="en-US" sz="3400" i="1" dirty="0"/>
+              <a:t>comma separated list </a:t>
+            </a:r>
+            <a:r>
+              <a:rPr lang="en-US" sz="3400" b="1" dirty="0"/>
+              <a:t>]</a:t>
+            </a:r>
+          </a:p>
+          <a:p>
+            <a:pPr lvl="2"/>
             <a:r>
               <a:rPr lang="en-US" sz="3200" dirty="0"/>
-              <a:t>exercises/</a:t>
-            </a:r>
-            <a:r>
-              <a:rPr lang="en-US" sz="3200" dirty="0" err="1"/>
-              <a:t>if_statement</a:t>
+              <a:t>Example: colors = </a:t>
+            </a:r>
+            <a:r>
+              <a:rPr lang="en-US" sz="3200" b="1" dirty="0"/>
+              <a:t>[</a:t>
             </a:r>
             <a:r>
               <a:rPr lang="en-US" sz="3200" dirty="0"/>
-              <a:t>/*</a:t>
-            </a:r>
-          </a:p>
-          <a:p>
-            <a:pPr lvl="1"/>
-            <a:r>
-              <a:rPr lang="en-US" sz="3600" dirty="0">
-                <a:solidFill>
-                  <a:schemeClr val="accent3"/>
-                </a:solidFill>
-              </a:rPr>
-              <a:t>if</a:t>
-            </a:r>
-            <a:r>
-              <a:rPr lang="en-US" sz="3600" dirty="0"/>
-              <a:t> - if.py</a:t>
-            </a:r>
-          </a:p>
-          <a:p>
-            <a:pPr lvl="1"/>
-            <a:r>
-              <a:rPr lang="en-US" sz="3600" dirty="0">
-                <a:solidFill>
-                  <a:schemeClr val="accent3"/>
-                </a:solidFill>
-              </a:rPr>
-              <a:t>else </a:t>
-            </a:r>
-            <a:r>
-              <a:rPr lang="en-US" sz="3600" dirty="0">
-                <a:solidFill>
-                  <a:schemeClr val="tx1"/>
-                </a:solidFill>
-              </a:rPr>
-              <a:t>-</a:t>
-            </a:r>
-            <a:r>
-              <a:rPr lang="en-US" sz="3600" dirty="0">
-                <a:solidFill>
-                  <a:schemeClr val="accent3"/>
-                </a:solidFill>
-              </a:rPr>
-              <a:t> </a:t>
-            </a:r>
-            <a:r>
-              <a:rPr lang="en-US" sz="3600" dirty="0"/>
-              <a:t>if_else.py</a:t>
-            </a:r>
-          </a:p>
-          <a:p>
-            <a:pPr lvl="1"/>
-            <a:r>
-              <a:rPr lang="en-US" sz="3600" dirty="0">
-                <a:solidFill>
-                  <a:schemeClr val="accent3"/>
-                </a:solidFill>
-              </a:rPr>
-              <a:t>elif </a:t>
-            </a:r>
-            <a:r>
-              <a:rPr lang="en-US" sz="3600" dirty="0">
-                <a:solidFill>
-                  <a:schemeClr val="tx1"/>
-                </a:solidFill>
-              </a:rPr>
-              <a:t>-</a:t>
-            </a:r>
-            <a:r>
-              <a:rPr lang="en-US" sz="3600" dirty="0">
-                <a:solidFill>
-                  <a:schemeClr val="accent3"/>
-                </a:solidFill>
-              </a:rPr>
-              <a:t> </a:t>
-            </a:r>
-            <a:r>
-              <a:rPr lang="en-US" sz="3600" dirty="0">
-                <a:solidFill>
-                  <a:schemeClr val="tx1"/>
-                </a:solidFill>
-              </a:rPr>
-              <a:t>if_elif_else.py</a:t>
-            </a:r>
-          </a:p>
-          <a:p>
-            <a:pPr lvl="1"/>
-            <a:endParaRPr lang="en-US" sz="2200" dirty="0">
-              <a:solidFill>
-                <a:schemeClr val="accent3"/>
-              </a:solidFill>
-            </a:endParaRPr>
+              <a:t>"red", "orange", "yellow" </a:t>
+            </a:r>
+            <a:r>
+              <a:rPr lang="en-US" sz="3200" b="1" dirty="0"/>
+              <a:t>]</a:t>
+            </a:r>
           </a:p>
         </p:txBody>
       </p:sp>
@@ -23761,7 +24002,7 @@
           <p:cNvPr id="4" name="Date Placeholder 3">
             <a:extLst>
               <a:ext uri="{FF2B5EF4-FFF2-40B4-BE49-F238E27FC236}">
-                <a16:creationId xmlns:a16="http://schemas.microsoft.com/office/drawing/2014/main" id="{623C79A4-F1D6-4C6A-98C9-45D8E1492258}"/>
+                <a16:creationId xmlns:a16="http://schemas.microsoft.com/office/drawing/2014/main" id="{6ECA05AC-D797-47E4-AB77-1DEF7CAB0B37}"/>
               </a:ext>
             </a:extLst>
           </p:cNvPr>
@@ -23784,7 +24025,7 @@
           <a:p>
             <a:fld id="{A7119916-CD40-456D-ABE3-55F8822671F7}" type="datetime1">
               <a:rPr lang="en-US" smtClean="0"/>
-              <a:t>7/3/2022</a:t>
+              <a:t>7/10/2022</a:t>
             </a:fld>
             <a:endParaRPr lang="en-US" dirty="0"/>
           </a:p>
@@ -23795,7 +24036,7 @@
           <p:cNvPr id="5" name="Footer Placeholder 4">
             <a:extLst>
               <a:ext uri="{FF2B5EF4-FFF2-40B4-BE49-F238E27FC236}">
-                <a16:creationId xmlns:a16="http://schemas.microsoft.com/office/drawing/2014/main" id="{DF8D9218-A60F-4693-A3BB-3771B1982CDD}"/>
+                <a16:creationId xmlns:a16="http://schemas.microsoft.com/office/drawing/2014/main" id="{719D31A8-D18D-4EF5-8CEE-E101A4835F30}"/>
               </a:ext>
             </a:extLst>
           </p:cNvPr>
@@ -23829,7 +24070,7 @@
           <p:cNvPr id="6" name="Slide Number Placeholder 5">
             <a:extLst>
               <a:ext uri="{FF2B5EF4-FFF2-40B4-BE49-F238E27FC236}">
-                <a16:creationId xmlns:a16="http://schemas.microsoft.com/office/drawing/2014/main" id="{96AF4E56-738A-463E-A300-3A2FD0AF9E86}"/>
+                <a16:creationId xmlns:a16="http://schemas.microsoft.com/office/drawing/2014/main" id="{C2E3EA07-576C-4EAA-ABC5-90111EA4E539}"/>
               </a:ext>
             </a:extLst>
           </p:cNvPr>
@@ -23861,7 +24102,7 @@
     </p:spTree>
     <p:extLst>
       <p:ext uri="{BB962C8B-B14F-4D97-AF65-F5344CB8AC3E}">
-        <p14:creationId xmlns:p14="http://schemas.microsoft.com/office/powerpoint/2010/main" val="3730514697"/>
+        <p14:creationId xmlns:p14="http://schemas.microsoft.com/office/powerpoint/2010/main" val="629467400"/>
       </p:ext>
     </p:extLst>
   </p:cSld>
@@ -23912,7 +24153,7 @@
             <a:pPr algn="ctr"/>
             <a:r>
               <a:rPr lang="en-US" dirty="0"/>
-              <a:t>Some examples of basics</a:t>
+              <a:t>Some samples of basics</a:t>
             </a:r>
             <a:br>
               <a:rPr lang="en-US" dirty="0"/>
@@ -23945,82 +24186,110 @@
           <a:bodyPr/>
           <a:lstStyle/>
           <a:p>
-            <a:r>
-              <a:rPr lang="en-US" sz="2400" dirty="0">
+            <a:pPr marL="0" indent="0">
+              <a:buNone/>
+            </a:pPr>
+            <a:r>
+              <a:rPr lang="en-US" sz="3200" dirty="0"/>
+              <a:t>exercises/</a:t>
+            </a:r>
+            <a:r>
+              <a:rPr lang="en-US" sz="3200" dirty="0" err="1"/>
+              <a:t>if_statement</a:t>
+            </a:r>
+            <a:r>
+              <a:rPr lang="en-US" sz="3200" dirty="0"/>
+              <a:t>/*</a:t>
+            </a:r>
+          </a:p>
+          <a:p>
+            <a:pPr lvl="1"/>
+            <a:r>
+              <a:rPr lang="en-US" sz="3600" dirty="0">
                 <a:solidFill>
                   <a:schemeClr val="accent3"/>
                 </a:solidFill>
               </a:rPr>
-              <a:t>while</a:t>
-            </a:r>
-            <a:r>
-              <a:rPr lang="en-US" sz="2400" dirty="0"/>
-              <a:t> – exercises/</a:t>
-            </a:r>
-            <a:r>
-              <a:rPr lang="en-US" sz="2400" dirty="0" err="1"/>
-              <a:t>while_statement</a:t>
-            </a:r>
-            <a:r>
-              <a:rPr lang="en-US" sz="2400" dirty="0"/>
-              <a:t>/</a:t>
+              <a:t>if</a:t>
+            </a:r>
+            <a:r>
+              <a:rPr lang="en-US" sz="3600" dirty="0"/>
+              <a:t> - if.py</a:t>
             </a:r>
           </a:p>
           <a:p>
             <a:pPr lvl="1"/>
             <a:r>
-              <a:rPr lang="en-US" sz="2200" dirty="0"/>
-              <a:t>while_1.py, while_nested_simple.py, while_nested.py</a:t>
-            </a:r>
-          </a:p>
-          <a:p>
-            <a:r>
-              <a:rPr lang="en-US" sz="2400" dirty="0">
+              <a:rPr lang="en-US" sz="3600" dirty="0">
                 <a:solidFill>
                   <a:schemeClr val="accent3"/>
                 </a:solidFill>
               </a:rPr>
-              <a:t>for</a:t>
-            </a:r>
-            <a:r>
-              <a:rPr lang="en-US" sz="2400" dirty="0"/>
-              <a:t> – exercises/</a:t>
-            </a:r>
-            <a:r>
-              <a:rPr lang="en-US" sz="2400" dirty="0" err="1"/>
-              <a:t>for_statement</a:t>
-            </a:r>
-            <a:r>
-              <a:rPr lang="en-US" sz="2400" dirty="0"/>
-              <a:t>/</a:t>
+              <a:t>else </a:t>
+            </a:r>
+            <a:r>
+              <a:rPr lang="en-US" sz="3600" dirty="0">
+                <a:solidFill>
+                  <a:schemeClr val="tx1"/>
+                </a:solidFill>
+              </a:rPr>
+              <a:t>-</a:t>
+            </a:r>
+            <a:r>
+              <a:rPr lang="en-US" sz="3600" dirty="0">
+                <a:solidFill>
+                  <a:schemeClr val="accent3"/>
+                </a:solidFill>
+              </a:rPr>
+              <a:t> </a:t>
+            </a:r>
+            <a:r>
+              <a:rPr lang="en-US" sz="3600" dirty="0"/>
+              <a:t>if_else.py</a:t>
             </a:r>
           </a:p>
           <a:p>
             <a:pPr lvl="1"/>
             <a:r>
-              <a:rPr lang="en-US" sz="2200" dirty="0"/>
-              <a:t>for_1.py, for_2.py, for_3.py</a:t>
+              <a:rPr lang="en-US" sz="3600" dirty="0">
+                <a:solidFill>
+                  <a:schemeClr val="accent3"/>
+                </a:solidFill>
+              </a:rPr>
+              <a:t>elif </a:t>
+            </a:r>
+            <a:r>
+              <a:rPr lang="en-US" sz="3600" dirty="0">
+                <a:solidFill>
+                  <a:schemeClr val="tx1"/>
+                </a:solidFill>
+              </a:rPr>
+              <a:t>-</a:t>
+            </a:r>
+            <a:r>
+              <a:rPr lang="en-US" sz="3600" dirty="0">
+                <a:solidFill>
+                  <a:schemeClr val="accent3"/>
+                </a:solidFill>
+              </a:rPr>
+              <a:t> </a:t>
+            </a:r>
+            <a:r>
+              <a:rPr lang="en-US" sz="3600" dirty="0">
+                <a:solidFill>
+                  <a:schemeClr val="tx1"/>
+                </a:solidFill>
+              </a:rPr>
+              <a:t>if_elif_else.py</a:t>
             </a:r>
           </a:p>
           <a:p>
             <a:pPr lvl="1"/>
-            <a:r>
-              <a:rPr lang="en-US" sz="2200" dirty="0"/>
-              <a:t>for_range_beg_end.py, for_range_beg_end_by.py</a:t>
-            </a:r>
-          </a:p>
-          <a:p>
-            <a:r>
-              <a:rPr lang="en-US" sz="2400" dirty="0"/>
-              <a:t>List – exercises/lists</a:t>
-            </a:r>
-          </a:p>
-          <a:p>
-            <a:pPr lvl="1"/>
-            <a:r>
-              <a:rPr lang="en-US" sz="2200" dirty="0"/>
-              <a:t>colors.py</a:t>
-            </a:r>
+            <a:endParaRPr lang="en-US" sz="2200" dirty="0">
+              <a:solidFill>
+                <a:schemeClr val="accent3"/>
+              </a:solidFill>
+            </a:endParaRPr>
           </a:p>
         </p:txBody>
       </p:sp>
@@ -24052,7 +24321,7 @@
           <a:p>
             <a:fld id="{A7119916-CD40-456D-ABE3-55F8822671F7}" type="datetime1">
               <a:rPr lang="en-US" smtClean="0"/>
-              <a:t>7/3/2022</a:t>
+              <a:t>7/10/2022</a:t>
             </a:fld>
             <a:endParaRPr lang="en-US" dirty="0"/>
           </a:p>
@@ -24129,7 +24398,7 @@
     </p:spTree>
     <p:extLst>
       <p:ext uri="{BB962C8B-B14F-4D97-AF65-F5344CB8AC3E}">
-        <p14:creationId xmlns:p14="http://schemas.microsoft.com/office/powerpoint/2010/main" val="854917421"/>
+        <p14:creationId xmlns:p14="http://schemas.microsoft.com/office/powerpoint/2010/main" val="3730514697"/>
       </p:ext>
     </p:extLst>
   </p:cSld>
@@ -24161,7 +24430,7 @@
           <p:cNvPr id="2" name="Title 1">
             <a:extLst>
               <a:ext uri="{FF2B5EF4-FFF2-40B4-BE49-F238E27FC236}">
-                <a16:creationId xmlns:a16="http://schemas.microsoft.com/office/drawing/2014/main" id="{EB797258-A74C-4229-8E9E-31CCE70A63E9}"/>
+                <a16:creationId xmlns:a16="http://schemas.microsoft.com/office/drawing/2014/main" id="{CE62F95E-DF5D-4B66-8E37-A74A997B2E27}"/>
               </a:ext>
             </a:extLst>
           </p:cNvPr>
@@ -24172,36 +24441,22 @@
             <p:ph type="title"/>
           </p:nvPr>
         </p:nvSpPr>
-        <p:spPr>
-          <a:xfrm>
-            <a:off x="677334" y="609599"/>
-            <a:ext cx="8596668" cy="1550989"/>
-          </a:xfrm>
-        </p:spPr>
-        <p:txBody>
-          <a:bodyPr>
-            <a:normAutofit fontScale="90000"/>
-          </a:bodyPr>
+        <p:spPr/>
+        <p:txBody>
+          <a:bodyPr/>
           <a:lstStyle/>
           <a:p>
             <a:pPr algn="ctr"/>
             <a:r>
               <a:rPr lang="en-US" dirty="0"/>
-              <a:t>Course Project</a:t>
+              <a:t>Some examples of basics</a:t>
             </a:r>
             <a:br>
               <a:rPr lang="en-US" dirty="0"/>
             </a:br>
             <a:r>
               <a:rPr lang="en-US" dirty="0"/>
-              <a:t>A Real Life Program YOU Will Create:</a:t>
-            </a:r>
-            <a:br>
-              <a:rPr lang="en-US" dirty="0"/>
-            </a:br>
-            <a:r>
-              <a:rPr lang="en-US" dirty="0"/>
-              <a:t>Twenty Questions</a:t>
+              <a:t>see …Intro…/exercises/*</a:t>
             </a:r>
           </a:p>
         </p:txBody>
@@ -24211,7 +24466,7 @@
           <p:cNvPr id="3" name="Content Placeholder 2">
             <a:extLst>
               <a:ext uri="{FF2B5EF4-FFF2-40B4-BE49-F238E27FC236}">
-                <a16:creationId xmlns:a16="http://schemas.microsoft.com/office/drawing/2014/main" id="{D1C108FC-6A2B-4B26-ACCA-618AD3B6CE37}"/>
+                <a16:creationId xmlns:a16="http://schemas.microsoft.com/office/drawing/2014/main" id="{28482D6D-EBD4-4465-B59E-6AF4E6776D97}"/>
               </a:ext>
             </a:extLst>
           </p:cNvPr>
@@ -24224,46 +24479,85 @@
         </p:nvSpPr>
         <p:spPr/>
         <p:txBody>
-          <a:bodyPr>
-            <a:normAutofit lnSpcReduction="10000"/>
-          </a:bodyPr>
-          <a:lstStyle/>
-          <a:p>
-            <a:r>
-              <a:rPr lang="en-US" sz="3900" dirty="0"/>
-              <a:t>… I’m thinking of a number …</a:t>
-            </a:r>
-          </a:p>
-          <a:p>
-            <a:pPr lvl="2"/>
-            <a:r>
-              <a:rPr lang="en-US" sz="3900" dirty="0"/>
-              <a:t>Program loops:</a:t>
-            </a:r>
-          </a:p>
-          <a:p>
-            <a:pPr lvl="3"/>
-            <a:r>
-              <a:rPr lang="en-US" sz="3700" dirty="0"/>
-              <a:t>Player guesses</a:t>
-            </a:r>
-          </a:p>
-          <a:p>
-            <a:pPr lvl="3"/>
-            <a:r>
-              <a:rPr lang="en-US" sz="3700" dirty="0"/>
-              <a:t>Program tells if higher/lower/equal</a:t>
-            </a:r>
-          </a:p>
-          <a:p>
-            <a:pPr lvl="2"/>
-            <a:r>
-              <a:rPr lang="en-US" sz="3900" dirty="0"/>
-              <a:t>Program offers to play again</a:t>
-            </a:r>
-          </a:p>
-          <a:p>
-            <a:endParaRPr lang="en-US" dirty="0"/>
+          <a:bodyPr/>
+          <a:lstStyle/>
+          <a:p>
+            <a:r>
+              <a:rPr lang="en-US" sz="2400" dirty="0">
+                <a:solidFill>
+                  <a:schemeClr val="accent3"/>
+                </a:solidFill>
+              </a:rPr>
+              <a:t>while</a:t>
+            </a:r>
+            <a:r>
+              <a:rPr lang="en-US" sz="2400" dirty="0"/>
+              <a:t> – exercises/</a:t>
+            </a:r>
+            <a:r>
+              <a:rPr lang="en-US" sz="2400" dirty="0" err="1"/>
+              <a:t>while_statement</a:t>
+            </a:r>
+            <a:r>
+              <a:rPr lang="en-US" sz="2400" dirty="0"/>
+              <a:t>/</a:t>
+            </a:r>
+          </a:p>
+          <a:p>
+            <a:pPr lvl="1"/>
+            <a:r>
+              <a:rPr lang="en-US" sz="2200" dirty="0"/>
+              <a:t>while_1.py, while_nested_simple.py, while_nested.py</a:t>
+            </a:r>
+          </a:p>
+          <a:p>
+            <a:r>
+              <a:rPr lang="en-US" sz="2400" dirty="0">
+                <a:solidFill>
+                  <a:schemeClr val="accent3"/>
+                </a:solidFill>
+              </a:rPr>
+              <a:t>for</a:t>
+            </a:r>
+            <a:r>
+              <a:rPr lang="en-US" sz="2400" dirty="0"/>
+              <a:t> – exercises/</a:t>
+            </a:r>
+            <a:r>
+              <a:rPr lang="en-US" sz="2400" dirty="0" err="1"/>
+              <a:t>for_statement</a:t>
+            </a:r>
+            <a:r>
+              <a:rPr lang="en-US" sz="2400" dirty="0"/>
+              <a:t>/</a:t>
+            </a:r>
+          </a:p>
+          <a:p>
+            <a:pPr lvl="1"/>
+            <a:r>
+              <a:rPr lang="en-US" sz="2200" dirty="0"/>
+              <a:t>for_1.py, for_2.py, for_3.py</a:t>
+            </a:r>
+          </a:p>
+          <a:p>
+            <a:pPr lvl="1"/>
+            <a:r>
+              <a:rPr lang="en-US" sz="2200" dirty="0"/>
+              <a:t>for_range_beg_end.py, for_range_beg_end_by.py</a:t>
+            </a:r>
+          </a:p>
+          <a:p>
+            <a:r>
+              <a:rPr lang="en-US" sz="2400" dirty="0"/>
+              <a:t>List – exercises/lists</a:t>
+            </a:r>
+          </a:p>
+          <a:p>
+            <a:pPr lvl="1"/>
+            <a:r>
+              <a:rPr lang="en-US" sz="2200" dirty="0"/>
+              <a:t>colors.py</a:t>
+            </a:r>
           </a:p>
         </p:txBody>
       </p:sp>
@@ -24272,7 +24566,7 @@
           <p:cNvPr id="4" name="Date Placeholder 3">
             <a:extLst>
               <a:ext uri="{FF2B5EF4-FFF2-40B4-BE49-F238E27FC236}">
-                <a16:creationId xmlns:a16="http://schemas.microsoft.com/office/drawing/2014/main" id="{343FEE89-95B3-4588-B685-9E4E7B245A20}"/>
+                <a16:creationId xmlns:a16="http://schemas.microsoft.com/office/drawing/2014/main" id="{623C79A4-F1D6-4C6A-98C9-45D8E1492258}"/>
               </a:ext>
             </a:extLst>
           </p:cNvPr>
@@ -24293,10 +24587,44 @@
           <a:bodyPr/>
           <a:lstStyle/>
           <a:p>
-            <a:fld id="{05BC9A31-B982-4DAD-8F8D-6FACB88C79AA}" type="datetime1">
+            <a:fld id="{A7119916-CD40-456D-ABE3-55F8822671F7}" type="datetime1">
               <a:rPr lang="en-US" smtClean="0"/>
-              <a:t>7/3/2022</a:t>
+              <a:t>7/10/2022</a:t>
             </a:fld>
+            <a:endParaRPr lang="en-US" dirty="0"/>
+          </a:p>
+        </p:txBody>
+      </p:sp>
+      <p:sp>
+        <p:nvSpPr>
+          <p:cNvPr id="5" name="Footer Placeholder 4">
+            <a:extLst>
+              <a:ext uri="{FF2B5EF4-FFF2-40B4-BE49-F238E27FC236}">
+                <a16:creationId xmlns:a16="http://schemas.microsoft.com/office/drawing/2014/main" id="{DF8D9218-A60F-4693-A3BB-3771B1982CDD}"/>
+              </a:ext>
+            </a:extLst>
+          </p:cNvPr>
+          <p:cNvSpPr>
+            <a:spLocks noGrp="1"/>
+          </p:cNvSpPr>
+          <p:nvPr>
+            <p:ph type="ftr" sz="quarter" idx="11"/>
+          </p:nvPr>
+        </p:nvSpPr>
+        <p:spPr>
+          <a:xfrm>
+            <a:off x="677334" y="6041362"/>
+            <a:ext cx="6297612" cy="365125"/>
+          </a:xfrm>
+        </p:spPr>
+        <p:txBody>
+          <a:bodyPr/>
+          <a:lstStyle/>
+          <a:p>
+            <a:r>
+              <a:rPr lang="en-US"/>
+              <a:t>raysmith@alum.mit.edu</a:t>
+            </a:r>
             <a:endParaRPr lang="en-US" dirty="0"/>
           </a:p>
         </p:txBody>
@@ -24306,7 +24634,7 @@
           <p:cNvPr id="6" name="Slide Number Placeholder 5">
             <a:extLst>
               <a:ext uri="{FF2B5EF4-FFF2-40B4-BE49-F238E27FC236}">
-                <a16:creationId xmlns:a16="http://schemas.microsoft.com/office/drawing/2014/main" id="{679C28AB-710A-449A-A830-821C7B006AF4}"/>
+                <a16:creationId xmlns:a16="http://schemas.microsoft.com/office/drawing/2014/main" id="{96AF4E56-738A-463E-A300-3A2FD0AF9E86}"/>
               </a:ext>
             </a:extLst>
           </p:cNvPr>
@@ -24335,43 +24663,10 @@
           </a:p>
         </p:txBody>
       </p:sp>
-      <p:sp>
-        <p:nvSpPr>
-          <p:cNvPr id="7" name="Footer Placeholder 6">
-            <a:extLst>
-              <a:ext uri="{FF2B5EF4-FFF2-40B4-BE49-F238E27FC236}">
-                <a16:creationId xmlns:a16="http://schemas.microsoft.com/office/drawing/2014/main" id="{321DF7FF-5256-4D09-9713-2223F08C1DCF}"/>
-              </a:ext>
-            </a:extLst>
-          </p:cNvPr>
-          <p:cNvSpPr>
-            <a:spLocks noGrp="1"/>
-          </p:cNvSpPr>
-          <p:nvPr>
-            <p:ph type="ftr" sz="quarter" idx="11"/>
-          </p:nvPr>
-        </p:nvSpPr>
-        <p:spPr>
-          <a:xfrm>
-            <a:off x="677334" y="6041362"/>
-            <a:ext cx="6297612" cy="365125"/>
-          </a:xfrm>
-        </p:spPr>
-        <p:txBody>
-          <a:bodyPr/>
-          <a:lstStyle/>
-          <a:p>
-            <a:r>
-              <a:rPr lang="en-US" dirty="0"/>
-              <a:t>raysmith@alum.mit.edu</a:t>
-            </a:r>
-          </a:p>
-        </p:txBody>
-      </p:sp>
     </p:spTree>
     <p:extLst>
       <p:ext uri="{BB962C8B-B14F-4D97-AF65-F5344CB8AC3E}">
-        <p14:creationId xmlns:p14="http://schemas.microsoft.com/office/powerpoint/2010/main" val="3194132325"/>
+        <p14:creationId xmlns:p14="http://schemas.microsoft.com/office/powerpoint/2010/main" val="854917421"/>
       </p:ext>
     </p:extLst>
   </p:cSld>
@@ -24403,7 +24698,7 @@
           <p:cNvPr id="2" name="Title 1">
             <a:extLst>
               <a:ext uri="{FF2B5EF4-FFF2-40B4-BE49-F238E27FC236}">
-                <a16:creationId xmlns:a16="http://schemas.microsoft.com/office/drawing/2014/main" id="{D3F3B0D4-DE04-448F-BC0A-83C6A34854E0}"/>
+                <a16:creationId xmlns:a16="http://schemas.microsoft.com/office/drawing/2014/main" id="{EB797258-A74C-4229-8E9E-31CCE70A63E9}"/>
               </a:ext>
             </a:extLst>
           </p:cNvPr>
@@ -24416,8 +24711,8 @@
         </p:nvSpPr>
         <p:spPr>
           <a:xfrm>
-            <a:off x="1141413" y="135467"/>
-            <a:ext cx="9905998" cy="550333"/>
+            <a:off x="677334" y="609599"/>
+            <a:ext cx="8596668" cy="1550989"/>
           </a:xfrm>
         </p:spPr>
         <p:txBody>
@@ -24426,19 +24721,95 @@
           </a:bodyPr>
           <a:lstStyle/>
           <a:p>
+            <a:pPr algn="ctr"/>
             <a:r>
               <a:rPr lang="en-US" dirty="0"/>
-              <a:t>Sample Output</a:t>
-            </a:r>
-          </a:p>
-        </p:txBody>
-      </p:sp>
-      <p:sp>
-        <p:nvSpPr>
-          <p:cNvPr id="3" name="Date Placeholder 2">
+              <a:t>Course Project</a:t>
+            </a:r>
+            <a:br>
+              <a:rPr lang="en-US" dirty="0"/>
+            </a:br>
+            <a:r>
+              <a:rPr lang="en-US" dirty="0"/>
+              <a:t>A Real Life Program YOU Will Create:</a:t>
+            </a:r>
+            <a:br>
+              <a:rPr lang="en-US" dirty="0"/>
+            </a:br>
+            <a:r>
+              <a:rPr lang="en-US" dirty="0"/>
+              <a:t>Twenty Questions</a:t>
+            </a:r>
+          </a:p>
+        </p:txBody>
+      </p:sp>
+      <p:sp>
+        <p:nvSpPr>
+          <p:cNvPr id="3" name="Content Placeholder 2">
             <a:extLst>
               <a:ext uri="{FF2B5EF4-FFF2-40B4-BE49-F238E27FC236}">
-                <a16:creationId xmlns:a16="http://schemas.microsoft.com/office/drawing/2014/main" id="{4113BF72-B827-4F00-BF81-005BD03E20EC}"/>
+                <a16:creationId xmlns:a16="http://schemas.microsoft.com/office/drawing/2014/main" id="{D1C108FC-6A2B-4B26-ACCA-618AD3B6CE37}"/>
+              </a:ext>
+            </a:extLst>
+          </p:cNvPr>
+          <p:cNvSpPr>
+            <a:spLocks noGrp="1"/>
+          </p:cNvSpPr>
+          <p:nvPr>
+            <p:ph idx="1"/>
+          </p:nvPr>
+        </p:nvSpPr>
+        <p:spPr/>
+        <p:txBody>
+          <a:bodyPr>
+            <a:normAutofit lnSpcReduction="10000"/>
+          </a:bodyPr>
+          <a:lstStyle/>
+          <a:p>
+            <a:r>
+              <a:rPr lang="en-US" sz="3900" dirty="0"/>
+              <a:t>… I’m thinking of a number …</a:t>
+            </a:r>
+          </a:p>
+          <a:p>
+            <a:pPr lvl="2"/>
+            <a:r>
+              <a:rPr lang="en-US" sz="3900" dirty="0"/>
+              <a:t>Program loops:</a:t>
+            </a:r>
+          </a:p>
+          <a:p>
+            <a:pPr lvl="3"/>
+            <a:r>
+              <a:rPr lang="en-US" sz="3700" dirty="0"/>
+              <a:t>Player guesses</a:t>
+            </a:r>
+          </a:p>
+          <a:p>
+            <a:pPr lvl="3"/>
+            <a:r>
+              <a:rPr lang="en-US" sz="3700" dirty="0"/>
+              <a:t>Program tells if higher/lower/equal</a:t>
+            </a:r>
+          </a:p>
+          <a:p>
+            <a:pPr lvl="2"/>
+            <a:r>
+              <a:rPr lang="en-US" sz="3900" dirty="0"/>
+              <a:t>Program offers to play again</a:t>
+            </a:r>
+          </a:p>
+          <a:p>
+            <a:endParaRPr lang="en-US" dirty="0"/>
+          </a:p>
+        </p:txBody>
+      </p:sp>
+      <p:sp>
+        <p:nvSpPr>
+          <p:cNvPr id="4" name="Date Placeholder 3">
+            <a:extLst>
+              <a:ext uri="{FF2B5EF4-FFF2-40B4-BE49-F238E27FC236}">
+                <a16:creationId xmlns:a16="http://schemas.microsoft.com/office/drawing/2014/main" id="{343FEE89-95B3-4588-B685-9E4E7B245A20}"/>
               </a:ext>
             </a:extLst>
           </p:cNvPr>
@@ -24459,9 +24830,9 @@
           <a:bodyPr/>
           <a:lstStyle/>
           <a:p>
-            <a:fld id="{94662273-5966-4B9D-83DB-14F68B7746FA}" type="datetime1">
+            <a:fld id="{05BC9A31-B982-4DAD-8F8D-6FACB88C79AA}" type="datetime1">
               <a:rPr lang="en-US" smtClean="0"/>
-              <a:t>7/3/2022</a:t>
+              <a:t>7/10/2022</a:t>
             </a:fld>
             <a:endParaRPr lang="en-US" dirty="0"/>
           </a:p>
@@ -24469,10 +24840,10 @@
       </p:sp>
       <p:sp>
         <p:nvSpPr>
-          <p:cNvPr id="5" name="Slide Number Placeholder 4">
+          <p:cNvPr id="6" name="Slide Number Placeholder 5">
             <a:extLst>
               <a:ext uri="{FF2B5EF4-FFF2-40B4-BE49-F238E27FC236}">
-                <a16:creationId xmlns:a16="http://schemas.microsoft.com/office/drawing/2014/main" id="{AB0C101B-CD14-480D-A837-231668D32252}"/>
+                <a16:creationId xmlns:a16="http://schemas.microsoft.com/office/drawing/2014/main" id="{679C28AB-710A-449A-A830-821C7B006AF4}"/>
               </a:ext>
             </a:extLst>
           </p:cNvPr>
@@ -24506,7 +24877,7 @@
           <p:cNvPr id="7" name="Footer Placeholder 6">
             <a:extLst>
               <a:ext uri="{FF2B5EF4-FFF2-40B4-BE49-F238E27FC236}">
-                <a16:creationId xmlns:a16="http://schemas.microsoft.com/office/drawing/2014/main" id="{95DE371C-8ED9-4708-ABE7-62A291701BE6}"/>
+                <a16:creationId xmlns:a16="http://schemas.microsoft.com/office/drawing/2014/main" id="{321DF7FF-5256-4D09-9713-2223F08C1DCF}"/>
               </a:ext>
             </a:extLst>
           </p:cNvPr>
@@ -24534,324 +24905,10 @@
           </a:p>
         </p:txBody>
       </p:sp>
-      <p:sp>
-        <p:nvSpPr>
-          <p:cNvPr id="8" name="Content Placeholder 7">
-            <a:extLst>
-              <a:ext uri="{FF2B5EF4-FFF2-40B4-BE49-F238E27FC236}">
-                <a16:creationId xmlns:a16="http://schemas.microsoft.com/office/drawing/2014/main" id="{227BA33B-8F45-4F71-B543-247DB5B468C2}"/>
-              </a:ext>
-            </a:extLst>
-          </p:cNvPr>
-          <p:cNvSpPr>
-            <a:spLocks noGrp="1"/>
-          </p:cNvSpPr>
-          <p:nvPr>
-            <p:ph idx="1"/>
-          </p:nvPr>
-        </p:nvSpPr>
-        <p:spPr>
-          <a:xfrm>
-            <a:off x="677334" y="451514"/>
-            <a:ext cx="9755970" cy="6068158"/>
-          </a:xfrm>
-        </p:spPr>
-        <p:txBody>
-          <a:bodyPr>
-            <a:normAutofit fontScale="25000" lnSpcReduction="20000"/>
-          </a:bodyPr>
-          <a:lstStyle/>
-          <a:p>
-            <a:endParaRPr lang="en-US" dirty="0"/>
-          </a:p>
-          <a:p>
-            <a:pPr marL="0" indent="0">
-              <a:buNone/>
-            </a:pPr>
-            <a:r>
-              <a:rPr lang="en-US" sz="9600" dirty="0">
-                <a:solidFill>
-                  <a:srgbClr val="0070C0"/>
-                </a:solidFill>
-                <a:latin typeface="Courier New" panose="02070309020205020404" pitchFamily="49" charset="0"/>
-                <a:cs typeface="Courier New" panose="02070309020205020404" pitchFamily="49" charset="0"/>
-              </a:rPr>
-              <a:t>I'm thinking of a number between 1 and 20</a:t>
-            </a:r>
-          </a:p>
-          <a:p>
-            <a:pPr marL="0" indent="0">
-              <a:buNone/>
-            </a:pPr>
-            <a:r>
-              <a:rPr lang="en-US" sz="9600" dirty="0">
-                <a:solidFill>
-                  <a:srgbClr val="0070C0"/>
-                </a:solidFill>
-                <a:latin typeface="Courier New" panose="02070309020205020404" pitchFamily="49" charset="0"/>
-                <a:cs typeface="Courier New" panose="02070309020205020404" pitchFamily="49" charset="0"/>
-              </a:rPr>
-              <a:t>Can you guess it?  Remember to press the ENTER key</a:t>
-            </a:r>
-          </a:p>
-          <a:p>
-            <a:pPr marL="0" indent="0">
-              <a:buNone/>
-            </a:pPr>
-            <a:r>
-              <a:rPr lang="en-US" sz="9600" dirty="0">
-                <a:solidFill>
-                  <a:srgbClr val="0070C0"/>
-                </a:solidFill>
-                <a:latin typeface="Courier New" panose="02070309020205020404" pitchFamily="49" charset="0"/>
-                <a:cs typeface="Courier New" panose="02070309020205020404" pitchFamily="49" charset="0"/>
-              </a:rPr>
-              <a:t>to enter your guess.  Good Luck!</a:t>
-            </a:r>
-          </a:p>
-          <a:p>
-            <a:pPr marL="0" indent="0">
-              <a:buNone/>
-            </a:pPr>
-            <a:endParaRPr lang="en-US" sz="9600" dirty="0">
-              <a:solidFill>
-                <a:srgbClr val="0070C0"/>
-              </a:solidFill>
-              <a:latin typeface="Courier New" panose="02070309020205020404" pitchFamily="49" charset="0"/>
-              <a:cs typeface="Courier New" panose="02070309020205020404" pitchFamily="49" charset="0"/>
-            </a:endParaRPr>
-          </a:p>
-          <a:p>
-            <a:pPr marL="0" indent="0">
-              <a:buNone/>
-            </a:pPr>
-            <a:r>
-              <a:rPr lang="en-US" sz="9600" dirty="0">
-                <a:solidFill>
-                  <a:srgbClr val="0070C0"/>
-                </a:solidFill>
-                <a:latin typeface="Courier New" panose="02070309020205020404" pitchFamily="49" charset="0"/>
-                <a:cs typeface="Courier New" panose="02070309020205020404" pitchFamily="49" charset="0"/>
-              </a:rPr>
-              <a:t>Enter Guess:</a:t>
-            </a:r>
-            <a:r>
-              <a:rPr lang="en-US" sz="9600" b="1" dirty="0">
-                <a:solidFill>
-                  <a:schemeClr val="tx1"/>
-                </a:solidFill>
-                <a:latin typeface="Courier New" panose="02070309020205020404" pitchFamily="49" charset="0"/>
-                <a:cs typeface="Courier New" panose="02070309020205020404" pitchFamily="49" charset="0"/>
-              </a:rPr>
-              <a:t>10</a:t>
-            </a:r>
-          </a:p>
-          <a:p>
-            <a:pPr marL="0" indent="0">
-              <a:buNone/>
-            </a:pPr>
-            <a:r>
-              <a:rPr lang="en-US" sz="9600" dirty="0">
-                <a:solidFill>
-                  <a:srgbClr val="0070C0"/>
-                </a:solidFill>
-                <a:latin typeface="Courier New" panose="02070309020205020404" pitchFamily="49" charset="0"/>
-                <a:cs typeface="Courier New" panose="02070309020205020404" pitchFamily="49" charset="0"/>
-              </a:rPr>
-              <a:t>Number: </a:t>
-            </a:r>
-            <a:r>
-              <a:rPr lang="en-US" sz="9600" b="1" dirty="0">
-                <a:solidFill>
-                  <a:schemeClr val="tx1"/>
-                </a:solidFill>
-                <a:latin typeface="Courier New" panose="02070309020205020404" pitchFamily="49" charset="0"/>
-                <a:cs typeface="Courier New" panose="02070309020205020404" pitchFamily="49" charset="0"/>
-              </a:rPr>
-              <a:t>10</a:t>
-            </a:r>
-          </a:p>
-          <a:p>
-            <a:pPr marL="0" indent="0">
-              <a:buNone/>
-            </a:pPr>
-            <a:r>
-              <a:rPr lang="en-US" sz="9600" dirty="0">
-                <a:solidFill>
-                  <a:srgbClr val="0070C0"/>
-                </a:solidFill>
-                <a:latin typeface="Courier New" panose="02070309020205020404" pitchFamily="49" charset="0"/>
-                <a:cs typeface="Courier New" panose="02070309020205020404" pitchFamily="49" charset="0"/>
-              </a:rPr>
-              <a:t>Sorry your input of </a:t>
-            </a:r>
-            <a:r>
-              <a:rPr lang="en-US" sz="9600" b="1" dirty="0">
-                <a:solidFill>
-                  <a:srgbClr val="0070C0"/>
-                </a:solidFill>
-                <a:latin typeface="Courier New" panose="02070309020205020404" pitchFamily="49" charset="0"/>
-                <a:cs typeface="Courier New" panose="02070309020205020404" pitchFamily="49" charset="0"/>
-              </a:rPr>
-              <a:t>10</a:t>
-            </a:r>
-            <a:r>
-              <a:rPr lang="en-US" sz="9600" dirty="0">
-                <a:solidFill>
-                  <a:srgbClr val="0070C0"/>
-                </a:solidFill>
-                <a:latin typeface="Courier New" panose="02070309020205020404" pitchFamily="49" charset="0"/>
-                <a:cs typeface="Courier New" panose="02070309020205020404" pitchFamily="49" charset="0"/>
-              </a:rPr>
-              <a:t> is too high</a:t>
-            </a:r>
-          </a:p>
-          <a:p>
-            <a:pPr marL="0" indent="0">
-              <a:buNone/>
-            </a:pPr>
-            <a:r>
-              <a:rPr lang="en-US" sz="9600" dirty="0">
-                <a:solidFill>
-                  <a:srgbClr val="0070C0"/>
-                </a:solidFill>
-                <a:latin typeface="Courier New" panose="02070309020205020404" pitchFamily="49" charset="0"/>
-                <a:cs typeface="Courier New" panose="02070309020205020404" pitchFamily="49" charset="0"/>
-              </a:rPr>
-              <a:t>Enter Guess:</a:t>
-            </a:r>
-            <a:r>
-              <a:rPr lang="en-US" sz="9600" b="1" dirty="0">
-                <a:solidFill>
-                  <a:schemeClr val="tx1"/>
-                </a:solidFill>
-                <a:latin typeface="Courier New" panose="02070309020205020404" pitchFamily="49" charset="0"/>
-                <a:cs typeface="Courier New" panose="02070309020205020404" pitchFamily="49" charset="0"/>
-              </a:rPr>
-              <a:t>5</a:t>
-            </a:r>
-          </a:p>
-          <a:p>
-            <a:pPr marL="0" indent="0">
-              <a:buNone/>
-            </a:pPr>
-            <a:r>
-              <a:rPr lang="en-US" sz="9600" dirty="0">
-                <a:solidFill>
-                  <a:srgbClr val="0070C0"/>
-                </a:solidFill>
-                <a:latin typeface="Courier New" panose="02070309020205020404" pitchFamily="49" charset="0"/>
-                <a:cs typeface="Courier New" panose="02070309020205020404" pitchFamily="49" charset="0"/>
-              </a:rPr>
-              <a:t>Number: </a:t>
-            </a:r>
-            <a:r>
-              <a:rPr lang="en-US" sz="9600" b="1" dirty="0">
-                <a:solidFill>
-                  <a:schemeClr val="tx1"/>
-                </a:solidFill>
-                <a:latin typeface="Courier New" panose="02070309020205020404" pitchFamily="49" charset="0"/>
-                <a:cs typeface="Courier New" panose="02070309020205020404" pitchFamily="49" charset="0"/>
-              </a:rPr>
-              <a:t>5</a:t>
-            </a:r>
-          </a:p>
-          <a:p>
-            <a:pPr marL="0" indent="0">
-              <a:buNone/>
-            </a:pPr>
-            <a:r>
-              <a:rPr lang="en-US" sz="9600" dirty="0">
-                <a:solidFill>
-                  <a:srgbClr val="0070C0"/>
-                </a:solidFill>
-                <a:latin typeface="Courier New" panose="02070309020205020404" pitchFamily="49" charset="0"/>
-                <a:cs typeface="Courier New" panose="02070309020205020404" pitchFamily="49" charset="0"/>
-              </a:rPr>
-              <a:t>Congratulations </a:t>
-            </a:r>
-            <a:r>
-              <a:rPr lang="en-US" sz="9600" b="1" dirty="0">
-                <a:solidFill>
-                  <a:srgbClr val="0070C0"/>
-                </a:solidFill>
-                <a:latin typeface="Courier New" panose="02070309020205020404" pitchFamily="49" charset="0"/>
-                <a:cs typeface="Courier New" panose="02070309020205020404" pitchFamily="49" charset="0"/>
-              </a:rPr>
-              <a:t>5</a:t>
-            </a:r>
-            <a:r>
-              <a:rPr lang="en-US" sz="9600" dirty="0">
-                <a:solidFill>
-                  <a:srgbClr val="0070C0"/>
-                </a:solidFill>
-                <a:latin typeface="Courier New" panose="02070309020205020404" pitchFamily="49" charset="0"/>
-                <a:cs typeface="Courier New" panose="02070309020205020404" pitchFamily="49" charset="0"/>
-              </a:rPr>
-              <a:t> is my number</a:t>
-            </a:r>
-          </a:p>
-          <a:p>
-            <a:pPr marL="0" indent="0">
-              <a:buNone/>
-            </a:pPr>
-            <a:r>
-              <a:rPr lang="en-US" sz="9600" dirty="0">
-                <a:solidFill>
-                  <a:srgbClr val="0070C0"/>
-                </a:solidFill>
-                <a:latin typeface="Courier New" panose="02070309020205020404" pitchFamily="49" charset="0"/>
-                <a:cs typeface="Courier New" panose="02070309020205020404" pitchFamily="49" charset="0"/>
-              </a:rPr>
-              <a:t>Play a new game?</a:t>
-            </a:r>
-          </a:p>
-          <a:p>
-            <a:pPr marL="0" indent="0">
-              <a:buNone/>
-            </a:pPr>
-            <a:r>
-              <a:rPr lang="en-US" sz="9600" dirty="0">
-                <a:solidFill>
-                  <a:srgbClr val="0070C0"/>
-                </a:solidFill>
-                <a:latin typeface="Courier New" panose="02070309020205020404" pitchFamily="49" charset="0"/>
-                <a:cs typeface="Courier New" panose="02070309020205020404" pitchFamily="49" charset="0"/>
-              </a:rPr>
-              <a:t>Enter N to quit: </a:t>
-            </a:r>
-            <a:r>
-              <a:rPr lang="en-US" sz="9600" b="1" dirty="0">
-                <a:solidFill>
-                  <a:schemeClr val="tx1"/>
-                </a:solidFill>
-                <a:latin typeface="Courier New" panose="02070309020205020404" pitchFamily="49" charset="0"/>
-                <a:cs typeface="Courier New" panose="02070309020205020404" pitchFamily="49" charset="0"/>
-              </a:rPr>
-              <a:t>n</a:t>
-            </a:r>
-          </a:p>
-          <a:p>
-            <a:pPr marL="0" indent="0">
-              <a:buNone/>
-            </a:pPr>
-            <a:r>
-              <a:rPr lang="en-US" sz="9600" dirty="0">
-                <a:solidFill>
-                  <a:srgbClr val="0070C0"/>
-                </a:solidFill>
-                <a:latin typeface="Courier New" panose="02070309020205020404" pitchFamily="49" charset="0"/>
-                <a:cs typeface="Courier New" panose="02070309020205020404" pitchFamily="49" charset="0"/>
-              </a:rPr>
-              <a:t>See you next time.</a:t>
-            </a:r>
-          </a:p>
-        </p:txBody>
-      </p:sp>
     </p:spTree>
     <p:extLst>
       <p:ext uri="{BB962C8B-B14F-4D97-AF65-F5344CB8AC3E}">
-        <p14:creationId xmlns:p14="http://schemas.microsoft.com/office/powerpoint/2010/main" val="1343744585"/>
+        <p14:creationId xmlns:p14="http://schemas.microsoft.com/office/powerpoint/2010/main" val="3194132325"/>
       </p:ext>
     </p:extLst>
   </p:cSld>
@@ -24883,7 +24940,7 @@
           <p:cNvPr id="2" name="Title 1">
             <a:extLst>
               <a:ext uri="{FF2B5EF4-FFF2-40B4-BE49-F238E27FC236}">
-                <a16:creationId xmlns:a16="http://schemas.microsoft.com/office/drawing/2014/main" id="{EB797258-A74C-4229-8E9E-31CCE70A63E9}"/>
+                <a16:creationId xmlns:a16="http://schemas.microsoft.com/office/drawing/2014/main" id="{D3F3B0D4-DE04-448F-BC0A-83C6A34854E0}"/>
               </a:ext>
             </a:extLst>
           </p:cNvPr>
@@ -24896,83 +24953,29 @@
         </p:nvSpPr>
         <p:spPr>
           <a:xfrm>
-            <a:off x="677334" y="609599"/>
-            <a:ext cx="8596668" cy="1550989"/>
+            <a:off x="1141413" y="135467"/>
+            <a:ext cx="9905998" cy="550333"/>
           </a:xfrm>
         </p:spPr>
         <p:txBody>
           <a:bodyPr>
-            <a:normAutofit/>
+            <a:normAutofit fontScale="90000"/>
           </a:bodyPr>
           <a:lstStyle/>
           <a:p>
-            <a:pPr algn="ctr"/>
             <a:r>
               <a:rPr lang="en-US" dirty="0"/>
-              <a:t>Twenty Questions - continued</a:t>
-            </a:r>
-          </a:p>
-        </p:txBody>
-      </p:sp>
-      <p:sp>
-        <p:nvSpPr>
-          <p:cNvPr id="3" name="Content Placeholder 2">
+              <a:t>Sample Output</a:t>
+            </a:r>
+          </a:p>
+        </p:txBody>
+      </p:sp>
+      <p:sp>
+        <p:nvSpPr>
+          <p:cNvPr id="3" name="Date Placeholder 2">
             <a:extLst>
               <a:ext uri="{FF2B5EF4-FFF2-40B4-BE49-F238E27FC236}">
-                <a16:creationId xmlns:a16="http://schemas.microsoft.com/office/drawing/2014/main" id="{D1C108FC-6A2B-4B26-ACCA-618AD3B6CE37}"/>
-              </a:ext>
-            </a:extLst>
-          </p:cNvPr>
-          <p:cNvSpPr>
-            <a:spLocks noGrp="1"/>
-          </p:cNvSpPr>
-          <p:nvPr>
-            <p:ph idx="1"/>
-          </p:nvPr>
-        </p:nvSpPr>
-        <p:spPr/>
-        <p:txBody>
-          <a:bodyPr>
-            <a:normAutofit/>
-          </a:bodyPr>
-          <a:lstStyle/>
-          <a:p>
-            <a:r>
-              <a:rPr lang="en-US" sz="4300" dirty="0"/>
-              <a:t>Programing </a:t>
-            </a:r>
-            <a:r>
-              <a:rPr lang="en-US" sz="4300" dirty="0">
-                <a:sym typeface="Wingdings" panose="05000000000000000000" pitchFamily="2" charset="2"/>
-              </a:rPr>
-              <a:t> </a:t>
-            </a:r>
-            <a:r>
-              <a:rPr lang="en-US" sz="4300" dirty="0"/>
-              <a:t>Iteration - improve along the way</a:t>
-            </a:r>
-          </a:p>
-          <a:p>
-            <a:r>
-              <a:rPr lang="en-US" sz="4300" dirty="0"/>
-              <a:t>Simplification also helps the user</a:t>
-            </a:r>
-          </a:p>
-          <a:p>
-            <a:pPr lvl="2"/>
-            <a:endParaRPr lang="en-US" sz="3900" dirty="0"/>
-          </a:p>
-          <a:p>
-            <a:endParaRPr lang="en-US" dirty="0"/>
-          </a:p>
-        </p:txBody>
-      </p:sp>
-      <p:sp>
-        <p:nvSpPr>
-          <p:cNvPr id="4" name="Date Placeholder 3">
-            <a:extLst>
-              <a:ext uri="{FF2B5EF4-FFF2-40B4-BE49-F238E27FC236}">
-                <a16:creationId xmlns:a16="http://schemas.microsoft.com/office/drawing/2014/main" id="{343FEE89-95B3-4588-B685-9E4E7B245A20}"/>
+                <a16:creationId xmlns:a16="http://schemas.microsoft.com/office/drawing/2014/main" id="{4113BF72-B827-4F00-BF81-005BD03E20EC}"/>
               </a:ext>
             </a:extLst>
           </p:cNvPr>
@@ -24993,9 +24996,9 @@
           <a:bodyPr/>
           <a:lstStyle/>
           <a:p>
-            <a:fld id="{05BC9A31-B982-4DAD-8F8D-6FACB88C79AA}" type="datetime1">
+            <a:fld id="{94662273-5966-4B9D-83DB-14F68B7746FA}" type="datetime1">
               <a:rPr lang="en-US" smtClean="0"/>
-              <a:t>7/3/2022</a:t>
+              <a:t>7/10/2022</a:t>
             </a:fld>
             <a:endParaRPr lang="en-US" dirty="0"/>
           </a:p>
@@ -25003,10 +25006,10 @@
       </p:sp>
       <p:sp>
         <p:nvSpPr>
-          <p:cNvPr id="6" name="Slide Number Placeholder 5">
+          <p:cNvPr id="5" name="Slide Number Placeholder 4">
             <a:extLst>
               <a:ext uri="{FF2B5EF4-FFF2-40B4-BE49-F238E27FC236}">
-                <a16:creationId xmlns:a16="http://schemas.microsoft.com/office/drawing/2014/main" id="{679C28AB-710A-449A-A830-821C7B006AF4}"/>
+                <a16:creationId xmlns:a16="http://schemas.microsoft.com/office/drawing/2014/main" id="{AB0C101B-CD14-480D-A837-231668D32252}"/>
               </a:ext>
             </a:extLst>
           </p:cNvPr>
@@ -25040,7 +25043,7 @@
           <p:cNvPr id="7" name="Footer Placeholder 6">
             <a:extLst>
               <a:ext uri="{FF2B5EF4-FFF2-40B4-BE49-F238E27FC236}">
-                <a16:creationId xmlns:a16="http://schemas.microsoft.com/office/drawing/2014/main" id="{321DF7FF-5256-4D09-9713-2223F08C1DCF}"/>
+                <a16:creationId xmlns:a16="http://schemas.microsoft.com/office/drawing/2014/main" id="{95DE371C-8ED9-4708-ABE7-62A291701BE6}"/>
               </a:ext>
             </a:extLst>
           </p:cNvPr>
@@ -25068,10 +25071,324 @@
           </a:p>
         </p:txBody>
       </p:sp>
+      <p:sp>
+        <p:nvSpPr>
+          <p:cNvPr id="8" name="Content Placeholder 7">
+            <a:extLst>
+              <a:ext uri="{FF2B5EF4-FFF2-40B4-BE49-F238E27FC236}">
+                <a16:creationId xmlns:a16="http://schemas.microsoft.com/office/drawing/2014/main" id="{227BA33B-8F45-4F71-B543-247DB5B468C2}"/>
+              </a:ext>
+            </a:extLst>
+          </p:cNvPr>
+          <p:cNvSpPr>
+            <a:spLocks noGrp="1"/>
+          </p:cNvSpPr>
+          <p:nvPr>
+            <p:ph idx="1"/>
+          </p:nvPr>
+        </p:nvSpPr>
+        <p:spPr>
+          <a:xfrm>
+            <a:off x="677334" y="451514"/>
+            <a:ext cx="9755970" cy="6068158"/>
+          </a:xfrm>
+        </p:spPr>
+        <p:txBody>
+          <a:bodyPr>
+            <a:normAutofit fontScale="25000" lnSpcReduction="20000"/>
+          </a:bodyPr>
+          <a:lstStyle/>
+          <a:p>
+            <a:endParaRPr lang="en-US" dirty="0"/>
+          </a:p>
+          <a:p>
+            <a:pPr marL="0" indent="0">
+              <a:buNone/>
+            </a:pPr>
+            <a:r>
+              <a:rPr lang="en-US" sz="9600" dirty="0">
+                <a:solidFill>
+                  <a:srgbClr val="0070C0"/>
+                </a:solidFill>
+                <a:latin typeface="Courier New" panose="02070309020205020404" pitchFamily="49" charset="0"/>
+                <a:cs typeface="Courier New" panose="02070309020205020404" pitchFamily="49" charset="0"/>
+              </a:rPr>
+              <a:t>I'm thinking of a number between 1 and 20</a:t>
+            </a:r>
+          </a:p>
+          <a:p>
+            <a:pPr marL="0" indent="0">
+              <a:buNone/>
+            </a:pPr>
+            <a:r>
+              <a:rPr lang="en-US" sz="9600" dirty="0">
+                <a:solidFill>
+                  <a:srgbClr val="0070C0"/>
+                </a:solidFill>
+                <a:latin typeface="Courier New" panose="02070309020205020404" pitchFamily="49" charset="0"/>
+                <a:cs typeface="Courier New" panose="02070309020205020404" pitchFamily="49" charset="0"/>
+              </a:rPr>
+              <a:t>Can you guess it?  Remember to press the ENTER key</a:t>
+            </a:r>
+          </a:p>
+          <a:p>
+            <a:pPr marL="0" indent="0">
+              <a:buNone/>
+            </a:pPr>
+            <a:r>
+              <a:rPr lang="en-US" sz="9600" dirty="0">
+                <a:solidFill>
+                  <a:srgbClr val="0070C0"/>
+                </a:solidFill>
+                <a:latin typeface="Courier New" panose="02070309020205020404" pitchFamily="49" charset="0"/>
+                <a:cs typeface="Courier New" panose="02070309020205020404" pitchFamily="49" charset="0"/>
+              </a:rPr>
+              <a:t>to enter your guess.  Good Luck!</a:t>
+            </a:r>
+          </a:p>
+          <a:p>
+            <a:pPr marL="0" indent="0">
+              <a:buNone/>
+            </a:pPr>
+            <a:endParaRPr lang="en-US" sz="9600" dirty="0">
+              <a:solidFill>
+                <a:srgbClr val="0070C0"/>
+              </a:solidFill>
+              <a:latin typeface="Courier New" panose="02070309020205020404" pitchFamily="49" charset="0"/>
+              <a:cs typeface="Courier New" panose="02070309020205020404" pitchFamily="49" charset="0"/>
+            </a:endParaRPr>
+          </a:p>
+          <a:p>
+            <a:pPr marL="0" indent="0">
+              <a:buNone/>
+            </a:pPr>
+            <a:r>
+              <a:rPr lang="en-US" sz="9600" dirty="0">
+                <a:solidFill>
+                  <a:srgbClr val="0070C0"/>
+                </a:solidFill>
+                <a:latin typeface="Courier New" panose="02070309020205020404" pitchFamily="49" charset="0"/>
+                <a:cs typeface="Courier New" panose="02070309020205020404" pitchFamily="49" charset="0"/>
+              </a:rPr>
+              <a:t>Enter Guess:</a:t>
+            </a:r>
+            <a:r>
+              <a:rPr lang="en-US" sz="9600" b="1" dirty="0">
+                <a:solidFill>
+                  <a:schemeClr val="tx1"/>
+                </a:solidFill>
+                <a:latin typeface="Courier New" panose="02070309020205020404" pitchFamily="49" charset="0"/>
+                <a:cs typeface="Courier New" panose="02070309020205020404" pitchFamily="49" charset="0"/>
+              </a:rPr>
+              <a:t>10</a:t>
+            </a:r>
+          </a:p>
+          <a:p>
+            <a:pPr marL="0" indent="0">
+              <a:buNone/>
+            </a:pPr>
+            <a:r>
+              <a:rPr lang="en-US" sz="9600" dirty="0">
+                <a:solidFill>
+                  <a:srgbClr val="0070C0"/>
+                </a:solidFill>
+                <a:latin typeface="Courier New" panose="02070309020205020404" pitchFamily="49" charset="0"/>
+                <a:cs typeface="Courier New" panose="02070309020205020404" pitchFamily="49" charset="0"/>
+              </a:rPr>
+              <a:t>Number: </a:t>
+            </a:r>
+            <a:r>
+              <a:rPr lang="en-US" sz="9600" b="1" dirty="0">
+                <a:solidFill>
+                  <a:schemeClr val="tx1"/>
+                </a:solidFill>
+                <a:latin typeface="Courier New" panose="02070309020205020404" pitchFamily="49" charset="0"/>
+                <a:cs typeface="Courier New" panose="02070309020205020404" pitchFamily="49" charset="0"/>
+              </a:rPr>
+              <a:t>10</a:t>
+            </a:r>
+          </a:p>
+          <a:p>
+            <a:pPr marL="0" indent="0">
+              <a:buNone/>
+            </a:pPr>
+            <a:r>
+              <a:rPr lang="en-US" sz="9600" dirty="0">
+                <a:solidFill>
+                  <a:srgbClr val="0070C0"/>
+                </a:solidFill>
+                <a:latin typeface="Courier New" panose="02070309020205020404" pitchFamily="49" charset="0"/>
+                <a:cs typeface="Courier New" panose="02070309020205020404" pitchFamily="49" charset="0"/>
+              </a:rPr>
+              <a:t>Sorry your input of </a:t>
+            </a:r>
+            <a:r>
+              <a:rPr lang="en-US" sz="9600" b="1" dirty="0">
+                <a:solidFill>
+                  <a:srgbClr val="0070C0"/>
+                </a:solidFill>
+                <a:latin typeface="Courier New" panose="02070309020205020404" pitchFamily="49" charset="0"/>
+                <a:cs typeface="Courier New" panose="02070309020205020404" pitchFamily="49" charset="0"/>
+              </a:rPr>
+              <a:t>10</a:t>
+            </a:r>
+            <a:r>
+              <a:rPr lang="en-US" sz="9600" dirty="0">
+                <a:solidFill>
+                  <a:srgbClr val="0070C0"/>
+                </a:solidFill>
+                <a:latin typeface="Courier New" panose="02070309020205020404" pitchFamily="49" charset="0"/>
+                <a:cs typeface="Courier New" panose="02070309020205020404" pitchFamily="49" charset="0"/>
+              </a:rPr>
+              <a:t> is too high</a:t>
+            </a:r>
+          </a:p>
+          <a:p>
+            <a:pPr marL="0" indent="0">
+              <a:buNone/>
+            </a:pPr>
+            <a:r>
+              <a:rPr lang="en-US" sz="9600" dirty="0">
+                <a:solidFill>
+                  <a:srgbClr val="0070C0"/>
+                </a:solidFill>
+                <a:latin typeface="Courier New" panose="02070309020205020404" pitchFamily="49" charset="0"/>
+                <a:cs typeface="Courier New" panose="02070309020205020404" pitchFamily="49" charset="0"/>
+              </a:rPr>
+              <a:t>Enter Guess:</a:t>
+            </a:r>
+            <a:r>
+              <a:rPr lang="en-US" sz="9600" b="1" dirty="0">
+                <a:solidFill>
+                  <a:schemeClr val="tx1"/>
+                </a:solidFill>
+                <a:latin typeface="Courier New" panose="02070309020205020404" pitchFamily="49" charset="0"/>
+                <a:cs typeface="Courier New" panose="02070309020205020404" pitchFamily="49" charset="0"/>
+              </a:rPr>
+              <a:t>5</a:t>
+            </a:r>
+          </a:p>
+          <a:p>
+            <a:pPr marL="0" indent="0">
+              <a:buNone/>
+            </a:pPr>
+            <a:r>
+              <a:rPr lang="en-US" sz="9600" dirty="0">
+                <a:solidFill>
+                  <a:srgbClr val="0070C0"/>
+                </a:solidFill>
+                <a:latin typeface="Courier New" panose="02070309020205020404" pitchFamily="49" charset="0"/>
+                <a:cs typeface="Courier New" panose="02070309020205020404" pitchFamily="49" charset="0"/>
+              </a:rPr>
+              <a:t>Number: </a:t>
+            </a:r>
+            <a:r>
+              <a:rPr lang="en-US" sz="9600" b="1" dirty="0">
+                <a:solidFill>
+                  <a:schemeClr val="tx1"/>
+                </a:solidFill>
+                <a:latin typeface="Courier New" panose="02070309020205020404" pitchFamily="49" charset="0"/>
+                <a:cs typeface="Courier New" panose="02070309020205020404" pitchFamily="49" charset="0"/>
+              </a:rPr>
+              <a:t>5</a:t>
+            </a:r>
+          </a:p>
+          <a:p>
+            <a:pPr marL="0" indent="0">
+              <a:buNone/>
+            </a:pPr>
+            <a:r>
+              <a:rPr lang="en-US" sz="9600" dirty="0">
+                <a:solidFill>
+                  <a:srgbClr val="0070C0"/>
+                </a:solidFill>
+                <a:latin typeface="Courier New" panose="02070309020205020404" pitchFamily="49" charset="0"/>
+                <a:cs typeface="Courier New" panose="02070309020205020404" pitchFamily="49" charset="0"/>
+              </a:rPr>
+              <a:t>Congratulations </a:t>
+            </a:r>
+            <a:r>
+              <a:rPr lang="en-US" sz="9600" b="1" dirty="0">
+                <a:solidFill>
+                  <a:srgbClr val="0070C0"/>
+                </a:solidFill>
+                <a:latin typeface="Courier New" panose="02070309020205020404" pitchFamily="49" charset="0"/>
+                <a:cs typeface="Courier New" panose="02070309020205020404" pitchFamily="49" charset="0"/>
+              </a:rPr>
+              <a:t>5</a:t>
+            </a:r>
+            <a:r>
+              <a:rPr lang="en-US" sz="9600" dirty="0">
+                <a:solidFill>
+                  <a:srgbClr val="0070C0"/>
+                </a:solidFill>
+                <a:latin typeface="Courier New" panose="02070309020205020404" pitchFamily="49" charset="0"/>
+                <a:cs typeface="Courier New" panose="02070309020205020404" pitchFamily="49" charset="0"/>
+              </a:rPr>
+              <a:t> is my number</a:t>
+            </a:r>
+          </a:p>
+          <a:p>
+            <a:pPr marL="0" indent="0">
+              <a:buNone/>
+            </a:pPr>
+            <a:r>
+              <a:rPr lang="en-US" sz="9600" dirty="0">
+                <a:solidFill>
+                  <a:srgbClr val="0070C0"/>
+                </a:solidFill>
+                <a:latin typeface="Courier New" panose="02070309020205020404" pitchFamily="49" charset="0"/>
+                <a:cs typeface="Courier New" panose="02070309020205020404" pitchFamily="49" charset="0"/>
+              </a:rPr>
+              <a:t>Play a new game?</a:t>
+            </a:r>
+          </a:p>
+          <a:p>
+            <a:pPr marL="0" indent="0">
+              <a:buNone/>
+            </a:pPr>
+            <a:r>
+              <a:rPr lang="en-US" sz="9600" dirty="0">
+                <a:solidFill>
+                  <a:srgbClr val="0070C0"/>
+                </a:solidFill>
+                <a:latin typeface="Courier New" panose="02070309020205020404" pitchFamily="49" charset="0"/>
+                <a:cs typeface="Courier New" panose="02070309020205020404" pitchFamily="49" charset="0"/>
+              </a:rPr>
+              <a:t>Enter N to quit: </a:t>
+            </a:r>
+            <a:r>
+              <a:rPr lang="en-US" sz="9600" b="1" dirty="0">
+                <a:solidFill>
+                  <a:schemeClr val="tx1"/>
+                </a:solidFill>
+                <a:latin typeface="Courier New" panose="02070309020205020404" pitchFamily="49" charset="0"/>
+                <a:cs typeface="Courier New" panose="02070309020205020404" pitchFamily="49" charset="0"/>
+              </a:rPr>
+              <a:t>n</a:t>
+            </a:r>
+          </a:p>
+          <a:p>
+            <a:pPr marL="0" indent="0">
+              <a:buNone/>
+            </a:pPr>
+            <a:r>
+              <a:rPr lang="en-US" sz="9600" dirty="0">
+                <a:solidFill>
+                  <a:srgbClr val="0070C0"/>
+                </a:solidFill>
+                <a:latin typeface="Courier New" panose="02070309020205020404" pitchFamily="49" charset="0"/>
+                <a:cs typeface="Courier New" panose="02070309020205020404" pitchFamily="49" charset="0"/>
+              </a:rPr>
+              <a:t>See you next time.</a:t>
+            </a:r>
+          </a:p>
+        </p:txBody>
+      </p:sp>
     </p:spTree>
     <p:extLst>
       <p:ext uri="{BB962C8B-B14F-4D97-AF65-F5344CB8AC3E}">
-        <p14:creationId xmlns:p14="http://schemas.microsoft.com/office/powerpoint/2010/main" val="3194480463"/>
+        <p14:creationId xmlns:p14="http://schemas.microsoft.com/office/powerpoint/2010/main" val="1343744585"/>
       </p:ext>
     </p:extLst>
   </p:cSld>
@@ -25103,7 +25420,7 @@
           <p:cNvPr id="2" name="Title 1">
             <a:extLst>
               <a:ext uri="{FF2B5EF4-FFF2-40B4-BE49-F238E27FC236}">
-                <a16:creationId xmlns:a16="http://schemas.microsoft.com/office/drawing/2014/main" id="{5A294D0E-68EA-49C5-894B-97B4A12384E1}"/>
+                <a16:creationId xmlns:a16="http://schemas.microsoft.com/office/drawing/2014/main" id="{EB797258-A74C-4229-8E9E-31CCE70A63E9}"/>
               </a:ext>
             </a:extLst>
           </p:cNvPr>
@@ -25114,14 +25431,22 @@
             <p:ph type="title"/>
           </p:nvPr>
         </p:nvSpPr>
-        <p:spPr/>
-        <p:txBody>
-          <a:bodyPr/>
-          <a:lstStyle/>
-          <a:p>
+        <p:spPr>
+          <a:xfrm>
+            <a:off x="677334" y="609599"/>
+            <a:ext cx="8596668" cy="1550989"/>
+          </a:xfrm>
+        </p:spPr>
+        <p:txBody>
+          <a:bodyPr>
+            <a:normAutofit/>
+          </a:bodyPr>
+          <a:lstStyle/>
+          <a:p>
+            <a:pPr algn="ctr"/>
             <a:r>
               <a:rPr lang="en-US" dirty="0"/>
-              <a:t>Class Project – Twenty Questions</a:t>
+              <a:t>Twenty Questions - continued</a:t>
             </a:r>
           </a:p>
         </p:txBody>
@@ -25131,7 +25456,7 @@
           <p:cNvPr id="3" name="Content Placeholder 2">
             <a:extLst>
               <a:ext uri="{FF2B5EF4-FFF2-40B4-BE49-F238E27FC236}">
-                <a16:creationId xmlns:a16="http://schemas.microsoft.com/office/drawing/2014/main" id="{98202201-8F6C-462B-896E-346551A7815E}"/>
+                <a16:creationId xmlns:a16="http://schemas.microsoft.com/office/drawing/2014/main" id="{D1C108FC-6A2B-4B26-ACCA-618AD3B6CE37}"/>
               </a:ext>
             </a:extLst>
           </p:cNvPr>
@@ -25150,58 +25475,32 @@
           <a:lstStyle/>
           <a:p>
             <a:r>
-              <a:rPr lang="en-US" sz="2800" dirty="0"/>
-              <a:t>exercises/</a:t>
-            </a:r>
-            <a:r>
-              <a:rPr lang="en-US" sz="2800" dirty="0" err="1"/>
-              <a:t>twenty_questions_dev</a:t>
-            </a:r>
-            <a:r>
-              <a:rPr lang="en-US" sz="2800" dirty="0"/>
-              <a:t>/</a:t>
-            </a:r>
-          </a:p>
-          <a:p>
-            <a:pPr lvl="1"/>
-            <a:r>
-              <a:rPr lang="en-US" sz="3200" dirty="0"/>
-              <a:t>iteration_1.py – loop prompting user</a:t>
-            </a:r>
-          </a:p>
-          <a:p>
-            <a:pPr lvl="1"/>
-            <a:r>
-              <a:rPr lang="en-US" sz="3200" dirty="0"/>
-              <a:t>iteration_2.py – check for match</a:t>
-            </a:r>
-          </a:p>
-          <a:p>
-            <a:pPr marL="457200" lvl="1" indent="0">
-              <a:buNone/>
-            </a:pPr>
-            <a:r>
-              <a:rPr lang="en-US" sz="3200" dirty="0"/>
-              <a:t>…</a:t>
-            </a:r>
-          </a:p>
-          <a:p>
-            <a:pPr lvl="1"/>
-            <a:r>
-              <a:rPr lang="en-US" sz="3200" dirty="0"/>
-              <a:t>iteration_6.py  - multiple game support</a:t>
-            </a:r>
-          </a:p>
-          <a:p>
-            <a:pPr lvl="1"/>
-            <a:r>
-              <a:rPr lang="en-US" sz="3200" dirty="0"/>
-              <a:t>iteration_7.py – protect against typos</a:t>
-            </a:r>
-          </a:p>
-          <a:p>
-            <a:pPr lvl="1"/>
-            <a:endParaRPr lang="en-US" sz="2600" dirty="0"/>
+              <a:rPr lang="en-US" sz="4300" dirty="0"/>
+              <a:t>Programing </a:t>
+            </a:r>
+            <a:r>
+              <a:rPr lang="en-US" sz="4300" dirty="0">
+                <a:sym typeface="Wingdings" panose="05000000000000000000" pitchFamily="2" charset="2"/>
+              </a:rPr>
+              <a:t> </a:t>
+            </a:r>
+            <a:r>
+              <a:rPr lang="en-US" sz="4300" dirty="0"/>
+              <a:t>Iteration - improve along the way</a:t>
+            </a:r>
+          </a:p>
+          <a:p>
+            <a:r>
+              <a:rPr lang="en-US" sz="4300" dirty="0"/>
+              <a:t>Simplification also helps the user</a:t>
+            </a:r>
+          </a:p>
+          <a:p>
+            <a:pPr lvl="2"/>
+            <a:endParaRPr lang="en-US" sz="3900" dirty="0"/>
+          </a:p>
+          <a:p>
+            <a:endParaRPr lang="en-US" dirty="0"/>
           </a:p>
         </p:txBody>
       </p:sp>
@@ -25210,7 +25509,7 @@
           <p:cNvPr id="4" name="Date Placeholder 3">
             <a:extLst>
               <a:ext uri="{FF2B5EF4-FFF2-40B4-BE49-F238E27FC236}">
-                <a16:creationId xmlns:a16="http://schemas.microsoft.com/office/drawing/2014/main" id="{1D1F6FE7-AC68-497D-8F0A-F0EA666ED733}"/>
+                <a16:creationId xmlns:a16="http://schemas.microsoft.com/office/drawing/2014/main" id="{343FEE89-95B3-4588-B685-9E4E7B245A20}"/>
               </a:ext>
             </a:extLst>
           </p:cNvPr>
@@ -25231,9 +25530,9 @@
           <a:bodyPr/>
           <a:lstStyle/>
           <a:p>
-            <a:fld id="{A7119916-CD40-456D-ABE3-55F8822671F7}" type="datetime1">
+            <a:fld id="{05BC9A31-B982-4DAD-8F8D-6FACB88C79AA}" type="datetime1">
               <a:rPr lang="en-US" smtClean="0"/>
-              <a:t>7/3/2022</a:t>
+              <a:t>7/10/2022</a:t>
             </a:fld>
             <a:endParaRPr lang="en-US" dirty="0"/>
           </a:p>
@@ -25241,10 +25540,44 @@
       </p:sp>
       <p:sp>
         <p:nvSpPr>
-          <p:cNvPr id="5" name="Footer Placeholder 4">
+          <p:cNvPr id="6" name="Slide Number Placeholder 5">
             <a:extLst>
               <a:ext uri="{FF2B5EF4-FFF2-40B4-BE49-F238E27FC236}">
-                <a16:creationId xmlns:a16="http://schemas.microsoft.com/office/drawing/2014/main" id="{A3272459-7748-45A8-94E2-177AFEE112D4}"/>
+                <a16:creationId xmlns:a16="http://schemas.microsoft.com/office/drawing/2014/main" id="{679C28AB-710A-449A-A830-821C7B006AF4}"/>
+              </a:ext>
+            </a:extLst>
+          </p:cNvPr>
+          <p:cNvSpPr>
+            <a:spLocks noGrp="1"/>
+          </p:cNvSpPr>
+          <p:nvPr>
+            <p:ph type="sldNum" sz="quarter" idx="12"/>
+          </p:nvPr>
+        </p:nvSpPr>
+        <p:spPr>
+          <a:xfrm>
+            <a:off x="8590663" y="6041362"/>
+            <a:ext cx="683339" cy="365125"/>
+          </a:xfrm>
+        </p:spPr>
+        <p:txBody>
+          <a:bodyPr/>
+          <a:lstStyle/>
+          <a:p>
+            <a:fld id="{6D22F896-40B5-4ADD-8801-0D06FADFA095}" type="slidenum">
+              <a:rPr lang="en-US" smtClean="0"/>
+              <a:t>36</a:t>
+            </a:fld>
+            <a:endParaRPr lang="en-US" dirty="0"/>
+          </a:p>
+        </p:txBody>
+      </p:sp>
+      <p:sp>
+        <p:nvSpPr>
+          <p:cNvPr id="7" name="Footer Placeholder 6">
+            <a:extLst>
+              <a:ext uri="{FF2B5EF4-FFF2-40B4-BE49-F238E27FC236}">
+                <a16:creationId xmlns:a16="http://schemas.microsoft.com/office/drawing/2014/main" id="{321DF7FF-5256-4D09-9713-2223F08C1DCF}"/>
               </a:ext>
             </a:extLst>
           </p:cNvPr>
@@ -25266,51 +25599,16 @@
           <a:lstStyle/>
           <a:p>
             <a:r>
-              <a:rPr lang="en-US"/>
+              <a:rPr lang="en-US" dirty="0"/>
               <a:t>raysmith@alum.mit.edu</a:t>
             </a:r>
-            <a:endParaRPr lang="en-US" dirty="0"/>
-          </a:p>
-        </p:txBody>
-      </p:sp>
-      <p:sp>
-        <p:nvSpPr>
-          <p:cNvPr id="6" name="Slide Number Placeholder 5">
-            <a:extLst>
-              <a:ext uri="{FF2B5EF4-FFF2-40B4-BE49-F238E27FC236}">
-                <a16:creationId xmlns:a16="http://schemas.microsoft.com/office/drawing/2014/main" id="{FCCA92CF-AD96-4707-814E-2B6337B5293E}"/>
-              </a:ext>
-            </a:extLst>
-          </p:cNvPr>
-          <p:cNvSpPr>
-            <a:spLocks noGrp="1"/>
-          </p:cNvSpPr>
-          <p:nvPr>
-            <p:ph type="sldNum" sz="quarter" idx="12"/>
-          </p:nvPr>
-        </p:nvSpPr>
-        <p:spPr>
-          <a:xfrm>
-            <a:off x="8590663" y="6041362"/>
-            <a:ext cx="683339" cy="365125"/>
-          </a:xfrm>
-        </p:spPr>
-        <p:txBody>
-          <a:bodyPr/>
-          <a:lstStyle/>
-          <a:p>
-            <a:fld id="{6D22F896-40B5-4ADD-8801-0D06FADFA095}" type="slidenum">
-              <a:rPr lang="en-US" smtClean="0"/>
-              <a:t>36</a:t>
-            </a:fld>
-            <a:endParaRPr lang="en-US" dirty="0"/>
           </a:p>
         </p:txBody>
       </p:sp>
     </p:spTree>
     <p:extLst>
       <p:ext uri="{BB962C8B-B14F-4D97-AF65-F5344CB8AC3E}">
-        <p14:creationId xmlns:p14="http://schemas.microsoft.com/office/powerpoint/2010/main" val="3466397656"/>
+        <p14:creationId xmlns:p14="http://schemas.microsoft.com/office/powerpoint/2010/main" val="3194480463"/>
       </p:ext>
     </p:extLst>
   </p:cSld>
@@ -25323,19 +25621,6 @@
 <file path=ppt/slides/slide37.xml><?xml version="1.0" encoding="utf-8"?>
 <p:sld xmlns:a="http://schemas.openxmlformats.org/drawingml/2006/main" xmlns:r="http://schemas.openxmlformats.org/officeDocument/2006/relationships" xmlns:p="http://schemas.openxmlformats.org/presentationml/2006/main">
   <p:cSld>
-    <p:bg>
-      <p:bgPr>
-        <a:pattFill prst="smConfetti">
-          <a:fgClr>
-            <a:schemeClr val="accent1"/>
-          </a:fgClr>
-          <a:bgClr>
-            <a:schemeClr val="bg1"/>
-          </a:bgClr>
-        </a:pattFill>
-        <a:effectLst/>
-      </p:bgPr>
-    </p:bg>
     <p:spTree>
       <p:nvGrpSpPr>
         <p:cNvPr id="1" name=""/>
@@ -25355,7 +25640,7 @@
           <p:cNvPr id="2" name="Title 1">
             <a:extLst>
               <a:ext uri="{FF2B5EF4-FFF2-40B4-BE49-F238E27FC236}">
-                <a16:creationId xmlns:a16="http://schemas.microsoft.com/office/drawing/2014/main" id="{F85BAC1E-A6A3-4BF6-948C-FEE50D5302F4}"/>
+                <a16:creationId xmlns:a16="http://schemas.microsoft.com/office/drawing/2014/main" id="{5A294D0E-68EA-49C5-894B-97B4A12384E1}"/>
               </a:ext>
             </a:extLst>
           </p:cNvPr>
@@ -25373,7 +25658,7 @@
           <a:p>
             <a:r>
               <a:rPr lang="en-US" dirty="0"/>
-              <a:t>Guessing Game – Iteration 1</a:t>
+              <a:t>Class Project – Twenty Questions</a:t>
             </a:r>
           </a:p>
         </p:txBody>
@@ -25383,7 +25668,7 @@
           <p:cNvPr id="3" name="Content Placeholder 2">
             <a:extLst>
               <a:ext uri="{FF2B5EF4-FFF2-40B4-BE49-F238E27FC236}">
-                <a16:creationId xmlns:a16="http://schemas.microsoft.com/office/drawing/2014/main" id="{43F89E3F-EB58-4F3C-B3AD-96A099509529}"/>
+                <a16:creationId xmlns:a16="http://schemas.microsoft.com/office/drawing/2014/main" id="{98202201-8F6C-462B-896E-346551A7815E}"/>
               </a:ext>
             </a:extLst>
           </p:cNvPr>
@@ -25394,12 +25679,7 @@
             <p:ph idx="1"/>
           </p:nvPr>
         </p:nvSpPr>
-        <p:spPr>
-          <a:xfrm>
-            <a:off x="677334" y="2160589"/>
-            <a:ext cx="9399354" cy="3880773"/>
-          </a:xfrm>
-        </p:spPr>
+        <p:spPr/>
         <p:txBody>
           <a:bodyPr>
             <a:normAutofit/>
@@ -25407,22 +25687,30 @@
           <a:lstStyle/>
           <a:p>
             <a:r>
-              <a:rPr lang="en-US" sz="3600" dirty="0"/>
-              <a:t>Create new file named “</a:t>
-            </a:r>
-            <a:r>
-              <a:rPr lang="en-US" sz="3600" b="1" dirty="0"/>
-              <a:t>iteration_1.py</a:t>
-            </a:r>
-            <a:r>
-              <a:rPr lang="en-US" sz="3600" dirty="0"/>
-              <a:t>”</a:t>
-            </a:r>
-          </a:p>
-          <a:p>
-            <a:r>
-              <a:rPr lang="en-US" sz="3600" dirty="0"/>
-              <a:t>Do the smallest part</a:t>
+              <a:rPr lang="en-US" sz="2800" dirty="0"/>
+              <a:t>exercises/</a:t>
+            </a:r>
+            <a:r>
+              <a:rPr lang="en-US" sz="2800" dirty="0" err="1"/>
+              <a:t>twenty_questions_dev</a:t>
+            </a:r>
+            <a:r>
+              <a:rPr lang="en-US" sz="2800" dirty="0"/>
+              <a:t>/</a:t>
+            </a:r>
+          </a:p>
+          <a:p>
+            <a:pPr lvl="1"/>
+            <a:r>
+              <a:rPr lang="en-US" sz="3200" dirty="0"/>
+              <a:t>iteration_1.py – loop prompting user</a:t>
+            </a:r>
+          </a:p>
+          <a:p>
+            <a:pPr lvl="1"/>
+            <a:r>
+              <a:rPr lang="en-US" sz="3200" dirty="0"/>
+              <a:t>iteration_2.py – check for match</a:t>
             </a:r>
           </a:p>
           <a:p>
@@ -25430,33 +25718,27 @@
               <a:buNone/>
             </a:pPr>
             <a:r>
-              <a:rPr lang="en-US" sz="3400" dirty="0"/>
-              <a:t>Loop</a:t>
-            </a:r>
-          </a:p>
-          <a:p>
-            <a:pPr marL="914400" lvl="2" indent="0">
-              <a:buNone/>
-            </a:pPr>
-            <a:r>
               <a:rPr lang="en-US" sz="3200" dirty="0"/>
-              <a:t>Ask number, get input</a:t>
-            </a:r>
-          </a:p>
-          <a:p>
-            <a:pPr marL="914400" lvl="2" indent="0">
-              <a:buNone/>
-            </a:pPr>
+              <a:t>…</a:t>
+            </a:r>
+          </a:p>
+          <a:p>
+            <a:pPr lvl="1"/>
             <a:r>
               <a:rPr lang="en-US" sz="3200" dirty="0"/>
-              <a:t>Print number entered</a:t>
-            </a:r>
-          </a:p>
-          <a:p>
-            <a:pPr marL="0" indent="0">
-              <a:buNone/>
-            </a:pPr>
-            <a:endParaRPr lang="en-US" dirty="0"/>
+              <a:t>iteration_6.py  - multiple game support</a:t>
+            </a:r>
+          </a:p>
+          <a:p>
+            <a:pPr lvl="1"/>
+            <a:r>
+              <a:rPr lang="en-US" sz="3200" dirty="0"/>
+              <a:t>iteration_7.py – protect against typos</a:t>
+            </a:r>
+          </a:p>
+          <a:p>
+            <a:pPr lvl="1"/>
+            <a:endParaRPr lang="en-US" sz="2600" dirty="0"/>
           </a:p>
         </p:txBody>
       </p:sp>
@@ -25465,7 +25747,7 @@
           <p:cNvPr id="4" name="Date Placeholder 3">
             <a:extLst>
               <a:ext uri="{FF2B5EF4-FFF2-40B4-BE49-F238E27FC236}">
-                <a16:creationId xmlns:a16="http://schemas.microsoft.com/office/drawing/2014/main" id="{30B3DA22-3C43-4E37-888B-097D431A17EF}"/>
+                <a16:creationId xmlns:a16="http://schemas.microsoft.com/office/drawing/2014/main" id="{1D1F6FE7-AC68-497D-8F0A-F0EA666ED733}"/>
               </a:ext>
             </a:extLst>
           </p:cNvPr>
@@ -25488,7 +25770,7 @@
           <a:p>
             <a:fld id="{A7119916-CD40-456D-ABE3-55F8822671F7}" type="datetime1">
               <a:rPr lang="en-US" smtClean="0"/>
-              <a:t>7/3/2022</a:t>
+              <a:t>7/10/2022</a:t>
             </a:fld>
             <a:endParaRPr lang="en-US" dirty="0"/>
           </a:p>
@@ -25499,7 +25781,7 @@
           <p:cNvPr id="5" name="Footer Placeholder 4">
             <a:extLst>
               <a:ext uri="{FF2B5EF4-FFF2-40B4-BE49-F238E27FC236}">
-                <a16:creationId xmlns:a16="http://schemas.microsoft.com/office/drawing/2014/main" id="{EED83B32-0C4F-40B1-A198-11765B0C1497}"/>
+                <a16:creationId xmlns:a16="http://schemas.microsoft.com/office/drawing/2014/main" id="{A3272459-7748-45A8-94E2-177AFEE112D4}"/>
               </a:ext>
             </a:extLst>
           </p:cNvPr>
@@ -25521,9 +25803,10 @@
           <a:lstStyle/>
           <a:p>
             <a:r>
-              <a:rPr lang="en-US" dirty="0"/>
+              <a:rPr lang="en-US"/>
               <a:t>raysmith@alum.mit.edu</a:t>
             </a:r>
+            <a:endParaRPr lang="en-US" dirty="0"/>
           </a:p>
         </p:txBody>
       </p:sp>
@@ -25532,7 +25815,7 @@
           <p:cNvPr id="6" name="Slide Number Placeholder 5">
             <a:extLst>
               <a:ext uri="{FF2B5EF4-FFF2-40B4-BE49-F238E27FC236}">
-                <a16:creationId xmlns:a16="http://schemas.microsoft.com/office/drawing/2014/main" id="{FBEECE10-1564-4052-B03D-51DF83B4EB52}"/>
+                <a16:creationId xmlns:a16="http://schemas.microsoft.com/office/drawing/2014/main" id="{FCCA92CF-AD96-4707-814E-2B6337B5293E}"/>
               </a:ext>
             </a:extLst>
           </p:cNvPr>
@@ -25564,7 +25847,7 @@
     </p:spTree>
     <p:extLst>
       <p:ext uri="{BB962C8B-B14F-4D97-AF65-F5344CB8AC3E}">
-        <p14:creationId xmlns:p14="http://schemas.microsoft.com/office/powerpoint/2010/main" val="3464122816"/>
+        <p14:creationId xmlns:p14="http://schemas.microsoft.com/office/powerpoint/2010/main" val="3466397656"/>
       </p:ext>
     </p:extLst>
   </p:cSld>
@@ -25627,7 +25910,7 @@
           <a:p>
             <a:r>
               <a:rPr lang="en-US" dirty="0"/>
-              <a:t>Guessing Game – Iteration 1 - Hints</a:t>
+              <a:t>Guessing Game – Iteration 1</a:t>
             </a:r>
           </a:p>
         </p:txBody>
@@ -25648,83 +25931,69 @@
             <p:ph idx="1"/>
           </p:nvPr>
         </p:nvSpPr>
-        <p:spPr/>
+        <p:spPr>
+          <a:xfrm>
+            <a:off x="677334" y="2160589"/>
+            <a:ext cx="9399354" cy="3880773"/>
+          </a:xfrm>
+        </p:spPr>
         <p:txBody>
           <a:bodyPr>
             <a:normAutofit/>
           </a:bodyPr>
           <a:lstStyle/>
           <a:p>
-            <a:pPr lvl="1"/>
-            <a:r>
-              <a:rPr lang="en-US" sz="4000" dirty="0"/>
-              <a:t>Place comments describing task</a:t>
-            </a:r>
-          </a:p>
-          <a:p>
-            <a:pPr lvl="1"/>
-            <a:r>
-              <a:rPr lang="en-US" sz="4000" dirty="0"/>
-              <a:t>Use </a:t>
-            </a:r>
-            <a:r>
-              <a:rPr lang="en-US" sz="4000" b="1" dirty="0">
-                <a:latin typeface="Courier New" panose="02070309020205020404" pitchFamily="49" charset="0"/>
-                <a:cs typeface="Courier New" panose="02070309020205020404" pitchFamily="49" charset="0"/>
-              </a:rPr>
-              <a:t>while</a:t>
-            </a:r>
-            <a:r>
-              <a:rPr lang="en-US" sz="4000" dirty="0">
-                <a:latin typeface="Courier New" panose="02070309020205020404" pitchFamily="49" charset="0"/>
-                <a:cs typeface="Courier New" panose="02070309020205020404" pitchFamily="49" charset="0"/>
-              </a:rPr>
-              <a:t> </a:t>
-            </a:r>
-            <a:r>
-              <a:rPr lang="en-US" sz="4000" b="1" dirty="0">
-                <a:latin typeface="Courier New" panose="02070309020205020404" pitchFamily="49" charset="0"/>
-                <a:cs typeface="Courier New" panose="02070309020205020404" pitchFamily="49" charset="0"/>
-              </a:rPr>
-              <a:t>True:</a:t>
-            </a:r>
-          </a:p>
-          <a:p>
-            <a:pPr lvl="1"/>
-            <a:r>
-              <a:rPr lang="en-US" sz="4000" dirty="0">
-                <a:latin typeface="+mj-lt"/>
-                <a:cs typeface="Courier New" panose="02070309020205020404" pitchFamily="49" charset="0"/>
-              </a:rPr>
-              <a:t>What variables?</a:t>
-            </a:r>
-          </a:p>
-          <a:p>
-            <a:pPr lvl="1"/>
-            <a:r>
-              <a:rPr lang="en-US" sz="4000" dirty="0">
-                <a:latin typeface="+mj-lt"/>
-                <a:cs typeface="Courier New" panose="02070309020205020404" pitchFamily="49" charset="0"/>
-              </a:rPr>
-              <a:t>Use  string = </a:t>
-            </a:r>
-            <a:r>
-              <a:rPr lang="en-US" sz="4000" b="1" dirty="0">
-                <a:latin typeface="+mj-lt"/>
-                <a:cs typeface="Courier New" panose="02070309020205020404" pitchFamily="49" charset="0"/>
-              </a:rPr>
-              <a:t>input</a:t>
-            </a:r>
-            <a:r>
-              <a:rPr lang="en-US" sz="4000" dirty="0">
-                <a:latin typeface="+mj-lt"/>
-                <a:cs typeface="Courier New" panose="02070309020205020404" pitchFamily="49" charset="0"/>
-              </a:rPr>
-              <a:t>("…")</a:t>
-            </a:r>
-          </a:p>
-          <a:p>
-            <a:endParaRPr lang="en-US" sz="3600" dirty="0"/>
+            <a:r>
+              <a:rPr lang="en-US" sz="3600" dirty="0"/>
+              <a:t>Create new file named “</a:t>
+            </a:r>
+            <a:r>
+              <a:rPr lang="en-US" sz="3600" b="1" dirty="0"/>
+              <a:t>iteration_1.py</a:t>
+            </a:r>
+            <a:r>
+              <a:rPr lang="en-US" sz="3600" dirty="0"/>
+              <a:t>”</a:t>
+            </a:r>
+          </a:p>
+          <a:p>
+            <a:r>
+              <a:rPr lang="en-US" sz="3600" dirty="0"/>
+              <a:t>Do the smallest part</a:t>
+            </a:r>
+          </a:p>
+          <a:p>
+            <a:pPr marL="457200" lvl="1" indent="0">
+              <a:buNone/>
+            </a:pPr>
+            <a:r>
+              <a:rPr lang="en-US" sz="3400" dirty="0"/>
+              <a:t>Loop</a:t>
+            </a:r>
+          </a:p>
+          <a:p>
+            <a:pPr marL="914400" lvl="2" indent="0">
+              <a:buNone/>
+            </a:pPr>
+            <a:r>
+              <a:rPr lang="en-US" sz="3200" dirty="0"/>
+              <a:t>Ask number, get input</a:t>
+            </a:r>
+          </a:p>
+          <a:p>
+            <a:pPr marL="914400" lvl="2" indent="0">
+              <a:buNone/>
+            </a:pPr>
+            <a:r>
+              <a:rPr lang="en-US" sz="3200" dirty="0"/>
+              <a:t>Print number entered</a:t>
+            </a:r>
+          </a:p>
+          <a:p>
+            <a:pPr marL="0" indent="0">
+              <a:buNone/>
+            </a:pPr>
+            <a:endParaRPr lang="en-US" dirty="0"/>
           </a:p>
         </p:txBody>
       </p:sp>
@@ -25756,7 +26025,7 @@
           <a:p>
             <a:fld id="{A7119916-CD40-456D-ABE3-55F8822671F7}" type="datetime1">
               <a:rPr lang="en-US" smtClean="0"/>
-              <a:t>7/3/2022</a:t>
+              <a:t>7/10/2022</a:t>
             </a:fld>
             <a:endParaRPr lang="en-US" dirty="0"/>
           </a:p>
@@ -25824,6 +26093,274 @@
             <a:fld id="{6D22F896-40B5-4ADD-8801-0D06FADFA095}" type="slidenum">
               <a:rPr lang="en-US" smtClean="0"/>
               <a:t>38</a:t>
+            </a:fld>
+            <a:endParaRPr lang="en-US" dirty="0"/>
+          </a:p>
+        </p:txBody>
+      </p:sp>
+    </p:spTree>
+    <p:extLst>
+      <p:ext uri="{BB962C8B-B14F-4D97-AF65-F5344CB8AC3E}">
+        <p14:creationId xmlns:p14="http://schemas.microsoft.com/office/powerpoint/2010/main" val="3464122816"/>
+      </p:ext>
+    </p:extLst>
+  </p:cSld>
+  <p:clrMapOvr>
+    <a:masterClrMapping/>
+  </p:clrMapOvr>
+</p:sld>
+</file>
+
+<file path=ppt/slides/slide39.xml><?xml version="1.0" encoding="utf-8"?>
+<p:sld xmlns:a="http://schemas.openxmlformats.org/drawingml/2006/main" xmlns:r="http://schemas.openxmlformats.org/officeDocument/2006/relationships" xmlns:p="http://schemas.openxmlformats.org/presentationml/2006/main">
+  <p:cSld>
+    <p:bg>
+      <p:bgPr>
+        <a:pattFill prst="smConfetti">
+          <a:fgClr>
+            <a:schemeClr val="accent1"/>
+          </a:fgClr>
+          <a:bgClr>
+            <a:schemeClr val="bg1"/>
+          </a:bgClr>
+        </a:pattFill>
+        <a:effectLst/>
+      </p:bgPr>
+    </p:bg>
+    <p:spTree>
+      <p:nvGrpSpPr>
+        <p:cNvPr id="1" name=""/>
+        <p:cNvGrpSpPr/>
+        <p:nvPr/>
+      </p:nvGrpSpPr>
+      <p:grpSpPr>
+        <a:xfrm>
+          <a:off x="0" y="0"/>
+          <a:ext cx="0" cy="0"/>
+          <a:chOff x="0" y="0"/>
+          <a:chExt cx="0" cy="0"/>
+        </a:xfrm>
+      </p:grpSpPr>
+      <p:sp>
+        <p:nvSpPr>
+          <p:cNvPr id="2" name="Title 1">
+            <a:extLst>
+              <a:ext uri="{FF2B5EF4-FFF2-40B4-BE49-F238E27FC236}">
+                <a16:creationId xmlns:a16="http://schemas.microsoft.com/office/drawing/2014/main" id="{F85BAC1E-A6A3-4BF6-948C-FEE50D5302F4}"/>
+              </a:ext>
+            </a:extLst>
+          </p:cNvPr>
+          <p:cNvSpPr>
+            <a:spLocks noGrp="1"/>
+          </p:cNvSpPr>
+          <p:nvPr>
+            <p:ph type="title"/>
+          </p:nvPr>
+        </p:nvSpPr>
+        <p:spPr/>
+        <p:txBody>
+          <a:bodyPr/>
+          <a:lstStyle/>
+          <a:p>
+            <a:r>
+              <a:rPr lang="en-US" dirty="0"/>
+              <a:t>Guessing Game – Iteration 1 - Hints</a:t>
+            </a:r>
+          </a:p>
+        </p:txBody>
+      </p:sp>
+      <p:sp>
+        <p:nvSpPr>
+          <p:cNvPr id="3" name="Content Placeholder 2">
+            <a:extLst>
+              <a:ext uri="{FF2B5EF4-FFF2-40B4-BE49-F238E27FC236}">
+                <a16:creationId xmlns:a16="http://schemas.microsoft.com/office/drawing/2014/main" id="{43F89E3F-EB58-4F3C-B3AD-96A099509529}"/>
+              </a:ext>
+            </a:extLst>
+          </p:cNvPr>
+          <p:cNvSpPr>
+            <a:spLocks noGrp="1"/>
+          </p:cNvSpPr>
+          <p:nvPr>
+            <p:ph idx="1"/>
+          </p:nvPr>
+        </p:nvSpPr>
+        <p:spPr/>
+        <p:txBody>
+          <a:bodyPr>
+            <a:normAutofit/>
+          </a:bodyPr>
+          <a:lstStyle/>
+          <a:p>
+            <a:pPr lvl="1"/>
+            <a:r>
+              <a:rPr lang="en-US" sz="4000" dirty="0"/>
+              <a:t>Place comments describing task</a:t>
+            </a:r>
+          </a:p>
+          <a:p>
+            <a:pPr lvl="1"/>
+            <a:r>
+              <a:rPr lang="en-US" sz="4000" dirty="0"/>
+              <a:t>Use </a:t>
+            </a:r>
+            <a:r>
+              <a:rPr lang="en-US" sz="4000" b="1" dirty="0">
+                <a:latin typeface="Courier New" panose="02070309020205020404" pitchFamily="49" charset="0"/>
+                <a:cs typeface="Courier New" panose="02070309020205020404" pitchFamily="49" charset="0"/>
+              </a:rPr>
+              <a:t>while</a:t>
+            </a:r>
+            <a:r>
+              <a:rPr lang="en-US" sz="4000" dirty="0">
+                <a:latin typeface="Courier New" panose="02070309020205020404" pitchFamily="49" charset="0"/>
+                <a:cs typeface="Courier New" panose="02070309020205020404" pitchFamily="49" charset="0"/>
+              </a:rPr>
+              <a:t> </a:t>
+            </a:r>
+            <a:r>
+              <a:rPr lang="en-US" sz="4000" b="1" dirty="0">
+                <a:latin typeface="Courier New" panose="02070309020205020404" pitchFamily="49" charset="0"/>
+                <a:cs typeface="Courier New" panose="02070309020205020404" pitchFamily="49" charset="0"/>
+              </a:rPr>
+              <a:t>True:</a:t>
+            </a:r>
+          </a:p>
+          <a:p>
+            <a:pPr lvl="1"/>
+            <a:r>
+              <a:rPr lang="en-US" sz="4000" dirty="0">
+                <a:latin typeface="+mj-lt"/>
+                <a:cs typeface="Courier New" panose="02070309020205020404" pitchFamily="49" charset="0"/>
+              </a:rPr>
+              <a:t>What variables?</a:t>
+            </a:r>
+          </a:p>
+          <a:p>
+            <a:pPr lvl="1"/>
+            <a:r>
+              <a:rPr lang="en-US" sz="4000" dirty="0">
+                <a:latin typeface="+mj-lt"/>
+                <a:cs typeface="Courier New" panose="02070309020205020404" pitchFamily="49" charset="0"/>
+              </a:rPr>
+              <a:t>Use  string = </a:t>
+            </a:r>
+            <a:r>
+              <a:rPr lang="en-US" sz="4000" b="1" dirty="0">
+                <a:latin typeface="+mj-lt"/>
+                <a:cs typeface="Courier New" panose="02070309020205020404" pitchFamily="49" charset="0"/>
+              </a:rPr>
+              <a:t>input</a:t>
+            </a:r>
+            <a:r>
+              <a:rPr lang="en-US" sz="4000" dirty="0">
+                <a:latin typeface="+mj-lt"/>
+                <a:cs typeface="Courier New" panose="02070309020205020404" pitchFamily="49" charset="0"/>
+              </a:rPr>
+              <a:t>("…")</a:t>
+            </a:r>
+          </a:p>
+          <a:p>
+            <a:endParaRPr lang="en-US" sz="3600" dirty="0"/>
+          </a:p>
+        </p:txBody>
+      </p:sp>
+      <p:sp>
+        <p:nvSpPr>
+          <p:cNvPr id="4" name="Date Placeholder 3">
+            <a:extLst>
+              <a:ext uri="{FF2B5EF4-FFF2-40B4-BE49-F238E27FC236}">
+                <a16:creationId xmlns:a16="http://schemas.microsoft.com/office/drawing/2014/main" id="{30B3DA22-3C43-4E37-888B-097D431A17EF}"/>
+              </a:ext>
+            </a:extLst>
+          </p:cNvPr>
+          <p:cNvSpPr>
+            <a:spLocks noGrp="1"/>
+          </p:cNvSpPr>
+          <p:nvPr>
+            <p:ph type="dt" sz="half" idx="10"/>
+          </p:nvPr>
+        </p:nvSpPr>
+        <p:spPr>
+          <a:xfrm>
+            <a:off x="7205133" y="6041362"/>
+            <a:ext cx="911939" cy="365125"/>
+          </a:xfrm>
+        </p:spPr>
+        <p:txBody>
+          <a:bodyPr/>
+          <a:lstStyle/>
+          <a:p>
+            <a:fld id="{A7119916-CD40-456D-ABE3-55F8822671F7}" type="datetime1">
+              <a:rPr lang="en-US" smtClean="0"/>
+              <a:t>7/10/2022</a:t>
+            </a:fld>
+            <a:endParaRPr lang="en-US" dirty="0"/>
+          </a:p>
+        </p:txBody>
+      </p:sp>
+      <p:sp>
+        <p:nvSpPr>
+          <p:cNvPr id="5" name="Footer Placeholder 4">
+            <a:extLst>
+              <a:ext uri="{FF2B5EF4-FFF2-40B4-BE49-F238E27FC236}">
+                <a16:creationId xmlns:a16="http://schemas.microsoft.com/office/drawing/2014/main" id="{EED83B32-0C4F-40B1-A198-11765B0C1497}"/>
+              </a:ext>
+            </a:extLst>
+          </p:cNvPr>
+          <p:cNvSpPr>
+            <a:spLocks noGrp="1"/>
+          </p:cNvSpPr>
+          <p:nvPr>
+            <p:ph type="ftr" sz="quarter" idx="11"/>
+          </p:nvPr>
+        </p:nvSpPr>
+        <p:spPr>
+          <a:xfrm>
+            <a:off x="677334" y="6041362"/>
+            <a:ext cx="6297612" cy="365125"/>
+          </a:xfrm>
+        </p:spPr>
+        <p:txBody>
+          <a:bodyPr/>
+          <a:lstStyle/>
+          <a:p>
+            <a:r>
+              <a:rPr lang="en-US" dirty="0"/>
+              <a:t>raysmith@alum.mit.edu</a:t>
+            </a:r>
+          </a:p>
+        </p:txBody>
+      </p:sp>
+      <p:sp>
+        <p:nvSpPr>
+          <p:cNvPr id="6" name="Slide Number Placeholder 5">
+            <a:extLst>
+              <a:ext uri="{FF2B5EF4-FFF2-40B4-BE49-F238E27FC236}">
+                <a16:creationId xmlns:a16="http://schemas.microsoft.com/office/drawing/2014/main" id="{FBEECE10-1564-4052-B03D-51DF83B4EB52}"/>
+              </a:ext>
+            </a:extLst>
+          </p:cNvPr>
+          <p:cNvSpPr>
+            <a:spLocks noGrp="1"/>
+          </p:cNvSpPr>
+          <p:nvPr>
+            <p:ph type="sldNum" sz="quarter" idx="12"/>
+          </p:nvPr>
+        </p:nvSpPr>
+        <p:spPr>
+          <a:xfrm>
+            <a:off x="8590663" y="6041362"/>
+            <a:ext cx="683339" cy="365125"/>
+          </a:xfrm>
+        </p:spPr>
+        <p:txBody>
+          <a:bodyPr/>
+          <a:lstStyle/>
+          <a:p>
+            <a:fld id="{6D22F896-40B5-4ADD-8801-0D06FADFA095}" type="slidenum">
+              <a:rPr lang="en-US" smtClean="0"/>
+              <a:t>39</a:t>
             </a:fld>
             <a:endParaRPr lang="en-US" dirty="0"/>
           </a:p>
@@ -25842,7 +26379,251 @@
 </p:sld>
 </file>
 
-<file path=ppt/slides/slide39.xml><?xml version="1.0" encoding="utf-8"?>
+<file path=ppt/slides/slide4.xml><?xml version="1.0" encoding="utf-8"?>
+<p:sld xmlns:a="http://schemas.openxmlformats.org/drawingml/2006/main" xmlns:r="http://schemas.openxmlformats.org/officeDocument/2006/relationships" xmlns:p="http://schemas.openxmlformats.org/presentationml/2006/main">
+  <p:cSld>
+    <p:bg>
+      <p:bgPr>
+        <a:pattFill prst="pct5">
+          <a:fgClr>
+            <a:schemeClr val="accent1">
+              <a:lumMod val="20000"/>
+              <a:lumOff val="80000"/>
+            </a:schemeClr>
+          </a:fgClr>
+          <a:bgClr>
+            <a:schemeClr val="bg1"/>
+          </a:bgClr>
+        </a:pattFill>
+        <a:effectLst/>
+      </p:bgPr>
+    </p:bg>
+    <p:spTree>
+      <p:nvGrpSpPr>
+        <p:cNvPr id="1" name=""/>
+        <p:cNvGrpSpPr/>
+        <p:nvPr/>
+      </p:nvGrpSpPr>
+      <p:grpSpPr>
+        <a:xfrm>
+          <a:off x="0" y="0"/>
+          <a:ext cx="0" cy="0"/>
+          <a:chOff x="0" y="0"/>
+          <a:chExt cx="0" cy="0"/>
+        </a:xfrm>
+      </p:grpSpPr>
+      <p:sp>
+        <p:nvSpPr>
+          <p:cNvPr id="2" name="Title 1">
+            <a:extLst>
+              <a:ext uri="{FF2B5EF4-FFF2-40B4-BE49-F238E27FC236}">
+                <a16:creationId xmlns:a16="http://schemas.microsoft.com/office/drawing/2014/main" id="{77CB97A9-C99B-4AA3-B223-455230B37BDB}"/>
+              </a:ext>
+            </a:extLst>
+          </p:cNvPr>
+          <p:cNvSpPr>
+            <a:spLocks noGrp="1"/>
+          </p:cNvSpPr>
+          <p:nvPr>
+            <p:ph type="title"/>
+          </p:nvPr>
+        </p:nvSpPr>
+        <p:spPr/>
+        <p:txBody>
+          <a:bodyPr/>
+          <a:lstStyle/>
+          <a:p>
+            <a:r>
+              <a:rPr lang="en-US" dirty="0"/>
+              <a:t>Our Online Class – Using Zoom</a:t>
+            </a:r>
+          </a:p>
+        </p:txBody>
+      </p:sp>
+      <p:sp>
+        <p:nvSpPr>
+          <p:cNvPr id="3" name="Content Placeholder 2">
+            <a:extLst>
+              <a:ext uri="{FF2B5EF4-FFF2-40B4-BE49-F238E27FC236}">
+                <a16:creationId xmlns:a16="http://schemas.microsoft.com/office/drawing/2014/main" id="{7AC9CD65-FDE0-45AB-8C92-688A07CCC33C}"/>
+              </a:ext>
+            </a:extLst>
+          </p:cNvPr>
+          <p:cNvSpPr>
+            <a:spLocks noGrp="1"/>
+          </p:cNvSpPr>
+          <p:nvPr>
+            <p:ph idx="1"/>
+          </p:nvPr>
+        </p:nvSpPr>
+        <p:spPr/>
+        <p:txBody>
+          <a:bodyPr/>
+          <a:lstStyle/>
+          <a:p>
+            <a:r>
+              <a:rPr lang="en-US" sz="3600" dirty="0"/>
+              <a:t>If any background noise, please mute – minimizes cumulative noise</a:t>
+            </a:r>
+          </a:p>
+          <a:p>
+            <a:r>
+              <a:rPr lang="en-US" sz="3600" dirty="0"/>
+              <a:t>Disable own video – too many reduces clarity- Unless </a:t>
+            </a:r>
+            <a:r>
+              <a:rPr lang="en-US" sz="3600" dirty="0">
+                <a:solidFill>
+                  <a:srgbClr val="0070C0"/>
+                </a:solidFill>
+              </a:rPr>
+              <a:t>ASKING A QUESTION</a:t>
+            </a:r>
+          </a:p>
+          <a:p>
+            <a:r>
+              <a:rPr lang="en-US" sz="3600" dirty="0"/>
+              <a:t>Can question via Chat – can be to ALL</a:t>
+            </a:r>
+          </a:p>
+          <a:p>
+            <a:r>
+              <a:rPr lang="en-US" sz="3600" dirty="0"/>
+              <a:t>Expecting Response: Start "QUESTION:"</a:t>
+            </a:r>
+          </a:p>
+          <a:p>
+            <a:endParaRPr lang="en-US" sz="3600" dirty="0"/>
+          </a:p>
+          <a:p>
+            <a:endParaRPr lang="en-US" dirty="0"/>
+          </a:p>
+        </p:txBody>
+      </p:sp>
+      <p:sp>
+        <p:nvSpPr>
+          <p:cNvPr id="4" name="Date Placeholder 3">
+            <a:extLst>
+              <a:ext uri="{FF2B5EF4-FFF2-40B4-BE49-F238E27FC236}">
+                <a16:creationId xmlns:a16="http://schemas.microsoft.com/office/drawing/2014/main" id="{035F64DA-0813-483A-8A64-71924345DD0F}"/>
+              </a:ext>
+            </a:extLst>
+          </p:cNvPr>
+          <p:cNvSpPr>
+            <a:spLocks noGrp="1"/>
+          </p:cNvSpPr>
+          <p:nvPr>
+            <p:ph type="dt" sz="half" idx="10"/>
+          </p:nvPr>
+        </p:nvSpPr>
+        <p:spPr>
+          <a:xfrm>
+            <a:off x="7205133" y="6041362"/>
+            <a:ext cx="911939" cy="365125"/>
+          </a:xfrm>
+        </p:spPr>
+        <p:txBody>
+          <a:bodyPr/>
+          <a:lstStyle/>
+          <a:p>
+            <a:fld id="{17F33E47-61B9-4B4D-8325-8788C9EC3005}" type="datetime1">
+              <a:rPr lang="en-US" smtClean="0"/>
+              <a:t>7/10/2022</a:t>
+            </a:fld>
+            <a:endParaRPr lang="en-US" dirty="0"/>
+          </a:p>
+        </p:txBody>
+      </p:sp>
+      <p:sp>
+        <p:nvSpPr>
+          <p:cNvPr id="6" name="Slide Number Placeholder 5">
+            <a:extLst>
+              <a:ext uri="{FF2B5EF4-FFF2-40B4-BE49-F238E27FC236}">
+                <a16:creationId xmlns:a16="http://schemas.microsoft.com/office/drawing/2014/main" id="{DBD83744-B960-4FDC-9100-33AFA2226757}"/>
+              </a:ext>
+            </a:extLst>
+          </p:cNvPr>
+          <p:cNvSpPr>
+            <a:spLocks noGrp="1"/>
+          </p:cNvSpPr>
+          <p:nvPr>
+            <p:ph type="sldNum" sz="quarter" idx="12"/>
+          </p:nvPr>
+        </p:nvSpPr>
+        <p:spPr>
+          <a:xfrm>
+            <a:off x="8590663" y="6041362"/>
+            <a:ext cx="683339" cy="365125"/>
+          </a:xfrm>
+        </p:spPr>
+        <p:txBody>
+          <a:bodyPr/>
+          <a:lstStyle/>
+          <a:p>
+            <a:fld id="{6D22F896-40B5-4ADD-8801-0D06FADFA095}" type="slidenum">
+              <a:rPr lang="en-US" smtClean="0"/>
+              <a:t>4</a:t>
+            </a:fld>
+            <a:endParaRPr lang="en-US" dirty="0"/>
+          </a:p>
+        </p:txBody>
+      </p:sp>
+      <p:sp>
+        <p:nvSpPr>
+          <p:cNvPr id="7" name="Footer Placeholder 6">
+            <a:extLst>
+              <a:ext uri="{FF2B5EF4-FFF2-40B4-BE49-F238E27FC236}">
+                <a16:creationId xmlns:a16="http://schemas.microsoft.com/office/drawing/2014/main" id="{75AF28DD-11BC-43F5-9F29-84518C3B6230}"/>
+              </a:ext>
+            </a:extLst>
+          </p:cNvPr>
+          <p:cNvSpPr>
+            <a:spLocks noGrp="1"/>
+          </p:cNvSpPr>
+          <p:nvPr>
+            <p:ph type="ftr" sz="quarter" idx="11"/>
+          </p:nvPr>
+        </p:nvSpPr>
+        <p:spPr>
+          <a:xfrm>
+            <a:off x="677334" y="6041362"/>
+            <a:ext cx="6297612" cy="365125"/>
+          </a:xfrm>
+        </p:spPr>
+        <p:txBody>
+          <a:bodyPr/>
+          <a:lstStyle/>
+          <a:p>
+            <a:r>
+              <a:rPr lang="en-US" dirty="0"/>
+              <a:t>raysmith@alum.mit.edu</a:t>
+            </a:r>
+            <a:r>
+              <a:rPr lang="en-US" sz="900" dirty="0">
+                <a:solidFill>
+                  <a:schemeClr val="accent1"/>
+                </a:solidFill>
+              </a:rPr>
+              <a:t>	Session #1  Introduction  Touching on the topic</a:t>
+            </a:r>
+            <a:endParaRPr lang="en-US" dirty="0"/>
+          </a:p>
+        </p:txBody>
+      </p:sp>
+    </p:spTree>
+    <p:extLst>
+      <p:ext uri="{BB962C8B-B14F-4D97-AF65-F5344CB8AC3E}">
+        <p14:creationId xmlns:p14="http://schemas.microsoft.com/office/powerpoint/2010/main" val="1702319868"/>
+      </p:ext>
+    </p:extLst>
+  </p:cSld>
+  <p:clrMapOvr>
+    <a:masterClrMapping/>
+  </p:clrMapOvr>
+</p:sld>
+</file>
+
+<file path=ppt/slides/slide40.xml><?xml version="1.0" encoding="utf-8"?>
 <p:sld xmlns:a="http://schemas.openxmlformats.org/drawingml/2006/main" xmlns:r="http://schemas.openxmlformats.org/officeDocument/2006/relationships" xmlns:p="http://schemas.openxmlformats.org/presentationml/2006/main">
   <p:cSld>
     <p:bg>
@@ -25990,7 +26771,7 @@
           <a:p>
             <a:fld id="{E23F3936-AFA8-453C-AA83-20BED14AE09C}" type="datetime1">
               <a:rPr lang="en-US" smtClean="0"/>
-              <a:t>7/3/2022</a:t>
+              <a:t>7/10/2022</a:t>
             </a:fld>
             <a:endParaRPr lang="en-US" dirty="0"/>
           </a:p>
@@ -26024,7 +26805,7 @@
           <a:p>
             <a:fld id="{6D22F896-40B5-4ADD-8801-0D06FADFA095}" type="slidenum">
               <a:rPr lang="en-US" smtClean="0"/>
-              <a:t>39</a:t>
+              <a:t>40</a:t>
             </a:fld>
             <a:endParaRPr lang="en-US" dirty="0"/>
           </a:p>
@@ -26076,251 +26857,7 @@
 </p:sld>
 </file>
 
-<file path=ppt/slides/slide4.xml><?xml version="1.0" encoding="utf-8"?>
-<p:sld xmlns:a="http://schemas.openxmlformats.org/drawingml/2006/main" xmlns:r="http://schemas.openxmlformats.org/officeDocument/2006/relationships" xmlns:p="http://schemas.openxmlformats.org/presentationml/2006/main">
-  <p:cSld>
-    <p:bg>
-      <p:bgPr>
-        <a:pattFill prst="pct5">
-          <a:fgClr>
-            <a:schemeClr val="accent1">
-              <a:lumMod val="20000"/>
-              <a:lumOff val="80000"/>
-            </a:schemeClr>
-          </a:fgClr>
-          <a:bgClr>
-            <a:schemeClr val="bg1"/>
-          </a:bgClr>
-        </a:pattFill>
-        <a:effectLst/>
-      </p:bgPr>
-    </p:bg>
-    <p:spTree>
-      <p:nvGrpSpPr>
-        <p:cNvPr id="1" name=""/>
-        <p:cNvGrpSpPr/>
-        <p:nvPr/>
-      </p:nvGrpSpPr>
-      <p:grpSpPr>
-        <a:xfrm>
-          <a:off x="0" y="0"/>
-          <a:ext cx="0" cy="0"/>
-          <a:chOff x="0" y="0"/>
-          <a:chExt cx="0" cy="0"/>
-        </a:xfrm>
-      </p:grpSpPr>
-      <p:sp>
-        <p:nvSpPr>
-          <p:cNvPr id="2" name="Title 1">
-            <a:extLst>
-              <a:ext uri="{FF2B5EF4-FFF2-40B4-BE49-F238E27FC236}">
-                <a16:creationId xmlns:a16="http://schemas.microsoft.com/office/drawing/2014/main" id="{77CB97A9-C99B-4AA3-B223-455230B37BDB}"/>
-              </a:ext>
-            </a:extLst>
-          </p:cNvPr>
-          <p:cNvSpPr>
-            <a:spLocks noGrp="1"/>
-          </p:cNvSpPr>
-          <p:nvPr>
-            <p:ph type="title"/>
-          </p:nvPr>
-        </p:nvSpPr>
-        <p:spPr/>
-        <p:txBody>
-          <a:bodyPr/>
-          <a:lstStyle/>
-          <a:p>
-            <a:r>
-              <a:rPr lang="en-US" dirty="0"/>
-              <a:t>Our Online Class – Using Zoom</a:t>
-            </a:r>
-          </a:p>
-        </p:txBody>
-      </p:sp>
-      <p:sp>
-        <p:nvSpPr>
-          <p:cNvPr id="3" name="Content Placeholder 2">
-            <a:extLst>
-              <a:ext uri="{FF2B5EF4-FFF2-40B4-BE49-F238E27FC236}">
-                <a16:creationId xmlns:a16="http://schemas.microsoft.com/office/drawing/2014/main" id="{7AC9CD65-FDE0-45AB-8C92-688A07CCC33C}"/>
-              </a:ext>
-            </a:extLst>
-          </p:cNvPr>
-          <p:cNvSpPr>
-            <a:spLocks noGrp="1"/>
-          </p:cNvSpPr>
-          <p:nvPr>
-            <p:ph idx="1"/>
-          </p:nvPr>
-        </p:nvSpPr>
-        <p:spPr/>
-        <p:txBody>
-          <a:bodyPr/>
-          <a:lstStyle/>
-          <a:p>
-            <a:r>
-              <a:rPr lang="en-US" sz="3600" dirty="0"/>
-              <a:t>If any background noise, please mute – minimizes cumulative noise</a:t>
-            </a:r>
-          </a:p>
-          <a:p>
-            <a:r>
-              <a:rPr lang="en-US" sz="3600" dirty="0"/>
-              <a:t>Disable own video – too many reduces clarity- Unless </a:t>
-            </a:r>
-            <a:r>
-              <a:rPr lang="en-US" sz="3600" dirty="0">
-                <a:solidFill>
-                  <a:srgbClr val="0070C0"/>
-                </a:solidFill>
-              </a:rPr>
-              <a:t>ASKING A QUESTION</a:t>
-            </a:r>
-          </a:p>
-          <a:p>
-            <a:r>
-              <a:rPr lang="en-US" sz="3600" dirty="0"/>
-              <a:t>Can question via Chat – can be to ALL</a:t>
-            </a:r>
-          </a:p>
-          <a:p>
-            <a:r>
-              <a:rPr lang="en-US" sz="3600" dirty="0"/>
-              <a:t>Expecting Response: Start "QUESTION:"</a:t>
-            </a:r>
-          </a:p>
-          <a:p>
-            <a:endParaRPr lang="en-US" sz="3600" dirty="0"/>
-          </a:p>
-          <a:p>
-            <a:endParaRPr lang="en-US" dirty="0"/>
-          </a:p>
-        </p:txBody>
-      </p:sp>
-      <p:sp>
-        <p:nvSpPr>
-          <p:cNvPr id="4" name="Date Placeholder 3">
-            <a:extLst>
-              <a:ext uri="{FF2B5EF4-FFF2-40B4-BE49-F238E27FC236}">
-                <a16:creationId xmlns:a16="http://schemas.microsoft.com/office/drawing/2014/main" id="{035F64DA-0813-483A-8A64-71924345DD0F}"/>
-              </a:ext>
-            </a:extLst>
-          </p:cNvPr>
-          <p:cNvSpPr>
-            <a:spLocks noGrp="1"/>
-          </p:cNvSpPr>
-          <p:nvPr>
-            <p:ph type="dt" sz="half" idx="10"/>
-          </p:nvPr>
-        </p:nvSpPr>
-        <p:spPr>
-          <a:xfrm>
-            <a:off x="7205133" y="6041362"/>
-            <a:ext cx="911939" cy="365125"/>
-          </a:xfrm>
-        </p:spPr>
-        <p:txBody>
-          <a:bodyPr/>
-          <a:lstStyle/>
-          <a:p>
-            <a:fld id="{17F33E47-61B9-4B4D-8325-8788C9EC3005}" type="datetime1">
-              <a:rPr lang="en-US" smtClean="0"/>
-              <a:t>7/3/2022</a:t>
-            </a:fld>
-            <a:endParaRPr lang="en-US" dirty="0"/>
-          </a:p>
-        </p:txBody>
-      </p:sp>
-      <p:sp>
-        <p:nvSpPr>
-          <p:cNvPr id="6" name="Slide Number Placeholder 5">
-            <a:extLst>
-              <a:ext uri="{FF2B5EF4-FFF2-40B4-BE49-F238E27FC236}">
-                <a16:creationId xmlns:a16="http://schemas.microsoft.com/office/drawing/2014/main" id="{DBD83744-B960-4FDC-9100-33AFA2226757}"/>
-              </a:ext>
-            </a:extLst>
-          </p:cNvPr>
-          <p:cNvSpPr>
-            <a:spLocks noGrp="1"/>
-          </p:cNvSpPr>
-          <p:nvPr>
-            <p:ph type="sldNum" sz="quarter" idx="12"/>
-          </p:nvPr>
-        </p:nvSpPr>
-        <p:spPr>
-          <a:xfrm>
-            <a:off x="8590663" y="6041362"/>
-            <a:ext cx="683339" cy="365125"/>
-          </a:xfrm>
-        </p:spPr>
-        <p:txBody>
-          <a:bodyPr/>
-          <a:lstStyle/>
-          <a:p>
-            <a:fld id="{6D22F896-40B5-4ADD-8801-0D06FADFA095}" type="slidenum">
-              <a:rPr lang="en-US" smtClean="0"/>
-              <a:t>4</a:t>
-            </a:fld>
-            <a:endParaRPr lang="en-US" dirty="0"/>
-          </a:p>
-        </p:txBody>
-      </p:sp>
-      <p:sp>
-        <p:nvSpPr>
-          <p:cNvPr id="7" name="Footer Placeholder 6">
-            <a:extLst>
-              <a:ext uri="{FF2B5EF4-FFF2-40B4-BE49-F238E27FC236}">
-                <a16:creationId xmlns:a16="http://schemas.microsoft.com/office/drawing/2014/main" id="{75AF28DD-11BC-43F5-9F29-84518C3B6230}"/>
-              </a:ext>
-            </a:extLst>
-          </p:cNvPr>
-          <p:cNvSpPr>
-            <a:spLocks noGrp="1"/>
-          </p:cNvSpPr>
-          <p:nvPr>
-            <p:ph type="ftr" sz="quarter" idx="11"/>
-          </p:nvPr>
-        </p:nvSpPr>
-        <p:spPr>
-          <a:xfrm>
-            <a:off x="677334" y="6041362"/>
-            <a:ext cx="6297612" cy="365125"/>
-          </a:xfrm>
-        </p:spPr>
-        <p:txBody>
-          <a:bodyPr/>
-          <a:lstStyle/>
-          <a:p>
-            <a:r>
-              <a:rPr lang="en-US" dirty="0"/>
-              <a:t>raysmith@alum.mit.edu</a:t>
-            </a:r>
-            <a:r>
-              <a:rPr lang="en-US" sz="900" dirty="0">
-                <a:solidFill>
-                  <a:schemeClr val="accent1"/>
-                </a:solidFill>
-              </a:rPr>
-              <a:t>	Session #1  Introduction  Touching on the topic</a:t>
-            </a:r>
-            <a:endParaRPr lang="en-US" dirty="0"/>
-          </a:p>
-        </p:txBody>
-      </p:sp>
-    </p:spTree>
-    <p:extLst>
-      <p:ext uri="{BB962C8B-B14F-4D97-AF65-F5344CB8AC3E}">
-        <p14:creationId xmlns:p14="http://schemas.microsoft.com/office/powerpoint/2010/main" val="1702319868"/>
-      </p:ext>
-    </p:extLst>
-  </p:cSld>
-  <p:clrMapOvr>
-    <a:masterClrMapping/>
-  </p:clrMapOvr>
-</p:sld>
-</file>
-
-<file path=ppt/slides/slide40.xml><?xml version="1.0" encoding="utf-8"?>
+<file path=ppt/slides/slide41.xml><?xml version="1.0" encoding="utf-8"?>
 <p:sld xmlns:a="http://schemas.openxmlformats.org/drawingml/2006/main" xmlns:r="http://schemas.openxmlformats.org/officeDocument/2006/relationships" xmlns:p="http://schemas.openxmlformats.org/presentationml/2006/main" show="0">
   <p:cSld>
     <p:spTree>
@@ -26391,7 +26928,7 @@
         <p:spPr>
           <a:xfrm>
             <a:off x="111512" y="1942512"/>
-            <a:ext cx="9595662" cy="4110962"/>
+            <a:ext cx="10685018" cy="4110962"/>
           </a:xfrm>
         </p:spPr>
         <p:txBody>
@@ -26403,17 +26940,6 @@
             <a:pPr marL="0" indent="0">
               <a:buNone/>
             </a:pPr>
-            <a:r>
-              <a:rPr lang="en-US" sz="2000" dirty="0">
-                <a:solidFill>
-                  <a:schemeClr val="tx1"/>
-                </a:solidFill>
-                <a:latin typeface="Trebuchet MS" panose="020B0603020202020204"/>
-                <a:ea typeface="+mj-ea"/>
-                <a:cs typeface="+mj-cs"/>
-              </a:rPr>
-              <a:t>presentation/Class_1_Introduction</a:t>
-            </a:r>
             <a:r>
               <a:rPr lang="en-US" sz="2800" dirty="0">
                 <a:solidFill>
@@ -26423,7 +26949,7 @@
                 <a:ea typeface="+mj-ea"/>
                 <a:cs typeface="+mj-cs"/>
               </a:rPr>
-              <a:t>/homework/Introduction.docx</a:t>
+              <a:t>presentation/Class_1_Introduction/homework/Introduction.docx</a:t>
             </a:r>
             <a:endParaRPr lang="en-US" sz="2800" dirty="0">
               <a:solidFill>
@@ -26434,28 +26960,28 @@
           <a:p>
             <a:pPr marL="800100" lvl="1"/>
             <a:r>
-              <a:rPr lang="en-US" sz="3400" dirty="0"/>
+              <a:rPr lang="en-US" sz="4000" dirty="0"/>
               <a:t>For your benefit / fun</a:t>
             </a:r>
           </a:p>
           <a:p>
             <a:pPr marL="800100" lvl="1"/>
             <a:r>
-              <a:rPr lang="en-US" sz="3400" dirty="0"/>
+              <a:rPr lang="en-US" sz="4000" dirty="0"/>
               <a:t>As much / little as you can</a:t>
             </a:r>
           </a:p>
           <a:p>
             <a:pPr marL="800100" lvl="1"/>
             <a:r>
-              <a:rPr lang="en-US" sz="3400" dirty="0"/>
+              <a:rPr lang="en-US" sz="4000" dirty="0"/>
               <a:t>Contact me if problems / questions</a:t>
             </a:r>
           </a:p>
           <a:p>
             <a:pPr marL="800100" lvl="1"/>
             <a:r>
-              <a:rPr lang="en-US" sz="3400" dirty="0"/>
+              <a:rPr lang="en-US" sz="4000" dirty="0"/>
               <a:t>Have fun!</a:t>
             </a:r>
           </a:p>
@@ -26493,7 +27019,7 @@
           <a:p>
             <a:fld id="{0B07C6D0-642C-4A40-B0F1-13ED56048173}" type="datetime1">
               <a:rPr lang="en-US" smtClean="0"/>
-              <a:t>7/3/2022</a:t>
+              <a:t>7/10/2022</a:t>
             </a:fld>
             <a:endParaRPr lang="en-US" dirty="0"/>
           </a:p>
@@ -26527,7 +27053,7 @@
           <a:p>
             <a:fld id="{6D22F896-40B5-4ADD-8801-0D06FADFA095}" type="slidenum">
               <a:rPr lang="en-US" smtClean="0"/>
-              <a:t>40</a:t>
+              <a:t>41</a:t>
             </a:fld>
             <a:endParaRPr lang="en-US" dirty="0"/>
           </a:p>
@@ -26579,7 +27105,7 @@
 </p:sld>
 </file>
 
-<file path=ppt/slides/slide41.xml><?xml version="1.0" encoding="utf-8"?>
+<file path=ppt/slides/slide42.xml><?xml version="1.0" encoding="utf-8"?>
 <p:sld xmlns:a="http://schemas.openxmlformats.org/drawingml/2006/main" xmlns:r="http://schemas.openxmlformats.org/officeDocument/2006/relationships" xmlns:p="http://schemas.openxmlformats.org/presentationml/2006/main">
   <p:cSld>
     <p:spTree>
@@ -26659,7 +27185,7 @@
           <a:p>
             <a:fld id="{A7119916-CD40-456D-ABE3-55F8822671F7}" type="datetime1">
               <a:rPr lang="en-US" smtClean="0"/>
-              <a:t>7/3/2022</a:t>
+              <a:t>7/10/2022</a:t>
             </a:fld>
             <a:endParaRPr lang="en-US" dirty="0"/>
           </a:p>
@@ -26726,7 +27252,7 @@
           <a:p>
             <a:fld id="{6D22F896-40B5-4ADD-8801-0D06FADFA095}" type="slidenum">
               <a:rPr lang="en-US" smtClean="0"/>
-              <a:t>41</a:t>
+              <a:t>42</a:t>
             </a:fld>
             <a:endParaRPr lang="en-US" dirty="0"/>
           </a:p>
@@ -26941,7 +27467,7 @@
           <a:p>
             <a:fld id="{0B07C6D0-642C-4A40-B0F1-13ED56048173}" type="datetime1">
               <a:rPr lang="en-US" smtClean="0"/>
-              <a:t>7/3/2022</a:t>
+              <a:t>7/10/2022</a:t>
             </a:fld>
             <a:endParaRPr lang="en-US" dirty="0"/>
           </a:p>
@@ -27286,7 +27812,7 @@
           <a:p>
             <a:fld id="{52E41419-A9A0-4E48-99EF-6542B4AE3C79}" type="datetime1">
               <a:rPr lang="en-US" smtClean="0"/>
-              <a:t>7/3/2022</a:t>
+              <a:t>7/10/2022</a:t>
             </a:fld>
             <a:endParaRPr lang="en-US" dirty="0"/>
           </a:p>
@@ -27602,7 +28128,7 @@
           <a:p>
             <a:fld id="{52E41419-A9A0-4E48-99EF-6542B4AE3C79}" type="datetime1">
               <a:rPr lang="en-US" smtClean="0"/>
-              <a:t>7/3/2022</a:t>
+              <a:t>7/10/2022</a:t>
             </a:fld>
             <a:endParaRPr lang="en-US" dirty="0"/>
           </a:p>
@@ -27948,7 +28474,7 @@
           <a:p>
             <a:fld id="{52E41419-A9A0-4E48-99EF-6542B4AE3C79}" type="datetime1">
               <a:rPr lang="en-US" smtClean="0"/>
-              <a:t>7/3/2022</a:t>
+              <a:t>7/10/2022</a:t>
             </a:fld>
             <a:endParaRPr lang="en-US" dirty="0"/>
           </a:p>
@@ -28255,7 +28781,7 @@
           <a:p>
             <a:fld id="{52E41419-A9A0-4E48-99EF-6542B4AE3C79}" type="datetime1">
               <a:rPr lang="en-US" smtClean="0"/>
-              <a:t>7/3/2022</a:t>
+              <a:t>7/10/2022</a:t>
             </a:fld>
             <a:endParaRPr lang="en-US" dirty="0"/>
           </a:p>

--- a/presentation/Class_1_Introduction/Class_1_Introduction.pptx
+++ b/presentation/Class_1_Introduction/Class_1_Introduction.pptx
@@ -167,7 +167,7 @@
 <file path=ppt/commentAuthors.xml><?xml version="1.0" encoding="utf-8"?>
 <p:cmAuthorLst xmlns:a="http://schemas.openxmlformats.org/drawingml/2006/main" xmlns:r="http://schemas.openxmlformats.org/officeDocument/2006/relationships" xmlns:p="http://schemas.openxmlformats.org/presentationml/2006/main">
   <p:cmAuthor id="1" name="Charles Smith" initials="" lastIdx="0" clrIdx="0"/>
-  <p:cmAuthor id="2" name="Charles Smith" initials="CS" lastIdx="3" clrIdx="1">
+  <p:cmAuthor id="2" name="Charles Smith" initials="CS" lastIdx="4" clrIdx="1">
     <p:extLst>
       <p:ext uri="{19B8F6BF-5375-455C-9EA6-DF929625EA0E}">
         <p15:presenceInfo xmlns:p15="http://schemas.microsoft.com/office/powerpoint/2012/main" userId="1b3e2396226a364e" providerId="Windows Live"/>
@@ -274,7 +274,7 @@
           <a:p>
             <a:fld id="{A7D9A7DC-F1CD-4708-A473-876A4B3B8934}" type="datetime1">
               <a:rPr lang="en-US" smtClean="0"/>
-              <a:t>7/10/2022</a:t>
+              <a:t>8/7/2022</a:t>
             </a:fld>
             <a:endParaRPr lang="en-US" dirty="0"/>
           </a:p>
@@ -458,7 +458,7 @@
           <a:p>
             <a:fld id="{A596092B-28C7-44D1-B902-5437B333DFB7}" type="datetime1">
               <a:rPr lang="en-US" smtClean="0"/>
-              <a:t>7/10/2022</a:t>
+              <a:t>8/7/2022</a:t>
             </a:fld>
             <a:endParaRPr lang="en-US" dirty="0"/>
           </a:p>
@@ -816,7 +816,7 @@
           <a:p>
             <a:fld id="{A596092B-28C7-44D1-B902-5437B333DFB7}" type="datetime1">
               <a:rPr lang="en-US" smtClean="0"/>
-              <a:t>7/10/2022</a:t>
+              <a:t>8/7/2022</a:t>
             </a:fld>
             <a:endParaRPr lang="en-US" dirty="0"/>
           </a:p>
@@ -970,7 +970,7 @@
           <a:p>
             <a:fld id="{A596092B-28C7-44D1-B902-5437B333DFB7}" type="datetime1">
               <a:rPr lang="en-US" smtClean="0"/>
-              <a:t>7/10/2022</a:t>
+              <a:t>8/7/2022</a:t>
             </a:fld>
             <a:endParaRPr lang="en-US" dirty="0"/>
           </a:p>
@@ -1130,7 +1130,7 @@
           <a:p>
             <a:fld id="{A596092B-28C7-44D1-B902-5437B333DFB7}" type="datetime1">
               <a:rPr lang="en-US" smtClean="0"/>
-              <a:t>7/10/2022</a:t>
+              <a:t>8/7/2022</a:t>
             </a:fld>
             <a:endParaRPr lang="en-US" dirty="0"/>
           </a:p>
@@ -1284,7 +1284,7 @@
           <a:p>
             <a:fld id="{A596092B-28C7-44D1-B902-5437B333DFB7}" type="datetime1">
               <a:rPr lang="en-US" smtClean="0"/>
-              <a:t>7/10/2022</a:t>
+              <a:t>8/7/2022</a:t>
             </a:fld>
             <a:endParaRPr lang="en-US" dirty="0"/>
           </a:p>
@@ -1438,7 +1438,7 @@
           <a:p>
             <a:fld id="{A596092B-28C7-44D1-B902-5437B333DFB7}" type="datetime1">
               <a:rPr lang="en-US" smtClean="0"/>
-              <a:t>7/10/2022</a:t>
+              <a:t>8/7/2022</a:t>
             </a:fld>
             <a:endParaRPr lang="en-US" dirty="0"/>
           </a:p>
@@ -1592,7 +1592,7 @@
           <a:p>
             <a:fld id="{A596092B-28C7-44D1-B902-5437B333DFB7}" type="datetime1">
               <a:rPr lang="en-US" smtClean="0"/>
-              <a:t>7/10/2022</a:t>
+              <a:t>8/7/2022</a:t>
             </a:fld>
             <a:endParaRPr lang="en-US" dirty="0"/>
           </a:p>
@@ -1743,7 +1743,7 @@
           <a:p>
             <a:fld id="{A596092B-28C7-44D1-B902-5437B333DFB7}" type="datetime1">
               <a:rPr lang="en-US" smtClean="0"/>
-              <a:t>7/10/2022</a:t>
+              <a:t>8/7/2022</a:t>
             </a:fld>
             <a:endParaRPr lang="en-US" dirty="0"/>
           </a:p>
@@ -1913,7 +1913,7 @@
               <a:pPr defTabSz="471145">
                 <a:defRPr/>
               </a:pPr>
-              <a:t>7/10/2022</a:t>
+              <a:t>8/7/2022</a:t>
             </a:fld>
             <a:endParaRPr lang="en-US" dirty="0">
               <a:solidFill>
@@ -2093,7 +2093,7 @@
           <a:p>
             <a:fld id="{A596092B-28C7-44D1-B902-5437B333DFB7}" type="datetime1">
               <a:rPr lang="en-US" smtClean="0"/>
-              <a:t>7/10/2022</a:t>
+              <a:t>8/7/2022</a:t>
             </a:fld>
             <a:endParaRPr lang="en-US" dirty="0"/>
           </a:p>
@@ -2244,7 +2244,7 @@
           <a:p>
             <a:fld id="{A596092B-28C7-44D1-B902-5437B333DFB7}" type="datetime1">
               <a:rPr lang="en-US" smtClean="0"/>
-              <a:t>7/10/2022</a:t>
+              <a:t>8/7/2022</a:t>
             </a:fld>
             <a:endParaRPr lang="en-US" dirty="0"/>
           </a:p>
@@ -2354,23 +2354,8 @@
           <a:p>
             <a:r>
               <a:rPr lang="en-US" dirty="0"/>
-              <a:t>What sort of programs are there?  Could there be?</a:t>
-            </a:r>
-          </a:p>
-          <a:p>
-            <a:r>
-              <a:rPr lang="en-US" dirty="0"/>
-              <a:t>Calculators – financial, industrial</a:t>
-            </a:r>
-          </a:p>
-          <a:p>
-            <a:r>
-              <a:rPr lang="en-US" dirty="0"/>
-              <a:t>Games</a:t>
-            </a:r>
-          </a:p>
-          <a:p>
-            <a:endParaRPr lang="en-US" dirty="0"/>
+              <a:t>Computer languages often give precise additional meanings to words or punctuation that have general use in the generally spoken or written language.  This is similar to traffic signals giving special meanings to color, e.g., "red" – stop, "green" - go</a:t>
+            </a:r>
           </a:p>
         </p:txBody>
       </p:sp>
@@ -2381,18 +2366,19 @@
             <a:spLocks noGrp="1"/>
           </p:cNvSpPr>
           <p:nvPr>
-            <p:ph type="hdr" sz="quarter" idx="10"/>
-          </p:nvPr>
-        </p:nvSpPr>
-        <p:spPr/>
-        <p:txBody>
-          <a:bodyPr/>
-          <a:lstStyle/>
-          <a:p>
-            <a:r>
-              <a:rPr lang="en-US" dirty="0"/>
+            <p:ph type="hdr" sz="quarter"/>
+          </p:nvPr>
+        </p:nvSpPr>
+        <p:spPr/>
+        <p:txBody>
+          <a:bodyPr/>
+          <a:lstStyle/>
+          <a:p>
+            <a:r>
+              <a:rPr lang="en-US"/>
               <a:t>Introduction to Programming using Python</a:t>
             </a:r>
+            <a:endParaRPr lang="en-US" dirty="0"/>
           </a:p>
         </p:txBody>
       </p:sp>
@@ -2403,7 +2389,7 @@
             <a:spLocks noGrp="1"/>
           </p:cNvSpPr>
           <p:nvPr>
-            <p:ph type="dt" idx="11"/>
+            <p:ph type="dt" idx="1"/>
           </p:nvPr>
         </p:nvSpPr>
         <p:spPr/>
@@ -2413,7 +2399,7 @@
           <a:p>
             <a:fld id="{A596092B-28C7-44D1-B902-5437B333DFB7}" type="datetime1">
               <a:rPr lang="en-US" smtClean="0"/>
-              <a:t>7/10/2022</a:t>
+              <a:t>8/7/2022</a:t>
             </a:fld>
             <a:endParaRPr lang="en-US" dirty="0"/>
           </a:p>
@@ -2426,18 +2412,19 @@
             <a:spLocks noGrp="1"/>
           </p:cNvSpPr>
           <p:nvPr>
-            <p:ph type="ftr" sz="quarter" idx="12"/>
-          </p:nvPr>
-        </p:nvSpPr>
-        <p:spPr/>
-        <p:txBody>
-          <a:bodyPr/>
-          <a:lstStyle/>
-          <a:p>
-            <a:r>
-              <a:rPr lang="en-US" dirty="0"/>
+            <p:ph type="ftr" sz="quarter" idx="4"/>
+          </p:nvPr>
+        </p:nvSpPr>
+        <p:spPr/>
+        <p:txBody>
+          <a:bodyPr/>
+          <a:lstStyle/>
+          <a:p>
+            <a:r>
+              <a:rPr lang="en-US"/>
               <a:t>raysmith@alum.mit.edu</a:t>
             </a:r>
+            <a:endParaRPr lang="en-US" dirty="0"/>
           </a:p>
         </p:txBody>
       </p:sp>
@@ -2448,7 +2435,7 @@
             <a:spLocks noGrp="1"/>
           </p:cNvSpPr>
           <p:nvPr>
-            <p:ph type="sldNum" sz="quarter" idx="13"/>
+            <p:ph type="sldNum" sz="quarter" idx="5"/>
           </p:nvPr>
         </p:nvSpPr>
         <p:spPr/>
@@ -2458,7 +2445,7 @@
           <a:p>
             <a:fld id="{BA791329-992B-4F83-8435-C33B0EC26DB3}" type="slidenum">
               <a:rPr lang="en-US" smtClean="0"/>
-              <a:t>34</a:t>
+              <a:t>31</a:t>
             </a:fld>
             <a:endParaRPr lang="en-US" dirty="0"/>
           </a:p>
@@ -2467,7 +2454,7 @@
     </p:spTree>
     <p:extLst>
       <p:ext uri="{BB962C8B-B14F-4D97-AF65-F5344CB8AC3E}">
-        <p14:creationId xmlns:p14="http://schemas.microsoft.com/office/powerpoint/2010/main" val="4128196182"/>
+        <p14:creationId xmlns:p14="http://schemas.microsoft.com/office/powerpoint/2010/main" val="3159350125"/>
       </p:ext>
     </p:extLst>
   </p:cSld>
@@ -2582,7 +2569,7 @@
           <a:p>
             <a:fld id="{A596092B-28C7-44D1-B902-5437B333DFB7}" type="datetime1">
               <a:rPr lang="en-US" smtClean="0"/>
-              <a:t>7/10/2022</a:t>
+              <a:t>8/7/2022</a:t>
             </a:fld>
             <a:endParaRPr lang="en-US" dirty="0"/>
           </a:p>
@@ -2692,26 +2679,23 @@
           <a:p>
             <a:r>
               <a:rPr lang="en-US" dirty="0"/>
-              <a:t>Demonstrate: exercises/twenty_questions_dev/iteration_7.py</a:t>
+              <a:t>What sort of programs are there?  Could there be?</a:t>
             </a:r>
           </a:p>
           <a:p>
             <a:r>
               <a:rPr lang="en-US" dirty="0"/>
-              <a:t>Have the class play/guess.</a:t>
+              <a:t>Calculators – financial, industrial</a:t>
             </a:r>
           </a:p>
           <a:p>
             <a:r>
               <a:rPr lang="en-US" dirty="0"/>
-              <a:t>What improvements / extensions to this program?</a:t>
-            </a:r>
-          </a:p>
-          <a:p>
-            <a:r>
-              <a:rPr lang="en-US" dirty="0"/>
-              <a:t>What should we be able to do with programs?</a:t>
-            </a:r>
+              <a:t>Games</a:t>
+            </a:r>
+          </a:p>
+          <a:p>
+            <a:endParaRPr lang="en-US" dirty="0"/>
           </a:p>
         </p:txBody>
       </p:sp>
@@ -2754,7 +2738,7 @@
           <a:p>
             <a:fld id="{A596092B-28C7-44D1-B902-5437B333DFB7}" type="datetime1">
               <a:rPr lang="en-US" smtClean="0"/>
-              <a:t>7/10/2022</a:t>
+              <a:t>8/7/2022</a:t>
             </a:fld>
             <a:endParaRPr lang="en-US" dirty="0"/>
           </a:p>
@@ -2799,7 +2783,7 @@
           <a:p>
             <a:fld id="{BA791329-992B-4F83-8435-C33B0EC26DB3}" type="slidenum">
               <a:rPr lang="en-US" smtClean="0"/>
-              <a:t>35</a:t>
+              <a:t>34</a:t>
             </a:fld>
             <a:endParaRPr lang="en-US" dirty="0"/>
           </a:p>
@@ -2808,7 +2792,7 @@
     </p:spTree>
     <p:extLst>
       <p:ext uri="{BB962C8B-B14F-4D97-AF65-F5344CB8AC3E}">
-        <p14:creationId xmlns:p14="http://schemas.microsoft.com/office/powerpoint/2010/main" val="1047706779"/>
+        <p14:creationId xmlns:p14="http://schemas.microsoft.com/office/powerpoint/2010/main" val="4128196182"/>
       </p:ext>
     </p:extLst>
   </p:cSld>
@@ -2864,23 +2848,26 @@
           <a:p>
             <a:r>
               <a:rPr lang="en-US" dirty="0"/>
-              <a:t>What sort of programs are there?  Could there be?</a:t>
+              <a:t>Demonstrate: exercises/twenty_questions_dev/iteration_7.py</a:t>
             </a:r>
           </a:p>
           <a:p>
             <a:r>
               <a:rPr lang="en-US" dirty="0"/>
-              <a:t>Calculators – financial, industrial</a:t>
+              <a:t>Have the class play/guess.</a:t>
             </a:r>
           </a:p>
           <a:p>
             <a:r>
               <a:rPr lang="en-US" dirty="0"/>
-              <a:t>Games</a:t>
-            </a:r>
-          </a:p>
-          <a:p>
-            <a:endParaRPr lang="en-US" dirty="0"/>
+              <a:t>What improvements / extensions to this program?</a:t>
+            </a:r>
+          </a:p>
+          <a:p>
+            <a:r>
+              <a:rPr lang="en-US" dirty="0"/>
+              <a:t>What should we be able to do with programs?</a:t>
+            </a:r>
           </a:p>
         </p:txBody>
       </p:sp>
@@ -2923,7 +2910,7 @@
           <a:p>
             <a:fld id="{A596092B-28C7-44D1-B902-5437B333DFB7}" type="datetime1">
               <a:rPr lang="en-US" smtClean="0"/>
-              <a:t>7/10/2022</a:t>
+              <a:t>8/7/2022</a:t>
             </a:fld>
             <a:endParaRPr lang="en-US" dirty="0"/>
           </a:p>
@@ -2968,7 +2955,7 @@
           <a:p>
             <a:fld id="{BA791329-992B-4F83-8435-C33B0EC26DB3}" type="slidenum">
               <a:rPr lang="en-US" smtClean="0"/>
-              <a:t>36</a:t>
+              <a:t>35</a:t>
             </a:fld>
             <a:endParaRPr lang="en-US" dirty="0"/>
           </a:p>
@@ -2977,7 +2964,7 @@
     </p:spTree>
     <p:extLst>
       <p:ext uri="{BB962C8B-B14F-4D97-AF65-F5344CB8AC3E}">
-        <p14:creationId xmlns:p14="http://schemas.microsoft.com/office/powerpoint/2010/main" val="3789307819"/>
+        <p14:creationId xmlns:p14="http://schemas.microsoft.com/office/powerpoint/2010/main" val="1047706779"/>
       </p:ext>
     </p:extLst>
   </p:cSld>
@@ -3033,64 +3020,19 @@
           <a:p>
             <a:r>
               <a:rPr lang="en-US" dirty="0"/>
-              <a:t>What is iteration?</a:t>
+              <a:t>What sort of programs are there?  Could there be?</a:t>
             </a:r>
           </a:p>
           <a:p>
             <a:r>
               <a:rPr lang="en-US" dirty="0"/>
-              <a:t>Why iterate?</a:t>
+              <a:t>Calculators – financial, industrial</a:t>
             </a:r>
           </a:p>
           <a:p>
             <a:r>
               <a:rPr lang="en-US" dirty="0"/>
-              <a:t>Why use file name "iteration_1.py"?  Our first choices were first.py, second.py, ….</a:t>
-            </a:r>
-          </a:p>
-          <a:p>
-            <a:r>
-              <a:rPr lang="en-US" dirty="0"/>
-              <a:t>Any problems with iteration?</a:t>
-            </a:r>
-          </a:p>
-          <a:p>
-            <a:endParaRPr lang="en-US" dirty="0"/>
-          </a:p>
-          <a:p>
-            <a:r>
-              <a:rPr lang="en-US" dirty="0"/>
-              <a:t>What's in a game?</a:t>
-            </a:r>
-          </a:p>
-          <a:p>
-            <a:r>
-              <a:rPr lang="en-US" dirty="0"/>
-              <a:t>  goals</a:t>
-            </a:r>
-          </a:p>
-          <a:p>
-            <a:r>
-              <a:rPr lang="en-US" dirty="0"/>
-              <a:t>  interaction</a:t>
-            </a:r>
-          </a:p>
-          <a:p>
-            <a:r>
-              <a:rPr lang="en-US" dirty="0"/>
-              <a:t>    input</a:t>
-            </a:r>
-          </a:p>
-          <a:p>
-            <a:r>
-              <a:rPr lang="en-US" dirty="0"/>
-              <a:t>    output</a:t>
-            </a:r>
-          </a:p>
-          <a:p>
-            <a:r>
-              <a:rPr lang="en-US" dirty="0"/>
-              <a:t>  beginning, middle, end</a:t>
+              <a:t>Games</a:t>
             </a:r>
           </a:p>
           <a:p>
@@ -3137,7 +3079,7 @@
           <a:p>
             <a:fld id="{A596092B-28C7-44D1-B902-5437B333DFB7}" type="datetime1">
               <a:rPr lang="en-US" smtClean="0"/>
-              <a:t>7/10/2022</a:t>
+              <a:t>8/7/2022</a:t>
             </a:fld>
             <a:endParaRPr lang="en-US" dirty="0"/>
           </a:p>
@@ -3182,7 +3124,7 @@
           <a:p>
             <a:fld id="{BA791329-992B-4F83-8435-C33B0EC26DB3}" type="slidenum">
               <a:rPr lang="en-US" smtClean="0"/>
-              <a:t>38</a:t>
+              <a:t>36</a:t>
             </a:fld>
             <a:endParaRPr lang="en-US" dirty="0"/>
           </a:p>
@@ -3191,7 +3133,7 @@
     </p:spTree>
     <p:extLst>
       <p:ext uri="{BB962C8B-B14F-4D97-AF65-F5344CB8AC3E}">
-        <p14:creationId xmlns:p14="http://schemas.microsoft.com/office/powerpoint/2010/main" val="2510060251"/>
+        <p14:creationId xmlns:p14="http://schemas.microsoft.com/office/powerpoint/2010/main" val="3789307819"/>
       </p:ext>
     </p:extLst>
   </p:cSld>
@@ -3247,14 +3189,68 @@
           <a:p>
             <a:r>
               <a:rPr lang="en-US" dirty="0"/>
-              <a:t>You're going to do this.</a:t>
+              <a:t>What is iteration?</a:t>
             </a:r>
           </a:p>
           <a:p>
             <a:r>
               <a:rPr lang="en-US" dirty="0"/>
-              <a:t>I'm showing some hints.</a:t>
-            </a:r>
+              <a:t>Why iterate?</a:t>
+            </a:r>
+          </a:p>
+          <a:p>
+            <a:r>
+              <a:rPr lang="en-US" dirty="0"/>
+              <a:t>Why use file name "iteration_1.py"?  Our first choices were first.py, second.py, ….</a:t>
+            </a:r>
+          </a:p>
+          <a:p>
+            <a:r>
+              <a:rPr lang="en-US" dirty="0"/>
+              <a:t>Any problems with iteration?</a:t>
+            </a:r>
+          </a:p>
+          <a:p>
+            <a:endParaRPr lang="en-US" dirty="0"/>
+          </a:p>
+          <a:p>
+            <a:r>
+              <a:rPr lang="en-US" dirty="0"/>
+              <a:t>What's in a game?</a:t>
+            </a:r>
+          </a:p>
+          <a:p>
+            <a:r>
+              <a:rPr lang="en-US" dirty="0"/>
+              <a:t>  goals</a:t>
+            </a:r>
+          </a:p>
+          <a:p>
+            <a:r>
+              <a:rPr lang="en-US" dirty="0"/>
+              <a:t>  interaction</a:t>
+            </a:r>
+          </a:p>
+          <a:p>
+            <a:r>
+              <a:rPr lang="en-US" dirty="0"/>
+              <a:t>    input</a:t>
+            </a:r>
+          </a:p>
+          <a:p>
+            <a:r>
+              <a:rPr lang="en-US" dirty="0"/>
+              <a:t>    output</a:t>
+            </a:r>
+          </a:p>
+          <a:p>
+            <a:r>
+              <a:rPr lang="en-US" dirty="0"/>
+              <a:t>  beginning, middle, end</a:t>
+            </a:r>
+          </a:p>
+          <a:p>
+            <a:endParaRPr lang="en-US" dirty="0"/>
           </a:p>
         </p:txBody>
       </p:sp>
@@ -3297,7 +3293,7 @@
           <a:p>
             <a:fld id="{A596092B-28C7-44D1-B902-5437B333DFB7}" type="datetime1">
               <a:rPr lang="en-US" smtClean="0"/>
-              <a:t>7/10/2022</a:t>
+              <a:t>8/7/2022</a:t>
             </a:fld>
             <a:endParaRPr lang="en-US" dirty="0"/>
           </a:p>
@@ -3342,7 +3338,7 @@
           <a:p>
             <a:fld id="{BA791329-992B-4F83-8435-C33B0EC26DB3}" type="slidenum">
               <a:rPr lang="en-US" smtClean="0"/>
-              <a:t>39</a:t>
+              <a:t>38</a:t>
             </a:fld>
             <a:endParaRPr lang="en-US" dirty="0"/>
           </a:p>
@@ -3351,7 +3347,7 @@
     </p:spTree>
     <p:extLst>
       <p:ext uri="{BB962C8B-B14F-4D97-AF65-F5344CB8AC3E}">
-        <p14:creationId xmlns:p14="http://schemas.microsoft.com/office/powerpoint/2010/main" val="1058959967"/>
+        <p14:creationId xmlns:p14="http://schemas.microsoft.com/office/powerpoint/2010/main" val="2510060251"/>
       </p:ext>
     </p:extLst>
   </p:cSld>
@@ -3407,35 +3403,14 @@
           <a:p>
             <a:r>
               <a:rPr lang="en-US" dirty="0"/>
-              <a:t>What do we get from doing this iteration?</a:t>
+              <a:t>You're going to do this.</a:t>
             </a:r>
           </a:p>
           <a:p>
             <a:r>
               <a:rPr lang="en-US" dirty="0"/>
-              <a:t>  learning</a:t>
-            </a:r>
-          </a:p>
-          <a:p>
-            <a:r>
-              <a:rPr lang="en-US" dirty="0"/>
-              <a:t>  testing</a:t>
-            </a:r>
-          </a:p>
-          <a:p>
-            <a:r>
-              <a:rPr lang="en-US" dirty="0"/>
-              <a:t>  early fun?</a:t>
-            </a:r>
-          </a:p>
-          <a:p>
-            <a:r>
-              <a:rPr lang="en-US" dirty="0"/>
-              <a:t>What does it cost us?</a:t>
-            </a:r>
-          </a:p>
-          <a:p>
-            <a:endParaRPr lang="en-US" dirty="0"/>
+              <a:t>I'm showing some hints.</a:t>
+            </a:r>
           </a:p>
         </p:txBody>
       </p:sp>
@@ -3478,7 +3453,7 @@
           <a:p>
             <a:fld id="{A596092B-28C7-44D1-B902-5437B333DFB7}" type="datetime1">
               <a:rPr lang="en-US" smtClean="0"/>
-              <a:t>7/10/2022</a:t>
+              <a:t>8/7/2022</a:t>
             </a:fld>
             <a:endParaRPr lang="en-US" dirty="0"/>
           </a:p>
@@ -3523,7 +3498,7 @@
           <a:p>
             <a:fld id="{BA791329-992B-4F83-8435-C33B0EC26DB3}" type="slidenum">
               <a:rPr lang="en-US" smtClean="0"/>
-              <a:t>40</a:t>
+              <a:t>39</a:t>
             </a:fld>
             <a:endParaRPr lang="en-US" dirty="0"/>
           </a:p>
@@ -3532,7 +3507,7 @@
     </p:spTree>
     <p:extLst>
       <p:ext uri="{BB962C8B-B14F-4D97-AF65-F5344CB8AC3E}">
-        <p14:creationId xmlns:p14="http://schemas.microsoft.com/office/powerpoint/2010/main" val="3030457380"/>
+        <p14:creationId xmlns:p14="http://schemas.microsoft.com/office/powerpoint/2010/main" val="1058959967"/>
       </p:ext>
     </p:extLst>
   </p:cSld>
@@ -3588,8 +3563,35 @@
           <a:p>
             <a:r>
               <a:rPr lang="en-US" dirty="0"/>
-              <a:t>Let's take a quick look.</a:t>
-            </a:r>
+              <a:t>What do we get from doing this iteration?</a:t>
+            </a:r>
+          </a:p>
+          <a:p>
+            <a:r>
+              <a:rPr lang="en-US" dirty="0"/>
+              <a:t>  learning</a:t>
+            </a:r>
+          </a:p>
+          <a:p>
+            <a:r>
+              <a:rPr lang="en-US" dirty="0"/>
+              <a:t>  testing</a:t>
+            </a:r>
+          </a:p>
+          <a:p>
+            <a:r>
+              <a:rPr lang="en-US" dirty="0"/>
+              <a:t>  early fun?</a:t>
+            </a:r>
+          </a:p>
+          <a:p>
+            <a:r>
+              <a:rPr lang="en-US" dirty="0"/>
+              <a:t>What does it cost us?</a:t>
+            </a:r>
+          </a:p>
+          <a:p>
+            <a:endParaRPr lang="en-US" dirty="0"/>
           </a:p>
         </p:txBody>
       </p:sp>
@@ -3632,7 +3634,7 @@
           <a:p>
             <a:fld id="{A596092B-28C7-44D1-B902-5437B333DFB7}" type="datetime1">
               <a:rPr lang="en-US" smtClean="0"/>
-              <a:t>7/10/2022</a:t>
+              <a:t>8/7/2022</a:t>
             </a:fld>
             <a:endParaRPr lang="en-US" dirty="0"/>
           </a:p>
@@ -3677,7 +3679,7 @@
           <a:p>
             <a:fld id="{BA791329-992B-4F83-8435-C33B0EC26DB3}" type="slidenum">
               <a:rPr lang="en-US" smtClean="0"/>
-              <a:t>41</a:t>
+              <a:t>40</a:t>
             </a:fld>
             <a:endParaRPr lang="en-US" dirty="0"/>
           </a:p>
@@ -3686,7 +3688,7 @@
     </p:spTree>
     <p:extLst>
       <p:ext uri="{BB962C8B-B14F-4D97-AF65-F5344CB8AC3E}">
-        <p14:creationId xmlns:p14="http://schemas.microsoft.com/office/powerpoint/2010/main" val="1267870868"/>
+        <p14:creationId xmlns:p14="http://schemas.microsoft.com/office/powerpoint/2010/main" val="3030457380"/>
       </p:ext>
     </p:extLst>
   </p:cSld>
@@ -3740,7 +3742,10 @@
           <a:bodyPr/>
           <a:lstStyle/>
           <a:p>
-            <a:endParaRPr lang="en-US" dirty="0"/>
+            <a:r>
+              <a:rPr lang="en-US" dirty="0"/>
+              <a:t>Let's take a quick look.</a:t>
+            </a:r>
           </a:p>
         </p:txBody>
       </p:sp>
@@ -3783,7 +3788,158 @@
           <a:p>
             <a:fld id="{A596092B-28C7-44D1-B902-5437B333DFB7}" type="datetime1">
               <a:rPr lang="en-US" smtClean="0"/>
-              <a:t>7/10/2022</a:t>
+              <a:t>8/7/2022</a:t>
+            </a:fld>
+            <a:endParaRPr lang="en-US" dirty="0"/>
+          </a:p>
+        </p:txBody>
+      </p:sp>
+      <p:sp>
+        <p:nvSpPr>
+          <p:cNvPr id="6" name="Footer Placeholder 5"/>
+          <p:cNvSpPr>
+            <a:spLocks noGrp="1"/>
+          </p:cNvSpPr>
+          <p:nvPr>
+            <p:ph type="ftr" sz="quarter" idx="12"/>
+          </p:nvPr>
+        </p:nvSpPr>
+        <p:spPr/>
+        <p:txBody>
+          <a:bodyPr/>
+          <a:lstStyle/>
+          <a:p>
+            <a:r>
+              <a:rPr lang="en-US" dirty="0"/>
+              <a:t>raysmith@alum.mit.edu</a:t>
+            </a:r>
+          </a:p>
+        </p:txBody>
+      </p:sp>
+      <p:sp>
+        <p:nvSpPr>
+          <p:cNvPr id="7" name="Slide Number Placeholder 6"/>
+          <p:cNvSpPr>
+            <a:spLocks noGrp="1"/>
+          </p:cNvSpPr>
+          <p:nvPr>
+            <p:ph type="sldNum" sz="quarter" idx="13"/>
+          </p:nvPr>
+        </p:nvSpPr>
+        <p:spPr/>
+        <p:txBody>
+          <a:bodyPr/>
+          <a:lstStyle/>
+          <a:p>
+            <a:fld id="{BA791329-992B-4F83-8435-C33B0EC26DB3}" type="slidenum">
+              <a:rPr lang="en-US" smtClean="0"/>
+              <a:t>41</a:t>
+            </a:fld>
+            <a:endParaRPr lang="en-US" dirty="0"/>
+          </a:p>
+        </p:txBody>
+      </p:sp>
+    </p:spTree>
+    <p:extLst>
+      <p:ext uri="{BB962C8B-B14F-4D97-AF65-F5344CB8AC3E}">
+        <p14:creationId xmlns:p14="http://schemas.microsoft.com/office/powerpoint/2010/main" val="1267870868"/>
+      </p:ext>
+    </p:extLst>
+  </p:cSld>
+  <p:clrMapOvr>
+    <a:masterClrMapping/>
+  </p:clrMapOvr>
+</p:notes>
+</file>
+
+<file path=ppt/notesSlides/notesSlide27.xml><?xml version="1.0" encoding="utf-8"?>
+<p:notes xmlns:a="http://schemas.openxmlformats.org/drawingml/2006/main" xmlns:r="http://schemas.openxmlformats.org/officeDocument/2006/relationships" xmlns:p="http://schemas.openxmlformats.org/presentationml/2006/main">
+  <p:cSld>
+    <p:spTree>
+      <p:nvGrpSpPr>
+        <p:cNvPr id="1" name=""/>
+        <p:cNvGrpSpPr/>
+        <p:nvPr/>
+      </p:nvGrpSpPr>
+      <p:grpSpPr>
+        <a:xfrm>
+          <a:off x="0" y="0"/>
+          <a:ext cx="0" cy="0"/>
+          <a:chOff x="0" y="0"/>
+          <a:chExt cx="0" cy="0"/>
+        </a:xfrm>
+      </p:grpSpPr>
+      <p:sp>
+        <p:nvSpPr>
+          <p:cNvPr id="2" name="Slide Image Placeholder 1"/>
+          <p:cNvSpPr>
+            <a:spLocks noGrp="1" noRot="1" noChangeAspect="1"/>
+          </p:cNvSpPr>
+          <p:nvPr>
+            <p:ph type="sldImg"/>
+          </p:nvPr>
+        </p:nvSpPr>
+        <p:spPr/>
+      </p:sp>
+      <p:sp>
+        <p:nvSpPr>
+          <p:cNvPr id="3" name="Notes Placeholder 2"/>
+          <p:cNvSpPr>
+            <a:spLocks noGrp="1"/>
+          </p:cNvSpPr>
+          <p:nvPr>
+            <p:ph type="body" idx="1"/>
+          </p:nvPr>
+        </p:nvSpPr>
+        <p:spPr/>
+        <p:txBody>
+          <a:bodyPr/>
+          <a:lstStyle/>
+          <a:p>
+            <a:endParaRPr lang="en-US" dirty="0"/>
+          </a:p>
+        </p:txBody>
+      </p:sp>
+      <p:sp>
+        <p:nvSpPr>
+          <p:cNvPr id="4" name="Header Placeholder 3"/>
+          <p:cNvSpPr>
+            <a:spLocks noGrp="1"/>
+          </p:cNvSpPr>
+          <p:nvPr>
+            <p:ph type="hdr" sz="quarter" idx="10"/>
+          </p:nvPr>
+        </p:nvSpPr>
+        <p:spPr/>
+        <p:txBody>
+          <a:bodyPr/>
+          <a:lstStyle/>
+          <a:p>
+            <a:r>
+              <a:rPr lang="en-US" dirty="0"/>
+              <a:t>Introduction to Programming using Python</a:t>
+            </a:r>
+          </a:p>
+        </p:txBody>
+      </p:sp>
+      <p:sp>
+        <p:nvSpPr>
+          <p:cNvPr id="5" name="Date Placeholder 4"/>
+          <p:cNvSpPr>
+            <a:spLocks noGrp="1"/>
+          </p:cNvSpPr>
+          <p:nvPr>
+            <p:ph type="dt" idx="11"/>
+          </p:nvPr>
+        </p:nvSpPr>
+        <p:spPr/>
+        <p:txBody>
+          <a:bodyPr/>
+          <a:lstStyle/>
+          <a:p>
+            <a:fld id="{A596092B-28C7-44D1-B902-5437B333DFB7}" type="datetime1">
+              <a:rPr lang="en-US" smtClean="0"/>
+              <a:t>8/7/2022</a:t>
             </a:fld>
             <a:endParaRPr lang="en-US" dirty="0"/>
           </a:p>
@@ -3937,7 +4093,7 @@
           <a:p>
             <a:fld id="{A596092B-28C7-44D1-B902-5437B333DFB7}" type="datetime1">
               <a:rPr lang="en-US" smtClean="0"/>
-              <a:t>7/10/2022</a:t>
+              <a:t>8/7/2022</a:t>
             </a:fld>
             <a:endParaRPr lang="en-US" dirty="0"/>
           </a:p>
@@ -4091,7 +4247,7 @@
           <a:p>
             <a:fld id="{A596092B-28C7-44D1-B902-5437B333DFB7}" type="datetime1">
               <a:rPr lang="en-US" smtClean="0"/>
-              <a:t>7/10/2022</a:t>
+              <a:t>8/7/2022</a:t>
             </a:fld>
             <a:endParaRPr lang="en-US" dirty="0"/>
           </a:p>
@@ -4242,7 +4398,7 @@
           <a:p>
             <a:fld id="{A596092B-28C7-44D1-B902-5437B333DFB7}" type="datetime1">
               <a:rPr lang="en-US" smtClean="0"/>
-              <a:t>7/10/2022</a:t>
+              <a:t>8/7/2022</a:t>
             </a:fld>
             <a:endParaRPr lang="en-US" dirty="0"/>
           </a:p>
@@ -4402,7 +4558,7 @@
           <a:p>
             <a:fld id="{A596092B-28C7-44D1-B902-5437B333DFB7}" type="datetime1">
               <a:rPr lang="en-US" smtClean="0"/>
-              <a:t>7/10/2022</a:t>
+              <a:t>8/7/2022</a:t>
             </a:fld>
             <a:endParaRPr lang="en-US" dirty="0"/>
           </a:p>
@@ -4562,7 +4718,7 @@
           <a:p>
             <a:fld id="{A596092B-28C7-44D1-B902-5437B333DFB7}" type="datetime1">
               <a:rPr lang="en-US" smtClean="0"/>
-              <a:t>7/10/2022</a:t>
+              <a:t>8/7/2022</a:t>
             </a:fld>
             <a:endParaRPr lang="en-US" dirty="0"/>
           </a:p>
@@ -4722,7 +4878,7 @@
           <a:p>
             <a:fld id="{A596092B-28C7-44D1-B902-5437B333DFB7}" type="datetime1">
               <a:rPr lang="en-US" smtClean="0"/>
-              <a:t>7/10/2022</a:t>
+              <a:t>8/7/2022</a:t>
             </a:fld>
             <a:endParaRPr lang="en-US" dirty="0"/>
           </a:p>
@@ -4882,7 +5038,7 @@
           <a:p>
             <a:fld id="{A596092B-28C7-44D1-B902-5437B333DFB7}" type="datetime1">
               <a:rPr lang="en-US" smtClean="0"/>
-              <a:t>7/10/2022</a:t>
+              <a:t>8/7/2022</a:t>
             </a:fld>
             <a:endParaRPr lang="en-US" dirty="0"/>
           </a:p>
@@ -5667,7 +5823,7 @@
           <a:p>
             <a:fld id="{B1DF5501-EE91-4443-9D3B-24E6F28D34E2}" type="datetime1">
               <a:rPr lang="en-US" smtClean="0"/>
-              <a:t>7/10/2022</a:t>
+              <a:t>8/7/2022</a:t>
             </a:fld>
             <a:endParaRPr lang="en-US" dirty="0"/>
           </a:p>
@@ -5942,7 +6098,7 @@
           <a:p>
             <a:fld id="{E954E1E9-8456-43AD-BA28-861520D256B9}" type="datetime1">
               <a:rPr lang="en-US" smtClean="0"/>
-              <a:t>7/10/2022</a:t>
+              <a:t>8/7/2022</a:t>
             </a:fld>
             <a:endParaRPr lang="en-US" dirty="0"/>
           </a:p>
@@ -6260,7 +6416,7 @@
           <a:p>
             <a:fld id="{FAF31E0C-AAFD-4E63-B3AE-16CD757951F4}" type="datetime1">
               <a:rPr lang="en-US" smtClean="0"/>
-              <a:t>7/10/2022</a:t>
+              <a:t>8/7/2022</a:t>
             </a:fld>
             <a:endParaRPr lang="en-US" dirty="0"/>
           </a:p>
@@ -6605,7 +6761,7 @@
           <a:p>
             <a:fld id="{000084FF-4715-4B6E-BD22-453621E5873F}" type="datetime1">
               <a:rPr lang="en-US" smtClean="0"/>
-              <a:t>7/10/2022</a:t>
+              <a:t>8/7/2022</a:t>
             </a:fld>
             <a:endParaRPr lang="en-US" dirty="0"/>
           </a:p>
@@ -6923,7 +7079,7 @@
           <a:p>
             <a:fld id="{6AC37F8D-4DF5-4AB6-A766-5A84B3D74A3B}" type="datetime1">
               <a:rPr lang="en-US" smtClean="0"/>
-              <a:t>7/10/2022</a:t>
+              <a:t>8/7/2022</a:t>
             </a:fld>
             <a:endParaRPr lang="en-US" dirty="0"/>
           </a:p>
@@ -7320,7 +7476,7 @@
           <a:p>
             <a:fld id="{1BF3CD1A-162D-40B2-9B22-9056F77C27F2}" type="datetime1">
               <a:rPr lang="en-US" smtClean="0"/>
-              <a:t>7/10/2022</a:t>
+              <a:t>8/7/2022</a:t>
             </a:fld>
             <a:endParaRPr lang="en-US" dirty="0"/>
           </a:p>
@@ -7494,7 +7650,7 @@
           <a:p>
             <a:fld id="{D42E4200-B1E5-4E39-8279-05DD69810A37}" type="datetime1">
               <a:rPr lang="en-US" smtClean="0"/>
-              <a:t>7/10/2022</a:t>
+              <a:t>8/7/2022</a:t>
             </a:fld>
             <a:endParaRPr lang="en-US" dirty="0"/>
           </a:p>
@@ -7677,7 +7833,7 @@
           <a:p>
             <a:fld id="{47CF7895-00AC-42E5-9790-7B0E3CE09DF2}" type="datetime1">
               <a:rPr lang="en-US" smtClean="0"/>
-              <a:t>7/10/2022</a:t>
+              <a:t>8/7/2022</a:t>
             </a:fld>
             <a:endParaRPr lang="en-US" dirty="0"/>
           </a:p>
@@ -7880,7 +8036,7 @@
           <a:p>
             <a:fld id="{B1DF5501-EE91-4443-9D3B-24E6F28D34E2}" type="datetime1">
               <a:rPr lang="en-US" smtClean="0"/>
-              <a:t>7/10/2022</a:t>
+              <a:t>8/7/2022</a:t>
             </a:fld>
             <a:endParaRPr lang="en-US" dirty="0"/>
           </a:p>
@@ -8106,7 +8262,7 @@
           <a:p>
             <a:fld id="{A7119916-CD40-456D-ABE3-55F8822671F7}" type="datetime1">
               <a:rPr lang="en-US" smtClean="0"/>
-              <a:t>7/10/2022</a:t>
+              <a:t>8/7/2022</a:t>
             </a:fld>
             <a:endParaRPr lang="en-US" dirty="0"/>
           </a:p>
@@ -8388,7 +8544,7 @@
           <a:p>
             <a:fld id="{3F9A13D6-B8C2-463B-B3F7-C62E098B328E}" type="datetime1">
               <a:rPr lang="en-US" smtClean="0"/>
-              <a:t>7/10/2022</a:t>
+              <a:t>8/7/2022</a:t>
             </a:fld>
             <a:endParaRPr lang="en-US" dirty="0"/>
           </a:p>
@@ -8604,7 +8760,7 @@
           <a:p>
             <a:fld id="{059A67F1-3EA0-4026-BE6A-31EE4E1B1DB5}" type="datetime1">
               <a:rPr lang="en-US" smtClean="0"/>
-              <a:t>7/10/2022</a:t>
+              <a:t>8/7/2022</a:t>
             </a:fld>
             <a:endParaRPr lang="en-US" dirty="0"/>
           </a:p>
@@ -8870,7 +9026,7 @@
           <a:p>
             <a:fld id="{D2B63420-31EE-4E4B-911C-2601B14D9FDD}" type="datetime1">
               <a:rPr lang="en-US" smtClean="0"/>
-              <a:t>7/10/2022</a:t>
+              <a:t>8/7/2022</a:t>
             </a:fld>
             <a:endParaRPr lang="en-US" dirty="0"/>
           </a:p>
@@ -9289,7 +9445,7 @@
           <a:p>
             <a:fld id="{2DD8986D-86F8-41E6-8CFF-8C91AEF92622}" type="datetime1">
               <a:rPr lang="en-US" smtClean="0"/>
-              <a:t>7/10/2022</a:t>
+              <a:t>8/7/2022</a:t>
             </a:fld>
             <a:endParaRPr lang="en-US" dirty="0"/>
           </a:p>
@@ -9441,7 +9597,7 @@
           <a:p>
             <a:fld id="{BA885161-032E-4C6A-8EDA-39D168DF18E4}" type="datetime1">
               <a:rPr lang="en-US" smtClean="0"/>
-              <a:t>7/10/2022</a:t>
+              <a:t>8/7/2022</a:t>
             </a:fld>
             <a:endParaRPr lang="en-US" dirty="0"/>
           </a:p>
@@ -9570,7 +9726,7 @@
           <a:p>
             <a:fld id="{958E6740-E523-48D9-9C4E-6F218E87BAF3}" type="datetime1">
               <a:rPr lang="en-US" smtClean="0"/>
-              <a:t>7/10/2022</a:t>
+              <a:t>8/7/2022</a:t>
             </a:fld>
             <a:endParaRPr lang="en-US" dirty="0"/>
           </a:p>
@@ -9824,7 +9980,7 @@
           <a:p>
             <a:fld id="{6121D4CA-FF09-4CB8-8D51-2613D19A0F2E}" type="datetime1">
               <a:rPr lang="en-US" smtClean="0"/>
-              <a:t>7/10/2022</a:t>
+              <a:t>8/7/2022</a:t>
             </a:fld>
             <a:endParaRPr lang="en-US" dirty="0"/>
           </a:p>
@@ -10271,7 +10427,7 @@
           <a:p>
             <a:fld id="{8C4779EA-AEA7-43B3-9B65-A77E9A890421}" type="datetime1">
               <a:rPr lang="en-US" smtClean="0"/>
-              <a:t>7/10/2022</a:t>
+              <a:t>8/7/2022</a:t>
             </a:fld>
             <a:endParaRPr lang="en-US" dirty="0"/>
           </a:p>
@@ -10480,7 +10636,7 @@
           <a:p>
             <a:fld id="{D42E4200-B1E5-4E39-8279-05DD69810A37}" type="datetime1">
               <a:rPr lang="en-US" smtClean="0"/>
-              <a:t>7/10/2022</a:t>
+              <a:t>8/7/2022</a:t>
             </a:fld>
             <a:endParaRPr lang="en-US" dirty="0"/>
           </a:p>
@@ -10698,7 +10854,7 @@
           <a:p>
             <a:fld id="{47CF7895-00AC-42E5-9790-7B0E3CE09DF2}" type="datetime1">
               <a:rPr lang="en-US" smtClean="0"/>
-              <a:t>7/10/2022</a:t>
+              <a:t>8/7/2022</a:t>
             </a:fld>
             <a:endParaRPr lang="en-US" dirty="0"/>
           </a:p>
@@ -10924,7 +11080,7 @@
           <a:p>
             <a:fld id="{B1DF5501-EE91-4443-9D3B-24E6F28D34E2}" type="datetime1">
               <a:rPr lang="en-US" smtClean="0"/>
-              <a:t>7/10/2022</a:t>
+              <a:t>8/7/2022</a:t>
             </a:fld>
             <a:endParaRPr lang="en-US" dirty="0"/>
           </a:p>
@@ -11109,7 +11265,7 @@
           <a:p>
             <a:fld id="{A7119916-CD40-456D-ABE3-55F8822671F7}" type="datetime1">
               <a:rPr lang="en-US" smtClean="0"/>
-              <a:t>7/10/2022</a:t>
+              <a:t>8/7/2022</a:t>
             </a:fld>
             <a:endParaRPr lang="en-US" dirty="0"/>
           </a:p>
@@ -11359,7 +11515,7 @@
           <a:p>
             <a:fld id="{3F9A13D6-B8C2-463B-B3F7-C62E098B328E}" type="datetime1">
               <a:rPr lang="en-US" smtClean="0"/>
-              <a:t>7/10/2022</a:t>
+              <a:t>8/7/2022</a:t>
             </a:fld>
             <a:endParaRPr lang="en-US" dirty="0"/>
           </a:p>
@@ -11608,7 +11764,7 @@
           <a:p>
             <a:fld id="{3F9A13D6-B8C2-463B-B3F7-C62E098B328E}" type="datetime1">
               <a:rPr lang="en-US" smtClean="0"/>
-              <a:t>7/10/2022</a:t>
+              <a:t>8/7/2022</a:t>
             </a:fld>
             <a:endParaRPr lang="en-US" dirty="0"/>
           </a:p>
@@ -11843,7 +11999,7 @@
           <a:p>
             <a:fld id="{D2B63420-31EE-4E4B-911C-2601B14D9FDD}" type="datetime1">
               <a:rPr lang="en-US" smtClean="0"/>
-              <a:t>7/10/2022</a:t>
+              <a:t>8/7/2022</a:t>
             </a:fld>
             <a:endParaRPr lang="en-US" dirty="0"/>
           </a:p>
@@ -12213,7 +12369,7 @@
           <a:p>
             <a:fld id="{2DD8986D-86F8-41E6-8CFF-8C91AEF92622}" type="datetime1">
               <a:rPr lang="en-US" smtClean="0"/>
-              <a:t>7/10/2022</a:t>
+              <a:t>8/7/2022</a:t>
             </a:fld>
             <a:endParaRPr lang="en-US" dirty="0"/>
           </a:p>
@@ -12334,7 +12490,7 @@
           <a:p>
             <a:fld id="{BA885161-032E-4C6A-8EDA-39D168DF18E4}" type="datetime1">
               <a:rPr lang="en-US" smtClean="0"/>
-              <a:t>7/10/2022</a:t>
+              <a:t>8/7/2022</a:t>
             </a:fld>
             <a:endParaRPr lang="en-US" dirty="0"/>
           </a:p>
@@ -12432,7 +12588,7 @@
           <a:p>
             <a:fld id="{958E6740-E523-48D9-9C4E-6F218E87BAF3}" type="datetime1">
               <a:rPr lang="en-US" smtClean="0"/>
-              <a:t>7/10/2022</a:t>
+              <a:t>8/7/2022</a:t>
             </a:fld>
             <a:endParaRPr lang="en-US" dirty="0"/>
           </a:p>
@@ -12712,7 +12868,7 @@
           <a:p>
             <a:fld id="{6121D4CA-FF09-4CB8-8D51-2613D19A0F2E}" type="datetime1">
               <a:rPr lang="en-US" smtClean="0"/>
-              <a:t>7/10/2022</a:t>
+              <a:t>8/7/2022</a:t>
             </a:fld>
             <a:endParaRPr lang="en-US" dirty="0"/>
           </a:p>
@@ -12971,7 +13127,7 @@
           <a:p>
             <a:fld id="{8C4779EA-AEA7-43B3-9B65-A77E9A890421}" type="datetime1">
               <a:rPr lang="en-US" smtClean="0"/>
-              <a:t>7/10/2022</a:t>
+              <a:t>8/7/2022</a:t>
             </a:fld>
             <a:endParaRPr lang="en-US" dirty="0"/>
           </a:p>
@@ -13144,7 +13300,7 @@
           <a:p>
             <a:fld id="{D42E4200-B1E5-4E39-8279-05DD69810A37}" type="datetime1">
               <a:rPr lang="en-US" smtClean="0"/>
-              <a:t>7/10/2022</a:t>
+              <a:t>8/7/2022</a:t>
             </a:fld>
             <a:endParaRPr lang="en-US" dirty="0"/>
           </a:p>
@@ -13327,7 +13483,7 @@
           <a:p>
             <a:fld id="{47CF7895-00AC-42E5-9790-7B0E3CE09DF2}" type="datetime1">
               <a:rPr lang="en-US" smtClean="0"/>
-              <a:t>7/10/2022</a:t>
+              <a:t>8/7/2022</a:t>
             </a:fld>
             <a:endParaRPr lang="en-US" dirty="0"/>
           </a:p>
@@ -13561,7 +13717,7 @@
           <a:p>
             <a:fld id="{D2B63420-31EE-4E4B-911C-2601B14D9FDD}" type="datetime1">
               <a:rPr lang="en-US" smtClean="0"/>
-              <a:t>7/10/2022</a:t>
+              <a:t>8/7/2022</a:t>
             </a:fld>
             <a:endParaRPr lang="en-US" dirty="0"/>
           </a:p>
@@ -13938,7 +14094,7 @@
           <a:p>
             <a:fld id="{2DD8986D-86F8-41E6-8CFF-8C91AEF92622}" type="datetime1">
               <a:rPr lang="en-US" smtClean="0"/>
-              <a:t>7/10/2022</a:t>
+              <a:t>8/7/2022</a:t>
             </a:fld>
             <a:endParaRPr lang="en-US" dirty="0"/>
           </a:p>
@@ -14064,7 +14220,7 @@
           <a:p>
             <a:fld id="{BA885161-032E-4C6A-8EDA-39D168DF18E4}" type="datetime1">
               <a:rPr lang="en-US" smtClean="0"/>
-              <a:t>7/10/2022</a:t>
+              <a:t>8/7/2022</a:t>
             </a:fld>
             <a:endParaRPr lang="en-US" dirty="0"/>
           </a:p>
@@ -14162,7 +14318,7 @@
           <a:p>
             <a:fld id="{958E6740-E523-48D9-9C4E-6F218E87BAF3}" type="datetime1">
               <a:rPr lang="en-US" smtClean="0"/>
-              <a:t>7/10/2022</a:t>
+              <a:t>8/7/2022</a:t>
             </a:fld>
             <a:endParaRPr lang="en-US" dirty="0"/>
           </a:p>
@@ -14420,7 +14576,7 @@
           <a:p>
             <a:fld id="{6121D4CA-FF09-4CB8-8D51-2613D19A0F2E}" type="datetime1">
               <a:rPr lang="en-US" smtClean="0"/>
-              <a:t>7/10/2022</a:t>
+              <a:t>8/7/2022</a:t>
             </a:fld>
             <a:endParaRPr lang="en-US" dirty="0"/>
           </a:p>
@@ -14685,7 +14841,7 @@
           <a:p>
             <a:fld id="{8C4779EA-AEA7-43B3-9B65-A77E9A890421}" type="datetime1">
               <a:rPr lang="en-US" smtClean="0"/>
-              <a:t>7/10/2022</a:t>
+              <a:t>8/7/2022</a:t>
             </a:fld>
             <a:endParaRPr lang="en-US" dirty="0"/>
           </a:p>
@@ -15430,7 +15586,7 @@
           <a:p>
             <a:fld id="{059A67F1-3EA0-4026-BE6A-31EE4E1B1DB5}" type="datetime1">
               <a:rPr lang="en-US" smtClean="0"/>
-              <a:t>7/10/2022</a:t>
+              <a:t>8/7/2022</a:t>
             </a:fld>
             <a:endParaRPr lang="en-US" dirty="0"/>
           </a:p>
@@ -16172,7 +16328,7 @@
           <a:p>
             <a:fld id="{059A67F1-3EA0-4026-BE6A-31EE4E1B1DB5}" type="datetime1">
               <a:rPr lang="en-US" smtClean="0"/>
-              <a:t>7/10/2022</a:t>
+              <a:t>8/7/2022</a:t>
             </a:fld>
             <a:endParaRPr lang="en-US" dirty="0"/>
           </a:p>
@@ -16798,7 +16954,7 @@
           <a:p>
             <a:fld id="{059A67F1-3EA0-4026-BE6A-31EE4E1B1DB5}" type="datetime1">
               <a:rPr lang="en-US" smtClean="0"/>
-              <a:t>7/10/2022</a:t>
+              <a:t>8/7/2022</a:t>
             </a:fld>
             <a:endParaRPr lang="en-US" dirty="0"/>
           </a:p>
@@ -17276,7 +17432,7 @@
           <a:p>
             <a:fld id="{0F09E55C-CECE-4F47-839C-0667B2307420}" type="datetime1">
               <a:rPr lang="en-US" smtClean="0"/>
-              <a:t>7/10/2022</a:t>
+              <a:t>8/7/2022</a:t>
             </a:fld>
             <a:endParaRPr lang="en-US" dirty="0"/>
           </a:p>
@@ -17556,7 +17712,7 @@
           <a:p>
             <a:fld id="{A7119916-CD40-456D-ABE3-55F8822671F7}" type="datetime1">
               <a:rPr lang="en-US" smtClean="0"/>
-              <a:t>7/10/2022</a:t>
+              <a:t>8/7/2022</a:t>
             </a:fld>
             <a:endParaRPr lang="en-US" dirty="0"/>
           </a:p>
@@ -17827,7 +17983,7 @@
           <a:p>
             <a:fld id="{52E41419-A9A0-4E48-99EF-6542B4AE3C79}" type="datetime1">
               <a:rPr lang="en-US" smtClean="0"/>
-              <a:t>7/10/2022</a:t>
+              <a:t>8/7/2022</a:t>
             </a:fld>
             <a:endParaRPr lang="en-US" dirty="0"/>
           </a:p>
@@ -18096,7 +18252,7 @@
           <a:p>
             <a:fld id="{A7119916-CD40-456D-ABE3-55F8822671F7}" type="datetime1">
               <a:rPr lang="en-US" smtClean="0"/>
-              <a:t>7/10/2022</a:t>
+              <a:t>8/7/2022</a:t>
             </a:fld>
             <a:endParaRPr lang="en-US" dirty="0"/>
           </a:p>
@@ -18364,7 +18520,7 @@
           <a:p>
             <a:fld id="{F8F3720D-B69F-4A94-83B7-6D73A5F7EAD8}" type="datetime1">
               <a:rPr lang="en-US" smtClean="0"/>
-              <a:t>7/10/2022</a:t>
+              <a:t>8/7/2022</a:t>
             </a:fld>
             <a:endParaRPr lang="en-US" dirty="0"/>
           </a:p>
@@ -18668,7 +18824,7 @@
           <a:p>
             <a:fld id="{F8F3720D-B69F-4A94-83B7-6D73A5F7EAD8}" type="datetime1">
               <a:rPr lang="en-US" smtClean="0"/>
-              <a:t>7/10/2022</a:t>
+              <a:t>8/7/2022</a:t>
             </a:fld>
             <a:endParaRPr lang="en-US" dirty="0"/>
           </a:p>
@@ -18971,7 +19127,7 @@
           <a:p>
             <a:fld id="{F8F3720D-B69F-4A94-83B7-6D73A5F7EAD8}" type="datetime1">
               <a:rPr lang="en-US" smtClean="0"/>
-              <a:t>7/10/2022</a:t>
+              <a:t>8/7/2022</a:t>
             </a:fld>
             <a:endParaRPr lang="en-US" dirty="0"/>
           </a:p>
@@ -19213,7 +19369,7 @@
           <a:p>
             <a:fld id="{0B07C6D0-642C-4A40-B0F1-13ED56048173}" type="datetime1">
               <a:rPr lang="en-US" smtClean="0"/>
-              <a:t>7/10/2022</a:t>
+              <a:t>8/7/2022</a:t>
             </a:fld>
             <a:endParaRPr lang="en-US" dirty="0"/>
           </a:p>
@@ -19505,7 +19661,7 @@
                 <a:tabLst/>
                 <a:defRPr/>
               </a:pPr>
-              <a:t>7/10/2022</a:t>
+              <a:t>8/7/2022</a:t>
             </a:fld>
             <a:endParaRPr kumimoji="0" lang="en-US" sz="900" b="0" i="0" u="none" strike="noStrike" kern="1200" cap="none" spc="0" normalizeH="0" baseline="0" noProof="0" dirty="0">
               <a:ln>
@@ -19759,8 +19915,8 @@
         </p:nvSpPr>
         <p:spPr>
           <a:xfrm>
-            <a:off x="677334" y="4457700"/>
-            <a:ext cx="8596668" cy="1583662"/>
+            <a:off x="677333" y="4457700"/>
+            <a:ext cx="9740295" cy="1583662"/>
           </a:xfrm>
         </p:spPr>
         <p:txBody>
@@ -19784,7 +19940,18 @@
               <a:rPr lang="en-US" sz="3200" dirty="0">
                 <a:sym typeface="Wingdings" panose="05000000000000000000" pitchFamily="2" charset="2"/>
               </a:rPr>
-              <a:t>	… /Intro…/my_work/hello_world.py</a:t>
+              <a:t>	… /intro_prog/presentation/</a:t>
+            </a:r>
+          </a:p>
+          <a:p>
+            <a:pPr marL="0" indent="0">
+              <a:buNone/>
+            </a:pPr>
+            <a:r>
+              <a:rPr lang="en-US" sz="3200" dirty="0">
+                <a:sym typeface="Wingdings" panose="05000000000000000000" pitchFamily="2" charset="2"/>
+              </a:rPr>
+              <a:t>Class_1_Intro…/samples/hello_world.py</a:t>
             </a:r>
           </a:p>
           <a:p>
@@ -19822,7 +19989,7 @@
           <a:p>
             <a:fld id="{0B07C6D0-642C-4A40-B0F1-13ED56048173}" type="datetime1">
               <a:rPr lang="en-US" smtClean="0"/>
-              <a:t>7/10/2022</a:t>
+              <a:t>8/7/2022</a:t>
             </a:fld>
             <a:endParaRPr lang="en-US" dirty="0"/>
           </a:p>
@@ -20041,7 +20208,7 @@
           <a:p>
             <a:fld id="{A7119916-CD40-456D-ABE3-55F8822671F7}" type="datetime1">
               <a:rPr lang="en-US" smtClean="0"/>
-              <a:t>7/10/2022</a:t>
+              <a:t>8/7/2022</a:t>
             </a:fld>
             <a:endParaRPr lang="en-US" dirty="0"/>
           </a:p>
@@ -20274,7 +20441,7 @@
           <a:p>
             <a:fld id="{17F33E47-61B9-4B4D-8325-8788C9EC3005}" type="datetime1">
               <a:rPr lang="en-US" smtClean="0"/>
-              <a:t>7/10/2022</a:t>
+              <a:t>8/7/2022</a:t>
             </a:fld>
             <a:endParaRPr lang="en-US" dirty="0"/>
           </a:p>
@@ -20520,7 +20687,7 @@
           <a:p>
             <a:fld id="{0B07C6D0-642C-4A40-B0F1-13ED56048173}" type="datetime1">
               <a:rPr lang="en-US" smtClean="0"/>
-              <a:t>7/10/2022</a:t>
+              <a:t>8/7/2022</a:t>
             </a:fld>
             <a:endParaRPr lang="en-US" dirty="0"/>
           </a:p>
@@ -20711,7 +20878,7 @@
           <a:p>
             <a:fld id="{A7119916-CD40-456D-ABE3-55F8822671F7}" type="datetime1">
               <a:rPr lang="en-US" smtClean="0"/>
-              <a:t>7/10/2022</a:t>
+              <a:t>8/7/2022</a:t>
             </a:fld>
             <a:endParaRPr lang="en-US" dirty="0"/>
           </a:p>
@@ -20883,7 +21050,7 @@
                 </a:solidFill>
                 <a:sym typeface="Wingdings" panose="05000000000000000000" pitchFamily="2" charset="2"/>
               </a:rPr>
-              <a:t>… /Intro…/my_work/</a:t>
+              <a:t>… samples/</a:t>
             </a:r>
             <a:endParaRPr lang="en-US" sz="2800" dirty="0">
               <a:solidFill>
@@ -20996,7 +21163,7 @@
           <a:p>
             <a:fld id="{A7119916-CD40-456D-ABE3-55F8822671F7}" type="datetime1">
               <a:rPr lang="en-US" smtClean="0"/>
-              <a:t>7/10/2022</a:t>
+              <a:t>8/7/2022</a:t>
             </a:fld>
             <a:endParaRPr lang="en-US" dirty="0"/>
           </a:p>
@@ -21320,7 +21487,7 @@
           <a:p>
             <a:fld id="{A7119916-CD40-456D-ABE3-55F8822671F7}" type="datetime1">
               <a:rPr lang="en-US" smtClean="0"/>
-              <a:t>7/10/2022</a:t>
+              <a:t>8/7/2022</a:t>
             </a:fld>
             <a:endParaRPr lang="en-US" dirty="0"/>
           </a:p>
@@ -21608,7 +21775,7 @@
           <a:p>
             <a:fld id="{A7119916-CD40-456D-ABE3-55F8822671F7}" type="datetime1">
               <a:rPr lang="en-US" smtClean="0"/>
-              <a:t>7/10/2022</a:t>
+              <a:t>8/7/2022</a:t>
             </a:fld>
             <a:endParaRPr lang="en-US" dirty="0"/>
           </a:p>
@@ -21863,7 +22030,7 @@
           <a:p>
             <a:fld id="{A7119916-CD40-456D-ABE3-55F8822671F7}" type="datetime1">
               <a:rPr lang="en-US" smtClean="0"/>
-              <a:t>7/10/2022</a:t>
+              <a:t>8/7/2022</a:t>
             </a:fld>
             <a:endParaRPr lang="en-US" dirty="0"/>
           </a:p>
@@ -22172,7 +22339,7 @@
           <a:p>
             <a:fld id="{A7119916-CD40-456D-ABE3-55F8822671F7}" type="datetime1">
               <a:rPr lang="en-US" smtClean="0"/>
-              <a:t>7/10/2022</a:t>
+              <a:t>8/7/2022</a:t>
             </a:fld>
             <a:endParaRPr lang="en-US" dirty="0"/>
           </a:p>
@@ -22469,7 +22636,7 @@
           <a:p>
             <a:fld id="{A7119916-CD40-456D-ABE3-55F8822671F7}" type="datetime1">
               <a:rPr lang="en-US" smtClean="0"/>
-              <a:t>7/10/2022</a:t>
+              <a:t>8/7/2022</a:t>
             </a:fld>
             <a:endParaRPr lang="en-US" dirty="0"/>
           </a:p>
@@ -22861,7 +23028,7 @@
                 <a:tabLst/>
                 <a:defRPr/>
               </a:pPr>
-              <a:t>7/10/2022</a:t>
+              <a:t>8/7/2022</a:t>
             </a:fld>
             <a:endParaRPr kumimoji="0" lang="en-US" sz="900" b="0" i="0" u="none" strike="noStrike" kern="1200" cap="none" spc="0" normalizeH="0" baseline="0" noProof="0" dirty="0">
               <a:ln>
@@ -23258,7 +23425,7 @@
           <a:p>
             <a:fld id="{A7119916-CD40-456D-ABE3-55F8822671F7}" type="datetime1">
               <a:rPr lang="en-US" smtClean="0"/>
-              <a:t>7/10/2022</a:t>
+              <a:t>8/7/2022</a:t>
             </a:fld>
             <a:endParaRPr lang="en-US" dirty="0"/>
           </a:p>
@@ -23434,7 +23601,7 @@
           <a:p>
             <a:r>
               <a:rPr lang="en-US" sz="3600" dirty="0"/>
-              <a:t>NEW Areas - Games for young 3-8 years</a:t>
+              <a:t>NEW Areas - Games for young 3+ years</a:t>
             </a:r>
           </a:p>
         </p:txBody>
@@ -23467,7 +23634,7 @@
           <a:p>
             <a:fld id="{B428F5A7-20F3-4981-866F-DD0AA3B623E8}" type="datetime1">
               <a:rPr lang="en-US" smtClean="0"/>
-              <a:t>7/10/2022</a:t>
+              <a:t>8/7/2022</a:t>
             </a:fld>
             <a:endParaRPr lang="en-US" dirty="0"/>
           </a:p>
@@ -23751,7 +23918,7 @@
           <a:p>
             <a:fld id="{A7119916-CD40-456D-ABE3-55F8822671F7}" type="datetime1">
               <a:rPr lang="en-US" smtClean="0"/>
-              <a:t>7/10/2022</a:t>
+              <a:t>8/7/2022</a:t>
             </a:fld>
             <a:endParaRPr lang="en-US" dirty="0"/>
           </a:p>
@@ -24025,7 +24192,7 @@
           <a:p>
             <a:fld id="{A7119916-CD40-456D-ABE3-55F8822671F7}" type="datetime1">
               <a:rPr lang="en-US" smtClean="0"/>
-              <a:t>7/10/2022</a:t>
+              <a:t>8/7/2022</a:t>
             </a:fld>
             <a:endParaRPr lang="en-US" dirty="0"/>
           </a:p>
@@ -24321,7 +24488,7 @@
           <a:p>
             <a:fld id="{A7119916-CD40-456D-ABE3-55F8822671F7}" type="datetime1">
               <a:rPr lang="en-US" smtClean="0"/>
-              <a:t>7/10/2022</a:t>
+              <a:t>8/7/2022</a:t>
             </a:fld>
             <a:endParaRPr lang="en-US" dirty="0"/>
           </a:p>
@@ -24589,7 +24756,7 @@
           <a:p>
             <a:fld id="{A7119916-CD40-456D-ABE3-55F8822671F7}" type="datetime1">
               <a:rPr lang="en-US" smtClean="0"/>
-              <a:t>7/10/2022</a:t>
+              <a:t>8/7/2022</a:t>
             </a:fld>
             <a:endParaRPr lang="en-US" dirty="0"/>
           </a:p>
@@ -24832,7 +24999,7 @@
           <a:p>
             <a:fld id="{05BC9A31-B982-4DAD-8F8D-6FACB88C79AA}" type="datetime1">
               <a:rPr lang="en-US" smtClean="0"/>
-              <a:t>7/10/2022</a:t>
+              <a:t>8/7/2022</a:t>
             </a:fld>
             <a:endParaRPr lang="en-US" dirty="0"/>
           </a:p>
@@ -24998,7 +25165,7 @@
           <a:p>
             <a:fld id="{94662273-5966-4B9D-83DB-14F68B7746FA}" type="datetime1">
               <a:rPr lang="en-US" smtClean="0"/>
-              <a:t>7/10/2022</a:t>
+              <a:t>8/7/2022</a:t>
             </a:fld>
             <a:endParaRPr lang="en-US" dirty="0"/>
           </a:p>
@@ -25532,7 +25699,7 @@
           <a:p>
             <a:fld id="{05BC9A31-B982-4DAD-8F8D-6FACB88C79AA}" type="datetime1">
               <a:rPr lang="en-US" smtClean="0"/>
-              <a:t>7/10/2022</a:t>
+              <a:t>8/7/2022</a:t>
             </a:fld>
             <a:endParaRPr lang="en-US" dirty="0"/>
           </a:p>
@@ -25770,7 +25937,7 @@
           <a:p>
             <a:fld id="{A7119916-CD40-456D-ABE3-55F8822671F7}" type="datetime1">
               <a:rPr lang="en-US" smtClean="0"/>
-              <a:t>7/10/2022</a:t>
+              <a:t>8/7/2022</a:t>
             </a:fld>
             <a:endParaRPr lang="en-US" dirty="0"/>
           </a:p>
@@ -26025,7 +26192,7 @@
           <a:p>
             <a:fld id="{A7119916-CD40-456D-ABE3-55F8822671F7}" type="datetime1">
               <a:rPr lang="en-US" smtClean="0"/>
-              <a:t>7/10/2022</a:t>
+              <a:t>8/7/2022</a:t>
             </a:fld>
             <a:endParaRPr lang="en-US" dirty="0"/>
           </a:p>
@@ -26293,7 +26460,7 @@
           <a:p>
             <a:fld id="{A7119916-CD40-456D-ABE3-55F8822671F7}" type="datetime1">
               <a:rPr lang="en-US" smtClean="0"/>
-              <a:t>7/10/2022</a:t>
+              <a:t>8/7/2022</a:t>
             </a:fld>
             <a:endParaRPr lang="en-US" dirty="0"/>
           </a:p>
@@ -26528,7 +26695,7 @@
           <a:p>
             <a:fld id="{17F33E47-61B9-4B4D-8325-8788C9EC3005}" type="datetime1">
               <a:rPr lang="en-US" smtClean="0"/>
-              <a:t>7/10/2022</a:t>
+              <a:t>8/7/2022</a:t>
             </a:fld>
             <a:endParaRPr lang="en-US" dirty="0"/>
           </a:p>
@@ -26771,7 +26938,7 @@
           <a:p>
             <a:fld id="{E23F3936-AFA8-453C-AA83-20BED14AE09C}" type="datetime1">
               <a:rPr lang="en-US" smtClean="0"/>
-              <a:t>7/10/2022</a:t>
+              <a:t>8/7/2022</a:t>
             </a:fld>
             <a:endParaRPr lang="en-US" dirty="0"/>
           </a:p>
@@ -27019,7 +27186,7 @@
           <a:p>
             <a:fld id="{0B07C6D0-642C-4A40-B0F1-13ED56048173}" type="datetime1">
               <a:rPr lang="en-US" smtClean="0"/>
-              <a:t>7/10/2022</a:t>
+              <a:t>8/7/2022</a:t>
             </a:fld>
             <a:endParaRPr lang="en-US" dirty="0"/>
           </a:p>
@@ -27185,7 +27352,7 @@
           <a:p>
             <a:fld id="{A7119916-CD40-456D-ABE3-55F8822671F7}" type="datetime1">
               <a:rPr lang="en-US" smtClean="0"/>
-              <a:t>7/10/2022</a:t>
+              <a:t>8/7/2022</a:t>
             </a:fld>
             <a:endParaRPr lang="en-US" dirty="0"/>
           </a:p>
@@ -27467,7 +27634,7 @@
           <a:p>
             <a:fld id="{0B07C6D0-642C-4A40-B0F1-13ED56048173}" type="datetime1">
               <a:rPr lang="en-US" smtClean="0"/>
-              <a:t>7/10/2022</a:t>
+              <a:t>8/7/2022</a:t>
             </a:fld>
             <a:endParaRPr lang="en-US" dirty="0"/>
           </a:p>
@@ -27812,7 +27979,7 @@
           <a:p>
             <a:fld id="{52E41419-A9A0-4E48-99EF-6542B4AE3C79}" type="datetime1">
               <a:rPr lang="en-US" smtClean="0"/>
-              <a:t>7/10/2022</a:t>
+              <a:t>8/7/2022</a:t>
             </a:fld>
             <a:endParaRPr lang="en-US" dirty="0"/>
           </a:p>
@@ -28128,7 +28295,7 @@
           <a:p>
             <a:fld id="{52E41419-A9A0-4E48-99EF-6542B4AE3C79}" type="datetime1">
               <a:rPr lang="en-US" smtClean="0"/>
-              <a:t>7/10/2022</a:t>
+              <a:t>8/7/2022</a:t>
             </a:fld>
             <a:endParaRPr lang="en-US" dirty="0"/>
           </a:p>
@@ -28474,7 +28641,7 @@
           <a:p>
             <a:fld id="{52E41419-A9A0-4E48-99EF-6542B4AE3C79}" type="datetime1">
               <a:rPr lang="en-US" smtClean="0"/>
-              <a:t>7/10/2022</a:t>
+              <a:t>8/7/2022</a:t>
             </a:fld>
             <a:endParaRPr lang="en-US" dirty="0"/>
           </a:p>
@@ -28781,7 +28948,7 @@
           <a:p>
             <a:fld id="{52E41419-A9A0-4E48-99EF-6542B4AE3C79}" type="datetime1">
               <a:rPr lang="en-US" smtClean="0"/>
-              <a:t>7/10/2022</a:t>
+              <a:t>8/7/2022</a:t>
             </a:fld>
             <a:endParaRPr lang="en-US" dirty="0"/>
           </a:p>
